--- a/docs/SchemaDocumentation/nmrML_Poster_124_Schober.pptx
+++ b/docs/SchemaDocumentation/nmrML_Poster_124_Schober.pptx
@@ -485,7 +485,7 @@
             <a:fld id="{220332FB-83C8-E24C-BAB1-A588F05ACF5F}" type="datetimeFigureOut">
               <a:rPr lang="en-US" smtClean="0"/>
               <a:pPr/>
-              <a:t>5/15/2014</a:t>
+              <a:t>6/2/2014</a:t>
             </a:fld>
             <a:endParaRPr lang="en-US"/>
           </a:p>
@@ -657,7 +657,7 @@
             <a:fld id="{220332FB-83C8-E24C-BAB1-A588F05ACF5F}" type="datetimeFigureOut">
               <a:rPr lang="en-US" smtClean="0"/>
               <a:pPr/>
-              <a:t>5/15/2014</a:t>
+              <a:t>6/2/2014</a:t>
             </a:fld>
             <a:endParaRPr lang="en-US"/>
           </a:p>
@@ -839,7 +839,7 @@
             <a:fld id="{220332FB-83C8-E24C-BAB1-A588F05ACF5F}" type="datetimeFigureOut">
               <a:rPr lang="en-US" smtClean="0"/>
               <a:pPr/>
-              <a:t>5/15/2014</a:t>
+              <a:t>6/2/2014</a:t>
             </a:fld>
             <a:endParaRPr lang="en-US"/>
           </a:p>
@@ -1011,7 +1011,7 @@
             <a:fld id="{220332FB-83C8-E24C-BAB1-A588F05ACF5F}" type="datetimeFigureOut">
               <a:rPr lang="en-US" smtClean="0"/>
               <a:pPr/>
-              <a:t>5/15/2014</a:t>
+              <a:t>6/2/2014</a:t>
             </a:fld>
             <a:endParaRPr lang="en-US"/>
           </a:p>
@@ -1259,7 +1259,7 @@
             <a:fld id="{220332FB-83C8-E24C-BAB1-A588F05ACF5F}" type="datetimeFigureOut">
               <a:rPr lang="en-US" smtClean="0"/>
               <a:pPr/>
-              <a:t>5/15/2014</a:t>
+              <a:t>6/2/2014</a:t>
             </a:fld>
             <a:endParaRPr lang="en-US"/>
           </a:p>
@@ -1549,7 +1549,7 @@
             <a:fld id="{220332FB-83C8-E24C-BAB1-A588F05ACF5F}" type="datetimeFigureOut">
               <a:rPr lang="en-US" smtClean="0"/>
               <a:pPr/>
-              <a:t>5/15/2014</a:t>
+              <a:t>6/2/2014</a:t>
             </a:fld>
             <a:endParaRPr lang="en-US"/>
           </a:p>
@@ -1978,7 +1978,7 @@
             <a:fld id="{220332FB-83C8-E24C-BAB1-A588F05ACF5F}" type="datetimeFigureOut">
               <a:rPr lang="en-US" smtClean="0"/>
               <a:pPr/>
-              <a:t>5/15/2014</a:t>
+              <a:t>6/2/2014</a:t>
             </a:fld>
             <a:endParaRPr lang="en-US"/>
           </a:p>
@@ -2098,7 +2098,7 @@
             <a:fld id="{220332FB-83C8-E24C-BAB1-A588F05ACF5F}" type="datetimeFigureOut">
               <a:rPr lang="en-US" smtClean="0"/>
               <a:pPr/>
-              <a:t>5/15/2014</a:t>
+              <a:t>6/2/2014</a:t>
             </a:fld>
             <a:endParaRPr lang="en-US"/>
           </a:p>
@@ -2195,7 +2195,7 @@
             <a:fld id="{220332FB-83C8-E24C-BAB1-A588F05ACF5F}" type="datetimeFigureOut">
               <a:rPr lang="en-US" smtClean="0"/>
               <a:pPr/>
-              <a:t>5/15/2014</a:t>
+              <a:t>6/2/2014</a:t>
             </a:fld>
             <a:endParaRPr lang="en-US"/>
           </a:p>
@@ -2474,7 +2474,7 @@
             <a:fld id="{220332FB-83C8-E24C-BAB1-A588F05ACF5F}" type="datetimeFigureOut">
               <a:rPr lang="en-US" smtClean="0"/>
               <a:pPr/>
-              <a:t>5/15/2014</a:t>
+              <a:t>6/2/2014</a:t>
             </a:fld>
             <a:endParaRPr lang="en-US"/>
           </a:p>
@@ -2729,7 +2729,7 @@
             <a:fld id="{220332FB-83C8-E24C-BAB1-A588F05ACF5F}" type="datetimeFigureOut">
               <a:rPr lang="en-US" smtClean="0"/>
               <a:pPr/>
-              <a:t>5/15/2014</a:t>
+              <a:t>6/2/2014</a:t>
             </a:fld>
             <a:endParaRPr lang="en-US"/>
           </a:p>
@@ -2944,7 +2944,7 @@
             <a:fld id="{220332FB-83C8-E24C-BAB1-A588F05ACF5F}" type="datetimeFigureOut">
               <a:rPr lang="en-US" smtClean="0"/>
               <a:pPr/>
-              <a:t>5/15/2014</a:t>
+              <a:t>6/2/2014</a:t>
             </a:fld>
             <a:endParaRPr lang="en-US"/>
           </a:p>
@@ -4888,7 +4888,7 @@
         <p:spPr>
           <a:xfrm>
             <a:off x="754043" y="494876"/>
-            <a:ext cx="2417300" cy="2953862"/>
+            <a:ext cx="2768196" cy="3382646"/>
           </a:xfrm>
           <a:prstGeom prst="rect">
             <a:avLst/>
@@ -7826,7 +7826,7 @@
           <a:graphicData uri="http://schemas.openxmlformats.org/presentationml/2006/ole">
             <mc:AlternateContent xmlns:mc="http://schemas.openxmlformats.org/markup-compatibility/2006">
               <mc:Choice xmlns:v="urn:schemas-microsoft-com:vml" Requires="v">
-                <p:oleObj spid="_x0000_s3121" r:id="rId20" imgW="155999880" imgH="75692160" progId="">
+                <p:oleObj spid="_x0000_s3125" r:id="rId20" imgW="155999880" imgH="75692160" progId="">
                   <p:embed/>
                 </p:oleObj>
               </mc:Choice>
@@ -8104,7 +8104,17 @@
                 <a:latin typeface="Verdana"/>
                 <a:cs typeface="Verdana"/>
               </a:rPr>
-              <a:t> </a:t>
+              <a:t> which checks a data file is syntactically well formatted, sufficiently detailed with respect to data content and annotation and that aspects of </a:t>
+            </a:r>
+            <a:r>
+              <a:rPr lang="en-US" sz="2800" b="1" dirty="0" smtClean="0">
+                <a:solidFill>
+                  <a:srgbClr val="0070C0"/>
+                </a:solidFill>
+                <a:latin typeface="Verdana"/>
+                <a:cs typeface="Verdana"/>
+              </a:rPr>
+              <a:t>minimal information requirements</a:t>
             </a:r>
             <a:r>
               <a:rPr lang="en-US" sz="2800" dirty="0" smtClean="0">
@@ -8114,67 +8124,7 @@
                 <a:latin typeface="Verdana"/>
                 <a:cs typeface="Verdana"/>
               </a:rPr>
-              <a:t>which checks a data file is syntactically well formatted, </a:t>
-            </a:r>
-            <a:r>
-              <a:rPr lang="en-US" sz="2800" dirty="0" smtClean="0">
-                <a:solidFill>
-                  <a:srgbClr val="121421"/>
-                </a:solidFill>
-                <a:latin typeface="Verdana"/>
-                <a:cs typeface="Verdana"/>
-              </a:rPr>
-              <a:t>sufficiently detailed with respect to data content and annotation </a:t>
-            </a:r>
-            <a:r>
-              <a:rPr lang="en-US" sz="2800" dirty="0" smtClean="0">
-                <a:solidFill>
-                  <a:srgbClr val="121421"/>
-                </a:solidFill>
-                <a:latin typeface="Verdana"/>
-                <a:cs typeface="Verdana"/>
-              </a:rPr>
-              <a:t>and that aspects of </a:t>
-            </a:r>
-            <a:r>
-              <a:rPr lang="en-US" sz="2800" b="1" dirty="0" smtClean="0">
-                <a:solidFill>
-                  <a:srgbClr val="0070C0"/>
-                </a:solidFill>
-                <a:latin typeface="Verdana"/>
-                <a:cs typeface="Verdana"/>
-              </a:rPr>
-              <a:t>minimal information </a:t>
-            </a:r>
-            <a:r>
-              <a:rPr lang="en-US" sz="2800" b="1" dirty="0" smtClean="0">
-                <a:solidFill>
-                  <a:srgbClr val="0070C0"/>
-                </a:solidFill>
-                <a:latin typeface="Verdana"/>
-                <a:cs typeface="Verdana"/>
-              </a:rPr>
-              <a:t>requirements</a:t>
-            </a:r>
-            <a:r>
-              <a:rPr lang="en-US" sz="2800" dirty="0" smtClean="0">
-                <a:solidFill>
-                  <a:srgbClr val="121421"/>
-                </a:solidFill>
-                <a:latin typeface="Verdana"/>
-                <a:cs typeface="Verdana"/>
-              </a:rPr>
-              <a:t>, e.g. from </a:t>
-            </a:r>
-            <a:r>
-              <a:rPr lang="en-US" sz="2800" dirty="0" smtClean="0">
-                <a:solidFill>
-                  <a:srgbClr val="121421"/>
-                </a:solidFill>
-                <a:latin typeface="Verdana"/>
-                <a:cs typeface="Verdana"/>
-              </a:rPr>
-              <a:t>the Core Information for Metabolomics Reporting (CIMR) are met.</a:t>
+              <a:t>, e.g. from the Core Information for Metabolomics Reporting (CIMR) are met.</a:t>
             </a:r>
             <a:endParaRPr lang="ro-RO" sz="2800" dirty="0">
               <a:solidFill>
@@ -8901,50 +8851,6 @@
           <a:xfrm rot="1237141">
             <a:off x="7266297" y="32245313"/>
             <a:ext cx="2512940" cy="296192"/>
-          </a:xfrm>
-          <a:prstGeom prst="rightArrow">
-            <a:avLst/>
-          </a:prstGeom>
-          <a:solidFill>
-            <a:schemeClr val="tx2">
-              <a:lumMod val="20000"/>
-              <a:lumOff val="80000"/>
-            </a:schemeClr>
-          </a:solidFill>
-        </p:spPr>
-        <p:style>
-          <a:lnRef idx="1">
-            <a:schemeClr val="accent5"/>
-          </a:lnRef>
-          <a:fillRef idx="3">
-            <a:schemeClr val="accent5"/>
-          </a:fillRef>
-          <a:effectRef idx="2">
-            <a:schemeClr val="accent5"/>
-          </a:effectRef>
-          <a:fontRef idx="minor">
-            <a:schemeClr val="lt1"/>
-          </a:fontRef>
-        </p:style>
-        <p:txBody>
-          <a:bodyPr rtlCol="0" anchor="ctr"/>
-          <a:lstStyle/>
-          <a:p>
-            <a:pPr algn="ctr"/>
-            <a:endParaRPr lang="en-US"/>
-          </a:p>
-        </p:txBody>
-      </p:sp>
-      <p:sp>
-        <p:nvSpPr>
-          <p:cNvPr id="56" name="Pfeil nach rechts 55"/>
-          <p:cNvSpPr/>
-          <p:nvPr/>
-        </p:nvSpPr>
-        <p:spPr>
-          <a:xfrm rot="1779196">
-            <a:off x="15711416" y="34549054"/>
-            <a:ext cx="1892419" cy="299448"/>
           </a:xfrm>
           <a:prstGeom prst="rightArrow">
             <a:avLst/>
@@ -9237,63 +9143,36 @@
           </a:prstGeom>
         </p:spPr>
       </p:pic>
-      <p:graphicFrame>
-        <p:nvGraphicFramePr>
-          <p:cNvPr id="40" name="Objekt 39"/>
-          <p:cNvGraphicFramePr>
-            <a:graphicFrameLocks noChangeAspect="1"/>
-          </p:cNvGraphicFramePr>
-          <p:nvPr>
-            <p:extLst>
-              <p:ext uri="{D42A27DB-BD31-4B8C-83A1-F6EECF244321}">
-                <p14:modId xmlns:p14="http://schemas.microsoft.com/office/powerpoint/2010/main" val="4285269338"/>
-              </p:ext>
-            </p:extLst>
-          </p:nvPr>
-        </p:nvGraphicFramePr>
-        <p:xfrm>
-          <a:off x="25103624" y="473987"/>
-          <a:ext cx="4622800" cy="1231900"/>
-        </p:xfrm>
-        <a:graphic>
-          <a:graphicData uri="http://schemas.openxmlformats.org/presentationml/2006/ole">
-            <mc:AlternateContent xmlns:mc="http://schemas.openxmlformats.org/markup-compatibility/2006">
-              <mc:Choice xmlns:v="urn:schemas-microsoft-com:vml" Requires="v">
-                <p:oleObj spid="_x0000_s3122" r:id="rId31" imgW="4622040" imgH="1231560" progId="">
-                  <p:embed/>
-                </p:oleObj>
-              </mc:Choice>
-              <mc:Fallback>
-                <p:oleObj r:id="rId31" imgW="4622040" imgH="1231560" progId="">
-                  <p:embed/>
-                  <p:pic>
-                    <p:nvPicPr>
-                      <p:cNvPr id="0" name=""/>
-                      <p:cNvPicPr/>
-                      <p:nvPr/>
-                    </p:nvPicPr>
-                    <p:blipFill>
-                      <a:blip r:embed="rId32"/>
-                      <a:stretch>
-                        <a:fillRect/>
-                      </a:stretch>
-                    </p:blipFill>
-                    <p:spPr>
-                      <a:xfrm>
-                        <a:off x="25103624" y="473987"/>
-                        <a:ext cx="4622800" cy="1231900"/>
-                      </a:xfrm>
-                      <a:prstGeom prst="rect">
-                        <a:avLst/>
-                      </a:prstGeom>
-                    </p:spPr>
-                  </p:pic>
-                </p:oleObj>
-              </mc:Fallback>
-            </mc:AlternateContent>
-          </a:graphicData>
-        </a:graphic>
-      </p:graphicFrame>
+      <p:pic>
+        <p:nvPicPr>
+          <p:cNvPr id="8" name="Grafik 7"/>
+          <p:cNvPicPr>
+            <a:picLocks noChangeAspect="1"/>
+          </p:cNvPicPr>
+          <p:nvPr/>
+        </p:nvPicPr>
+        <p:blipFill>
+          <a:blip r:embed="rId31">
+            <a:extLst>
+              <a:ext uri="{28A0092B-C50C-407E-A947-70E740481C1C}">
+                <a14:useLocalDpi xmlns:a14="http://schemas.microsoft.com/office/drawing/2010/main" val="0"/>
+              </a:ext>
+            </a:extLst>
+          </a:blip>
+          <a:stretch>
+            <a:fillRect/>
+          </a:stretch>
+        </p:blipFill>
+        <p:spPr>
+          <a:xfrm>
+            <a:off x="25162827" y="478750"/>
+            <a:ext cx="4619625" cy="1228725"/>
+          </a:xfrm>
+          <a:prstGeom prst="rect">
+            <a:avLst/>
+          </a:prstGeom>
+        </p:spPr>
+      </p:pic>
     </p:spTree>
     <p:extLst>
       <p:ext uri="{BB962C8B-B14F-4D97-AF65-F5344CB8AC3E}">

--- a/docs/SchemaDocumentation/nmrML_Poster_124_Schober.pptx
+++ b/docs/SchemaDocumentation/nmrML_Poster_124_Schober.pptx
@@ -223,20 +223,6 @@
 
 <file path=ppt/comments/comment1.xml><?xml version="1.0" encoding="utf-8"?>
 <p:cmLst xmlns:a="http://schemas.openxmlformats.org/drawingml/2006/main" xmlns:r="http://schemas.openxmlformats.org/officeDocument/2006/relationships" xmlns:p="http://schemas.openxmlformats.org/presentationml/2006/main">
-  <p:cm authorId="1" dt="2014-05-20T13:45:41.009" idx="6">
-    <p:pos x="7302" y="9365"/>
-    <p:text>take color schemed oxygen version of text</p:text>
-    <p:extLst>
-      <p:ext uri="{C676402C-5697-4E1C-873F-D02D1690AC5C}">
-        <p15:threadingInfo xmlns:p15="http://schemas.microsoft.com/office/powerpoint/2012/main" timeZoneBias="-120"/>
-      </p:ext>
-    </p:extLst>
-  </p:cm>
-</p:cmLst>
-</file>
-
-<file path=ppt/comments/comment2.xml><?xml version="1.0" encoding="utf-8"?>
-<p:cmLst xmlns:a="http://schemas.openxmlformats.org/drawingml/2006/main" xmlns:r="http://schemas.openxmlformats.org/officeDocument/2006/relationships" xmlns:p="http://schemas.openxmlformats.org/presentationml/2006/main">
   <p:cm authorId="1" dt="2014-05-15T10:32:49.624" idx="1">
     <p:pos x="10" y="10"/>
     <p:text>Poster size is A0 wide
@@ -485,7 +471,7 @@
             <a:fld id="{220332FB-83C8-E24C-BAB1-A588F05ACF5F}" type="datetimeFigureOut">
               <a:rPr lang="en-US" smtClean="0"/>
               <a:pPr/>
-              <a:t>6/2/2014</a:t>
+              <a:t>6/4/2014</a:t>
             </a:fld>
             <a:endParaRPr lang="en-US"/>
           </a:p>
@@ -657,7 +643,7 @@
             <a:fld id="{220332FB-83C8-E24C-BAB1-A588F05ACF5F}" type="datetimeFigureOut">
               <a:rPr lang="en-US" smtClean="0"/>
               <a:pPr/>
-              <a:t>6/2/2014</a:t>
+              <a:t>6/4/2014</a:t>
             </a:fld>
             <a:endParaRPr lang="en-US"/>
           </a:p>
@@ -839,7 +825,7 @@
             <a:fld id="{220332FB-83C8-E24C-BAB1-A588F05ACF5F}" type="datetimeFigureOut">
               <a:rPr lang="en-US" smtClean="0"/>
               <a:pPr/>
-              <a:t>6/2/2014</a:t>
+              <a:t>6/4/2014</a:t>
             </a:fld>
             <a:endParaRPr lang="en-US"/>
           </a:p>
@@ -1011,7 +997,7 @@
             <a:fld id="{220332FB-83C8-E24C-BAB1-A588F05ACF5F}" type="datetimeFigureOut">
               <a:rPr lang="en-US" smtClean="0"/>
               <a:pPr/>
-              <a:t>6/2/2014</a:t>
+              <a:t>6/4/2014</a:t>
             </a:fld>
             <a:endParaRPr lang="en-US"/>
           </a:p>
@@ -1259,7 +1245,7 @@
             <a:fld id="{220332FB-83C8-E24C-BAB1-A588F05ACF5F}" type="datetimeFigureOut">
               <a:rPr lang="en-US" smtClean="0"/>
               <a:pPr/>
-              <a:t>6/2/2014</a:t>
+              <a:t>6/4/2014</a:t>
             </a:fld>
             <a:endParaRPr lang="en-US"/>
           </a:p>
@@ -1549,7 +1535,7 @@
             <a:fld id="{220332FB-83C8-E24C-BAB1-A588F05ACF5F}" type="datetimeFigureOut">
               <a:rPr lang="en-US" smtClean="0"/>
               <a:pPr/>
-              <a:t>6/2/2014</a:t>
+              <a:t>6/4/2014</a:t>
             </a:fld>
             <a:endParaRPr lang="en-US"/>
           </a:p>
@@ -1978,7 +1964,7 @@
             <a:fld id="{220332FB-83C8-E24C-BAB1-A588F05ACF5F}" type="datetimeFigureOut">
               <a:rPr lang="en-US" smtClean="0"/>
               <a:pPr/>
-              <a:t>6/2/2014</a:t>
+              <a:t>6/4/2014</a:t>
             </a:fld>
             <a:endParaRPr lang="en-US"/>
           </a:p>
@@ -2098,7 +2084,7 @@
             <a:fld id="{220332FB-83C8-E24C-BAB1-A588F05ACF5F}" type="datetimeFigureOut">
               <a:rPr lang="en-US" smtClean="0"/>
               <a:pPr/>
-              <a:t>6/2/2014</a:t>
+              <a:t>6/4/2014</a:t>
             </a:fld>
             <a:endParaRPr lang="en-US"/>
           </a:p>
@@ -2195,7 +2181,7 @@
             <a:fld id="{220332FB-83C8-E24C-BAB1-A588F05ACF5F}" type="datetimeFigureOut">
               <a:rPr lang="en-US" smtClean="0"/>
               <a:pPr/>
-              <a:t>6/2/2014</a:t>
+              <a:t>6/4/2014</a:t>
             </a:fld>
             <a:endParaRPr lang="en-US"/>
           </a:p>
@@ -2474,7 +2460,7 @@
             <a:fld id="{220332FB-83C8-E24C-BAB1-A588F05ACF5F}" type="datetimeFigureOut">
               <a:rPr lang="en-US" smtClean="0"/>
               <a:pPr/>
-              <a:t>6/2/2014</a:t>
+              <a:t>6/4/2014</a:t>
             </a:fld>
             <a:endParaRPr lang="en-US"/>
           </a:p>
@@ -2729,7 +2715,7 @@
             <a:fld id="{220332FB-83C8-E24C-BAB1-A588F05ACF5F}" type="datetimeFigureOut">
               <a:rPr lang="en-US" smtClean="0"/>
               <a:pPr/>
-              <a:t>6/2/2014</a:t>
+              <a:t>6/4/2014</a:t>
             </a:fld>
             <a:endParaRPr lang="en-US"/>
           </a:p>
@@ -2944,7 +2930,7 @@
             <a:fld id="{220332FB-83C8-E24C-BAB1-A588F05ACF5F}" type="datetimeFigureOut">
               <a:rPr lang="en-US" smtClean="0"/>
               <a:pPr/>
-              <a:t>6/2/2014</a:t>
+              <a:t>6/4/2014</a:t>
             </a:fld>
             <a:endParaRPr lang="en-US"/>
           </a:p>
@@ -3340,7 +3326,7 @@
         </p:nvSpPr>
         <p:spPr>
           <a:xfrm>
-            <a:off x="770594" y="29119711"/>
+            <a:off x="797327" y="29621103"/>
             <a:ext cx="28856833" cy="5946497"/>
           </a:xfrm>
           <a:prstGeom prst="rect">
@@ -3381,8 +3367,8 @@
         </p:nvSpPr>
         <p:spPr>
           <a:xfrm>
-            <a:off x="20184052" y="22159089"/>
-            <a:ext cx="9245128" cy="3955772"/>
+            <a:off x="20074671" y="21960829"/>
+            <a:ext cx="9354509" cy="4154031"/>
           </a:xfrm>
           <a:prstGeom prst="rect">
             <a:avLst/>
@@ -3629,7 +3615,7 @@
         </p:nvCxnSpPr>
         <p:spPr>
           <a:xfrm>
-            <a:off x="0" y="39469650"/>
+            <a:off x="-36155" y="39735121"/>
             <a:ext cx="30275213" cy="0"/>
           </a:xfrm>
           <a:prstGeom prst="line">
@@ -4050,8 +4036,8 @@
         </p:nvSpPr>
         <p:spPr>
           <a:xfrm>
-            <a:off x="20117173" y="20051041"/>
-            <a:ext cx="9394305" cy="1988237"/>
+            <a:off x="20110313" y="19758778"/>
+            <a:ext cx="8841681" cy="1988237"/>
           </a:xfrm>
           <a:prstGeom prst="rect">
             <a:avLst/>
@@ -4147,7 +4133,27 @@
                 <a:latin typeface="Verdana"/>
                 <a:cs typeface="Verdana"/>
               </a:rPr>
-              <a:t> and Varian data </a:t>
+              <a:t> and </a:t>
+            </a:r>
+            <a:r>
+              <a:rPr lang="en-US" sz="2800" dirty="0" smtClean="0">
+                <a:solidFill>
+                  <a:srgbClr val="121421"/>
+                </a:solidFill>
+                <a:latin typeface="Verdana"/>
+                <a:cs typeface="Verdana"/>
+              </a:rPr>
+              <a:t>Agilent/Varian </a:t>
+            </a:r>
+            <a:r>
+              <a:rPr lang="en-US" sz="2800" dirty="0" smtClean="0">
+                <a:solidFill>
+                  <a:srgbClr val="121421"/>
+                </a:solidFill>
+                <a:latin typeface="Verdana"/>
+                <a:cs typeface="Verdana"/>
+              </a:rPr>
+              <a:t>data </a:t>
             </a:r>
             <a:r>
               <a:rPr lang="en-US" sz="2800" dirty="0">
@@ -4197,7 +4203,7 @@
         </p:nvSpPr>
         <p:spPr>
           <a:xfrm>
-            <a:off x="20142953" y="19223128"/>
+            <a:off x="20074671" y="19005540"/>
             <a:ext cx="2724912" cy="646331"/>
           </a:xfrm>
           <a:prstGeom prst="rect">
@@ -4241,7 +4247,7 @@
         </p:nvSpPr>
         <p:spPr>
           <a:xfrm>
-            <a:off x="829482" y="36620125"/>
+            <a:off x="743426" y="37031817"/>
             <a:ext cx="16677468" cy="1988237"/>
           </a:xfrm>
           <a:prstGeom prst="rect">
@@ -4291,14 +4297,14 @@
               <a:t>quantification </a:t>
             </a:r>
             <a:r>
-              <a:rPr lang="en-US" sz="2800" b="1" dirty="0">
+              <a:rPr lang="en-US" sz="2800" b="1" dirty="0" smtClean="0">
                 <a:solidFill>
                   <a:schemeClr val="accent1"/>
                 </a:solidFill>
                 <a:latin typeface="Verdana"/>
                 <a:cs typeface="Verdana"/>
               </a:rPr>
-              <a:t>data</a:t>
+              <a:t>data handling</a:t>
             </a:r>
             <a:r>
               <a:rPr lang="en-US" sz="2800" dirty="0" smtClean="0">
@@ -4308,7 +4314,17 @@
                 <a:latin typeface="Verdana"/>
                 <a:cs typeface="Verdana"/>
               </a:rPr>
-              <a:t>. Our </a:t>
+              <a:t>. </a:t>
+            </a:r>
+            <a:r>
+              <a:rPr lang="en-US" sz="2800" dirty="0" smtClean="0">
+                <a:solidFill>
+                  <a:srgbClr val="121421"/>
+                </a:solidFill>
+                <a:latin typeface="Verdana"/>
+                <a:cs typeface="Verdana"/>
+              </a:rPr>
+              <a:t>Our </a:t>
             </a:r>
             <a:r>
               <a:rPr lang="en-US" sz="2800" dirty="0">
@@ -4441,7 +4457,7 @@
         </p:blipFill>
         <p:spPr>
           <a:xfrm>
-            <a:off x="28624406" y="40100622"/>
+            <a:off x="28510339" y="40154076"/>
             <a:ext cx="1003022" cy="1264821"/>
           </a:xfrm>
           <a:prstGeom prst="rect">
@@ -4903,7 +4919,7 @@
         </p:nvSpPr>
         <p:spPr>
           <a:xfrm>
-            <a:off x="2871919" y="40100622"/>
+            <a:off x="3036994" y="40100622"/>
             <a:ext cx="12011545" cy="2322174"/>
           </a:xfrm>
           <a:prstGeom prst="rect">
@@ -5423,8 +5439,8 @@
         </p:nvSpPr>
         <p:spPr>
           <a:xfrm>
-            <a:off x="1962693" y="13043908"/>
-            <a:ext cx="6774679" cy="1200329"/>
+            <a:off x="1065385" y="13043908"/>
+            <a:ext cx="9288088" cy="646331"/>
           </a:xfrm>
           <a:prstGeom prst="rect">
             <a:avLst/>
@@ -5457,29 +5473,7 @@
                 <a:ea typeface="Verdana" pitchFamily="34" charset="0"/>
                 <a:cs typeface="Verdana" pitchFamily="34" charset="0"/>
               </a:rPr>
-              <a:t> XML </a:t>
-            </a:r>
-            <a:r>
-              <a:rPr lang="de-DE" sz="3600" b="1" dirty="0" err="1" smtClean="0">
-                <a:solidFill>
-                  <a:srgbClr val="2F3246"/>
-                </a:solidFill>
-                <a:latin typeface="Verdana" pitchFamily="34" charset="0"/>
-                <a:ea typeface="Verdana" pitchFamily="34" charset="0"/>
-                <a:cs typeface="Verdana" pitchFamily="34" charset="0"/>
-              </a:rPr>
-              <a:t>schema</a:t>
-            </a:r>
-            <a:r>
-              <a:rPr lang="de-DE" sz="3600" b="1" dirty="0" smtClean="0">
-                <a:solidFill>
-                  <a:srgbClr val="2F3246"/>
-                </a:solidFill>
-                <a:latin typeface="Verdana" pitchFamily="34" charset="0"/>
-                <a:ea typeface="Verdana" pitchFamily="34" charset="0"/>
-                <a:cs typeface="Verdana" pitchFamily="34" charset="0"/>
-              </a:rPr>
-              <a:t> </a:t>
+              <a:t> XSD </a:t>
             </a:r>
             <a:r>
               <a:rPr lang="de-DE" sz="3600" b="1" dirty="0" err="1" smtClean="0">
@@ -5511,7 +5505,7 @@
         </p:nvSpPr>
         <p:spPr>
           <a:xfrm>
-            <a:off x="12152063" y="13111096"/>
+            <a:off x="11926296" y="13111096"/>
             <a:ext cx="7075525" cy="646331"/>
           </a:xfrm>
           <a:prstGeom prst="rect">
@@ -5568,6 +5562,17 @@
                 <a:cs typeface="Verdana" pitchFamily="34" charset="0"/>
               </a:rPr>
               <a:t> </a:t>
+            </a:r>
+            <a:r>
+              <a:rPr lang="de-DE" sz="3600" b="1" dirty="0" smtClean="0">
+                <a:solidFill>
+                  <a:srgbClr val="2F3246"/>
+                </a:solidFill>
+                <a:latin typeface="Verdana" pitchFamily="34" charset="0"/>
+                <a:ea typeface="Verdana" pitchFamily="34" charset="0"/>
+                <a:cs typeface="Verdana" pitchFamily="34" charset="0"/>
+              </a:rPr>
+              <a:t>XML </a:t>
             </a:r>
             <a:r>
               <a:rPr lang="de-DE" sz="3600" b="1" dirty="0" err="1" smtClean="0">
@@ -6010,8 +6015,8 @@
         </p:nvSpPr>
         <p:spPr>
           <a:xfrm>
-            <a:off x="18031213" y="36470124"/>
-            <a:ext cx="11337950" cy="2585323"/>
+            <a:off x="18253880" y="36935983"/>
+            <a:ext cx="11400279" cy="2585323"/>
           </a:xfrm>
           <a:prstGeom prst="rect">
             <a:avLst/>
@@ -6481,7 +6486,7 @@
         <p:spPr>
           <a:xfrm>
             <a:off x="10936132" y="13988035"/>
-            <a:ext cx="8291457" cy="12034064"/>
+            <a:ext cx="8291457" cy="954107"/>
           </a:xfrm>
           <a:prstGeom prst="rect">
             <a:avLst/>
@@ -6584,1137 +6589,6 @@
           </a:p>
           <a:p>
             <a:endParaRPr lang="en-US" sz="2000" dirty="0" smtClean="0"/>
-          </a:p>
-          <a:p>
-            <a:r>
-              <a:rPr lang="en-US" sz="1200" dirty="0" smtClean="0"/>
-              <a:t>&lt;</a:t>
-            </a:r>
-            <a:r>
-              <a:rPr lang="en-US" sz="1200" dirty="0" err="1"/>
-              <a:t>nmrML</a:t>
-            </a:r>
-            <a:r>
-              <a:rPr lang="en-US" sz="1200" dirty="0"/>
-              <a:t> </a:t>
-            </a:r>
-            <a:r>
-              <a:rPr lang="en-US" sz="1200" dirty="0" err="1"/>
-              <a:t>xmlns:xsi</a:t>
-            </a:r>
-            <a:r>
-              <a:rPr lang="en-US" sz="1200" dirty="0"/>
-              <a:t>="http://www.w3.org/2001/XMLSchema-instance"</a:t>
-            </a:r>
-            <a:br>
-              <a:rPr lang="en-US" sz="1200" dirty="0"/>
-            </a:br>
-            <a:r>
-              <a:rPr lang="en-US" sz="1200" dirty="0"/>
-              <a:t> </a:t>
-            </a:r>
-            <a:r>
-              <a:rPr lang="en-US" sz="1200" dirty="0" err="1"/>
-              <a:t>xsi:schemaLocation</a:t>
-            </a:r>
-            <a:r>
-              <a:rPr lang="en-US" sz="1200" dirty="0"/>
-              <a:t>="http://nmrml.org/schema ../../../xml-schemata/nmrML.xsd"</a:t>
-            </a:r>
-            <a:br>
-              <a:rPr lang="en-US" sz="1200" dirty="0"/>
-            </a:br>
-            <a:r>
-              <a:rPr lang="en-US" sz="1200" dirty="0"/>
-              <a:t> </a:t>
-            </a:r>
-            <a:r>
-              <a:rPr lang="en-US" sz="1200" dirty="0" err="1"/>
-              <a:t>xmlns</a:t>
-            </a:r>
-            <a:r>
-              <a:rPr lang="en-US" sz="1200" dirty="0"/>
-              <a:t>="http://nmrml.org/schema" version="1.0.0"&gt;</a:t>
-            </a:r>
-          </a:p>
-          <a:p>
-            <a:r>
-              <a:rPr lang="en-US" sz="1200" dirty="0"/>
-              <a:t>    &lt;</a:t>
-            </a:r>
-            <a:r>
-              <a:rPr lang="en-US" sz="1200" dirty="0" err="1"/>
-              <a:t>cvList</a:t>
-            </a:r>
-            <a:r>
-              <a:rPr lang="en-US" sz="1200" dirty="0"/>
-              <a:t> count="2"&gt;</a:t>
-            </a:r>
-            <a:br>
-              <a:rPr lang="en-US" sz="1200" dirty="0"/>
-            </a:br>
-            <a:r>
-              <a:rPr lang="en-US" sz="1200" dirty="0"/>
-              <a:t>        &lt;cv </a:t>
-            </a:r>
-            <a:r>
-              <a:rPr lang="en-US" sz="1200" dirty="0" err="1"/>
-              <a:t>fullName</a:t>
-            </a:r>
-            <a:r>
-              <a:rPr lang="en-US" sz="1200" dirty="0"/>
-              <a:t>="</a:t>
-            </a:r>
-            <a:r>
-              <a:rPr lang="en-US" sz="1200" dirty="0" err="1"/>
-              <a:t>nmrML</a:t>
-            </a:r>
-            <a:r>
-              <a:rPr lang="en-US" sz="1200" dirty="0"/>
-              <a:t> Controlled Vocabulary" version="0.0.1" id="NMRCV" URI="http://www.nmrml.org/nmrml-cv.0.0.1.owl"/&gt;</a:t>
-            </a:r>
-            <a:br>
-              <a:rPr lang="en-US" sz="1200" dirty="0"/>
-            </a:br>
-            <a:r>
-              <a:rPr lang="en-US" sz="1200" dirty="0"/>
-              <a:t>        &lt;cv </a:t>
-            </a:r>
-            <a:r>
-              <a:rPr lang="en-US" sz="1200" dirty="0" err="1"/>
-              <a:t>fullName</a:t>
-            </a:r>
-            <a:r>
-              <a:rPr lang="en-US" sz="1200" dirty="0"/>
-              <a:t>="Unit Ontology" version="3.2.0" id="UO" URI="http://unit-ontology.googlecode.com/</a:t>
-            </a:r>
-            <a:r>
-              <a:rPr lang="en-US" sz="1200" dirty="0" err="1"/>
-              <a:t>svn</a:t>
-            </a:r>
-            <a:r>
-              <a:rPr lang="en-US" sz="1200" dirty="0"/>
-              <a:t>/trunk/</a:t>
-            </a:r>
-            <a:r>
-              <a:rPr lang="en-US" sz="1200" dirty="0" err="1"/>
-              <a:t>uo.owl</a:t>
-            </a:r>
-            <a:r>
-              <a:rPr lang="en-US" sz="1200" dirty="0"/>
-              <a:t>/"/&gt;</a:t>
-            </a:r>
-            <a:br>
-              <a:rPr lang="en-US" sz="1200" dirty="0"/>
-            </a:br>
-            <a:r>
-              <a:rPr lang="en-US" sz="1200" dirty="0"/>
-              <a:t>    &lt;/</a:t>
-            </a:r>
-            <a:r>
-              <a:rPr lang="en-US" sz="1200" dirty="0" err="1"/>
-              <a:t>cvList</a:t>
-            </a:r>
-            <a:r>
-              <a:rPr lang="en-US" sz="1200" dirty="0"/>
-              <a:t>&gt;</a:t>
-            </a:r>
-          </a:p>
-          <a:p>
-            <a:r>
-              <a:rPr lang="en-US" sz="1200" dirty="0"/>
-              <a:t/>
-            </a:r>
-            <a:br>
-              <a:rPr lang="en-US" sz="1200" dirty="0"/>
-            </a:br>
-            <a:r>
-              <a:rPr lang="en-US" sz="1200" dirty="0"/>
-              <a:t>    &lt;</a:t>
-            </a:r>
-            <a:r>
-              <a:rPr lang="en-US" sz="1200" dirty="0" err="1"/>
-              <a:t>contactList</a:t>
-            </a:r>
-            <a:r>
-              <a:rPr lang="en-US" sz="1200" dirty="0"/>
-              <a:t>&gt;</a:t>
-            </a:r>
-            <a:br>
-              <a:rPr lang="en-US" sz="1200" dirty="0"/>
-            </a:br>
-            <a:r>
-              <a:rPr lang="en-US" sz="1200" dirty="0"/>
-              <a:t>        &lt;</a:t>
-            </a:r>
-            <a:r>
-              <a:rPr lang="en-US" sz="1200" b="1" dirty="0"/>
-              <a:t>contact</a:t>
-            </a:r>
-            <a:r>
-              <a:rPr lang="en-US" sz="1200" dirty="0"/>
-              <a:t> id="ID004" </a:t>
-            </a:r>
-            <a:r>
-              <a:rPr lang="en-US" sz="1200" dirty="0" err="1"/>
-              <a:t>fullname</a:t>
-            </a:r>
-            <a:r>
-              <a:rPr lang="en-US" sz="1200" dirty="0"/>
-              <a:t>="</a:t>
-            </a:r>
-            <a:r>
-              <a:rPr lang="en-US" sz="1200" dirty="0" err="1"/>
-              <a:t>Lutger</a:t>
-            </a:r>
-            <a:r>
-              <a:rPr lang="en-US" sz="1200" dirty="0"/>
-              <a:t> A. </a:t>
-            </a:r>
-            <a:r>
-              <a:rPr lang="en-US" sz="1200" dirty="0" err="1"/>
-              <a:t>Wessjohann</a:t>
-            </a:r>
-            <a:r>
-              <a:rPr lang="en-US" sz="1200" dirty="0"/>
-              <a:t>" email="</a:t>
-            </a:r>
-            <a:r>
-              <a:rPr lang="en-US" sz="1200" dirty="0" err="1"/>
-              <a:t>Ludger.Wessjohann</a:t>
-            </a:r>
-            <a:r>
-              <a:rPr lang="en-US" sz="1200" dirty="0"/>
-              <a:t> [a] ipb-halle.de"/&gt;</a:t>
-            </a:r>
-            <a:br>
-              <a:rPr lang="en-US" sz="1200" dirty="0"/>
-            </a:br>
-            <a:r>
-              <a:rPr lang="en-US" sz="1200" dirty="0"/>
-              <a:t>        &lt;contact id="ID044" </a:t>
-            </a:r>
-            <a:r>
-              <a:rPr lang="en-US" sz="1200" dirty="0" err="1"/>
-              <a:t>fullname</a:t>
-            </a:r>
-            <a:r>
-              <a:rPr lang="en-US" sz="1200" dirty="0"/>
-              <a:t>="Mohamed A. </a:t>
-            </a:r>
-            <a:r>
-              <a:rPr lang="en-US" sz="1200" dirty="0" err="1"/>
-              <a:t>Farag</a:t>
-            </a:r>
-            <a:r>
-              <a:rPr lang="en-US" sz="1200" dirty="0"/>
-              <a:t>" email="mfarag73 [a] yahoo.com"/&gt;</a:t>
-            </a:r>
-            <a:br>
-              <a:rPr lang="en-US" sz="1200" dirty="0"/>
-            </a:br>
-            <a:r>
-              <a:rPr lang="en-US" sz="1200" dirty="0"/>
-              <a:t>    &lt;/</a:t>
-            </a:r>
-            <a:r>
-              <a:rPr lang="en-US" sz="1200" dirty="0" err="1"/>
-              <a:t>contactList</a:t>
-            </a:r>
-            <a:r>
-              <a:rPr lang="en-US" sz="1200" dirty="0"/>
-              <a:t>&gt;</a:t>
-            </a:r>
-            <a:br>
-              <a:rPr lang="en-US" sz="1200" dirty="0"/>
-            </a:br>
-            <a:r>
-              <a:rPr lang="en-US" sz="1200" dirty="0"/>
-              <a:t>    &lt;</a:t>
-            </a:r>
-            <a:r>
-              <a:rPr lang="en-US" sz="1200" dirty="0" err="1"/>
-              <a:t>sourceFileList</a:t>
-            </a:r>
-            <a:r>
-              <a:rPr lang="en-US" sz="1200" dirty="0"/>
-              <a:t> count="2"&gt;</a:t>
-            </a:r>
-            <a:br>
-              <a:rPr lang="en-US" sz="1200" dirty="0"/>
-            </a:br>
-            <a:r>
-              <a:rPr lang="en-US" sz="1200" dirty="0"/>
-              <a:t>        &lt;</a:t>
-            </a:r>
-            <a:r>
-              <a:rPr lang="en-US" sz="1200" b="1" dirty="0" err="1"/>
-              <a:t>sourceFile</a:t>
-            </a:r>
-            <a:r>
-              <a:rPr lang="en-US" sz="1200" dirty="0"/>
-              <a:t> sha1="fd99c095046e2356c7d31154d45353fa79cbc844" </a:t>
-            </a:r>
-          </a:p>
-          <a:p>
-            <a:r>
-              <a:rPr lang="en-US" sz="1200" dirty="0"/>
-              <a:t>	location=</a:t>
-            </a:r>
-            <a:r>
-              <a:rPr lang="en-US" sz="1200" dirty="0">
-                <a:hlinkClick r:id="rId15" action="ppaction://hlinkfile"/>
-              </a:rPr>
-              <a:t>file:///Users/mike/Projects/nmrML/nmrML/examples/IPB_HopExample/FIDs/FAM013</a:t>
-            </a:r>
-            <a:r>
-              <a:rPr lang="en-US" sz="1200" dirty="0" smtClean="0">
-                <a:hlinkClick r:id="rId15" action="ppaction://hlinkfile"/>
-              </a:rPr>
-              <a:t>_ </a:t>
-            </a:r>
-            <a:r>
-              <a:rPr lang="en-US" sz="1200" dirty="0" smtClean="0"/>
-              <a:t>	                </a:t>
-            </a:r>
-            <a:r>
-              <a:rPr lang="en-US" sz="1200" dirty="0" smtClean="0">
-                <a:hlinkClick r:id="rId15" action="ppaction://hlinkfile"/>
-              </a:rPr>
-              <a:t>AHTM.PROTON_04.fid/</a:t>
-            </a:r>
-            <a:r>
-              <a:rPr lang="en-US" sz="1200" dirty="0" err="1" smtClean="0">
-                <a:hlinkClick r:id="rId15" action="ppaction://hlinkfile"/>
-              </a:rPr>
-              <a:t>procpar</a:t>
-            </a:r>
-            <a:endParaRPr lang="en-US" sz="1200" dirty="0"/>
-          </a:p>
-          <a:p>
-            <a:r>
-              <a:rPr lang="en-US" sz="1200" dirty="0"/>
-              <a:t>	 id="SOURCE_FILE_0" name="</a:t>
-            </a:r>
-            <a:r>
-              <a:rPr lang="en-US" sz="1200" b="1" dirty="0" err="1"/>
-              <a:t>procpar</a:t>
-            </a:r>
-            <a:r>
-              <a:rPr lang="en-US" sz="1200" dirty="0"/>
-              <a:t>"&gt;</a:t>
-            </a:r>
-            <a:br>
-              <a:rPr lang="en-US" sz="1200" dirty="0"/>
-            </a:br>
-            <a:r>
-              <a:rPr lang="en-US" sz="1200" dirty="0"/>
-              <a:t>            &lt;</a:t>
-            </a:r>
-            <a:r>
-              <a:rPr lang="en-US" sz="1200" dirty="0" err="1"/>
-              <a:t>cvTerm</a:t>
-            </a:r>
-            <a:r>
-              <a:rPr lang="en-US" sz="1200" dirty="0"/>
-              <a:t> </a:t>
-            </a:r>
-            <a:r>
-              <a:rPr lang="en-US" sz="1200" dirty="0" err="1"/>
-              <a:t>cvRef</a:t>
-            </a:r>
-            <a:r>
-              <a:rPr lang="en-US" sz="1200" dirty="0"/>
-              <a:t>="NMRCV" accession="NMR:1400297" name="Varian VNMR Format"/&gt;</a:t>
-            </a:r>
-            <a:br>
-              <a:rPr lang="en-US" sz="1200" dirty="0"/>
-            </a:br>
-            <a:r>
-              <a:rPr lang="en-US" sz="1200" dirty="0"/>
-              <a:t>            &lt;</a:t>
-            </a:r>
-            <a:r>
-              <a:rPr lang="en-US" sz="1200" dirty="0" err="1"/>
-              <a:t>cvTerm</a:t>
-            </a:r>
-            <a:r>
-              <a:rPr lang="en-US" sz="1200" dirty="0"/>
-              <a:t> </a:t>
-            </a:r>
-            <a:r>
-              <a:rPr lang="en-US" sz="1200" dirty="0" err="1"/>
-              <a:t>cvRef</a:t>
-            </a:r>
-            <a:r>
-              <a:rPr lang="en-US" sz="1200" dirty="0"/>
-              <a:t>="NMRCV" accession="NMR:1002006" name="acquisition parameter file"/&gt;</a:t>
-            </a:r>
-            <a:br>
-              <a:rPr lang="en-US" sz="1200" dirty="0"/>
-            </a:br>
-            <a:r>
-              <a:rPr lang="en-US" sz="1200" dirty="0"/>
-              <a:t>        &lt;/</a:t>
-            </a:r>
-            <a:r>
-              <a:rPr lang="en-US" sz="1200" dirty="0" err="1"/>
-              <a:t>sourceFile</a:t>
-            </a:r>
-            <a:r>
-              <a:rPr lang="en-US" sz="1200" dirty="0"/>
-              <a:t>&gt;</a:t>
-            </a:r>
-            <a:br>
-              <a:rPr lang="en-US" sz="1200" dirty="0"/>
-            </a:br>
-            <a:r>
-              <a:rPr lang="en-US" sz="1200" dirty="0"/>
-              <a:t>        &lt;</a:t>
-            </a:r>
-            <a:r>
-              <a:rPr lang="en-US" sz="1200" dirty="0" err="1"/>
-              <a:t>sourceFile</a:t>
-            </a:r>
-            <a:r>
-              <a:rPr lang="en-US" sz="1200" dirty="0"/>
-              <a:t> sha1="e4ffeb41da28b1e9017e72819252ec6d78f8179f“</a:t>
-            </a:r>
-          </a:p>
-          <a:p>
-            <a:r>
-              <a:rPr lang="en-US" sz="1200" dirty="0"/>
-              <a:t>	 location=</a:t>
-            </a:r>
-            <a:r>
-              <a:rPr lang="en-US" sz="1200" dirty="0">
-                <a:hlinkClick r:id="rId16" action="ppaction://hlinkfile"/>
-              </a:rPr>
-              <a:t>file:///Users/mike/Projects/nmrML/nmrML/examples/IPB_HopExample/FIDs/FAM013_AHTM.PROTON_04.fid/fid</a:t>
-            </a:r>
-            <a:endParaRPr lang="en-US" sz="1200" dirty="0"/>
-          </a:p>
-          <a:p>
-            <a:r>
-              <a:rPr lang="en-US" sz="1200" dirty="0" smtClean="0"/>
-              <a:t>	 id="SOURCE_FILE_1" name="</a:t>
-            </a:r>
-            <a:r>
-              <a:rPr lang="en-US" sz="1200" b="1" dirty="0" smtClean="0"/>
-              <a:t>fid</a:t>
-            </a:r>
-            <a:r>
-              <a:rPr lang="en-US" sz="1200" dirty="0" smtClean="0"/>
-              <a:t>"&gt;</a:t>
-            </a:r>
-            <a:br>
-              <a:rPr lang="en-US" sz="1200" dirty="0" smtClean="0"/>
-            </a:br>
-            <a:r>
-              <a:rPr lang="en-US" sz="1200" dirty="0" smtClean="0"/>
-              <a:t>            &lt;</a:t>
-            </a:r>
-            <a:r>
-              <a:rPr lang="en-US" sz="1200" dirty="0" err="1" smtClean="0"/>
-              <a:t>cvTerm</a:t>
-            </a:r>
-            <a:r>
-              <a:rPr lang="en-US" sz="1200" dirty="0" smtClean="0"/>
-              <a:t> </a:t>
-            </a:r>
-            <a:r>
-              <a:rPr lang="en-US" sz="1200" dirty="0" err="1" smtClean="0"/>
-              <a:t>cvRef</a:t>
-            </a:r>
-            <a:r>
-              <a:rPr lang="en-US" sz="1200" dirty="0" smtClean="0"/>
-              <a:t>="NMRCV" accession="NMR:1400297" name="Varian VNMR Format"/&gt;</a:t>
-            </a:r>
-            <a:br>
-              <a:rPr lang="en-US" sz="1200" dirty="0" smtClean="0"/>
-            </a:br>
-            <a:r>
-              <a:rPr lang="en-US" sz="1200" dirty="0" smtClean="0"/>
-              <a:t>            &lt;</a:t>
-            </a:r>
-            <a:r>
-              <a:rPr lang="en-US" sz="1200" dirty="0" err="1" smtClean="0"/>
-              <a:t>cvTerm</a:t>
-            </a:r>
-            <a:r>
-              <a:rPr lang="en-US" sz="1200" dirty="0" smtClean="0"/>
-              <a:t> </a:t>
-            </a:r>
-            <a:r>
-              <a:rPr lang="en-US" sz="1200" dirty="0" err="1" smtClean="0"/>
-              <a:t>cvRef</a:t>
-            </a:r>
-            <a:r>
-              <a:rPr lang="en-US" sz="1200" dirty="0" smtClean="0"/>
-              <a:t>="NMRCV" accession="NMR:1400119" name="FID file"/&gt;</a:t>
-            </a:r>
-            <a:br>
-              <a:rPr lang="en-US" sz="1200" dirty="0" smtClean="0"/>
-            </a:br>
-            <a:r>
-              <a:rPr lang="en-US" sz="1200" dirty="0" smtClean="0"/>
-              <a:t>        &lt;/</a:t>
-            </a:r>
-            <a:r>
-              <a:rPr lang="en-US" sz="1200" dirty="0" err="1" smtClean="0"/>
-              <a:t>sourceFile</a:t>
-            </a:r>
-            <a:r>
-              <a:rPr lang="en-US" sz="1200" dirty="0" smtClean="0"/>
-              <a:t>&gt;</a:t>
-            </a:r>
-            <a:br>
-              <a:rPr lang="en-US" sz="1200" dirty="0" smtClean="0"/>
-            </a:br>
-            <a:r>
-              <a:rPr lang="en-US" sz="1200" dirty="0" smtClean="0"/>
-              <a:t>    &lt;/</a:t>
-            </a:r>
-            <a:r>
-              <a:rPr lang="en-US" sz="1200" dirty="0" err="1" smtClean="0"/>
-              <a:t>sourceFileList</a:t>
-            </a:r>
-            <a:r>
-              <a:rPr lang="en-US" sz="1200" dirty="0" smtClean="0"/>
-              <a:t>&gt;</a:t>
-            </a:r>
-            <a:br>
-              <a:rPr lang="en-US" sz="1200" dirty="0" smtClean="0"/>
-            </a:br>
-            <a:r>
-              <a:rPr lang="en-US" sz="1200" dirty="0" smtClean="0"/>
-              <a:t>    &lt;</a:t>
-            </a:r>
-            <a:r>
-              <a:rPr lang="en-US" sz="1200" dirty="0" err="1" smtClean="0"/>
-              <a:t>softwareList</a:t>
-            </a:r>
-            <a:r>
-              <a:rPr lang="en-US" sz="1200" dirty="0" smtClean="0"/>
-              <a:t> count="1"&gt;</a:t>
-            </a:r>
-            <a:br>
-              <a:rPr lang="en-US" sz="1200" dirty="0" smtClean="0"/>
-            </a:br>
-            <a:r>
-              <a:rPr lang="en-US" sz="1200" dirty="0" smtClean="0"/>
-              <a:t>        &lt;</a:t>
-            </a:r>
-            <a:r>
-              <a:rPr lang="en-US" sz="1200" b="1" dirty="0" smtClean="0"/>
-              <a:t>software</a:t>
-            </a:r>
-            <a:r>
-              <a:rPr lang="en-US" sz="1200" dirty="0" smtClean="0"/>
-              <a:t> </a:t>
-            </a:r>
-            <a:r>
-              <a:rPr lang="en-US" sz="1200" dirty="0" err="1" smtClean="0"/>
-              <a:t>cvRef</a:t>
-            </a:r>
-            <a:r>
-              <a:rPr lang="en-US" sz="1200" dirty="0" smtClean="0"/>
-              <a:t>="NMRCV" accession="NMR:1000277" name="</a:t>
-            </a:r>
-            <a:r>
-              <a:rPr lang="en-US" sz="1200" dirty="0" err="1" smtClean="0"/>
-              <a:t>VnmrJ</a:t>
-            </a:r>
-            <a:r>
-              <a:rPr lang="en-US" sz="1200" dirty="0" smtClean="0"/>
-              <a:t> software" version="2.2C" id="SOFTWARE_1"/&gt;</a:t>
-            </a:r>
-            <a:br>
-              <a:rPr lang="en-US" sz="1200" dirty="0" smtClean="0"/>
-            </a:br>
-            <a:r>
-              <a:rPr lang="en-US" sz="1200" dirty="0" smtClean="0"/>
-              <a:t>    &lt;/so</a:t>
-            </a:r>
-            <a:r>
-              <a:rPr lang="en-US" sz="1200" dirty="0"/>
-              <a:t>&lt;</a:t>
-            </a:r>
-            <a:r>
-              <a:rPr lang="en-US" sz="1200" dirty="0" err="1"/>
-              <a:t>instrumentConfigurationList</a:t>
-            </a:r>
-            <a:r>
-              <a:rPr lang="en-US" sz="1200" dirty="0"/>
-              <a:t> count="4"&gt;</a:t>
-            </a:r>
-            <a:br>
-              <a:rPr lang="en-US" sz="1200" dirty="0"/>
-            </a:br>
-            <a:r>
-              <a:rPr lang="en-US" sz="1200" dirty="0"/>
-              <a:t>        </a:t>
-            </a:r>
-            <a:r>
-              <a:rPr lang="en-US" sz="1200" b="1" dirty="0"/>
-              <a:t>&lt;</a:t>
-            </a:r>
-            <a:r>
-              <a:rPr lang="en-US" sz="1200" b="1" dirty="0" err="1"/>
-              <a:t>instrumentConfiguration</a:t>
-            </a:r>
-            <a:r>
-              <a:rPr lang="en-US" sz="1200" b="1" dirty="0"/>
-              <a:t> </a:t>
-            </a:r>
-            <a:r>
-              <a:rPr lang="en-US" sz="1200" dirty="0"/>
-              <a:t>id="INST_CONFIG_1"&gt;</a:t>
-            </a:r>
-            <a:br>
-              <a:rPr lang="en-US" sz="1200" dirty="0"/>
-            </a:br>
-            <a:r>
-              <a:rPr lang="en-US" sz="1200" dirty="0"/>
-              <a:t>            &lt;</a:t>
-            </a:r>
-            <a:r>
-              <a:rPr lang="en-US" sz="1200" dirty="0" err="1"/>
-              <a:t>cvTerm</a:t>
-            </a:r>
-            <a:r>
-              <a:rPr lang="en-US" sz="1200" dirty="0"/>
-              <a:t> </a:t>
-            </a:r>
-            <a:r>
-              <a:rPr lang="en-US" sz="1200" dirty="0" err="1"/>
-              <a:t>cvRef</a:t>
-            </a:r>
-            <a:r>
-              <a:rPr lang="en-US" sz="1200" dirty="0"/>
-              <a:t>="NMRCV" accession="NMR:1400234" name="</a:t>
-            </a:r>
-            <a:r>
-              <a:rPr lang="en-US" sz="1200" b="1" dirty="0"/>
-              <a:t>Varian NMR instrument</a:t>
-            </a:r>
-            <a:r>
-              <a:rPr lang="en-US" sz="1200" dirty="0"/>
-              <a:t>"/&gt;</a:t>
-            </a:r>
-            <a:br>
-              <a:rPr lang="en-US" sz="1200" dirty="0"/>
-            </a:br>
-            <a:r>
-              <a:rPr lang="en-US" sz="1200" dirty="0"/>
-              <a:t>            &lt;</a:t>
-            </a:r>
-            <a:r>
-              <a:rPr lang="en-US" sz="1200" dirty="0" err="1"/>
-              <a:t>cvTerm</a:t>
-            </a:r>
-            <a:r>
-              <a:rPr lang="en-US" sz="1200" dirty="0"/>
-              <a:t> </a:t>
-            </a:r>
-            <a:r>
-              <a:rPr lang="en-US" sz="1200" dirty="0" err="1"/>
-              <a:t>cvRef</a:t>
-            </a:r>
-            <a:r>
-              <a:rPr lang="en-US" sz="1200" dirty="0"/>
-              <a:t>="NMRCV" accession="NMR:1000235" name="Varian probe"/&gt;</a:t>
-            </a:r>
-            <a:br>
-              <a:rPr lang="en-US" sz="1200" dirty="0"/>
-            </a:br>
-            <a:r>
-              <a:rPr lang="en-US" sz="1200" dirty="0"/>
-              <a:t>            &lt;</a:t>
-            </a:r>
-            <a:r>
-              <a:rPr lang="en-US" sz="1200" dirty="0" err="1"/>
-              <a:t>cvTerm</a:t>
-            </a:r>
-            <a:r>
-              <a:rPr lang="en-US" sz="1200" dirty="0"/>
-              <a:t> </a:t>
-            </a:r>
-            <a:r>
-              <a:rPr lang="en-US" sz="1200" dirty="0" err="1"/>
-              <a:t>cvRef</a:t>
-            </a:r>
-            <a:r>
-              <a:rPr lang="en-US" sz="1200" dirty="0"/>
-              <a:t>="NMRCV" accession="NMR:1400234" name="Varian NMR instrument"/&gt;</a:t>
-            </a:r>
-            <a:br>
-              <a:rPr lang="en-US" sz="1200" dirty="0"/>
-            </a:br>
-            <a:r>
-              <a:rPr lang="en-US" sz="1200" dirty="0"/>
-              <a:t>            &lt;</a:t>
-            </a:r>
-            <a:r>
-              <a:rPr lang="en-US" sz="1200" dirty="0" err="1"/>
-              <a:t>cvTerm</a:t>
-            </a:r>
-            <a:r>
-              <a:rPr lang="en-US" sz="1200" dirty="0"/>
-              <a:t> </a:t>
-            </a:r>
-            <a:r>
-              <a:rPr lang="en-US" sz="1200" dirty="0" err="1"/>
-              <a:t>cvRef</a:t>
-            </a:r>
-            <a:r>
-              <a:rPr lang="en-US" sz="1200" dirty="0"/>
-              <a:t>="NMRCV" accession="NMR:1000236" name="</a:t>
-            </a:r>
-            <a:r>
-              <a:rPr lang="en-US" sz="1200" b="1" dirty="0"/>
-              <a:t>5mm HCN probe</a:t>
-            </a:r>
-            <a:r>
-              <a:rPr lang="en-US" sz="1200" dirty="0"/>
-              <a:t>"/&gt;</a:t>
-            </a:r>
-            <a:br>
-              <a:rPr lang="en-US" sz="1200" dirty="0"/>
-            </a:br>
-            <a:r>
-              <a:rPr lang="en-US" sz="1200" dirty="0"/>
-              <a:t>        &lt;/</a:t>
-            </a:r>
-            <a:r>
-              <a:rPr lang="en-US" sz="1200" dirty="0" err="1"/>
-              <a:t>instrumentConfiguration</a:t>
-            </a:r>
-            <a:r>
-              <a:rPr lang="en-US" sz="1200" dirty="0"/>
-              <a:t>&gt;</a:t>
-            </a:r>
-            <a:br>
-              <a:rPr lang="en-US" sz="1200" dirty="0"/>
-            </a:br>
-            <a:r>
-              <a:rPr lang="en-US" sz="1200" dirty="0"/>
-              <a:t>    &lt;/</a:t>
-            </a:r>
-            <a:r>
-              <a:rPr lang="en-US" sz="1200" dirty="0" err="1"/>
-              <a:t>instrumentConfigurationList</a:t>
-            </a:r>
-            <a:r>
-              <a:rPr lang="en-US" sz="1200" dirty="0"/>
-              <a:t>&gt;</a:t>
-            </a:r>
-          </a:p>
-          <a:p>
-            <a:r>
-              <a:rPr lang="en-US" sz="1200" b="1" dirty="0"/>
-              <a:t> &lt;acquisition&gt;</a:t>
-            </a:r>
-            <a:r>
-              <a:rPr lang="en-US" sz="1200" dirty="0"/>
-              <a:t/>
-            </a:r>
-            <a:br>
-              <a:rPr lang="en-US" sz="1200" dirty="0"/>
-            </a:br>
-            <a:r>
-              <a:rPr lang="en-US" sz="1200" dirty="0"/>
-              <a:t>        &lt;acquisition1D&gt;</a:t>
-            </a:r>
-            <a:br>
-              <a:rPr lang="en-US" sz="1200" dirty="0"/>
-            </a:br>
-            <a:r>
-              <a:rPr lang="en-US" sz="1200" dirty="0"/>
-              <a:t>            &lt;</a:t>
-            </a:r>
-            <a:r>
-              <a:rPr lang="en-US" sz="1200" dirty="0" err="1"/>
-              <a:t>acquisitionParameterSet</a:t>
-            </a:r>
-            <a:r>
-              <a:rPr lang="en-US" sz="1200" dirty="0"/>
-              <a:t> </a:t>
-            </a:r>
-            <a:r>
-              <a:rPr lang="en-US" sz="1200" dirty="0" err="1"/>
-              <a:t>numberOfScans</a:t>
-            </a:r>
-            <a:r>
-              <a:rPr lang="en-US" sz="1200" dirty="0"/>
-              <a:t>="160" </a:t>
-            </a:r>
-            <a:r>
-              <a:rPr lang="en-US" sz="1200" dirty="0" err="1"/>
-              <a:t>numberOfSteadyStateScans</a:t>
-            </a:r>
-            <a:r>
-              <a:rPr lang="en-US" sz="1200" dirty="0"/>
-              <a:t>="0"&gt;</a:t>
-            </a:r>
-            <a:br>
-              <a:rPr lang="en-US" sz="1200" dirty="0"/>
-            </a:br>
-            <a:r>
-              <a:rPr lang="en-US" sz="1200" dirty="0"/>
-              <a:t>                &lt;</a:t>
-            </a:r>
-            <a:r>
-              <a:rPr lang="en-US" sz="1200" dirty="0" err="1"/>
-              <a:t>sampleAcquisitionTemperature</a:t>
-            </a:r>
-            <a:r>
-              <a:rPr lang="en-US" sz="1200" dirty="0"/>
-              <a:t> </a:t>
-            </a:r>
-            <a:r>
-              <a:rPr lang="en-US" sz="1200" dirty="0" err="1"/>
-              <a:t>unitName</a:t>
-            </a:r>
-            <a:r>
-              <a:rPr lang="en-US" sz="1200" dirty="0"/>
-              <a:t>="kelvin" </a:t>
-            </a:r>
-            <a:r>
-              <a:rPr lang="en-US" sz="1200" dirty="0" err="1"/>
-              <a:t>unitCvRef</a:t>
-            </a:r>
-            <a:r>
-              <a:rPr lang="en-US" sz="1200" dirty="0"/>
-              <a:t>="UO" value="299.15" </a:t>
-            </a:r>
-            <a:r>
-              <a:rPr lang="en-US" sz="1200" dirty="0" err="1"/>
-              <a:t>unitAccession</a:t>
-            </a:r>
-            <a:r>
-              <a:rPr lang="en-US" sz="1200" dirty="0"/>
-              <a:t>="UO:0000012"/&gt;</a:t>
-            </a:r>
-            <a:br>
-              <a:rPr lang="en-US" sz="1200" dirty="0"/>
-            </a:br>
-            <a:r>
-              <a:rPr lang="en-US" sz="1200" dirty="0"/>
-              <a:t>                &lt;</a:t>
-            </a:r>
-            <a:r>
-              <a:rPr lang="en-US" sz="1200" dirty="0" err="1"/>
-              <a:t>spinningRate</a:t>
-            </a:r>
-            <a:r>
-              <a:rPr lang="en-US" sz="1200" dirty="0"/>
-              <a:t> </a:t>
-            </a:r>
-            <a:r>
-              <a:rPr lang="en-US" sz="1200" dirty="0" err="1"/>
-              <a:t>unitName</a:t>
-            </a:r>
-            <a:r>
-              <a:rPr lang="en-US" sz="1200" dirty="0"/>
-              <a:t>="hertz" </a:t>
-            </a:r>
-            <a:r>
-              <a:rPr lang="en-US" sz="1200" dirty="0" err="1"/>
-              <a:t>unitCvRef</a:t>
-            </a:r>
-            <a:r>
-              <a:rPr lang="en-US" sz="1200" dirty="0"/>
-              <a:t>="UO" value="0" </a:t>
-            </a:r>
-            <a:r>
-              <a:rPr lang="en-US" sz="1200" dirty="0" err="1"/>
-              <a:t>unitAccession</a:t>
-            </a:r>
-            <a:r>
-              <a:rPr lang="en-US" sz="1200" dirty="0"/>
-              <a:t>="UO:0000106"/&gt;</a:t>
-            </a:r>
-            <a:br>
-              <a:rPr lang="en-US" sz="1200" dirty="0"/>
-            </a:br>
-            <a:r>
-              <a:rPr lang="en-US" sz="1200" dirty="0"/>
-              <a:t>                &lt;</a:t>
-            </a:r>
-            <a:r>
-              <a:rPr lang="en-US" sz="1200" dirty="0" err="1"/>
-              <a:t>relaxationDelay</a:t>
-            </a:r>
-            <a:r>
-              <a:rPr lang="en-US" sz="1200" dirty="0"/>
-              <a:t> </a:t>
-            </a:r>
-            <a:r>
-              <a:rPr lang="en-US" sz="1200" dirty="0" err="1"/>
-              <a:t>unitName</a:t>
-            </a:r>
-            <a:r>
-              <a:rPr lang="en-US" sz="1200" dirty="0"/>
-              <a:t>="second" </a:t>
-            </a:r>
-            <a:r>
-              <a:rPr lang="en-US" sz="1200" dirty="0" err="1"/>
-              <a:t>unitCvRef</a:t>
-            </a:r>
-            <a:r>
-              <a:rPr lang="en-US" sz="1200" dirty="0"/>
-              <a:t>="UO" value="22.2737024" </a:t>
-            </a:r>
-            <a:r>
-              <a:rPr lang="en-US" sz="1200" dirty="0" err="1"/>
-              <a:t>unitAccession</a:t>
-            </a:r>
-            <a:r>
-              <a:rPr lang="en-US" sz="1200" dirty="0"/>
-              <a:t>="UO:0000010"/&gt;</a:t>
-            </a:r>
-            <a:br>
-              <a:rPr lang="en-US" sz="1200" dirty="0"/>
-            </a:br>
-            <a:r>
-              <a:rPr lang="en-US" sz="1200" dirty="0"/>
-              <a:t>                &lt;</a:t>
-            </a:r>
-            <a:r>
-              <a:rPr lang="en-US" sz="1200" dirty="0" err="1"/>
-              <a:t>pulseSequence</a:t>
-            </a:r>
-            <a:r>
-              <a:rPr lang="en-US" sz="1200" dirty="0"/>
-              <a:t>/&gt;</a:t>
-            </a:r>
-            <a:br>
-              <a:rPr lang="en-US" sz="1200" dirty="0"/>
-            </a:br>
-            <a:r>
-              <a:rPr lang="en-US" sz="1200" dirty="0"/>
-              <a:t>                &lt;</a:t>
-            </a:r>
-            <a:r>
-              <a:rPr lang="en-US" sz="1200" dirty="0" err="1"/>
-              <a:t>DirectDimensionParameterSet</a:t>
-            </a:r>
-            <a:r>
-              <a:rPr lang="en-US" sz="1200" dirty="0"/>
-              <a:t> </a:t>
-            </a:r>
-            <a:r>
-              <a:rPr lang="en-US" sz="1200" dirty="0" err="1"/>
-              <a:t>numberOfDataPoints</a:t>
-            </a:r>
-            <a:r>
-              <a:rPr lang="en-US" sz="1200" dirty="0"/>
-              <a:t>="65536" decoupled="false"&gt;</a:t>
-            </a:r>
-            <a:br>
-              <a:rPr lang="en-US" sz="1200" dirty="0"/>
-            </a:br>
-            <a:r>
-              <a:rPr lang="en-US" sz="1200" b="1" dirty="0"/>
-              <a:t>                    &lt;</a:t>
-            </a:r>
-            <a:r>
-              <a:rPr lang="en-US" sz="1200" b="1" dirty="0" err="1"/>
-              <a:t>acquisitionNucleus</a:t>
-            </a:r>
-            <a:r>
-              <a:rPr lang="en-US" sz="1200" b="1" dirty="0"/>
-              <a:t> </a:t>
-            </a:r>
-            <a:r>
-              <a:rPr lang="en-US" sz="1200" b="1" dirty="0" err="1"/>
-              <a:t>cvRef</a:t>
-            </a:r>
-            <a:r>
-              <a:rPr lang="en-US" sz="1200" b="1" dirty="0"/>
-              <a:t>="NMRCV" accession="NMR:1400151" name="1H"/&gt;</a:t>
-            </a:r>
-            <a:br>
-              <a:rPr lang="en-US" sz="1200" b="1" dirty="0"/>
-            </a:br>
-            <a:r>
-              <a:rPr lang="en-US" sz="1200" dirty="0"/>
-              <a:t>                    &lt;gammaB1PulseFieldStrength </a:t>
-            </a:r>
-            <a:r>
-              <a:rPr lang="en-US" sz="1200" dirty="0" err="1"/>
-              <a:t>unitName</a:t>
-            </a:r>
-            <a:r>
-              <a:rPr lang="en-US" sz="1200" dirty="0"/>
-              <a:t>="hertz" </a:t>
-            </a:r>
-            <a:r>
-              <a:rPr lang="en-US" sz="1200" dirty="0" err="1"/>
-              <a:t>unitCvRef</a:t>
-            </a:r>
-            <a:r>
-              <a:rPr lang="en-US" sz="1200" dirty="0"/>
-              <a:t>="UO" value="34482.7586207" 	</a:t>
-            </a:r>
-            <a:r>
-              <a:rPr lang="en-US" sz="1200" dirty="0" err="1"/>
-              <a:t>unitAccession</a:t>
-            </a:r>
-            <a:r>
-              <a:rPr lang="en-US" sz="1200" dirty="0"/>
-              <a:t>="UO:0000106"/&gt;</a:t>
-            </a:r>
-            <a:br>
-              <a:rPr lang="en-US" sz="1200" dirty="0"/>
-            </a:br>
-            <a:r>
-              <a:rPr lang="en-US" sz="1200" b="1" dirty="0"/>
-              <a:t>                    &lt;</a:t>
-            </a:r>
-            <a:r>
-              <a:rPr lang="en-US" sz="1200" b="1" dirty="0" err="1"/>
-              <a:t>irradiationFrequency</a:t>
-            </a:r>
-            <a:r>
-              <a:rPr lang="en-US" sz="1200" b="1" dirty="0"/>
-              <a:t> </a:t>
-            </a:r>
-            <a:r>
-              <a:rPr lang="en-US" sz="1200" b="1" dirty="0" err="1"/>
-              <a:t>unitName</a:t>
-            </a:r>
-            <a:r>
-              <a:rPr lang="en-US" sz="1200" b="1" dirty="0"/>
-              <a:t>="hertz" </a:t>
-            </a:r>
-            <a:r>
-              <a:rPr lang="en-US" sz="1200" b="1" dirty="0" err="1"/>
-              <a:t>unitCvRef</a:t>
-            </a:r>
-            <a:r>
-              <a:rPr lang="en-US" sz="1200" b="1" dirty="0"/>
-              <a:t>="UO" value="599.8311617" </a:t>
-            </a:r>
-            <a:r>
-              <a:rPr lang="en-US" sz="1200" b="1" dirty="0" err="1"/>
-              <a:t>unitAccession</a:t>
-            </a:r>
-            <a:r>
-              <a:rPr lang="en-US" sz="1200" b="1" dirty="0"/>
-              <a:t>="UO:0000106"/&gt;</a:t>
-            </a:r>
-            <a:br>
-              <a:rPr lang="en-US" sz="1200" b="1" dirty="0"/>
-            </a:br>
-            <a:r>
-              <a:rPr lang="en-US" sz="1200" dirty="0"/>
-              <a:t>                &lt;/</a:t>
-            </a:r>
-            <a:r>
-              <a:rPr lang="en-US" sz="1200" dirty="0" err="1"/>
-              <a:t>DirectDimensionParameterSet</a:t>
-            </a:r>
-            <a:r>
-              <a:rPr lang="en-US" sz="1200" dirty="0"/>
-              <a:t>&gt;</a:t>
-            </a:r>
-            <a:br>
-              <a:rPr lang="en-US" sz="1200" dirty="0"/>
-            </a:br>
-            <a:r>
-              <a:rPr lang="en-US" sz="1200" dirty="0"/>
-              <a:t>            &lt;/</a:t>
-            </a:r>
-            <a:r>
-              <a:rPr lang="en-US" sz="1200" dirty="0" err="1"/>
-              <a:t>acquisitionParameterSet</a:t>
-            </a:r>
-            <a:r>
-              <a:rPr lang="en-US" sz="1200" dirty="0"/>
-              <a:t>&gt;</a:t>
-            </a:r>
-            <a:br>
-              <a:rPr lang="en-US" sz="1200" dirty="0"/>
-            </a:br>
-            <a:r>
-              <a:rPr lang="en-US" sz="1200" dirty="0"/>
-              <a:t>            &lt;</a:t>
-            </a:r>
-            <a:r>
-              <a:rPr lang="en-US" sz="1200" b="1" dirty="0" err="1"/>
-              <a:t>fidData</a:t>
-            </a:r>
-            <a:r>
-              <a:rPr lang="en-US" sz="1200" b="1" dirty="0"/>
-              <a:t> </a:t>
-            </a:r>
-            <a:r>
-              <a:rPr lang="en-US" sz="1200" dirty="0" err="1"/>
-              <a:t>byteFormat</a:t>
-            </a:r>
-            <a:r>
-              <a:rPr lang="en-US" sz="1200" dirty="0"/>
-              <a:t>="Complex128" </a:t>
-            </a:r>
-            <a:r>
-              <a:rPr lang="en-US" sz="1200" dirty="0" err="1"/>
-              <a:t>encodedLength</a:t>
-            </a:r>
-            <a:r>
-              <a:rPr lang="en-US" sz="1200" dirty="0"/>
-              <a:t>="324160" compressed="true"&gt;eJwMl4dfzl8Ux7U3lYZKy0qiomQ	[…]&lt;/</a:t>
-            </a:r>
-            <a:r>
-              <a:rPr lang="en-US" sz="1200" dirty="0" err="1"/>
-              <a:t>fidData</a:t>
-            </a:r>
-            <a:r>
-              <a:rPr lang="en-US" sz="1200" dirty="0"/>
-              <a:t>&gt;</a:t>
-            </a:r>
-            <a:br>
-              <a:rPr lang="en-US" sz="1200" dirty="0"/>
-            </a:br>
-            <a:r>
-              <a:rPr lang="en-US" sz="1200" dirty="0"/>
-              <a:t>        &lt;/acquisition1D&gt;</a:t>
-            </a:r>
-            <a:br>
-              <a:rPr lang="en-US" sz="1200" dirty="0"/>
-            </a:br>
-            <a:r>
-              <a:rPr lang="en-US" sz="1200" dirty="0"/>
-              <a:t>    &lt;/acquisition&gt;</a:t>
-            </a:r>
-            <a:br>
-              <a:rPr lang="en-US" sz="1200" dirty="0"/>
-            </a:br>
-            <a:r>
-              <a:rPr lang="en-US" sz="1200" dirty="0"/>
-              <a:t>&lt;/</a:t>
-            </a:r>
-            <a:r>
-              <a:rPr lang="en-US" sz="1200" dirty="0" err="1"/>
-              <a:t>nmrML</a:t>
-            </a:r>
-            <a:r>
-              <a:rPr lang="en-US" sz="1200" dirty="0"/>
-              <a:t>&gt;</a:t>
-            </a:r>
-            <a:br>
-              <a:rPr lang="en-US" sz="1200" dirty="0"/>
-            </a:br>
-            <a:r>
-              <a:rPr lang="en-US" sz="1200" dirty="0" err="1" smtClean="0"/>
-              <a:t>ftwareList</a:t>
-            </a:r>
-            <a:r>
-              <a:rPr lang="en-US" sz="1200" dirty="0" smtClean="0"/>
-              <a:t>&gt;</a:t>
-            </a:r>
-            <a:endParaRPr lang="en-US" sz="1200" dirty="0"/>
           </a:p>
         </p:txBody>
       </p:sp>
@@ -7727,7 +6601,7 @@
           <p:nvPr/>
         </p:nvPicPr>
         <p:blipFill>
-          <a:blip r:embed="rId17">
+          <a:blip r:embed="rId15">
             <a:extLst>
               <a:ext uri="{28A0092B-C50C-407E-A947-70E740481C1C}">
                 <a14:useLocalDpi xmlns:a14="http://schemas.microsoft.com/office/drawing/2010/main" val="0"/>
@@ -7757,7 +6631,7 @@
           <p:nvPr/>
         </p:nvPicPr>
         <p:blipFill>
-          <a:blip r:embed="rId18">
+          <a:blip r:embed="rId16">
             <a:extLst>
               <a:ext uri="{28A0092B-C50C-407E-A947-70E740481C1C}">
                 <a14:useLocalDpi xmlns:a14="http://schemas.microsoft.com/office/drawing/2010/main" val="0"/>
@@ -7770,7 +6644,7 @@
         </p:blipFill>
         <p:spPr>
           <a:xfrm>
-            <a:off x="9774585" y="29870629"/>
+            <a:off x="9934853" y="30313632"/>
             <a:ext cx="6159769" cy="4844669"/>
           </a:xfrm>
           <a:prstGeom prst="rect">
@@ -7787,7 +6661,7 @@
           <p:nvPr/>
         </p:nvPicPr>
         <p:blipFill>
-          <a:blip r:embed="rId19">
+          <a:blip r:embed="rId17">
             <a:extLst>
               <a:ext uri="{28A0092B-C50C-407E-A947-70E740481C1C}">
                 <a14:useLocalDpi xmlns:a14="http://schemas.microsoft.com/office/drawing/2010/main" val="0"/>
@@ -7800,7 +6674,7 @@
         </p:blipFill>
         <p:spPr>
           <a:xfrm>
-            <a:off x="17132728" y="29915447"/>
+            <a:off x="17292996" y="30358450"/>
             <a:ext cx="12076167" cy="4923266"/>
           </a:xfrm>
           <a:prstGeom prst="rect">
@@ -7815,23 +6689,27 @@
             <a:graphicFrameLocks noChangeAspect="1"/>
           </p:cNvGraphicFramePr>
           <p:nvPr>
-            <p:extLst/>
+            <p:extLst>
+              <p:ext uri="{D42A27DB-BD31-4B8C-83A1-F6EECF244321}">
+                <p14:modId xmlns:p14="http://schemas.microsoft.com/office/powerpoint/2010/main" val="4061155149"/>
+              </p:ext>
+            </p:extLst>
           </p:nvPr>
         </p:nvGraphicFramePr>
         <p:xfrm>
-          <a:off x="26466226" y="40426054"/>
+          <a:off x="26396039" y="40389399"/>
           <a:ext cx="1609725" cy="781050"/>
         </p:xfrm>
         <a:graphic>
           <a:graphicData uri="http://schemas.openxmlformats.org/presentationml/2006/ole">
             <mc:AlternateContent xmlns:mc="http://schemas.openxmlformats.org/markup-compatibility/2006">
               <mc:Choice xmlns:v="urn:schemas-microsoft-com:vml" Requires="v">
-                <p:oleObj spid="_x0000_s3125" r:id="rId20" imgW="155999880" imgH="75692160" progId="">
+                <p:oleObj spid="_x0000_s3141" r:id="rId18" imgW="155999880" imgH="75692160" progId="">
                   <p:embed/>
                 </p:oleObj>
               </mc:Choice>
               <mc:Fallback>
-                <p:oleObj r:id="rId20" imgW="155999880" imgH="75692160" progId="">
+                <p:oleObj r:id="rId18" imgW="155999880" imgH="75692160" progId="">
                   <p:embed/>
                   <p:pic>
                     <p:nvPicPr>
@@ -7840,14 +6718,14 @@
                       <p:nvPr/>
                     </p:nvPicPr>
                     <p:blipFill>
-                      <a:blip r:embed="rId21"/>
+                      <a:blip r:embed="rId19"/>
                       <a:stretch>
                         <a:fillRect/>
                       </a:stretch>
                     </p:blipFill>
                     <p:spPr>
                       <a:xfrm>
-                        <a:off x="26466226" y="40426054"/>
+                        <a:off x="26396039" y="40389399"/>
                         <a:ext cx="1609725" cy="781050"/>
                       </a:xfrm>
                       <a:prstGeom prst="rect">
@@ -7870,7 +6748,7 @@
           <p:nvPr/>
         </p:nvPicPr>
         <p:blipFill>
-          <a:blip r:embed="rId22" cstate="email">
+          <a:blip r:embed="rId20" cstate="email">
             <a:extLst>
               <a:ext uri="{28A0092B-C50C-407E-A947-70E740481C1C}">
                 <a14:useLocalDpi xmlns:a14="http://schemas.microsoft.com/office/drawing/2010/main" val="0"/>
@@ -7940,7 +6818,7 @@
           <p:nvPr/>
         </p:nvPicPr>
         <p:blipFill>
-          <a:blip r:embed="rId23" cstate="email">
+          <a:blip r:embed="rId21" cstate="email">
             <a:extLst>
               <a:ext uri="{28A0092B-C50C-407E-A947-70E740481C1C}">
                 <a14:useLocalDpi xmlns:a14="http://schemas.microsoft.com/office/drawing/2010/main" val="0"/>
@@ -7954,7 +6832,7 @@
         </p:blipFill>
         <p:spPr bwMode="auto">
           <a:xfrm>
-            <a:off x="26466226" y="41509396"/>
+            <a:off x="26396039" y="41472741"/>
             <a:ext cx="2464302" cy="284561"/>
           </a:xfrm>
           <a:prstGeom prst="rect">
@@ -8057,8 +6935,8 @@
         </p:nvSpPr>
         <p:spPr>
           <a:xfrm>
-            <a:off x="823723" y="27761583"/>
-            <a:ext cx="28750574" cy="1040285"/>
+            <a:off x="876853" y="27378070"/>
+            <a:ext cx="28750574" cy="1988237"/>
           </a:xfrm>
           <a:prstGeom prst="rect">
             <a:avLst/>
@@ -8104,7 +6982,97 @@
                 <a:latin typeface="Verdana"/>
                 <a:cs typeface="Verdana"/>
               </a:rPr>
-              <a:t> which checks a data file is syntactically well formatted, sufficiently detailed with respect to data content and annotation and that aspects of </a:t>
+              <a:t> which checks </a:t>
+            </a:r>
+            <a:r>
+              <a:rPr lang="en-US" sz="2800" dirty="0" smtClean="0">
+                <a:solidFill>
+                  <a:srgbClr val="121421"/>
+                </a:solidFill>
+                <a:latin typeface="Verdana"/>
+                <a:cs typeface="Verdana"/>
+              </a:rPr>
+              <a:t>the NMR data files in a multilayered approach, i.e. ensuring the data is </a:t>
+            </a:r>
+            <a:r>
+              <a:rPr lang="en-US" sz="2800" dirty="0" smtClean="0">
+                <a:solidFill>
+                  <a:srgbClr val="121421"/>
+                </a:solidFill>
+                <a:latin typeface="Verdana"/>
+                <a:cs typeface="Verdana"/>
+              </a:rPr>
+              <a:t>syntactically well </a:t>
+            </a:r>
+            <a:r>
+              <a:rPr lang="en-US" sz="2800" dirty="0" smtClean="0">
+                <a:solidFill>
+                  <a:srgbClr val="121421"/>
+                </a:solidFill>
+                <a:latin typeface="Verdana"/>
+                <a:cs typeface="Verdana"/>
+              </a:rPr>
+              <a:t>formatted, adheres to the XSD, and is </a:t>
+            </a:r>
+            <a:r>
+              <a:rPr lang="en-US" sz="2800" dirty="0" smtClean="0">
+                <a:solidFill>
+                  <a:srgbClr val="121421"/>
+                </a:solidFill>
+                <a:latin typeface="Verdana"/>
+                <a:cs typeface="Verdana"/>
+              </a:rPr>
+              <a:t>sufficiently detailed with respect to data content and </a:t>
+            </a:r>
+            <a:r>
+              <a:rPr lang="en-US" sz="2800" dirty="0" smtClean="0">
+                <a:solidFill>
+                  <a:srgbClr val="121421"/>
+                </a:solidFill>
+                <a:latin typeface="Verdana"/>
+                <a:cs typeface="Verdana"/>
+              </a:rPr>
+              <a:t>CV annotations. The latter semantic validation exploit rules that set constraints </a:t>
+            </a:r>
+            <a:r>
+              <a:rPr lang="en-US" sz="2800" dirty="0">
+                <a:solidFill>
+                  <a:srgbClr val="121421"/>
+                </a:solidFill>
+                <a:latin typeface="Verdana"/>
+                <a:cs typeface="Verdana"/>
+              </a:rPr>
+              <a:t>on certain XML </a:t>
+            </a:r>
+            <a:r>
+              <a:rPr lang="en-US" sz="2800" dirty="0" smtClean="0">
+                <a:solidFill>
+                  <a:srgbClr val="121421"/>
+                </a:solidFill>
+                <a:latin typeface="Verdana"/>
+                <a:cs typeface="Verdana"/>
+              </a:rPr>
+              <a:t>position. </a:t>
+            </a:r>
+            <a:r>
+              <a:rPr lang="en-US" sz="2800" dirty="0" smtClean="0">
+                <a:solidFill>
+                  <a:srgbClr val="121421"/>
+                </a:solidFill>
+                <a:latin typeface="Verdana"/>
+                <a:cs typeface="Verdana"/>
+              </a:rPr>
+              <a:t>which CV term is allowed at a.  </a:t>
+            </a:r>
+            <a:r>
+              <a:rPr lang="en-US" sz="2800" dirty="0" smtClean="0">
+                <a:solidFill>
+                  <a:srgbClr val="121421"/>
+                </a:solidFill>
+                <a:latin typeface="Verdana"/>
+                <a:cs typeface="Verdana"/>
+              </a:rPr>
+              <a:t>and that aspects of </a:t>
             </a:r>
             <a:r>
               <a:rPr lang="en-US" sz="2800" b="1" dirty="0" smtClean="0">
@@ -8144,7 +7112,7 @@
         </p:nvSpPr>
         <p:spPr>
           <a:xfrm>
-            <a:off x="863247" y="26827284"/>
+            <a:off x="863247" y="26504118"/>
             <a:ext cx="8783351" cy="646331"/>
           </a:xfrm>
           <a:prstGeom prst="rect">
@@ -8232,7 +7200,7 @@
         </p:nvSpPr>
         <p:spPr>
           <a:xfrm>
-            <a:off x="797327" y="35680566"/>
+            <a:off x="797327" y="36094472"/>
             <a:ext cx="2724912" cy="646331"/>
           </a:xfrm>
           <a:prstGeom prst="rect">
@@ -8276,7 +7244,7 @@
         </p:nvSpPr>
         <p:spPr>
           <a:xfrm>
-            <a:off x="18363671" y="35526026"/>
+            <a:off x="18591371" y="36174573"/>
             <a:ext cx="6283476" cy="646331"/>
           </a:xfrm>
           <a:prstGeom prst="rect">
@@ -8459,7 +7427,7 @@
                 <a:latin typeface="Verdana" pitchFamily="34" charset="0"/>
                 <a:ea typeface="Verdana" pitchFamily="34" charset="0"/>
                 <a:cs typeface="Verdana" pitchFamily="34" charset="0"/>
-                <a:hlinkClick r:id="rId24"/>
+                <a:hlinkClick r:id="rId22"/>
               </a:rPr>
               <a:t>http://www.ebi.ac.uk/metabolights/</a:t>
             </a:r>
@@ -8514,7 +7482,7 @@
                 <a:latin typeface="Verdana" pitchFamily="34" charset="0"/>
                 <a:ea typeface="Verdana" pitchFamily="34" charset="0"/>
                 <a:cs typeface="Verdana" pitchFamily="34" charset="0"/>
-                <a:hlinkClick r:id="rId25"/>
+                <a:hlinkClick r:id="rId23"/>
               </a:rPr>
               <a:t>http://msi-workgroups.sourceforge.net/</a:t>
             </a:r>
@@ -8569,7 +7537,7 @@
                 <a:latin typeface="Verdana" pitchFamily="34" charset="0"/>
                 <a:ea typeface="Verdana" pitchFamily="34" charset="0"/>
                 <a:cs typeface="Verdana" pitchFamily="34" charset="0"/>
-                <a:hlinkClick r:id="rId26"/>
+                <a:hlinkClick r:id="rId24"/>
               </a:rPr>
               <a:t>http://mibbi.sourceforge.net/projects/CIMR.shtml</a:t>
             </a:r>
@@ -8645,9 +7613,371 @@
           </a:p>
         </p:txBody>
       </p:sp>
+      <p:sp>
+        <p:nvSpPr>
+          <p:cNvPr id="18" name="Textfeld 17"/>
+          <p:cNvSpPr txBox="1"/>
+          <p:nvPr/>
+        </p:nvSpPr>
+        <p:spPr>
+          <a:xfrm>
+            <a:off x="1531936" y="29809810"/>
+            <a:ext cx="3000501" cy="461665"/>
+          </a:xfrm>
+          <a:prstGeom prst="rect">
+            <a:avLst/>
+          </a:prstGeom>
+          <a:noFill/>
+        </p:spPr>
+        <p:txBody>
+          <a:bodyPr wrap="none" rtlCol="0">
+            <a:spAutoFit/>
+          </a:bodyPr>
+          <a:lstStyle/>
+          <a:p>
+            <a:r>
+              <a:rPr lang="de-DE" sz="2400" dirty="0" smtClean="0"/>
+              <a:t>Validation Layer </a:t>
+            </a:r>
+            <a:r>
+              <a:rPr lang="de-DE" sz="2400" dirty="0" err="1" smtClean="0"/>
+              <a:t>Onion</a:t>
+            </a:r>
+            <a:endParaRPr lang="en-US" sz="2400" dirty="0"/>
+          </a:p>
+        </p:txBody>
+      </p:sp>
+      <p:sp>
+        <p:nvSpPr>
+          <p:cNvPr id="50" name="Textfeld 49"/>
+          <p:cNvSpPr txBox="1"/>
+          <p:nvPr/>
+        </p:nvSpPr>
+        <p:spPr>
+          <a:xfrm>
+            <a:off x="17195822" y="29760155"/>
+            <a:ext cx="7679025" cy="461665"/>
+          </a:xfrm>
+          <a:prstGeom prst="rect">
+            <a:avLst/>
+          </a:prstGeom>
+          <a:noFill/>
+        </p:spPr>
+        <p:txBody>
+          <a:bodyPr wrap="none" rtlCol="0">
+            <a:spAutoFit/>
+          </a:bodyPr>
+          <a:lstStyle/>
+          <a:p>
+            <a:r>
+              <a:rPr lang="de-DE" sz="2400" dirty="0" smtClean="0"/>
+              <a:t>Validation </a:t>
+            </a:r>
+            <a:r>
+              <a:rPr lang="de-DE" sz="2400" dirty="0" err="1" smtClean="0"/>
+              <a:t>webservice</a:t>
+            </a:r>
+            <a:r>
+              <a:rPr lang="de-DE" sz="2400" dirty="0" smtClean="0"/>
+              <a:t> </a:t>
+            </a:r>
+            <a:r>
+              <a:rPr lang="de-DE" sz="2400" dirty="0" smtClean="0"/>
+              <a:t>&amp; </a:t>
+            </a:r>
+            <a:r>
+              <a:rPr lang="de-DE" sz="2400" dirty="0" err="1" smtClean="0"/>
+              <a:t>result</a:t>
+            </a:r>
+            <a:r>
+              <a:rPr lang="de-DE" sz="2400" dirty="0" smtClean="0"/>
+              <a:t> </a:t>
+            </a:r>
+            <a:r>
+              <a:rPr lang="de-DE" sz="2400" dirty="0" err="1" smtClean="0"/>
+              <a:t>of</a:t>
+            </a:r>
+            <a:r>
+              <a:rPr lang="de-DE" sz="2400" dirty="0" smtClean="0"/>
+              <a:t> </a:t>
+            </a:r>
+            <a:r>
+              <a:rPr lang="de-DE" sz="2400" dirty="0" err="1" smtClean="0"/>
+              <a:t>schema</a:t>
+            </a:r>
+            <a:r>
+              <a:rPr lang="de-DE" sz="2400" dirty="0" smtClean="0"/>
+              <a:t> </a:t>
+            </a:r>
+            <a:r>
+              <a:rPr lang="de-DE" sz="2400" dirty="0" err="1" smtClean="0"/>
+              <a:t>compliance</a:t>
+            </a:r>
+            <a:r>
+              <a:rPr lang="de-DE" sz="2400" dirty="0" smtClean="0"/>
+              <a:t> check</a:t>
+            </a:r>
+            <a:endParaRPr lang="en-US" sz="2400" dirty="0"/>
+          </a:p>
+        </p:txBody>
+      </p:sp>
+      <p:sp>
+        <p:nvSpPr>
+          <p:cNvPr id="51" name="Textfeld 50"/>
+          <p:cNvSpPr txBox="1"/>
+          <p:nvPr/>
+        </p:nvSpPr>
+        <p:spPr>
+          <a:xfrm>
+            <a:off x="9934853" y="29731889"/>
+            <a:ext cx="5529206" cy="461665"/>
+          </a:xfrm>
+          <a:prstGeom prst="rect">
+            <a:avLst/>
+          </a:prstGeom>
+          <a:noFill/>
+        </p:spPr>
+        <p:txBody>
+          <a:bodyPr wrap="none" rtlCol="0">
+            <a:spAutoFit/>
+          </a:bodyPr>
+          <a:lstStyle/>
+          <a:p>
+            <a:r>
+              <a:rPr lang="de-DE" sz="2400" dirty="0" smtClean="0"/>
+              <a:t>Validation </a:t>
+            </a:r>
+            <a:r>
+              <a:rPr lang="de-DE" sz="2400" dirty="0" err="1" smtClean="0"/>
+              <a:t>rules</a:t>
+            </a:r>
+            <a:r>
+              <a:rPr lang="de-DE" sz="2400" dirty="0" smtClean="0"/>
+              <a:t> (</a:t>
+            </a:r>
+            <a:r>
+              <a:rPr lang="de-DE" sz="2400" dirty="0" err="1" smtClean="0"/>
+              <a:t>html</a:t>
+            </a:r>
+            <a:r>
+              <a:rPr lang="de-DE" sz="2400" dirty="0" smtClean="0"/>
+              <a:t>) </a:t>
+            </a:r>
+            <a:r>
+              <a:rPr lang="de-DE" sz="2400" dirty="0" err="1" smtClean="0"/>
+              <a:t>for</a:t>
+            </a:r>
+            <a:r>
+              <a:rPr lang="de-DE" sz="2400" dirty="0" smtClean="0"/>
+              <a:t> </a:t>
+            </a:r>
+            <a:r>
+              <a:rPr lang="de-DE" sz="2400" dirty="0" err="1"/>
+              <a:t>s</a:t>
+            </a:r>
+            <a:r>
+              <a:rPr lang="de-DE" sz="2400" dirty="0" err="1" smtClean="0"/>
+              <a:t>emantic</a:t>
+            </a:r>
+            <a:r>
+              <a:rPr lang="de-DE" sz="2400" dirty="0" smtClean="0"/>
+              <a:t> </a:t>
+            </a:r>
+            <a:r>
+              <a:rPr lang="de-DE" sz="2400" dirty="0" err="1" smtClean="0"/>
+              <a:t>checks</a:t>
+            </a:r>
+            <a:endParaRPr lang="en-US" sz="2400" dirty="0"/>
+          </a:p>
+        </p:txBody>
+      </p:sp>
       <p:pic>
         <p:nvPicPr>
-          <p:cNvPr id="14" name="Grafik 13"/>
+          <p:cNvPr id="29" name="Grafik 28"/>
+          <p:cNvPicPr>
+            <a:picLocks noChangeAspect="1"/>
+          </p:cNvPicPr>
+          <p:nvPr/>
+        </p:nvPicPr>
+        <p:blipFill>
+          <a:blip r:embed="rId25">
+            <a:extLst>
+              <a:ext uri="{28A0092B-C50C-407E-A947-70E740481C1C}">
+                <a14:useLocalDpi xmlns:a14="http://schemas.microsoft.com/office/drawing/2010/main" val="0"/>
+              </a:ext>
+            </a:extLst>
+          </a:blip>
+          <a:stretch>
+            <a:fillRect/>
+          </a:stretch>
+        </p:blipFill>
+        <p:spPr>
+          <a:xfrm>
+            <a:off x="20436407" y="22079802"/>
+            <a:ext cx="8575443" cy="3819552"/>
+          </a:xfrm>
+          <a:prstGeom prst="rect">
+            <a:avLst/>
+          </a:prstGeom>
+        </p:spPr>
+      </p:pic>
+      <p:pic>
+        <p:nvPicPr>
+          <p:cNvPr id="93" name="Picture 1"/>
+          <p:cNvPicPr/>
+          <p:nvPr/>
+        </p:nvPicPr>
+        <p:blipFill>
+          <a:blip r:embed="rId26"/>
+          <a:stretch>
+            <a:fillRect/>
+          </a:stretch>
+        </p:blipFill>
+        <p:spPr>
+          <a:xfrm>
+            <a:off x="602552" y="40102636"/>
+            <a:ext cx="2017080" cy="1371960"/>
+          </a:xfrm>
+          <a:prstGeom prst="rect">
+            <a:avLst/>
+          </a:prstGeom>
+        </p:spPr>
+      </p:pic>
+      <p:sp>
+        <p:nvSpPr>
+          <p:cNvPr id="94" name="CustomShape 46"/>
+          <p:cNvSpPr/>
+          <p:nvPr/>
+        </p:nvSpPr>
+        <p:spPr>
+          <a:xfrm>
+            <a:off x="578108" y="41497996"/>
+            <a:ext cx="1875960" cy="820440"/>
+          </a:xfrm>
+          <a:prstGeom prst="rect">
+            <a:avLst/>
+          </a:prstGeom>
+        </p:spPr>
+        <p:txBody>
+          <a:bodyPr lIns="90000" tIns="45000" rIns="90000" bIns="45000"/>
+          <a:lstStyle>
+            <a:defPPr>
+              <a:defRPr lang="en-US"/>
+            </a:defPPr>
+            <a:lvl1pPr marL="0" algn="l" defTabSz="914400" rtl="0" eaLnBrk="1" latinLnBrk="0" hangingPunct="1">
+              <a:defRPr sz="1800" kern="1200">
+                <a:solidFill>
+                  <a:schemeClr val="tx1"/>
+                </a:solidFill>
+                <a:latin typeface="+mn-lt"/>
+                <a:ea typeface="+mn-ea"/>
+                <a:cs typeface="+mn-cs"/>
+              </a:defRPr>
+            </a:lvl1pPr>
+            <a:lvl2pPr marL="457200" algn="l" defTabSz="914400" rtl="0" eaLnBrk="1" latinLnBrk="0" hangingPunct="1">
+              <a:defRPr sz="1800" kern="1200">
+                <a:solidFill>
+                  <a:schemeClr val="tx1"/>
+                </a:solidFill>
+                <a:latin typeface="+mn-lt"/>
+                <a:ea typeface="+mn-ea"/>
+                <a:cs typeface="+mn-cs"/>
+              </a:defRPr>
+            </a:lvl2pPr>
+            <a:lvl3pPr marL="914400" algn="l" defTabSz="914400" rtl="0" eaLnBrk="1" latinLnBrk="0" hangingPunct="1">
+              <a:defRPr sz="1800" kern="1200">
+                <a:solidFill>
+                  <a:schemeClr val="tx1"/>
+                </a:solidFill>
+                <a:latin typeface="+mn-lt"/>
+                <a:ea typeface="+mn-ea"/>
+                <a:cs typeface="+mn-cs"/>
+              </a:defRPr>
+            </a:lvl3pPr>
+            <a:lvl4pPr marL="1371600" algn="l" defTabSz="914400" rtl="0" eaLnBrk="1" latinLnBrk="0" hangingPunct="1">
+              <a:defRPr sz="1800" kern="1200">
+                <a:solidFill>
+                  <a:schemeClr val="tx1"/>
+                </a:solidFill>
+                <a:latin typeface="+mn-lt"/>
+                <a:ea typeface="+mn-ea"/>
+                <a:cs typeface="+mn-cs"/>
+              </a:defRPr>
+            </a:lvl4pPr>
+            <a:lvl5pPr marL="1828800" algn="l" defTabSz="914400" rtl="0" eaLnBrk="1" latinLnBrk="0" hangingPunct="1">
+              <a:defRPr sz="1800" kern="1200">
+                <a:solidFill>
+                  <a:schemeClr val="tx1"/>
+                </a:solidFill>
+                <a:latin typeface="+mn-lt"/>
+                <a:ea typeface="+mn-ea"/>
+                <a:cs typeface="+mn-cs"/>
+              </a:defRPr>
+            </a:lvl5pPr>
+            <a:lvl6pPr marL="2286000" algn="l" defTabSz="914400" rtl="0" eaLnBrk="1" latinLnBrk="0" hangingPunct="1">
+              <a:defRPr sz="1800" kern="1200">
+                <a:solidFill>
+                  <a:schemeClr val="tx1"/>
+                </a:solidFill>
+                <a:latin typeface="+mn-lt"/>
+                <a:ea typeface="+mn-ea"/>
+                <a:cs typeface="+mn-cs"/>
+              </a:defRPr>
+            </a:lvl6pPr>
+            <a:lvl7pPr marL="2743200" algn="l" defTabSz="914400" rtl="0" eaLnBrk="1" latinLnBrk="0" hangingPunct="1">
+              <a:defRPr sz="1800" kern="1200">
+                <a:solidFill>
+                  <a:schemeClr val="tx1"/>
+                </a:solidFill>
+                <a:latin typeface="+mn-lt"/>
+                <a:ea typeface="+mn-ea"/>
+                <a:cs typeface="+mn-cs"/>
+              </a:defRPr>
+            </a:lvl7pPr>
+            <a:lvl8pPr marL="3200400" algn="l" defTabSz="914400" rtl="0" eaLnBrk="1" latinLnBrk="0" hangingPunct="1">
+              <a:defRPr sz="1800" kern="1200">
+                <a:solidFill>
+                  <a:schemeClr val="tx1"/>
+                </a:solidFill>
+                <a:latin typeface="+mn-lt"/>
+                <a:ea typeface="+mn-ea"/>
+                <a:cs typeface="+mn-cs"/>
+              </a:defRPr>
+            </a:lvl8pPr>
+            <a:lvl9pPr marL="3657600" algn="l" defTabSz="914400" rtl="0" eaLnBrk="1" latinLnBrk="0" hangingPunct="1">
+              <a:defRPr sz="1800" kern="1200">
+                <a:solidFill>
+                  <a:schemeClr val="tx1"/>
+                </a:solidFill>
+                <a:latin typeface="+mn-lt"/>
+                <a:ea typeface="+mn-ea"/>
+                <a:cs typeface="+mn-cs"/>
+              </a:defRPr>
+            </a:lvl9pPr>
+          </a:lstStyle>
+          <a:p>
+            <a:pPr algn="ctr">
+              <a:lnSpc>
+                <a:spcPct val="100000"/>
+              </a:lnSpc>
+            </a:pPr>
+            <a:r>
+              <a:rPr lang="en-US" sz="1200" dirty="0">
+                <a:solidFill>
+                  <a:srgbClr val="000000"/>
+                </a:solidFill>
+                <a:latin typeface="Verdana"/>
+                <a:ea typeface="Verdana"/>
+              </a:rPr>
+              <a:t>This project is funded through European Commission COSMOS Grant EC312941</a:t>
+            </a:r>
+            <a:endParaRPr dirty="0"/>
+          </a:p>
+        </p:txBody>
+      </p:sp>
+      <p:pic>
+        <p:nvPicPr>
+          <p:cNvPr id="39" name="Grafik 38"/>
           <p:cNvPicPr>
             <a:picLocks noChangeAspect="1"/>
           </p:cNvPicPr>
@@ -8667,136 +7997,74 @@
         </p:blipFill>
         <p:spPr>
           <a:xfrm>
-            <a:off x="1326464" y="29874853"/>
-            <a:ext cx="7184352" cy="4826987"/>
+            <a:off x="27628190" y="1916580"/>
+            <a:ext cx="2026009" cy="1866793"/>
           </a:xfrm>
           <a:prstGeom prst="rect">
             <a:avLst/>
           </a:prstGeom>
         </p:spPr>
       </p:pic>
-      <p:sp>
-        <p:nvSpPr>
-          <p:cNvPr id="18" name="Textfeld 17"/>
-          <p:cNvSpPr txBox="1"/>
+      <p:pic>
+        <p:nvPicPr>
+          <p:cNvPr id="9" name="Grafik 8"/>
+          <p:cNvPicPr>
+            <a:picLocks noChangeAspect="1"/>
+          </p:cNvPicPr>
           <p:nvPr/>
-        </p:nvSpPr>
+        </p:nvPicPr>
+        <p:blipFill>
+          <a:blip r:embed="rId28">
+            <a:extLst>
+              <a:ext uri="{28A0092B-C50C-407E-A947-70E740481C1C}">
+                <a14:useLocalDpi xmlns:a14="http://schemas.microsoft.com/office/drawing/2010/main" val="0"/>
+              </a:ext>
+            </a:extLst>
+          </a:blip>
+          <a:stretch>
+            <a:fillRect/>
+          </a:stretch>
+        </p:blipFill>
         <p:spPr>
           <a:xfrm>
-            <a:off x="1371668" y="29366807"/>
-            <a:ext cx="3000501" cy="461665"/>
+            <a:off x="10895175" y="14999230"/>
+            <a:ext cx="8590950" cy="10624963"/>
           </a:xfrm>
           <a:prstGeom prst="rect">
             <a:avLst/>
           </a:prstGeom>
-          <a:noFill/>
         </p:spPr>
-        <p:txBody>
-          <a:bodyPr wrap="none" rtlCol="0">
-            <a:spAutoFit/>
-          </a:bodyPr>
-          <a:lstStyle/>
-          <a:p>
-            <a:r>
-              <a:rPr lang="de-DE" sz="2400" dirty="0" smtClean="0"/>
-              <a:t>Validation Layer </a:t>
-            </a:r>
-            <a:r>
-              <a:rPr lang="de-DE" sz="2400" dirty="0" err="1" smtClean="0"/>
-              <a:t>Onion</a:t>
-            </a:r>
-            <a:endParaRPr lang="en-US" sz="2400" dirty="0"/>
-          </a:p>
-        </p:txBody>
-      </p:sp>
-      <p:sp>
-        <p:nvSpPr>
-          <p:cNvPr id="50" name="Textfeld 49"/>
-          <p:cNvSpPr txBox="1"/>
+      </p:pic>
+      <p:pic>
+        <p:nvPicPr>
+          <p:cNvPr id="8" name="Grafik 7"/>
+          <p:cNvPicPr>
+            <a:picLocks noChangeAspect="1"/>
+          </p:cNvPicPr>
           <p:nvPr/>
-        </p:nvSpPr>
+        </p:nvPicPr>
+        <p:blipFill>
+          <a:blip r:embed="rId29">
+            <a:extLst>
+              <a:ext uri="{28A0092B-C50C-407E-A947-70E740481C1C}">
+                <a14:useLocalDpi xmlns:a14="http://schemas.microsoft.com/office/drawing/2010/main" val="0"/>
+              </a:ext>
+            </a:extLst>
+          </a:blip>
+          <a:stretch>
+            <a:fillRect/>
+          </a:stretch>
+        </p:blipFill>
         <p:spPr>
           <a:xfrm>
-            <a:off x="17035554" y="29317152"/>
-            <a:ext cx="3972882" cy="461665"/>
+            <a:off x="25320535" y="562293"/>
+            <a:ext cx="4537683" cy="1206930"/>
           </a:xfrm>
           <a:prstGeom prst="rect">
             <a:avLst/>
           </a:prstGeom>
-          <a:noFill/>
         </p:spPr>
-        <p:txBody>
-          <a:bodyPr wrap="none" rtlCol="0">
-            <a:spAutoFit/>
-          </a:bodyPr>
-          <a:lstStyle/>
-          <a:p>
-            <a:r>
-              <a:rPr lang="de-DE" sz="2400" dirty="0" smtClean="0"/>
-              <a:t>Validation </a:t>
-            </a:r>
-            <a:r>
-              <a:rPr lang="de-DE" sz="2400" dirty="0" err="1" smtClean="0"/>
-              <a:t>webservice</a:t>
-            </a:r>
-            <a:r>
-              <a:rPr lang="de-DE" sz="2400" dirty="0" smtClean="0"/>
-              <a:t> &amp; </a:t>
-            </a:r>
-            <a:r>
-              <a:rPr lang="de-DE" sz="2400" dirty="0" err="1" smtClean="0"/>
-              <a:t>result</a:t>
-            </a:r>
-            <a:endParaRPr lang="en-US" sz="2400" dirty="0"/>
-          </a:p>
-        </p:txBody>
-      </p:sp>
-      <p:sp>
-        <p:nvSpPr>
-          <p:cNvPr id="51" name="Textfeld 50"/>
-          <p:cNvSpPr txBox="1"/>
-          <p:nvPr/>
-        </p:nvSpPr>
-        <p:spPr>
-          <a:xfrm>
-            <a:off x="9774585" y="29288886"/>
-            <a:ext cx="2925353" cy="461665"/>
-          </a:xfrm>
-          <a:prstGeom prst="rect">
-            <a:avLst/>
-          </a:prstGeom>
-          <a:noFill/>
-        </p:spPr>
-        <p:txBody>
-          <a:bodyPr wrap="none" rtlCol="0">
-            <a:spAutoFit/>
-          </a:bodyPr>
-          <a:lstStyle/>
-          <a:p>
-            <a:r>
-              <a:rPr lang="de-DE" sz="2400" dirty="0" smtClean="0"/>
-              <a:t>Validation </a:t>
-            </a:r>
-            <a:r>
-              <a:rPr lang="de-DE" sz="2400" dirty="0" err="1" smtClean="0"/>
-              <a:t>rules</a:t>
-            </a:r>
-            <a:r>
-              <a:rPr lang="de-DE" sz="2400" dirty="0" smtClean="0"/>
-              <a:t> (</a:t>
-            </a:r>
-            <a:r>
-              <a:rPr lang="de-DE" sz="2400" dirty="0" err="1" smtClean="0"/>
-              <a:t>html</a:t>
-            </a:r>
-            <a:r>
-              <a:rPr lang="de-DE" sz="2400" dirty="0" smtClean="0"/>
-              <a:t>)</a:t>
-            </a:r>
-            <a:endParaRPr lang="en-US" sz="2400" dirty="0"/>
-          </a:p>
-        </p:txBody>
-      </p:sp>
+      </p:pic>
       <p:sp>
         <p:nvSpPr>
           <p:cNvPr id="25" name="Pfeil nach rechts 24"/>
@@ -8804,9 +8072,9 @@
           <p:nvPr/>
         </p:nvSpPr>
         <p:spPr>
-          <a:xfrm rot="1004072">
-            <a:off x="8108438" y="22283085"/>
-            <a:ext cx="3505869" cy="102933"/>
+          <a:xfrm rot="1387176">
+            <a:off x="7985129" y="22255047"/>
+            <a:ext cx="4011373" cy="125908"/>
           </a:xfrm>
           <a:prstGeom prst="rightArrow">
             <a:avLst/>
@@ -8841,6 +8109,63 @@
           </a:p>
         </p:txBody>
       </p:sp>
+      <p:graphicFrame>
+        <p:nvGraphicFramePr>
+          <p:cNvPr id="10" name="Objekt 9"/>
+          <p:cNvGraphicFramePr>
+            <a:graphicFrameLocks noChangeAspect="1"/>
+          </p:cNvGraphicFramePr>
+          <p:nvPr>
+            <p:extLst>
+              <p:ext uri="{D42A27DB-BD31-4B8C-83A1-F6EECF244321}">
+                <p14:modId xmlns:p14="http://schemas.microsoft.com/office/powerpoint/2010/main" val="4158038701"/>
+              </p:ext>
+            </p:extLst>
+          </p:nvPr>
+        </p:nvGraphicFramePr>
+        <p:xfrm>
+          <a:off x="1156053" y="30193554"/>
+          <a:ext cx="7910090" cy="5088162"/>
+        </p:xfrm>
+        <a:graphic>
+          <a:graphicData uri="http://schemas.openxmlformats.org/presentationml/2006/ole">
+            <mc:AlternateContent xmlns:mc="http://schemas.openxmlformats.org/markup-compatibility/2006">
+              <mc:Choice xmlns:v="urn:schemas-microsoft-com:vml" Requires="v">
+                <p:oleObj spid="_x0000_s3142" r:id="rId30" imgW="9536400" imgH="6133320" progId="">
+                  <p:embed/>
+                </p:oleObj>
+              </mc:Choice>
+              <mc:Fallback>
+                <p:oleObj r:id="rId30" imgW="9536400" imgH="6133320" progId="">
+                  <p:embed/>
+                  <p:pic>
+                    <p:nvPicPr>
+                      <p:cNvPr id="0" name=""/>
+                      <p:cNvPicPr/>
+                      <p:nvPr/>
+                    </p:nvPicPr>
+                    <p:blipFill>
+                      <a:blip r:embed="rId31"/>
+                      <a:stretch>
+                        <a:fillRect/>
+                      </a:stretch>
+                    </p:blipFill>
+                    <p:spPr>
+                      <a:xfrm>
+                        <a:off x="1156053" y="30193554"/>
+                        <a:ext cx="7910090" cy="5088162"/>
+                      </a:xfrm>
+                      <a:prstGeom prst="rect">
+                        <a:avLst/>
+                      </a:prstGeom>
+                    </p:spPr>
+                  </p:pic>
+                </p:oleObj>
+              </mc:Fallback>
+            </mc:AlternateContent>
+          </a:graphicData>
+        </a:graphic>
+      </p:graphicFrame>
       <p:sp>
         <p:nvSpPr>
           <p:cNvPr id="55" name="Pfeil nach rechts 54"/>
@@ -8848,9 +8173,9 @@
           <p:nvPr/>
         </p:nvSpPr>
         <p:spPr>
-          <a:xfrm rot="1237141">
-            <a:off x="7266297" y="32245313"/>
-            <a:ext cx="2512940" cy="296192"/>
+          <a:xfrm rot="672030">
+            <a:off x="8623999" y="32665230"/>
+            <a:ext cx="1281389" cy="372899"/>
           </a:xfrm>
           <a:prstGeom prst="rightArrow">
             <a:avLst/>
@@ -8859,6 +8184,7 @@
             <a:schemeClr val="tx2">
               <a:lumMod val="20000"/>
               <a:lumOff val="80000"/>
+              <a:alpha val="20000"/>
             </a:schemeClr>
           </a:solidFill>
         </p:spPr>
@@ -8892,9 +8218,9 @@
           <p:nvPr/>
         </p:nvSpPr>
         <p:spPr>
-          <a:xfrm rot="941494">
-            <a:off x="5383456" y="31745619"/>
-            <a:ext cx="11726285" cy="359839"/>
+          <a:xfrm rot="902938">
+            <a:off x="7865206" y="32952329"/>
+            <a:ext cx="9573271" cy="456049"/>
           </a:xfrm>
           <a:prstGeom prst="rightArrow">
             <a:avLst/>
@@ -8903,6 +8229,7 @@
             <a:schemeClr val="tx2">
               <a:lumMod val="20000"/>
               <a:lumOff val="80000"/>
+              <a:alpha val="21000"/>
             </a:schemeClr>
           </a:solidFill>
         </p:spPr>
@@ -8929,250 +8256,51 @@
           </a:p>
         </p:txBody>
       </p:sp>
-      <p:pic>
-        <p:nvPicPr>
-          <p:cNvPr id="29" name="Grafik 28"/>
-          <p:cNvPicPr>
-            <a:picLocks noChangeAspect="1"/>
-          </p:cNvPicPr>
+      <p:sp>
+        <p:nvSpPr>
+          <p:cNvPr id="58" name="Pfeil nach rechts 57"/>
+          <p:cNvSpPr/>
           <p:nvPr/>
-        </p:nvPicPr>
-        <p:blipFill>
-          <a:blip r:embed="rId28">
-            <a:extLst>
-              <a:ext uri="{28A0092B-C50C-407E-A947-70E740481C1C}">
-                <a14:useLocalDpi xmlns:a14="http://schemas.microsoft.com/office/drawing/2010/main" val="0"/>
-              </a:ext>
-            </a:extLst>
-          </a:blip>
-          <a:stretch>
-            <a:fillRect/>
-          </a:stretch>
-        </p:blipFill>
+        </p:nvSpPr>
         <p:spPr>
-          <a:xfrm>
-            <a:off x="20650729" y="22405626"/>
-            <a:ext cx="8279799" cy="3386063"/>
+          <a:xfrm rot="847836">
+            <a:off x="7629816" y="32130682"/>
+            <a:ext cx="9760712" cy="410742"/>
           </a:xfrm>
-          <a:prstGeom prst="rect">
+          <a:prstGeom prst="rightArrow">
             <a:avLst/>
           </a:prstGeom>
+          <a:solidFill>
+            <a:schemeClr val="tx2">
+              <a:lumMod val="20000"/>
+              <a:lumOff val="80000"/>
+              <a:alpha val="20000"/>
+            </a:schemeClr>
+          </a:solidFill>
         </p:spPr>
-      </p:pic>
-      <p:pic>
-        <p:nvPicPr>
-          <p:cNvPr id="93" name="Picture 1"/>
-          <p:cNvPicPr/>
-          <p:nvPr/>
-        </p:nvPicPr>
-        <p:blipFill>
-          <a:blip r:embed="rId29"/>
-          <a:stretch>
-            <a:fillRect/>
-          </a:stretch>
-        </p:blipFill>
-        <p:spPr>
-          <a:xfrm>
-            <a:off x="329058" y="40102636"/>
-            <a:ext cx="2017080" cy="1371960"/>
-          </a:xfrm>
-          <a:prstGeom prst="rect">
-            <a:avLst/>
-          </a:prstGeom>
-        </p:spPr>
-      </p:pic>
-      <p:sp>
-        <p:nvSpPr>
-          <p:cNvPr id="94" name="CustomShape 46"/>
-          <p:cNvSpPr/>
-          <p:nvPr/>
-        </p:nvSpPr>
-        <p:spPr>
-          <a:xfrm>
-            <a:off x="420138" y="41497996"/>
-            <a:ext cx="1875960" cy="820440"/>
-          </a:xfrm>
-          <a:prstGeom prst="rect">
-            <a:avLst/>
-          </a:prstGeom>
-        </p:spPr>
-        <p:txBody>
-          <a:bodyPr lIns="90000" tIns="45000" rIns="90000" bIns="45000"/>
-          <a:lstStyle>
-            <a:defPPr>
-              <a:defRPr lang="en-US"/>
-            </a:defPPr>
-            <a:lvl1pPr marL="0" algn="l" defTabSz="914400" rtl="0" eaLnBrk="1" latinLnBrk="0" hangingPunct="1">
-              <a:defRPr sz="1800" kern="1200">
-                <a:solidFill>
-                  <a:schemeClr val="tx1"/>
-                </a:solidFill>
-                <a:latin typeface="+mn-lt"/>
-                <a:ea typeface="+mn-ea"/>
-                <a:cs typeface="+mn-cs"/>
-              </a:defRPr>
-            </a:lvl1pPr>
-            <a:lvl2pPr marL="457200" algn="l" defTabSz="914400" rtl="0" eaLnBrk="1" latinLnBrk="0" hangingPunct="1">
-              <a:defRPr sz="1800" kern="1200">
-                <a:solidFill>
-                  <a:schemeClr val="tx1"/>
-                </a:solidFill>
-                <a:latin typeface="+mn-lt"/>
-                <a:ea typeface="+mn-ea"/>
-                <a:cs typeface="+mn-cs"/>
-              </a:defRPr>
-            </a:lvl2pPr>
-            <a:lvl3pPr marL="914400" algn="l" defTabSz="914400" rtl="0" eaLnBrk="1" latinLnBrk="0" hangingPunct="1">
-              <a:defRPr sz="1800" kern="1200">
-                <a:solidFill>
-                  <a:schemeClr val="tx1"/>
-                </a:solidFill>
-                <a:latin typeface="+mn-lt"/>
-                <a:ea typeface="+mn-ea"/>
-                <a:cs typeface="+mn-cs"/>
-              </a:defRPr>
-            </a:lvl3pPr>
-            <a:lvl4pPr marL="1371600" algn="l" defTabSz="914400" rtl="0" eaLnBrk="1" latinLnBrk="0" hangingPunct="1">
-              <a:defRPr sz="1800" kern="1200">
-                <a:solidFill>
-                  <a:schemeClr val="tx1"/>
-                </a:solidFill>
-                <a:latin typeface="+mn-lt"/>
-                <a:ea typeface="+mn-ea"/>
-                <a:cs typeface="+mn-cs"/>
-              </a:defRPr>
-            </a:lvl4pPr>
-            <a:lvl5pPr marL="1828800" algn="l" defTabSz="914400" rtl="0" eaLnBrk="1" latinLnBrk="0" hangingPunct="1">
-              <a:defRPr sz="1800" kern="1200">
-                <a:solidFill>
-                  <a:schemeClr val="tx1"/>
-                </a:solidFill>
-                <a:latin typeface="+mn-lt"/>
-                <a:ea typeface="+mn-ea"/>
-                <a:cs typeface="+mn-cs"/>
-              </a:defRPr>
-            </a:lvl5pPr>
-            <a:lvl6pPr marL="2286000" algn="l" defTabSz="914400" rtl="0" eaLnBrk="1" latinLnBrk="0" hangingPunct="1">
-              <a:defRPr sz="1800" kern="1200">
-                <a:solidFill>
-                  <a:schemeClr val="tx1"/>
-                </a:solidFill>
-                <a:latin typeface="+mn-lt"/>
-                <a:ea typeface="+mn-ea"/>
-                <a:cs typeface="+mn-cs"/>
-              </a:defRPr>
-            </a:lvl6pPr>
-            <a:lvl7pPr marL="2743200" algn="l" defTabSz="914400" rtl="0" eaLnBrk="1" latinLnBrk="0" hangingPunct="1">
-              <a:defRPr sz="1800" kern="1200">
-                <a:solidFill>
-                  <a:schemeClr val="tx1"/>
-                </a:solidFill>
-                <a:latin typeface="+mn-lt"/>
-                <a:ea typeface="+mn-ea"/>
-                <a:cs typeface="+mn-cs"/>
-              </a:defRPr>
-            </a:lvl7pPr>
-            <a:lvl8pPr marL="3200400" algn="l" defTabSz="914400" rtl="0" eaLnBrk="1" latinLnBrk="0" hangingPunct="1">
-              <a:defRPr sz="1800" kern="1200">
-                <a:solidFill>
-                  <a:schemeClr val="tx1"/>
-                </a:solidFill>
-                <a:latin typeface="+mn-lt"/>
-                <a:ea typeface="+mn-ea"/>
-                <a:cs typeface="+mn-cs"/>
-              </a:defRPr>
-            </a:lvl8pPr>
-            <a:lvl9pPr marL="3657600" algn="l" defTabSz="914400" rtl="0" eaLnBrk="1" latinLnBrk="0" hangingPunct="1">
-              <a:defRPr sz="1800" kern="1200">
-                <a:solidFill>
-                  <a:schemeClr val="tx1"/>
-                </a:solidFill>
-                <a:latin typeface="+mn-lt"/>
-                <a:ea typeface="+mn-ea"/>
-                <a:cs typeface="+mn-cs"/>
-              </a:defRPr>
-            </a:lvl9pPr>
-          </a:lstStyle>
-          <a:p>
-            <a:pPr algn="ctr">
-              <a:lnSpc>
-                <a:spcPct val="100000"/>
-              </a:lnSpc>
-            </a:pPr>
-            <a:r>
-              <a:rPr lang="en-US" sz="1200" dirty="0">
-                <a:solidFill>
-                  <a:srgbClr val="000000"/>
-                </a:solidFill>
-                <a:latin typeface="Verdana"/>
-                <a:ea typeface="Verdana"/>
-              </a:rPr>
-              <a:t>This project is funded through European Commission COSMOS Grant EC312941</a:t>
-            </a:r>
-            <a:endParaRPr dirty="0"/>
-          </a:p>
-        </p:txBody>
-      </p:sp>
-      <p:pic>
-        <p:nvPicPr>
-          <p:cNvPr id="39" name="Grafik 38"/>
-          <p:cNvPicPr>
-            <a:picLocks noChangeAspect="1"/>
-          </p:cNvPicPr>
-          <p:nvPr/>
-        </p:nvPicPr>
-        <p:blipFill>
-          <a:blip r:embed="rId30">
-            <a:extLst>
-              <a:ext uri="{28A0092B-C50C-407E-A947-70E740481C1C}">
-                <a14:useLocalDpi xmlns:a14="http://schemas.microsoft.com/office/drawing/2010/main" val="0"/>
-              </a:ext>
-            </a:extLst>
-          </a:blip>
-          <a:stretch>
-            <a:fillRect/>
-          </a:stretch>
-        </p:blipFill>
-        <p:spPr>
-          <a:xfrm>
-            <a:off x="27360305" y="1803011"/>
-            <a:ext cx="2213992" cy="2040004"/>
-          </a:xfrm>
-          <a:prstGeom prst="rect">
-            <a:avLst/>
-          </a:prstGeom>
-        </p:spPr>
-      </p:pic>
-      <p:pic>
-        <p:nvPicPr>
-          <p:cNvPr id="8" name="Grafik 7"/>
-          <p:cNvPicPr>
-            <a:picLocks noChangeAspect="1"/>
-          </p:cNvPicPr>
-          <p:nvPr/>
-        </p:nvPicPr>
-        <p:blipFill>
-          <a:blip r:embed="rId31">
-            <a:extLst>
-              <a:ext uri="{28A0092B-C50C-407E-A947-70E740481C1C}">
-                <a14:useLocalDpi xmlns:a14="http://schemas.microsoft.com/office/drawing/2010/main" val="0"/>
-              </a:ext>
-            </a:extLst>
-          </a:blip>
-          <a:stretch>
-            <a:fillRect/>
-          </a:stretch>
-        </p:blipFill>
-        <p:spPr>
-          <a:xfrm>
-            <a:off x="25162827" y="478750"/>
-            <a:ext cx="4619625" cy="1228725"/>
-          </a:xfrm>
-          <a:prstGeom prst="rect">
-            <a:avLst/>
-          </a:prstGeom>
-        </p:spPr>
-      </p:pic>
+        <p:style>
+          <a:lnRef idx="1">
+            <a:schemeClr val="accent5"/>
+          </a:lnRef>
+          <a:fillRef idx="3">
+            <a:schemeClr val="accent5"/>
+          </a:fillRef>
+          <a:effectRef idx="2">
+            <a:schemeClr val="accent5"/>
+          </a:effectRef>
+          <a:fontRef idx="minor">
+            <a:schemeClr val="lt1"/>
+          </a:fontRef>
+        </p:style>
+        <p:txBody>
+          <a:bodyPr rtlCol="0" anchor="ctr"/>
+          <a:lstStyle/>
+          <a:p>
+            <a:pPr algn="ctr"/>
+            <a:endParaRPr lang="en-US"/>
+          </a:p>
+        </p:txBody>
+      </p:sp>
     </p:spTree>
     <p:extLst>
       <p:ext uri="{BB962C8B-B14F-4D97-AF65-F5344CB8AC3E}">

--- a/docs/SchemaDocumentation/nmrML_Poster_124_Schober.pptx
+++ b/docs/SchemaDocumentation/nmrML_Poster_124_Schober.pptx
@@ -3326,7 +3326,7 @@
         </p:nvSpPr>
         <p:spPr>
           <a:xfrm>
-            <a:off x="797327" y="29621103"/>
+            <a:off x="876853" y="29621103"/>
             <a:ext cx="28856833" cy="5946497"/>
           </a:xfrm>
           <a:prstGeom prst="rect">
@@ -4133,27 +4133,7 @@
                 <a:latin typeface="Verdana"/>
                 <a:cs typeface="Verdana"/>
               </a:rPr>
-              <a:t> and </a:t>
-            </a:r>
-            <a:r>
-              <a:rPr lang="en-US" sz="2800" dirty="0" smtClean="0">
-                <a:solidFill>
-                  <a:srgbClr val="121421"/>
-                </a:solidFill>
-                <a:latin typeface="Verdana"/>
-                <a:cs typeface="Verdana"/>
-              </a:rPr>
-              <a:t>Agilent/Varian </a:t>
-            </a:r>
-            <a:r>
-              <a:rPr lang="en-US" sz="2800" dirty="0" smtClean="0">
-                <a:solidFill>
-                  <a:srgbClr val="121421"/>
-                </a:solidFill>
-                <a:latin typeface="Verdana"/>
-                <a:cs typeface="Verdana"/>
-              </a:rPr>
-              <a:t>data </a:t>
+              <a:t> and Agilent/Varian data </a:t>
             </a:r>
             <a:r>
               <a:rPr lang="en-US" sz="2800" dirty="0">
@@ -4294,17 +4274,7 @@
                 <a:latin typeface="Verdana"/>
                 <a:cs typeface="Verdana"/>
               </a:rPr>
-              <a:t>quantification </a:t>
-            </a:r>
-            <a:r>
-              <a:rPr lang="en-US" sz="2800" b="1" dirty="0" smtClean="0">
-                <a:solidFill>
-                  <a:schemeClr val="accent1"/>
-                </a:solidFill>
-                <a:latin typeface="Verdana"/>
-                <a:cs typeface="Verdana"/>
-              </a:rPr>
-              <a:t>data handling</a:t>
+              <a:t>quantification data handling</a:t>
             </a:r>
             <a:r>
               <a:rPr lang="en-US" sz="2800" dirty="0" smtClean="0">
@@ -4314,17 +4284,7 @@
                 <a:latin typeface="Verdana"/>
                 <a:cs typeface="Verdana"/>
               </a:rPr>
-              <a:t>. </a:t>
-            </a:r>
-            <a:r>
-              <a:rPr lang="en-US" sz="2800" dirty="0" smtClean="0">
-                <a:solidFill>
-                  <a:srgbClr val="121421"/>
-                </a:solidFill>
-                <a:latin typeface="Verdana"/>
-                <a:cs typeface="Verdana"/>
-              </a:rPr>
-              <a:t>Our </a:t>
+              <a:t>. Our </a:t>
             </a:r>
             <a:r>
               <a:rPr lang="en-US" sz="2800" dirty="0">
@@ -5561,18 +5521,7 @@
                 <a:ea typeface="Verdana" pitchFamily="34" charset="0"/>
                 <a:cs typeface="Verdana" pitchFamily="34" charset="0"/>
               </a:rPr>
-              <a:t> </a:t>
-            </a:r>
-            <a:r>
-              <a:rPr lang="de-DE" sz="3600" b="1" dirty="0" smtClean="0">
-                <a:solidFill>
-                  <a:srgbClr val="2F3246"/>
-                </a:solidFill>
-                <a:latin typeface="Verdana" pitchFamily="34" charset="0"/>
-                <a:ea typeface="Verdana" pitchFamily="34" charset="0"/>
-                <a:cs typeface="Verdana" pitchFamily="34" charset="0"/>
-              </a:rPr>
-              <a:t>XML </a:t>
+              <a:t> XML </a:t>
             </a:r>
             <a:r>
               <a:rPr lang="de-DE" sz="3600" b="1" dirty="0" err="1" smtClean="0">
@@ -6015,8 +5964,8 @@
         </p:nvSpPr>
         <p:spPr>
           <a:xfrm>
-            <a:off x="18253880" y="36935983"/>
-            <a:ext cx="11400279" cy="2585323"/>
+            <a:off x="18227148" y="36953966"/>
+            <a:ext cx="11400279" cy="2169825"/>
           </a:xfrm>
           <a:prstGeom prst="rect">
             <a:avLst/>
@@ -6196,10 +6145,10 @@
                 <a:ea typeface="Verdana" pitchFamily="34" charset="0"/>
                 <a:cs typeface="Verdana" pitchFamily="34" charset="0"/>
               </a:rPr>
-              <a:t>nmrML</a:t>
-            </a:r>
-            <a:r>
-              <a:rPr lang="de-DE" sz="1800" dirty="0" smtClean="0">
+              <a:t>Cosmos</a:t>
+            </a:r>
+            <a:r>
+              <a:rPr lang="de-DE" sz="1800" dirty="0">
                 <a:solidFill>
                   <a:schemeClr val="tx1">
                     <a:lumMod val="50000"/>
@@ -6210,10 +6159,10 @@
                 <a:ea typeface="Verdana" pitchFamily="34" charset="0"/>
                 <a:cs typeface="Verdana" pitchFamily="34" charset="0"/>
               </a:rPr>
-              <a:t> </a:t>
-            </a:r>
-            <a:r>
-              <a:rPr lang="de-DE" sz="1800" dirty="0" err="1" smtClean="0">
+              <a:t>: </a:t>
+            </a:r>
+            <a:r>
+              <a:rPr lang="de-DE" sz="1800" dirty="0">
                 <a:solidFill>
                   <a:schemeClr val="tx1">
                     <a:lumMod val="50000"/>
@@ -6223,8 +6172,9 @@
                 <a:latin typeface="Verdana" pitchFamily="34" charset="0"/>
                 <a:ea typeface="Verdana" pitchFamily="34" charset="0"/>
                 <a:cs typeface="Verdana" pitchFamily="34" charset="0"/>
-              </a:rPr>
-              <a:t>validator</a:t>
+                <a:hlinkClick r:id="rId11"/>
+              </a:rPr>
+              <a:t>http://www.cosmos-fp7.eu/</a:t>
             </a:r>
             <a:r>
               <a:rPr lang="de-DE" sz="1800" dirty="0">
@@ -6238,63 +6188,8 @@
                 <a:ea typeface="Verdana" pitchFamily="34" charset="0"/>
                 <a:cs typeface="Verdana" pitchFamily="34" charset="0"/>
               </a:rPr>
-              <a:t>: </a:t>
-            </a:r>
-            <a:r>
-              <a:rPr lang="de-DE" sz="1800" dirty="0">
-                <a:solidFill>
-                  <a:schemeClr val="tx1">
-                    <a:lumMod val="50000"/>
-                    <a:lumOff val="50000"/>
-                  </a:schemeClr>
-                </a:solidFill>
-                <a:latin typeface="Verdana" pitchFamily="34" charset="0"/>
-                <a:ea typeface="Verdana" pitchFamily="34" charset="0"/>
-                <a:cs typeface="Verdana" pitchFamily="34" charset="0"/>
-                <a:hlinkClick r:id="rId11"/>
-              </a:rPr>
-              <a:t>http://</a:t>
-            </a:r>
-            <a:r>
-              <a:rPr lang="de-DE" sz="1800" dirty="0" smtClean="0">
-                <a:solidFill>
-                  <a:schemeClr val="tx1">
-                    <a:lumMod val="50000"/>
-                    <a:lumOff val="50000"/>
-                  </a:schemeClr>
-                </a:solidFill>
-                <a:latin typeface="Verdana" pitchFamily="34" charset="0"/>
-                <a:ea typeface="Verdana" pitchFamily="34" charset="0"/>
-                <a:cs typeface="Verdana" pitchFamily="34" charset="0"/>
-                <a:hlinkClick r:id="rId11"/>
-              </a:rPr>
-              <a:t>msbi.ipb-halle.de/nmrML/index.php</a:t>
-            </a:r>
-            <a:r>
-              <a:rPr lang="de-DE" sz="1800" dirty="0" smtClean="0">
-                <a:solidFill>
-                  <a:schemeClr val="tx1">
-                    <a:lumMod val="50000"/>
-                    <a:lumOff val="50000"/>
-                  </a:schemeClr>
-                </a:solidFill>
-                <a:latin typeface="Verdana" pitchFamily="34" charset="0"/>
-                <a:ea typeface="Verdana" pitchFamily="34" charset="0"/>
-                <a:cs typeface="Verdana" pitchFamily="34" charset="0"/>
-              </a:rPr>
-              <a:t> </a:t>
-            </a:r>
-            <a:endParaRPr lang="de-DE" sz="1800" dirty="0">
-              <a:solidFill>
-                <a:schemeClr val="tx1">
-                  <a:lumMod val="50000"/>
-                  <a:lumOff val="50000"/>
-                </a:schemeClr>
-              </a:solidFill>
-              <a:latin typeface="Verdana" pitchFamily="34" charset="0"/>
-              <a:ea typeface="Verdana" pitchFamily="34" charset="0"/>
-              <a:cs typeface="Verdana" pitchFamily="34" charset="0"/>
-            </a:endParaRPr>
+              <a:t>  </a:t>
+            </a:r>
           </a:p>
           <a:p>
             <a:pPr marL="449263" lvl="1" indent="363538" defTabSz="623888">
@@ -6308,7 +6203,7 @@
               </a:tabLst>
             </a:pPr>
             <a:r>
-              <a:rPr lang="de-DE" sz="1800" dirty="0" err="1">
+              <a:rPr lang="de-DE" sz="1800" dirty="0">
                 <a:solidFill>
                   <a:schemeClr val="tx1">
                     <a:lumMod val="50000"/>
@@ -6319,7 +6214,7 @@
                 <a:ea typeface="Verdana" pitchFamily="34" charset="0"/>
                 <a:cs typeface="Verdana" pitchFamily="34" charset="0"/>
               </a:rPr>
-              <a:t>Cosmos</a:t>
+              <a:t>Email: </a:t>
             </a:r>
             <a:r>
               <a:rPr lang="de-DE" sz="1800" dirty="0">
@@ -6332,8 +6227,9 @@
                 <a:latin typeface="Verdana" pitchFamily="34" charset="0"/>
                 <a:ea typeface="Verdana" pitchFamily="34" charset="0"/>
                 <a:cs typeface="Verdana" pitchFamily="34" charset="0"/>
-              </a:rPr>
-              <a:t>: </a:t>
+                <a:hlinkClick r:id="rId12"/>
+              </a:rPr>
+              <a:t>info@nmrml.org</a:t>
             </a:r>
             <a:r>
               <a:rPr lang="de-DE" sz="1800" dirty="0">
@@ -6346,23 +6242,8 @@
                 <a:latin typeface="Verdana" pitchFamily="34" charset="0"/>
                 <a:ea typeface="Verdana" pitchFamily="34" charset="0"/>
                 <a:cs typeface="Verdana" pitchFamily="34" charset="0"/>
-                <a:hlinkClick r:id="rId12"/>
-              </a:rPr>
-              <a:t>http://www.cosmos-fp7.eu/</a:t>
-            </a:r>
-            <a:r>
-              <a:rPr lang="de-DE" sz="1800" dirty="0">
-                <a:solidFill>
-                  <a:schemeClr val="tx1">
-                    <a:lumMod val="50000"/>
-                    <a:lumOff val="50000"/>
-                  </a:schemeClr>
-                </a:solidFill>
-                <a:latin typeface="Verdana" pitchFamily="34" charset="0"/>
-                <a:ea typeface="Verdana" pitchFamily="34" charset="0"/>
-                <a:cs typeface="Verdana" pitchFamily="34" charset="0"/>
-              </a:rPr>
-              <a:t>  </a:t>
+              </a:rPr>
+              <a:t> </a:t>
             </a:r>
           </a:p>
           <a:p>
@@ -6388,7 +6269,7 @@
                 <a:ea typeface="Verdana" pitchFamily="34" charset="0"/>
                 <a:cs typeface="Verdana" pitchFamily="34" charset="0"/>
               </a:rPr>
-              <a:t>Email: </a:t>
+              <a:t>Google Group: </a:t>
             </a:r>
             <a:r>
               <a:rPr lang="de-DE" sz="1800" dirty="0">
@@ -6402,61 +6283,6 @@
                 <a:ea typeface="Verdana" pitchFamily="34" charset="0"/>
                 <a:cs typeface="Verdana" pitchFamily="34" charset="0"/>
                 <a:hlinkClick r:id="rId13"/>
-              </a:rPr>
-              <a:t>info@nmrml.org</a:t>
-            </a:r>
-            <a:r>
-              <a:rPr lang="de-DE" sz="1800" dirty="0">
-                <a:solidFill>
-                  <a:schemeClr val="tx1">
-                    <a:lumMod val="50000"/>
-                    <a:lumOff val="50000"/>
-                  </a:schemeClr>
-                </a:solidFill>
-                <a:latin typeface="Verdana" pitchFamily="34" charset="0"/>
-                <a:ea typeface="Verdana" pitchFamily="34" charset="0"/>
-                <a:cs typeface="Verdana" pitchFamily="34" charset="0"/>
-              </a:rPr>
-              <a:t> </a:t>
-            </a:r>
-          </a:p>
-          <a:p>
-            <a:pPr marL="449263" lvl="1" indent="363538" defTabSz="623888">
-              <a:lnSpc>
-                <a:spcPct val="150000"/>
-              </a:lnSpc>
-              <a:buFont typeface="Arial" pitchFamily="34" charset="0"/>
-              <a:buChar char="•"/>
-              <a:tabLst>
-                <a:tab pos="363538" algn="l"/>
-              </a:tabLst>
-            </a:pPr>
-            <a:r>
-              <a:rPr lang="de-DE" sz="1800" dirty="0">
-                <a:solidFill>
-                  <a:schemeClr val="tx1">
-                    <a:lumMod val="50000"/>
-                    <a:lumOff val="50000"/>
-                  </a:schemeClr>
-                </a:solidFill>
-                <a:latin typeface="Verdana" pitchFamily="34" charset="0"/>
-                <a:ea typeface="Verdana" pitchFamily="34" charset="0"/>
-                <a:cs typeface="Verdana" pitchFamily="34" charset="0"/>
-              </a:rPr>
-              <a:t>Google Group: </a:t>
-            </a:r>
-            <a:r>
-              <a:rPr lang="de-DE" sz="1800" dirty="0">
-                <a:solidFill>
-                  <a:schemeClr val="tx1">
-                    <a:lumMod val="50000"/>
-                    <a:lumOff val="50000"/>
-                  </a:schemeClr>
-                </a:solidFill>
-                <a:latin typeface="Verdana" pitchFamily="34" charset="0"/>
-                <a:ea typeface="Verdana" pitchFamily="34" charset="0"/>
-                <a:cs typeface="Verdana" pitchFamily="34" charset="0"/>
-                <a:hlinkClick r:id="rId14"/>
               </a:rPr>
               <a:t>https://groups.google.com/forum/?hl=en#!forum/nmrml/join</a:t>
             </a:r>
@@ -6601,7 +6427,7 @@
           <p:nvPr/>
         </p:nvPicPr>
         <p:blipFill>
-          <a:blip r:embed="rId15">
+          <a:blip r:embed="rId14">
             <a:extLst>
               <a:ext uri="{28A0092B-C50C-407E-A947-70E740481C1C}">
                 <a14:useLocalDpi xmlns:a14="http://schemas.microsoft.com/office/drawing/2010/main" val="0"/>
@@ -6631,7 +6457,7 @@
           <p:nvPr/>
         </p:nvPicPr>
         <p:blipFill>
-          <a:blip r:embed="rId16">
+          <a:blip r:embed="rId15">
             <a:extLst>
               <a:ext uri="{28A0092B-C50C-407E-A947-70E740481C1C}">
                 <a14:useLocalDpi xmlns:a14="http://schemas.microsoft.com/office/drawing/2010/main" val="0"/>
@@ -6661,7 +6487,7 @@
           <p:nvPr/>
         </p:nvPicPr>
         <p:blipFill>
-          <a:blip r:embed="rId17">
+          <a:blip r:embed="rId16">
             <a:extLst>
               <a:ext uri="{28A0092B-C50C-407E-A947-70E740481C1C}">
                 <a14:useLocalDpi xmlns:a14="http://schemas.microsoft.com/office/drawing/2010/main" val="0"/>
@@ -6704,12 +6530,12 @@
           <a:graphicData uri="http://schemas.openxmlformats.org/presentationml/2006/ole">
             <mc:AlternateContent xmlns:mc="http://schemas.openxmlformats.org/markup-compatibility/2006">
               <mc:Choice xmlns:v="urn:schemas-microsoft-com:vml" Requires="v">
-                <p:oleObj spid="_x0000_s3141" r:id="rId18" imgW="155999880" imgH="75692160" progId="">
+                <p:oleObj spid="_x0000_s3145" r:id="rId17" imgW="155999880" imgH="75692160" progId="">
                   <p:embed/>
                 </p:oleObj>
               </mc:Choice>
               <mc:Fallback>
-                <p:oleObj r:id="rId18" imgW="155999880" imgH="75692160" progId="">
+                <p:oleObj r:id="rId17" imgW="155999880" imgH="75692160" progId="">
                   <p:embed/>
                   <p:pic>
                     <p:nvPicPr>
@@ -6718,7 +6544,7 @@
                       <p:nvPr/>
                     </p:nvPicPr>
                     <p:blipFill>
-                      <a:blip r:embed="rId19"/>
+                      <a:blip r:embed="rId18"/>
                       <a:stretch>
                         <a:fillRect/>
                       </a:stretch>
@@ -6748,7 +6574,7 @@
           <p:nvPr/>
         </p:nvPicPr>
         <p:blipFill>
-          <a:blip r:embed="rId20" cstate="email">
+          <a:blip r:embed="rId19" cstate="email">
             <a:extLst>
               <a:ext uri="{28A0092B-C50C-407E-A947-70E740481C1C}">
                 <a14:useLocalDpi xmlns:a14="http://schemas.microsoft.com/office/drawing/2010/main" val="0"/>
@@ -6818,7 +6644,7 @@
           <p:nvPr/>
         </p:nvPicPr>
         <p:blipFill>
-          <a:blip r:embed="rId21" cstate="email">
+          <a:blip r:embed="rId20" cstate="email">
             <a:extLst>
               <a:ext uri="{28A0092B-C50C-407E-A947-70E740481C1C}">
                 <a14:useLocalDpi xmlns:a14="http://schemas.microsoft.com/office/drawing/2010/main" val="0"/>
@@ -6982,7 +6808,7 @@
                 <a:latin typeface="Verdana"/>
                 <a:cs typeface="Verdana"/>
               </a:rPr>
-              <a:t> which checks </a:t>
+              <a:t> which checks the </a:t>
             </a:r>
             <a:r>
               <a:rPr lang="en-US" sz="2800" dirty="0" smtClean="0">
@@ -6992,7 +6818,7 @@
                 <a:latin typeface="Verdana"/>
                 <a:cs typeface="Verdana"/>
               </a:rPr>
-              <a:t>the NMR data files in a multilayered approach, i.e. ensuring the data is </a:t>
+              <a:t>quality of NMR </a:t>
             </a:r>
             <a:r>
               <a:rPr lang="en-US" sz="2800" dirty="0" smtClean="0">
@@ -7002,7 +6828,7 @@
                 <a:latin typeface="Verdana"/>
                 <a:cs typeface="Verdana"/>
               </a:rPr>
-              <a:t>syntactically well </a:t>
+              <a:t>data files in a multilayered approach, i.e. ensuring the data is syntactically well formatted, adheres to the XSD, and is sufficiently detailed with respect to data content and CV annotations. </a:t>
             </a:r>
             <a:r>
               <a:rPr lang="en-US" sz="2800" dirty="0" smtClean="0">
@@ -7012,7 +6838,7 @@
                 <a:latin typeface="Verdana"/>
                 <a:cs typeface="Verdana"/>
               </a:rPr>
-              <a:t>formatted, adheres to the XSD, and is </a:t>
+              <a:t>Semantic </a:t>
             </a:r>
             <a:r>
               <a:rPr lang="en-US" sz="2800" dirty="0" smtClean="0">
@@ -7022,7 +6848,7 @@
                 <a:latin typeface="Verdana"/>
                 <a:cs typeface="Verdana"/>
               </a:rPr>
-              <a:t>sufficiently detailed with respect to data content and </a:t>
+              <a:t>validation </a:t>
             </a:r>
             <a:r>
               <a:rPr lang="en-US" sz="2800" dirty="0" smtClean="0">
@@ -7032,7 +6858,17 @@
                 <a:latin typeface="Verdana"/>
                 <a:cs typeface="Verdana"/>
               </a:rPr>
-              <a:t>CV annotations. The latter semantic validation exploit rules that set constraints </a:t>
+              <a:t>exploits </a:t>
+            </a:r>
+            <a:r>
+              <a:rPr lang="en-US" sz="2800" dirty="0" smtClean="0">
+                <a:solidFill>
+                  <a:srgbClr val="121421"/>
+                </a:solidFill>
+                <a:latin typeface="Verdana"/>
+                <a:cs typeface="Verdana"/>
+              </a:rPr>
+              <a:t>rules that set constraints </a:t>
             </a:r>
             <a:r>
               <a:rPr lang="en-US" sz="2800" dirty="0">
@@ -7052,7 +6888,7 @@
                 <a:latin typeface="Verdana"/>
                 <a:cs typeface="Verdana"/>
               </a:rPr>
-              <a:t>position. </a:t>
+              <a:t>position, i.e. which </a:t>
             </a:r>
             <a:r>
               <a:rPr lang="en-US" sz="2800" dirty="0" smtClean="0">
@@ -7062,7 +6898,7 @@
                 <a:latin typeface="Verdana"/>
                 <a:cs typeface="Verdana"/>
               </a:rPr>
-              <a:t>which CV term is allowed at a.  </a:t>
+              <a:t>CV </a:t>
             </a:r>
             <a:r>
               <a:rPr lang="en-US" sz="2800" dirty="0" smtClean="0">
@@ -7072,7 +6908,37 @@
                 <a:latin typeface="Verdana"/>
                 <a:cs typeface="Verdana"/>
               </a:rPr>
-              <a:t>and that aspects of </a:t>
+              <a:t>terms are </a:t>
+            </a:r>
+            <a:r>
+              <a:rPr lang="en-US" sz="2800" dirty="0" smtClean="0">
+                <a:solidFill>
+                  <a:srgbClr val="121421"/>
+                </a:solidFill>
+                <a:latin typeface="Verdana"/>
+                <a:cs typeface="Verdana"/>
+              </a:rPr>
+              <a:t>allowed at </a:t>
+            </a:r>
+            <a:r>
+              <a:rPr lang="en-US" sz="2800" dirty="0" smtClean="0">
+                <a:solidFill>
+                  <a:srgbClr val="121421"/>
+                </a:solidFill>
+                <a:latin typeface="Verdana"/>
+                <a:cs typeface="Verdana"/>
+              </a:rPr>
+              <a:t>a certain XML location. Such checks can enforce aspects </a:t>
+            </a:r>
+            <a:r>
+              <a:rPr lang="en-US" sz="2800" dirty="0" smtClean="0">
+                <a:solidFill>
+                  <a:srgbClr val="121421"/>
+                </a:solidFill>
+                <a:latin typeface="Verdana"/>
+                <a:cs typeface="Verdana"/>
+              </a:rPr>
+              <a:t>of </a:t>
             </a:r>
             <a:r>
               <a:rPr lang="en-US" sz="2800" b="1" dirty="0" smtClean="0">
@@ -7092,7 +6958,17 @@
                 <a:latin typeface="Verdana"/>
                 <a:cs typeface="Verdana"/>
               </a:rPr>
-              <a:t>, e.g. from the Core Information for Metabolomics Reporting (CIMR) are met.</a:t>
+              <a:t>, e.g. from the Core Information for Metabolomics Reporting (CIMR</a:t>
+            </a:r>
+            <a:r>
+              <a:rPr lang="en-US" sz="2800" dirty="0" smtClean="0">
+                <a:solidFill>
+                  <a:srgbClr val="121421"/>
+                </a:solidFill>
+                <a:latin typeface="Verdana"/>
+                <a:cs typeface="Verdana"/>
+              </a:rPr>
+              <a:t>).</a:t>
             </a:r>
             <a:endParaRPr lang="ro-RO" sz="2800" dirty="0">
               <a:solidFill>
@@ -7244,7 +7120,7 @@
         </p:nvSpPr>
         <p:spPr>
           <a:xfrm>
-            <a:off x="18591371" y="36174573"/>
+            <a:off x="18611500" y="36125871"/>
             <a:ext cx="6283476" cy="646331"/>
           </a:xfrm>
           <a:prstGeom prst="rect">
@@ -7427,7 +7303,7 @@
                 <a:latin typeface="Verdana" pitchFamily="34" charset="0"/>
                 <a:ea typeface="Verdana" pitchFamily="34" charset="0"/>
                 <a:cs typeface="Verdana" pitchFamily="34" charset="0"/>
-                <a:hlinkClick r:id="rId22"/>
+                <a:hlinkClick r:id="rId21"/>
               </a:rPr>
               <a:t>http://www.ebi.ac.uk/metabolights/</a:t>
             </a:r>
@@ -7482,7 +7358,7 @@
                 <a:latin typeface="Verdana" pitchFamily="34" charset="0"/>
                 <a:ea typeface="Verdana" pitchFamily="34" charset="0"/>
                 <a:cs typeface="Verdana" pitchFamily="34" charset="0"/>
-                <a:hlinkClick r:id="rId23"/>
+                <a:hlinkClick r:id="rId22"/>
               </a:rPr>
               <a:t>http://msi-workgroups.sourceforge.net/</a:t>
             </a:r>
@@ -7537,7 +7413,7 @@
                 <a:latin typeface="Verdana" pitchFamily="34" charset="0"/>
                 <a:ea typeface="Verdana" pitchFamily="34" charset="0"/>
                 <a:cs typeface="Verdana" pitchFamily="34" charset="0"/>
-                <a:hlinkClick r:id="rId24"/>
+                <a:hlinkClick r:id="rId23"/>
               </a:rPr>
               <a:t>http://mibbi.sourceforge.net/projects/CIMR.shtml</a:t>
             </a:r>
@@ -7621,7 +7497,7 @@
         </p:nvSpPr>
         <p:spPr>
           <a:xfrm>
-            <a:off x="1531936" y="29809810"/>
+            <a:off x="1156053" y="29793297"/>
             <a:ext cx="3000501" cy="461665"/>
           </a:xfrm>
           <a:prstGeom prst="rect">
@@ -7679,11 +7555,7 @@
             </a:r>
             <a:r>
               <a:rPr lang="de-DE" sz="2400" dirty="0" smtClean="0"/>
-              <a:t> </a:t>
-            </a:r>
-            <a:r>
-              <a:rPr lang="de-DE" sz="2400" dirty="0" smtClean="0"/>
-              <a:t>&amp; </a:t>
+              <a:t> &amp; </a:t>
             </a:r>
             <a:r>
               <a:rPr lang="de-DE" sz="2400" dirty="0" err="1" smtClean="0"/>
@@ -7729,8 +7601,8 @@
         </p:nvSpPr>
         <p:spPr>
           <a:xfrm>
-            <a:off x="9934853" y="29731889"/>
-            <a:ext cx="5529206" cy="461665"/>
+            <a:off x="9776063" y="29731889"/>
+            <a:ext cx="7069564" cy="461665"/>
           </a:xfrm>
           <a:prstGeom prst="rect">
             <a:avLst/>
@@ -7786,6 +7658,14 @@
             <a:r>
               <a:rPr lang="de-DE" sz="2400" dirty="0" err="1" smtClean="0"/>
               <a:t>checks</a:t>
+            </a:r>
+            <a:r>
+              <a:rPr lang="de-DE" sz="2400" dirty="0" smtClean="0"/>
+              <a:t> on CV </a:t>
+            </a:r>
+            <a:r>
+              <a:rPr lang="de-DE" sz="2400" dirty="0" err="1" smtClean="0"/>
+              <a:t>terms</a:t>
             </a:r>
             <a:endParaRPr lang="en-US" sz="2400" dirty="0"/>
           </a:p>
@@ -7800,7 +7680,7 @@
           <p:nvPr/>
         </p:nvPicPr>
         <p:blipFill>
-          <a:blip r:embed="rId25">
+          <a:blip r:embed="rId24">
             <a:extLst>
               <a:ext uri="{28A0092B-C50C-407E-A947-70E740481C1C}">
                 <a14:useLocalDpi xmlns:a14="http://schemas.microsoft.com/office/drawing/2010/main" val="0"/>
@@ -7828,7 +7708,7 @@
           <p:nvPr/>
         </p:nvPicPr>
         <p:blipFill>
-          <a:blip r:embed="rId26"/>
+          <a:blip r:embed="rId25"/>
           <a:stretch>
             <a:fillRect/>
           </a:stretch>
@@ -7984,7 +7864,7 @@
           <p:nvPr/>
         </p:nvPicPr>
         <p:blipFill>
-          <a:blip r:embed="rId27">
+          <a:blip r:embed="rId26">
             <a:extLst>
               <a:ext uri="{28A0092B-C50C-407E-A947-70E740481C1C}">
                 <a14:useLocalDpi xmlns:a14="http://schemas.microsoft.com/office/drawing/2010/main" val="0"/>
@@ -8014,7 +7894,7 @@
           <p:nvPr/>
         </p:nvPicPr>
         <p:blipFill>
-          <a:blip r:embed="rId28">
+          <a:blip r:embed="rId27">
             <a:extLst>
               <a:ext uri="{28A0092B-C50C-407E-A947-70E740481C1C}">
                 <a14:useLocalDpi xmlns:a14="http://schemas.microsoft.com/office/drawing/2010/main" val="0"/>
@@ -8044,7 +7924,7 @@
           <p:nvPr/>
         </p:nvPicPr>
         <p:blipFill>
-          <a:blip r:embed="rId29">
+          <a:blip r:embed="rId28">
             <a:extLst>
               <a:ext uri="{28A0092B-C50C-407E-A947-70E740481C1C}">
                 <a14:useLocalDpi xmlns:a14="http://schemas.microsoft.com/office/drawing/2010/main" val="0"/>
@@ -8131,12 +8011,12 @@
           <a:graphicData uri="http://schemas.openxmlformats.org/presentationml/2006/ole">
             <mc:AlternateContent xmlns:mc="http://schemas.openxmlformats.org/markup-compatibility/2006">
               <mc:Choice xmlns:v="urn:schemas-microsoft-com:vml" Requires="v">
-                <p:oleObj spid="_x0000_s3142" r:id="rId30" imgW="9536400" imgH="6133320" progId="">
+                <p:oleObj spid="_x0000_s3146" r:id="rId29" imgW="9536400" imgH="6133320" progId="">
                   <p:embed/>
                 </p:oleObj>
               </mc:Choice>
               <mc:Fallback>
-                <p:oleObj r:id="rId30" imgW="9536400" imgH="6133320" progId="">
+                <p:oleObj r:id="rId29" imgW="9536400" imgH="6133320" progId="">
                   <p:embed/>
                   <p:pic>
                     <p:nvPicPr>
@@ -8145,7 +8025,7 @@
                       <p:nvPr/>
                     </p:nvPicPr>
                     <p:blipFill>
-                      <a:blip r:embed="rId31"/>
+                      <a:blip r:embed="rId30"/>
                       <a:stretch>
                         <a:fillRect/>
                       </a:stretch>

--- a/docs/SchemaDocumentation/nmrML_Poster_124_Schober.pptx
+++ b/docs/SchemaDocumentation/nmrML_Poster_124_Schober.pptx
@@ -6,7 +6,6 @@
   </p:sldMasterIdLst>
   <p:sldIdLst>
     <p:sldId id="257" r:id="rId2"/>
-    <p:sldId id="259" r:id="rId3"/>
   </p:sldIdLst>
   <p:sldSz cx="30275213" cy="42811700"/>
   <p:notesSz cx="6797675" cy="9928225"/>
@@ -221,74 +220,6 @@
 </p:cmAuthorLst>
 </file>
 
-<file path=ppt/comments/comment1.xml><?xml version="1.0" encoding="utf-8"?>
-<p:cmLst xmlns:a="http://schemas.openxmlformats.org/drawingml/2006/main" xmlns:r="http://schemas.openxmlformats.org/officeDocument/2006/relationships" xmlns:p="http://schemas.openxmlformats.org/presentationml/2006/main">
-  <p:cm authorId="1" dt="2014-05-15T10:32:49.624" idx="1">
-    <p:pos x="10" y="10"/>
-    <p:text>Poster size is A0 wide
-(ca. 90 x 120 cm or 3 x 4 ft)
-portrait or smaller.
-   24. June, Dai-ichi Ho-oh....The poster code and location are provided at
-the Registration Desk.
-Poster boards are available from 23rd 12:00 pm. 24th session: P
-ut up your poster by 12:00pm (24th) and remove it by 18:00 on 24th.   Each poster session consists of two phases. In the first half (15:00 -15:45), ODD numbered presenters are expected to stand before their posters. Then, EV
-EN numbered presenters
-will stand between 15:45
--16:30. The final 30 min 16:30
-- 17:00) are allotted for general discussion</p:text>
-    <p:extLst>
-      <p:ext uri="{C676402C-5697-4E1C-873F-D02D1690AC5C}">
-        <p15:threadingInfo xmlns:p15="http://schemas.microsoft.com/office/powerpoint/2012/main" timeZoneBias="-120"/>
-      </p:ext>
-    </p:extLst>
-  </p:cm>
-  <p:cm authorId="1" dt="2014-05-15T10:36:32.883" idx="2">
-    <p:pos x="10" y="146"/>
-    <p:text>P228 Automated NMR, GC-MS and HPLC-based kits for quantitative metabolomics. David S Wishart (University of Alberta/The Metabolomics Innovation Centre).</p:text>
-    <p:extLst>
-      <p:ext uri="{C676402C-5697-4E1C-873F-D02D1690AC5C}">
-        <p15:threadingInfo xmlns:p15="http://schemas.microsoft.com/office/powerpoint/2012/main" timeZoneBias="-120">
-          <p15:parentCm authorId="1" idx="1"/>
-        </p15:threadingInfo>
-      </p:ext>
-    </p:extLst>
-  </p:cm>
-  <p:cm authorId="1" dt="2014-05-15T10:38:45.071" idx="3">
-    <p:pos x="10" y="282"/>
-    <p:text>P322 Robust high-throughput analysis: Identity, purity, strength and composition. Application of NMR spectroscopy in nutraceuticals. Christian Fischer (Bruker BioSpin GmbH, Germany).</p:text>
-    <p:extLst>
-      <p:ext uri="{C676402C-5697-4E1C-873F-D02D1690AC5C}">
-        <p15:threadingInfo xmlns:p15="http://schemas.microsoft.com/office/powerpoint/2012/main" timeZoneBias="-120">
-          <p15:parentCm authorId="1" idx="1"/>
-        </p15:threadingInfo>
-      </p:ext>
-    </p:extLst>
-  </p:cm>
-  <p:cm authorId="1" dt="2014-05-15T10:40:43.825" idx="4">
-    <p:pos x="10" y="418"/>
-    <p:text>P105 NMR-based metabolic profiling for the identification of potential metabolite markers to characterize apples from different origins. Satoru Tomita (NARO National Food Research Institute).</p:text>
-    <p:extLst>
-      <p:ext uri="{C676402C-5697-4E1C-873F-D02D1690AC5C}">
-        <p15:threadingInfo xmlns:p15="http://schemas.microsoft.com/office/powerpoint/2012/main" timeZoneBias="-120">
-          <p15:parentCm authorId="1" idx="1"/>
-        </p15:threadingInfo>
-      </p:ext>
-    </p:extLst>
-  </p:cm>
-  <p:cm authorId="1" dt="2014-05-15T10:41:13.351" idx="5">
-    <p:pos x="10" y="554"/>
-    <p:text>P117 Model adaptive scaling for NMR-based metabolomic data preprocessing. Jiyang Dong (Xiamen University).</p:text>
-    <p:extLst>
-      <p:ext uri="{C676402C-5697-4E1C-873F-D02D1690AC5C}">
-        <p15:threadingInfo xmlns:p15="http://schemas.microsoft.com/office/powerpoint/2012/main" timeZoneBias="-120">
-          <p15:parentCm authorId="1" idx="1"/>
-        </p15:threadingInfo>
-      </p:ext>
-    </p:extLst>
-  </p:cm>
-</p:cmLst>
-</file>
-
 <file path=ppt/slideLayouts/slideLayout1.xml><?xml version="1.0" encoding="utf-8"?>
 <p:sldLayout xmlns:a="http://schemas.openxmlformats.org/drawingml/2006/main" xmlns:r="http://schemas.openxmlformats.org/officeDocument/2006/relationships" xmlns:p="http://schemas.openxmlformats.org/presentationml/2006/main" type="title" preserve="1">
   <p:cSld name="Title Slide">
@@ -471,7 +402,7 @@
             <a:fld id="{220332FB-83C8-E24C-BAB1-A588F05ACF5F}" type="datetimeFigureOut">
               <a:rPr lang="en-US" smtClean="0"/>
               <a:pPr/>
-              <a:t>6/4/2014</a:t>
+              <a:t>6/16/2014</a:t>
             </a:fld>
             <a:endParaRPr lang="en-US"/>
           </a:p>
@@ -643,7 +574,7 @@
             <a:fld id="{220332FB-83C8-E24C-BAB1-A588F05ACF5F}" type="datetimeFigureOut">
               <a:rPr lang="en-US" smtClean="0"/>
               <a:pPr/>
-              <a:t>6/4/2014</a:t>
+              <a:t>6/16/2014</a:t>
             </a:fld>
             <a:endParaRPr lang="en-US"/>
           </a:p>
@@ -825,7 +756,7 @@
             <a:fld id="{220332FB-83C8-E24C-BAB1-A588F05ACF5F}" type="datetimeFigureOut">
               <a:rPr lang="en-US" smtClean="0"/>
               <a:pPr/>
-              <a:t>6/4/2014</a:t>
+              <a:t>6/16/2014</a:t>
             </a:fld>
             <a:endParaRPr lang="en-US"/>
           </a:p>
@@ -997,7 +928,7 @@
             <a:fld id="{220332FB-83C8-E24C-BAB1-A588F05ACF5F}" type="datetimeFigureOut">
               <a:rPr lang="en-US" smtClean="0"/>
               <a:pPr/>
-              <a:t>6/4/2014</a:t>
+              <a:t>6/16/2014</a:t>
             </a:fld>
             <a:endParaRPr lang="en-US"/>
           </a:p>
@@ -1245,7 +1176,7 @@
             <a:fld id="{220332FB-83C8-E24C-BAB1-A588F05ACF5F}" type="datetimeFigureOut">
               <a:rPr lang="en-US" smtClean="0"/>
               <a:pPr/>
-              <a:t>6/4/2014</a:t>
+              <a:t>6/16/2014</a:t>
             </a:fld>
             <a:endParaRPr lang="en-US"/>
           </a:p>
@@ -1535,7 +1466,7 @@
             <a:fld id="{220332FB-83C8-E24C-BAB1-A588F05ACF5F}" type="datetimeFigureOut">
               <a:rPr lang="en-US" smtClean="0"/>
               <a:pPr/>
-              <a:t>6/4/2014</a:t>
+              <a:t>6/16/2014</a:t>
             </a:fld>
             <a:endParaRPr lang="en-US"/>
           </a:p>
@@ -1964,7 +1895,7 @@
             <a:fld id="{220332FB-83C8-E24C-BAB1-A588F05ACF5F}" type="datetimeFigureOut">
               <a:rPr lang="en-US" smtClean="0"/>
               <a:pPr/>
-              <a:t>6/4/2014</a:t>
+              <a:t>6/16/2014</a:t>
             </a:fld>
             <a:endParaRPr lang="en-US"/>
           </a:p>
@@ -2084,7 +2015,7 @@
             <a:fld id="{220332FB-83C8-E24C-BAB1-A588F05ACF5F}" type="datetimeFigureOut">
               <a:rPr lang="en-US" smtClean="0"/>
               <a:pPr/>
-              <a:t>6/4/2014</a:t>
+              <a:t>6/16/2014</a:t>
             </a:fld>
             <a:endParaRPr lang="en-US"/>
           </a:p>
@@ -2181,7 +2112,7 @@
             <a:fld id="{220332FB-83C8-E24C-BAB1-A588F05ACF5F}" type="datetimeFigureOut">
               <a:rPr lang="en-US" smtClean="0"/>
               <a:pPr/>
-              <a:t>6/4/2014</a:t>
+              <a:t>6/16/2014</a:t>
             </a:fld>
             <a:endParaRPr lang="en-US"/>
           </a:p>
@@ -2460,7 +2391,7 @@
             <a:fld id="{220332FB-83C8-E24C-BAB1-A588F05ACF5F}" type="datetimeFigureOut">
               <a:rPr lang="en-US" smtClean="0"/>
               <a:pPr/>
-              <a:t>6/4/2014</a:t>
+              <a:t>6/16/2014</a:t>
             </a:fld>
             <a:endParaRPr lang="en-US"/>
           </a:p>
@@ -2715,7 +2646,7 @@
             <a:fld id="{220332FB-83C8-E24C-BAB1-A588F05ACF5F}" type="datetimeFigureOut">
               <a:rPr lang="en-US" smtClean="0"/>
               <a:pPr/>
-              <a:t>6/4/2014</a:t>
+              <a:t>6/16/2014</a:t>
             </a:fld>
             <a:endParaRPr lang="en-US"/>
           </a:p>
@@ -2930,7 +2861,7 @@
             <a:fld id="{220332FB-83C8-E24C-BAB1-A588F05ACF5F}" type="datetimeFigureOut">
               <a:rPr lang="en-US" smtClean="0"/>
               <a:pPr/>
-              <a:t>6/4/2014</a:t>
+              <a:t>6/16/2014</a:t>
             </a:fld>
             <a:endParaRPr lang="en-US"/>
           </a:p>
@@ -3320,14 +3251,14 @@
       </p:grpSpPr>
       <p:sp>
         <p:nvSpPr>
-          <p:cNvPr id="156" name="Rechteck 155"/>
+          <p:cNvPr id="154" name="Rechteck 153"/>
           <p:cNvSpPr/>
           <p:nvPr/>
         </p:nvSpPr>
         <p:spPr>
           <a:xfrm>
-            <a:off x="876853" y="29621103"/>
-            <a:ext cx="28856833" cy="5946497"/>
+            <a:off x="20109313" y="8040433"/>
+            <a:ext cx="9404048" cy="10780219"/>
           </a:xfrm>
           <a:prstGeom prst="rect">
             <a:avLst/>
@@ -3355,20 +3286,63 @@
           <a:lstStyle/>
           <a:p>
             <a:pPr algn="ctr"/>
-            <a:endParaRPr lang="en-US" dirty="0"/>
-          </a:p>
-        </p:txBody>
-      </p:sp>
-      <p:sp>
-        <p:nvSpPr>
-          <p:cNvPr id="155" name="Rechteck 154"/>
+            <a:endParaRPr lang="en-US"/>
+          </a:p>
+        </p:txBody>
+      </p:sp>
+      <p:sp>
+        <p:nvSpPr>
+          <p:cNvPr id="123" name="Rounded Rectangle 3"/>
           <p:cNvSpPr/>
           <p:nvPr/>
         </p:nvSpPr>
         <p:spPr>
           <a:xfrm>
-            <a:off x="20074671" y="21960829"/>
-            <a:ext cx="9354509" cy="4154031"/>
+            <a:off x="20595770" y="13988035"/>
+            <a:ext cx="8504597" cy="4689610"/>
+          </a:xfrm>
+          <a:prstGeom prst="roundRect">
+            <a:avLst/>
+          </a:prstGeom>
+          <a:solidFill>
+            <a:schemeClr val="bg2">
+              <a:alpha val="77000"/>
+            </a:schemeClr>
+          </a:solidFill>
+        </p:spPr>
+        <p:style>
+          <a:lnRef idx="1">
+            <a:schemeClr val="dk1"/>
+          </a:lnRef>
+          <a:fillRef idx="2">
+            <a:schemeClr val="dk1"/>
+          </a:fillRef>
+          <a:effectRef idx="1">
+            <a:schemeClr val="dk1"/>
+          </a:effectRef>
+          <a:fontRef idx="minor">
+            <a:schemeClr val="dk1"/>
+          </a:fontRef>
+        </p:style>
+        <p:txBody>
+          <a:bodyPr rtlCol="0" anchor="ctr"/>
+          <a:lstStyle/>
+          <a:p>
+            <a:pPr algn="ctr"/>
+            <a:endParaRPr lang="nl-NL" sz="1350" dirty="0"/>
+          </a:p>
+        </p:txBody>
+      </p:sp>
+      <p:sp>
+        <p:nvSpPr>
+          <p:cNvPr id="156" name="Rechteck 155"/>
+          <p:cNvSpPr/>
+          <p:nvPr/>
+        </p:nvSpPr>
+        <p:spPr>
+          <a:xfrm>
+            <a:off x="829481" y="29605662"/>
+            <a:ext cx="28492309" cy="5946497"/>
           </a:xfrm>
           <a:prstGeom prst="rect">
             <a:avLst/>
@@ -3396,20 +3370,20 @@
           <a:lstStyle/>
           <a:p>
             <a:pPr algn="ctr"/>
-            <a:endParaRPr lang="en-US"/>
-          </a:p>
-        </p:txBody>
-      </p:sp>
-      <p:sp>
-        <p:nvSpPr>
-          <p:cNvPr id="154" name="Rechteck 153"/>
+            <a:endParaRPr lang="en-US" dirty="0"/>
+          </a:p>
+        </p:txBody>
+      </p:sp>
+      <p:sp>
+        <p:nvSpPr>
+          <p:cNvPr id="155" name="Rechteck 154"/>
           <p:cNvSpPr/>
           <p:nvPr/>
         </p:nvSpPr>
         <p:spPr>
           <a:xfrm>
-            <a:off x="20025132" y="8055937"/>
-            <a:ext cx="9404048" cy="10438767"/>
+            <a:off x="19993374" y="21643044"/>
+            <a:ext cx="9213637" cy="4621720"/>
           </a:xfrm>
           <a:prstGeom prst="rect">
             <a:avLst/>
@@ -3441,66 +3415,6 @@
           </a:p>
         </p:txBody>
       </p:sp>
-      <p:pic>
-        <p:nvPicPr>
-          <p:cNvPr id="134" name="Picture"/>
-          <p:cNvPicPr/>
-          <p:nvPr/>
-        </p:nvPicPr>
-        <p:blipFill>
-          <a:blip r:embed="rId3" cstate="print"/>
-          <a:srcRect/>
-          <a:stretch>
-            <a:fillRect/>
-          </a:stretch>
-        </p:blipFill>
-        <p:spPr bwMode="auto">
-          <a:xfrm>
-            <a:off x="20074671" y="8710905"/>
-            <a:ext cx="8855857" cy="4176336"/>
-          </a:xfrm>
-          <a:prstGeom prst="rect">
-            <a:avLst/>
-          </a:prstGeom>
-          <a:noFill/>
-          <a:ln w="9525">
-            <a:noFill/>
-            <a:miter lim="800000"/>
-            <a:headEnd/>
-            <a:tailEnd/>
-          </a:ln>
-        </p:spPr>
-      </p:pic>
-      <p:pic>
-        <p:nvPicPr>
-          <p:cNvPr id="133" name="Picture"/>
-          <p:cNvPicPr/>
-          <p:nvPr/>
-        </p:nvPicPr>
-        <p:blipFill>
-          <a:blip r:embed="rId4" cstate="print"/>
-          <a:srcRect/>
-          <a:stretch>
-            <a:fillRect/>
-          </a:stretch>
-        </p:blipFill>
-        <p:spPr bwMode="auto">
-          <a:xfrm>
-            <a:off x="20259490" y="13313165"/>
-            <a:ext cx="9109673" cy="5041827"/>
-          </a:xfrm>
-          <a:prstGeom prst="rect">
-            <a:avLst/>
-          </a:prstGeom>
-          <a:noFill/>
-          <a:ln w="9525">
-            <a:noFill/>
-            <a:miter lim="800000"/>
-            <a:headEnd/>
-            <a:tailEnd/>
-          </a:ln>
-        </p:spPr>
-      </p:pic>
       <p:sp>
         <p:nvSpPr>
           <p:cNvPr id="149" name="Rechteck 148"/>
@@ -3510,7 +3424,7 @@
         <p:spPr>
           <a:xfrm>
             <a:off x="10766282" y="12917176"/>
-            <a:ext cx="8814283" cy="13170815"/>
+            <a:ext cx="8814283" cy="13347587"/>
           </a:xfrm>
           <a:prstGeom prst="rect">
             <a:avLst/>
@@ -3551,7 +3465,7 @@
         <p:spPr>
           <a:xfrm>
             <a:off x="829481" y="12917176"/>
-            <a:ext cx="9407053" cy="13170815"/>
+            <a:ext cx="9407053" cy="13347587"/>
           </a:xfrm>
           <a:prstGeom prst="rect">
             <a:avLst/>
@@ -3592,7 +3506,7 @@
           <p:nvPr/>
         </p:nvPicPr>
         <p:blipFill>
-          <a:blip r:embed="rId5"/>
+          <a:blip r:embed="rId3"/>
           <a:stretch>
             <a:fillRect/>
           </a:stretch>
@@ -3916,7 +3830,7 @@
                 <a:latin typeface="Verdana"/>
                 <a:cs typeface="Verdana"/>
               </a:rPr>
-              <a:t>proprietary data formats ages </a:t>
+              <a:t>proprietary data formats </a:t>
             </a:r>
             <a:r>
               <a:rPr lang="en-US" sz="2800" dirty="0" smtClean="0">
@@ -3926,97 +3840,187 @@
                 <a:latin typeface="Verdana"/>
                 <a:cs typeface="Verdana"/>
               </a:rPr>
-              <a:t>fast, posing </a:t>
-            </a:r>
-            <a:r>
-              <a:rPr lang="en-US" sz="2800" dirty="0">
+              <a:t>age </a:t>
+            </a:r>
+            <a:r>
+              <a:rPr lang="en-US" sz="2800" dirty="0" smtClean="0">
                 <a:solidFill>
                   <a:srgbClr val="121421"/>
                 </a:solidFill>
                 <a:latin typeface="Verdana"/>
                 <a:cs typeface="Verdana"/>
               </a:rPr>
-              <a:t>the danger of irreproducible data from older studies. An </a:t>
-            </a:r>
-            <a:r>
-              <a:rPr lang="en-US" sz="2800" b="1" dirty="0">
-                <a:solidFill>
-                  <a:schemeClr val="accent1"/>
+              <a:t>fast, posing </a:t>
+            </a:r>
+            <a:r>
+              <a:rPr lang="en-US" sz="2800" dirty="0">
+                <a:solidFill>
+                  <a:srgbClr val="121421"/>
                 </a:solidFill>
                 <a:latin typeface="Verdana"/>
                 <a:cs typeface="Verdana"/>
               </a:rPr>
-              <a:t>open </a:t>
-            </a:r>
-            <a:r>
-              <a:rPr lang="en-US" sz="2800" b="1" dirty="0" smtClean="0">
+              <a:t>the danger of irreproducible data from older studies. An </a:t>
+            </a:r>
+            <a:r>
+              <a:rPr lang="en-US" sz="2800" b="1" dirty="0">
                 <a:solidFill>
                   <a:schemeClr val="accent1"/>
                 </a:solidFill>
                 <a:latin typeface="Verdana"/>
                 <a:cs typeface="Verdana"/>
               </a:rPr>
-              <a:t>vendor-neutral </a:t>
-            </a:r>
-            <a:r>
-              <a:rPr lang="en-US" sz="2800" b="1" dirty="0">
+              <a:t>open </a:t>
+            </a:r>
+            <a:r>
+              <a:rPr lang="en-US" sz="2800" b="1" dirty="0" smtClean="0">
                 <a:solidFill>
                   <a:schemeClr val="accent1"/>
                 </a:solidFill>
                 <a:latin typeface="Verdana"/>
                 <a:cs typeface="Verdana"/>
               </a:rPr>
-              <a:t>storage standard is needed </a:t>
-            </a:r>
-            <a:r>
-              <a:rPr lang="en-US" sz="2800" dirty="0">
-                <a:solidFill>
-                  <a:srgbClr val="121421"/>
+              <a:t>vendor-neutral </a:t>
+            </a:r>
+            <a:r>
+              <a:rPr lang="en-US" sz="2800" b="1" dirty="0">
+                <a:solidFill>
+                  <a:schemeClr val="accent1"/>
                 </a:solidFill>
                 <a:latin typeface="Verdana"/>
                 <a:cs typeface="Verdana"/>
               </a:rPr>
-              <a:t>as long-term archival format, if </a:t>
-            </a:r>
-            <a:r>
-              <a:rPr lang="en-US" sz="2800" dirty="0" smtClean="0">
+              <a:t>storage standard is needed </a:t>
+            </a:r>
+            <a:r>
+              <a:rPr lang="en-US" sz="2800" dirty="0">
                 <a:solidFill>
                   <a:srgbClr val="121421"/>
                 </a:solidFill>
                 <a:latin typeface="Verdana"/>
                 <a:cs typeface="Verdana"/>
               </a:rPr>
-              <a:t>emerging metabolomics repositories are </a:t>
-            </a:r>
-            <a:r>
-              <a:rPr lang="en-US" sz="2800" dirty="0">
+              <a:t>as </a:t>
+            </a:r>
+            <a:r>
+              <a:rPr lang="en-US" sz="2800" dirty="0" smtClean="0">
                 <a:solidFill>
                   <a:srgbClr val="121421"/>
                 </a:solidFill>
                 <a:latin typeface="Verdana"/>
                 <a:cs typeface="Verdana"/>
               </a:rPr>
-              <a:t>to capture </a:t>
-            </a:r>
-            <a:r>
-              <a:rPr lang="en-US" sz="2800" dirty="0" smtClean="0">
+              <a:t>a long-term </a:t>
+            </a:r>
+            <a:r>
+              <a:rPr lang="en-US" sz="2800" dirty="0">
                 <a:solidFill>
                   <a:srgbClr val="121421"/>
                 </a:solidFill>
                 <a:latin typeface="Verdana"/>
                 <a:cs typeface="Verdana"/>
               </a:rPr>
-              <a:t>data </a:t>
-            </a:r>
-            <a:r>
-              <a:rPr lang="en-US" sz="2800" dirty="0">
+              <a:t>archival </a:t>
+            </a:r>
+            <a:r>
+              <a:rPr lang="en-US" sz="2800" dirty="0" smtClean="0">
                 <a:solidFill>
                   <a:srgbClr val="121421"/>
                 </a:solidFill>
                 <a:latin typeface="Verdana"/>
                 <a:cs typeface="Verdana"/>
               </a:rPr>
-              <a:t>from all vendor formats in a persistent way, yet supporting the dynamics in this field.</a:t>
+              <a:t>format </a:t>
+            </a:r>
+            <a:r>
+              <a:rPr lang="en-US" sz="2800" dirty="0">
+                <a:solidFill>
+                  <a:srgbClr val="121421"/>
+                </a:solidFill>
+                <a:latin typeface="Verdana"/>
+                <a:cs typeface="Verdana"/>
+              </a:rPr>
+              <a:t>if </a:t>
+            </a:r>
+            <a:r>
+              <a:rPr lang="en-US" sz="2800" dirty="0" smtClean="0">
+                <a:solidFill>
+                  <a:srgbClr val="121421"/>
+                </a:solidFill>
+                <a:latin typeface="Verdana"/>
+                <a:cs typeface="Verdana"/>
+              </a:rPr>
+              <a:t>emerging metabolomics repositories are </a:t>
+            </a:r>
+            <a:r>
+              <a:rPr lang="en-US" sz="2800" dirty="0">
+                <a:solidFill>
+                  <a:srgbClr val="121421"/>
+                </a:solidFill>
+                <a:latin typeface="Verdana"/>
+                <a:cs typeface="Verdana"/>
+              </a:rPr>
+              <a:t>to capture </a:t>
+            </a:r>
+            <a:r>
+              <a:rPr lang="en-US" sz="2800" dirty="0" smtClean="0">
+                <a:solidFill>
+                  <a:srgbClr val="121421"/>
+                </a:solidFill>
+                <a:latin typeface="Verdana"/>
+                <a:cs typeface="Verdana"/>
+              </a:rPr>
+              <a:t>data </a:t>
+            </a:r>
+            <a:r>
+              <a:rPr lang="en-US" sz="2800" dirty="0">
+                <a:solidFill>
+                  <a:srgbClr val="121421"/>
+                </a:solidFill>
+                <a:latin typeface="Verdana"/>
+                <a:cs typeface="Verdana"/>
+              </a:rPr>
+              <a:t>from all vendor formats in a persistent way, </a:t>
+            </a:r>
+            <a:r>
+              <a:rPr lang="en-US" sz="2800" dirty="0" smtClean="0">
+                <a:solidFill>
+                  <a:srgbClr val="121421"/>
+                </a:solidFill>
+                <a:latin typeface="Verdana"/>
+                <a:cs typeface="Verdana"/>
+              </a:rPr>
+              <a:t>that support </a:t>
+            </a:r>
+            <a:r>
+              <a:rPr lang="en-US" sz="2800" dirty="0">
+                <a:solidFill>
+                  <a:srgbClr val="121421"/>
+                </a:solidFill>
+                <a:latin typeface="Verdana"/>
+                <a:cs typeface="Verdana"/>
+              </a:rPr>
+              <a:t>the dynamics in </a:t>
+            </a:r>
+            <a:r>
+              <a:rPr lang="en-US" sz="2800" dirty="0" smtClean="0">
+                <a:solidFill>
+                  <a:srgbClr val="121421"/>
+                </a:solidFill>
+                <a:latin typeface="Verdana"/>
+                <a:cs typeface="Verdana"/>
+              </a:rPr>
+              <a:t>the </a:t>
+            </a:r>
+            <a:r>
+              <a:rPr lang="en-US" sz="2800" dirty="0">
+                <a:solidFill>
+                  <a:srgbClr val="121421"/>
+                </a:solidFill>
+                <a:latin typeface="Verdana"/>
+                <a:cs typeface="Verdana"/>
+              </a:rPr>
+              <a:t>field.</a:t>
             </a:r>
             <a:endParaRPr lang="ro-RO" sz="2800" dirty="0" err="1">
               <a:solidFill>
@@ -4036,8 +4040,8 @@
         </p:nvSpPr>
         <p:spPr>
           <a:xfrm>
-            <a:off x="20110313" y="19758778"/>
-            <a:ext cx="8841681" cy="1988237"/>
+            <a:off x="20062940" y="19612662"/>
+            <a:ext cx="9258850" cy="1988237"/>
           </a:xfrm>
           <a:prstGeom prst="rect">
             <a:avLst/>
@@ -4183,7 +4187,7 @@
         </p:nvSpPr>
         <p:spPr>
           <a:xfrm>
-            <a:off x="20074671" y="19005540"/>
+            <a:off x="20000738" y="19005540"/>
             <a:ext cx="2724912" cy="646331"/>
           </a:xfrm>
           <a:prstGeom prst="rect">
@@ -4227,8 +4231,8 @@
         </p:nvSpPr>
         <p:spPr>
           <a:xfrm>
-            <a:off x="743426" y="37031817"/>
-            <a:ext cx="16677468" cy="1988237"/>
+            <a:off x="754043" y="37071212"/>
+            <a:ext cx="19515998" cy="1514261"/>
           </a:xfrm>
           <a:prstGeom prst="rect">
             <a:avLst/>
@@ -4247,94 +4251,94 @@
               </a:lnSpc>
             </a:pPr>
             <a:r>
-              <a:rPr lang="en-US" sz="2800" dirty="0">
+              <a:rPr lang="en-US" sz="2800" dirty="0" smtClean="0">
                 <a:solidFill>
                   <a:srgbClr val="121421"/>
                 </a:solidFill>
                 <a:latin typeface="Verdana"/>
                 <a:cs typeface="Verdana"/>
               </a:rPr>
-              <a:t>Although coverage is good at raw data capture, the XSD and CV will be </a:t>
-            </a:r>
-            <a:r>
-              <a:rPr lang="en-US" sz="2800" b="1" dirty="0">
-                <a:solidFill>
-                  <a:schemeClr val="accent1"/>
+              <a:t>Our </a:t>
+            </a:r>
+            <a:r>
+              <a:rPr lang="en-US" sz="2800" dirty="0">
+                <a:solidFill>
+                  <a:srgbClr val="121421"/>
                 </a:solidFill>
                 <a:latin typeface="Verdana"/>
                 <a:cs typeface="Verdana"/>
               </a:rPr>
-              <a:t>expanded for better processed data and </a:t>
-            </a:r>
-            <a:r>
-              <a:rPr lang="en-US" sz="2800" b="1" dirty="0" smtClean="0">
-                <a:solidFill>
-                  <a:schemeClr val="accent1"/>
+              <a:t>standard is accepted by major open source </a:t>
+            </a:r>
+            <a:r>
+              <a:rPr lang="en-US" sz="2800" dirty="0" smtClean="0">
+                <a:solidFill>
+                  <a:srgbClr val="121421"/>
                 </a:solidFill>
                 <a:latin typeface="Verdana"/>
                 <a:cs typeface="Verdana"/>
               </a:rPr>
-              <a:t>quantification data handling</a:t>
-            </a:r>
-            <a:r>
-              <a:rPr lang="en-US" sz="2800" dirty="0" smtClean="0">
+              <a:t>NMR </a:t>
+            </a:r>
+            <a:r>
+              <a:rPr lang="en-US" sz="2800" dirty="0">
                 <a:solidFill>
                   <a:srgbClr val="121421"/>
                 </a:solidFill>
                 <a:latin typeface="Verdana"/>
                 <a:cs typeface="Verdana"/>
               </a:rPr>
-              <a:t>. Our </a:t>
-            </a:r>
-            <a:r>
-              <a:rPr lang="en-US" sz="2800" dirty="0">
+              <a:t>data processing tools and will serve </a:t>
+            </a:r>
+            <a:r>
+              <a:rPr lang="en-US" sz="2800" dirty="0" smtClean="0">
                 <a:solidFill>
                   <a:srgbClr val="121421"/>
                 </a:solidFill>
                 <a:latin typeface="Verdana"/>
                 <a:cs typeface="Verdana"/>
               </a:rPr>
-              <a:t>standard is accepted by major open source </a:t>
-            </a:r>
-            <a:r>
-              <a:rPr lang="en-US" sz="2800" dirty="0" smtClean="0">
-                <a:solidFill>
-                  <a:srgbClr val="121421"/>
+              <a:t>the </a:t>
+            </a:r>
+            <a:r>
+              <a:rPr lang="en-US" sz="2800" b="1" dirty="0" err="1" smtClean="0">
+                <a:solidFill>
+                  <a:schemeClr val="accent1"/>
                 </a:solidFill>
                 <a:latin typeface="Verdana"/>
                 <a:cs typeface="Verdana"/>
               </a:rPr>
-              <a:t>NMR </a:t>
-            </a:r>
-            <a:r>
-              <a:rPr lang="en-US" sz="2800" dirty="0">
+              <a:t>MetaboLights</a:t>
+            </a:r>
+            <a:r>
+              <a:rPr lang="en-US" sz="2800" dirty="0" smtClean="0">
                 <a:solidFill>
                   <a:srgbClr val="121421"/>
                 </a:solidFill>
                 <a:latin typeface="Verdana"/>
                 <a:cs typeface="Verdana"/>
               </a:rPr>
-              <a:t>data processing tools and will serve </a:t>
-            </a:r>
-            <a:r>
-              <a:rPr lang="en-US" sz="2800" dirty="0" smtClean="0">
+              <a:t> repository with </a:t>
+            </a:r>
+            <a:r>
+              <a:rPr lang="en-US" sz="2800" dirty="0">
                 <a:solidFill>
                   <a:srgbClr val="121421"/>
                 </a:solidFill>
                 <a:latin typeface="Verdana"/>
                 <a:cs typeface="Verdana"/>
               </a:rPr>
-              <a:t>the </a:t>
-            </a:r>
-            <a:r>
-              <a:rPr lang="en-US" sz="2800" b="1" dirty="0" err="1" smtClean="0">
-                <a:solidFill>
-                  <a:schemeClr val="accent1"/>
+              <a:t>a stable storage format. </a:t>
+            </a:r>
+            <a:r>
+              <a:rPr lang="en-US" sz="2800" dirty="0" smtClean="0">
+                <a:solidFill>
+                  <a:srgbClr val="121421"/>
                 </a:solidFill>
                 <a:latin typeface="Verdana"/>
                 <a:cs typeface="Verdana"/>
               </a:rPr>
-              <a:t>MetaboLights</a:t>
+              <a:t>C</a:t>
             </a:r>
             <a:r>
               <a:rPr lang="en-US" sz="2800" dirty="0" smtClean="0">
@@ -4344,7 +4348,7 @@
                 <a:latin typeface="Verdana"/>
                 <a:cs typeface="Verdana"/>
               </a:rPr>
-              <a:t> repository with </a:t>
+              <a:t>overage </a:t>
             </a:r>
             <a:r>
               <a:rPr lang="en-US" sz="2800" dirty="0">
@@ -4354,8 +4358,75 @@
                 <a:latin typeface="Verdana"/>
                 <a:cs typeface="Verdana"/>
               </a:rPr>
-              <a:t>a stable storage format. </a:t>
-            </a:r>
+              <a:t>is </a:t>
+            </a:r>
+            <a:r>
+              <a:rPr lang="en-US" sz="2800" dirty="0" smtClean="0">
+                <a:solidFill>
+                  <a:srgbClr val="121421"/>
+                </a:solidFill>
+                <a:latin typeface="Verdana"/>
+                <a:cs typeface="Verdana"/>
+              </a:rPr>
+              <a:t>already good </a:t>
+            </a:r>
+            <a:r>
+              <a:rPr lang="en-US" sz="2800" dirty="0">
+                <a:solidFill>
+                  <a:srgbClr val="121421"/>
+                </a:solidFill>
+                <a:latin typeface="Verdana"/>
+                <a:cs typeface="Verdana"/>
+              </a:rPr>
+              <a:t>at raw data capture, </a:t>
+            </a:r>
+            <a:r>
+              <a:rPr lang="en-US" sz="2800" dirty="0" smtClean="0">
+                <a:solidFill>
+                  <a:srgbClr val="121421"/>
+                </a:solidFill>
+                <a:latin typeface="Verdana"/>
+                <a:cs typeface="Verdana"/>
+              </a:rPr>
+              <a:t>yet the </a:t>
+            </a:r>
+            <a:r>
+              <a:rPr lang="en-US" sz="2800" dirty="0">
+                <a:solidFill>
+                  <a:srgbClr val="121421"/>
+                </a:solidFill>
+                <a:latin typeface="Verdana"/>
+                <a:cs typeface="Verdana"/>
+              </a:rPr>
+              <a:t>XSD and CV will be </a:t>
+            </a:r>
+            <a:r>
+              <a:rPr lang="en-US" sz="2800" b="1" dirty="0">
+                <a:solidFill>
+                  <a:schemeClr val="accent1"/>
+                </a:solidFill>
+                <a:latin typeface="Verdana"/>
+                <a:cs typeface="Verdana"/>
+              </a:rPr>
+              <a:t>expanded for better processed data &amp; quantification data handling</a:t>
+            </a:r>
+            <a:r>
+              <a:rPr lang="en-US" sz="2800" dirty="0">
+                <a:solidFill>
+                  <a:srgbClr val="121421"/>
+                </a:solidFill>
+                <a:latin typeface="Verdana"/>
+                <a:cs typeface="Verdana"/>
+              </a:rPr>
+              <a:t>. </a:t>
+            </a:r>
+            <a:endParaRPr lang="en-US" sz="2800" dirty="0">
+              <a:solidFill>
+                <a:srgbClr val="121421"/>
+              </a:solidFill>
+              <a:latin typeface="Verdana"/>
+              <a:cs typeface="Verdana"/>
+            </a:endParaRPr>
           </a:p>
         </p:txBody>
       </p:sp>
@@ -4403,7 +4474,7 @@
           <p:nvPr/>
         </p:nvPicPr>
         <p:blipFill>
-          <a:blip r:embed="rId6">
+          <a:blip r:embed="rId4">
             <a:extLst>
               <a:ext uri="{28A0092B-C50C-407E-A947-70E740481C1C}">
                 <a14:useLocalDpi xmlns:a14="http://schemas.microsoft.com/office/drawing/2010/main" val="0"/>
@@ -4850,7 +4921,7 @@
           <p:nvPr/>
         </p:nvPicPr>
         <p:blipFill>
-          <a:blip r:embed="rId7">
+          <a:blip r:embed="rId5">
             <a:extLst>
               <a:ext uri="{28A0092B-C50C-407E-A947-70E740481C1C}">
                 <a14:useLocalDpi xmlns:a14="http://schemas.microsoft.com/office/drawing/2010/main" val="0"/>
@@ -5414,7 +5485,7 @@
           <a:lstStyle/>
           <a:p>
             <a:r>
-              <a:rPr lang="de-DE" sz="3600" b="1" dirty="0" err="1" smtClean="0">
+              <a:rPr lang="de-DE" sz="3600" b="1" dirty="0" smtClean="0">
                 <a:solidFill>
                   <a:srgbClr val="2F3246"/>
                 </a:solidFill>
@@ -5433,18 +5504,7 @@
                 <a:ea typeface="Verdana" pitchFamily="34" charset="0"/>
                 <a:cs typeface="Verdana" pitchFamily="34" charset="0"/>
               </a:rPr>
-              <a:t> XSD </a:t>
-            </a:r>
-            <a:r>
-              <a:rPr lang="de-DE" sz="3600" b="1" dirty="0" err="1" smtClean="0">
-                <a:solidFill>
-                  <a:srgbClr val="2F3246"/>
-                </a:solidFill>
-                <a:latin typeface="Verdana" pitchFamily="34" charset="0"/>
-                <a:ea typeface="Verdana" pitchFamily="34" charset="0"/>
-                <a:cs typeface="Verdana" pitchFamily="34" charset="0"/>
-              </a:rPr>
-              <a:t>excerpt</a:t>
+              <a:t>.xsd</a:t>
             </a:r>
             <a:endParaRPr lang="en-US" sz="3600" b="1" dirty="0">
               <a:solidFill>
@@ -5465,8 +5525,8 @@
         </p:nvSpPr>
         <p:spPr>
           <a:xfrm>
-            <a:off x="11926296" y="13111096"/>
-            <a:ext cx="7075525" cy="646331"/>
+            <a:off x="10837573" y="13036039"/>
+            <a:ext cx="7798913" cy="646331"/>
           </a:xfrm>
           <a:prstGeom prst="rect">
             <a:avLst/>
@@ -5480,7 +5540,7 @@
           <a:lstStyle/>
           <a:p>
             <a:r>
-              <a:rPr lang="de-DE" sz="3600" b="1" dirty="0" err="1" smtClean="0">
+              <a:rPr lang="de-DE" sz="3600" b="1" dirty="0" smtClean="0">
                 <a:solidFill>
                   <a:srgbClr val="2F3246"/>
                 </a:solidFill>
@@ -5488,10 +5548,10 @@
                 <a:ea typeface="Verdana" pitchFamily="34" charset="0"/>
                 <a:cs typeface="Verdana" pitchFamily="34" charset="0"/>
               </a:rPr>
-              <a:t>nmrML</a:t>
-            </a:r>
-            <a:r>
-              <a:rPr lang="de-DE" sz="3600" b="1" dirty="0" smtClean="0">
+              <a:t>nmrML.xml </a:t>
+            </a:r>
+            <a:r>
+              <a:rPr lang="de-DE" sz="3600" b="1" dirty="0" err="1" smtClean="0">
                 <a:solidFill>
                   <a:srgbClr val="2F3246"/>
                 </a:solidFill>
@@ -5499,10 +5559,10 @@
                 <a:ea typeface="Verdana" pitchFamily="34" charset="0"/>
                 <a:cs typeface="Verdana" pitchFamily="34" charset="0"/>
               </a:rPr>
-              <a:t> </a:t>
-            </a:r>
-            <a:r>
-              <a:rPr lang="de-DE" sz="3600" b="1" dirty="0" err="1" smtClean="0">
+              <a:t>data</a:t>
+            </a:r>
+            <a:r>
+              <a:rPr lang="de-DE" sz="3600" b="1" dirty="0" smtClean="0">
                 <a:solidFill>
                   <a:srgbClr val="2F3246"/>
                 </a:solidFill>
@@ -5510,18 +5570,7 @@
                 <a:ea typeface="Verdana" pitchFamily="34" charset="0"/>
                 <a:cs typeface="Verdana" pitchFamily="34" charset="0"/>
               </a:rPr>
-              <a:t>data</a:t>
-            </a:r>
-            <a:r>
-              <a:rPr lang="de-DE" sz="3600" b="1" dirty="0" smtClean="0">
-                <a:solidFill>
-                  <a:srgbClr val="2F3246"/>
-                </a:solidFill>
-                <a:latin typeface="Verdana" pitchFamily="34" charset="0"/>
-                <a:ea typeface="Verdana" pitchFamily="34" charset="0"/>
-                <a:cs typeface="Verdana" pitchFamily="34" charset="0"/>
-              </a:rPr>
-              <a:t> XML </a:t>
+              <a:t> </a:t>
             </a:r>
             <a:r>
               <a:rPr lang="de-DE" sz="3600" b="1" dirty="0" err="1" smtClean="0">
@@ -5553,7 +5602,7 @@
         </p:nvSpPr>
         <p:spPr>
           <a:xfrm>
-            <a:off x="20259490" y="13198216"/>
+            <a:off x="20492158" y="13336486"/>
             <a:ext cx="4710924" cy="646331"/>
           </a:xfrm>
           <a:prstGeom prst="rect">
@@ -5642,7 +5691,7 @@
           <p:nvPr/>
         </p:nvPicPr>
         <p:blipFill>
-          <a:blip r:embed="rId8">
+          <a:blip r:embed="rId6">
             <a:extLst>
               <a:ext uri="{28A0092B-C50C-407E-A947-70E740481C1C}">
                 <a14:useLocalDpi xmlns:a14="http://schemas.microsoft.com/office/drawing/2010/main" val="0"/>
@@ -5655,7 +5704,7 @@
         </p:blipFill>
         <p:spPr>
           <a:xfrm>
-            <a:off x="21701249" y="40455459"/>
+            <a:off x="21712349" y="40429492"/>
             <a:ext cx="2379305" cy="852288"/>
           </a:xfrm>
           <a:prstGeom prst="rect">
@@ -5671,7 +5720,7 @@
         </p:nvSpPr>
         <p:spPr>
           <a:xfrm>
-            <a:off x="754043" y="8737851"/>
+            <a:off x="754043" y="9059686"/>
             <a:ext cx="18473546" cy="3410164"/>
           </a:xfrm>
           <a:prstGeom prst="rect">
@@ -5807,74 +5856,74 @@
               <a:t>teamed up with the </a:t>
             </a:r>
             <a:r>
-              <a:rPr lang="en-US" sz="2800" b="1" dirty="0" smtClean="0">
+              <a:rPr lang="en-US" sz="2800" b="1" dirty="0">
                 <a:solidFill>
                   <a:schemeClr val="accent1"/>
                 </a:solidFill>
                 <a:latin typeface="Verdana"/>
                 <a:cs typeface="Verdana"/>
               </a:rPr>
-              <a:t>metabolomics standards initiative </a:t>
-            </a:r>
-            <a:r>
-              <a:rPr lang="en-US" sz="2800" dirty="0" smtClean="0">
-                <a:solidFill>
-                  <a:srgbClr val="121421"/>
+              <a:t>M</a:t>
+            </a:r>
+            <a:r>
+              <a:rPr lang="en-US" sz="2800" b="1" dirty="0" smtClean="0">
+                <a:solidFill>
+                  <a:schemeClr val="accent1"/>
                 </a:solidFill>
                 <a:latin typeface="Verdana"/>
                 <a:cs typeface="Verdana"/>
               </a:rPr>
-              <a:t>to create an </a:t>
-            </a:r>
-            <a:r>
-              <a:rPr lang="en-US" sz="2800" b="1" dirty="0" smtClean="0">
+              <a:t>etabolomics </a:t>
+            </a:r>
+            <a:r>
+              <a:rPr lang="en-US" sz="2800" b="1" dirty="0">
                 <a:solidFill>
                   <a:schemeClr val="accent1"/>
                 </a:solidFill>
                 <a:latin typeface="Verdana"/>
                 <a:cs typeface="Verdana"/>
               </a:rPr>
-              <a:t>open exchange and storage format for NMR data</a:t>
-            </a:r>
-            <a:r>
-              <a:rPr lang="en-US" sz="2800" dirty="0" smtClean="0">
-                <a:solidFill>
-                  <a:srgbClr val="121421"/>
+              <a:t>S</a:t>
+            </a:r>
+            <a:r>
+              <a:rPr lang="en-US" sz="2800" b="1" dirty="0" smtClean="0">
+                <a:solidFill>
+                  <a:schemeClr val="accent1"/>
                 </a:solidFill>
                 <a:latin typeface="Verdana"/>
                 <a:cs typeface="Verdana"/>
               </a:rPr>
-              <a:t>. We largely follow design principles already established in the Proteomics Standards Initiative (PSI) for the </a:t>
-            </a:r>
-            <a:r>
-              <a:rPr lang="en-US" sz="2800" dirty="0" err="1" smtClean="0">
-                <a:solidFill>
-                  <a:srgbClr val="121421"/>
+              <a:t>tandards </a:t>
+            </a:r>
+            <a:r>
+              <a:rPr lang="en-US" sz="2800" b="1" dirty="0">
+                <a:solidFill>
+                  <a:schemeClr val="accent1"/>
                 </a:solidFill>
                 <a:latin typeface="Verdana"/>
                 <a:cs typeface="Verdana"/>
               </a:rPr>
-              <a:t>mzML</a:t>
-            </a:r>
-            <a:r>
-              <a:rPr lang="en-US" sz="2800" dirty="0" smtClean="0">
-                <a:solidFill>
-                  <a:srgbClr val="121421"/>
+              <a:t>I</a:t>
+            </a:r>
+            <a:r>
+              <a:rPr lang="en-US" sz="2800" b="1" dirty="0" smtClean="0">
+                <a:solidFill>
+                  <a:schemeClr val="accent1"/>
                 </a:solidFill>
                 <a:latin typeface="Verdana"/>
                 <a:cs typeface="Verdana"/>
               </a:rPr>
-              <a:t> data standard for mass spectrometry. The standard is composed of an </a:t>
-            </a:r>
-            <a:r>
-              <a:rPr lang="en-US" sz="2800" b="1" dirty="0" smtClean="0">
-                <a:solidFill>
-                  <a:schemeClr val="accent1"/>
+              <a:t>nitiative (MSI) </a:t>
+            </a:r>
+            <a:r>
+              <a:rPr lang="en-US" sz="2800" dirty="0" smtClean="0">
+                <a:solidFill>
+                  <a:srgbClr val="121421"/>
                 </a:solidFill>
                 <a:latin typeface="Verdana"/>
                 <a:cs typeface="Verdana"/>
               </a:rPr>
-              <a:t>XML schema</a:t>
+              <a:t>to </a:t>
             </a:r>
             <a:r>
               <a:rPr lang="en-US" sz="2800" dirty="0" smtClean="0">
@@ -5884,7 +5933,7 @@
                 <a:latin typeface="Verdana"/>
                 <a:cs typeface="Verdana"/>
               </a:rPr>
-              <a:t> (nmrML.xsd) and an accompanying </a:t>
+              <a:t>create an </a:t>
             </a:r>
             <a:r>
               <a:rPr lang="en-US" sz="2800" b="1" dirty="0" smtClean="0">
@@ -5894,7 +5943,7 @@
                 <a:latin typeface="Verdana"/>
                 <a:cs typeface="Verdana"/>
               </a:rPr>
-              <a:t>controlled vocabulary</a:t>
+              <a:t>open exchange and storage format for NMR data</a:t>
             </a:r>
             <a:r>
               <a:rPr lang="en-US" sz="2800" dirty="0" smtClean="0">
@@ -5904,7 +5953,7 @@
                 <a:latin typeface="Verdana"/>
                 <a:cs typeface="Verdana"/>
               </a:rPr>
-              <a:t> (</a:t>
+              <a:t>. We largely follow design principles already established in the Proteomics Standards Initiative (PSI) for the </a:t>
             </a:r>
             <a:r>
               <a:rPr lang="en-US" sz="2800" dirty="0" err="1" smtClean="0">
@@ -5914,7 +5963,7 @@
                 <a:latin typeface="Verdana"/>
                 <a:cs typeface="Verdana"/>
               </a:rPr>
-              <a:t>nmrCV.owl</a:t>
+              <a:t>mzML</a:t>
             </a:r>
             <a:r>
               <a:rPr lang="en-US" sz="2800" dirty="0" smtClean="0">
@@ -5924,27 +5973,147 @@
                 <a:latin typeface="Verdana"/>
                 <a:cs typeface="Verdana"/>
               </a:rPr>
-              <a:t>), which ensures update flexibility and schema robustness by allowing to outsource more variant and dynamic descriptors into the vocabulary which is referenced from within an </a:t>
-            </a:r>
-            <a:r>
-              <a:rPr lang="en-US" sz="2800" dirty="0" err="1" smtClean="0">
-                <a:solidFill>
-                  <a:srgbClr val="121421"/>
+              <a:t> data standard for mass spectrometry. The standard is composed of an </a:t>
+            </a:r>
+            <a:r>
+              <a:rPr lang="en-US" sz="2800" b="1" dirty="0" smtClean="0">
+                <a:solidFill>
+                  <a:schemeClr val="accent1"/>
                 </a:solidFill>
                 <a:latin typeface="Verdana"/>
                 <a:cs typeface="Verdana"/>
               </a:rPr>
-              <a:t>nmrML</a:t>
-            </a:r>
-            <a:r>
-              <a:rPr lang="en-US" sz="2800" dirty="0" smtClean="0">
-                <a:solidFill>
-                  <a:srgbClr val="121421"/>
+              <a:t>XML </a:t>
+            </a:r>
+            <a:r>
+              <a:rPr lang="en-US" sz="2800" b="1" dirty="0" smtClean="0">
+                <a:solidFill>
+                  <a:schemeClr val="accent1"/>
                 </a:solidFill>
                 <a:latin typeface="Verdana"/>
                 <a:cs typeface="Verdana"/>
               </a:rPr>
-              <a:t> file.</a:t>
+              <a:t>schema definition</a:t>
+            </a:r>
+            <a:r>
+              <a:rPr lang="en-US" sz="2800" dirty="0" smtClean="0">
+                <a:solidFill>
+                  <a:srgbClr val="121421"/>
+                </a:solidFill>
+                <a:latin typeface="Verdana"/>
+                <a:cs typeface="Verdana"/>
+              </a:rPr>
+              <a:t> (nmrML.xsd</a:t>
+            </a:r>
+            <a:r>
+              <a:rPr lang="en-US" sz="2800" dirty="0" smtClean="0">
+                <a:solidFill>
+                  <a:srgbClr val="121421"/>
+                </a:solidFill>
+                <a:latin typeface="Verdana"/>
+                <a:cs typeface="Verdana"/>
+              </a:rPr>
+              <a:t>) and an accompanying </a:t>
+            </a:r>
+            <a:r>
+              <a:rPr lang="en-US" sz="2800" b="1" dirty="0" smtClean="0">
+                <a:solidFill>
+                  <a:schemeClr val="accent1"/>
+                </a:solidFill>
+                <a:latin typeface="Verdana"/>
+                <a:cs typeface="Verdana"/>
+              </a:rPr>
+              <a:t>controlled vocabulary</a:t>
+            </a:r>
+            <a:r>
+              <a:rPr lang="en-US" sz="2800" dirty="0" smtClean="0">
+                <a:solidFill>
+                  <a:srgbClr val="121421"/>
+                </a:solidFill>
+                <a:latin typeface="Verdana"/>
+                <a:cs typeface="Verdana"/>
+              </a:rPr>
+              <a:t> (</a:t>
+            </a:r>
+            <a:r>
+              <a:rPr lang="en-US" sz="2800" dirty="0" err="1" smtClean="0">
+                <a:solidFill>
+                  <a:srgbClr val="121421"/>
+                </a:solidFill>
+                <a:latin typeface="Verdana"/>
+                <a:cs typeface="Verdana"/>
+              </a:rPr>
+              <a:t>nmrCV.owl</a:t>
+            </a:r>
+            <a:r>
+              <a:rPr lang="en-US" sz="2800" dirty="0" smtClean="0">
+                <a:solidFill>
+                  <a:srgbClr val="121421"/>
+                </a:solidFill>
+                <a:latin typeface="Verdana"/>
+                <a:cs typeface="Verdana"/>
+              </a:rPr>
+              <a:t>), which ensures update flexibility and schema robustness by allowing to outsource more variant and dynamic descriptors into the </a:t>
+            </a:r>
+            <a:r>
+              <a:rPr lang="en-US" sz="2800" dirty="0" smtClean="0">
+                <a:solidFill>
+                  <a:srgbClr val="121421"/>
+                </a:solidFill>
+                <a:latin typeface="Verdana"/>
+                <a:cs typeface="Verdana"/>
+              </a:rPr>
+              <a:t>vocabulary, </a:t>
+            </a:r>
+            <a:r>
+              <a:rPr lang="en-US" sz="2800" dirty="0" smtClean="0">
+                <a:solidFill>
+                  <a:srgbClr val="121421"/>
+                </a:solidFill>
+                <a:latin typeface="Verdana"/>
+                <a:cs typeface="Verdana"/>
+              </a:rPr>
+              <a:t>which is referenced from within an </a:t>
+            </a:r>
+            <a:r>
+              <a:rPr lang="en-US" sz="2800" dirty="0" err="1" smtClean="0">
+                <a:solidFill>
+                  <a:srgbClr val="121421"/>
+                </a:solidFill>
+                <a:latin typeface="Verdana"/>
+                <a:cs typeface="Verdana"/>
+              </a:rPr>
+              <a:t>nmrML</a:t>
+            </a:r>
+            <a:r>
+              <a:rPr lang="en-US" sz="2800" dirty="0" smtClean="0">
+                <a:solidFill>
+                  <a:srgbClr val="121421"/>
+                </a:solidFill>
+                <a:latin typeface="Verdana"/>
+                <a:cs typeface="Verdana"/>
+              </a:rPr>
+              <a:t> </a:t>
+            </a:r>
+            <a:r>
+              <a:rPr lang="en-US" sz="2800" dirty="0" smtClean="0">
+                <a:solidFill>
+                  <a:srgbClr val="121421"/>
+                </a:solidFill>
+                <a:latin typeface="Verdana"/>
+                <a:cs typeface="Verdana"/>
+              </a:rPr>
+              <a:t>data file</a:t>
+            </a:r>
+            <a:r>
+              <a:rPr lang="en-US" sz="2800" dirty="0" smtClean="0">
+                <a:solidFill>
+                  <a:srgbClr val="121421"/>
+                </a:solidFill>
+                <a:latin typeface="Verdana"/>
+                <a:cs typeface="Verdana"/>
+              </a:rPr>
+              <a:t>.</a:t>
             </a:r>
             <a:endParaRPr lang="ro-RO" sz="2800" dirty="0">
               <a:solidFill>
@@ -5964,8 +6133,8 @@
         </p:nvSpPr>
         <p:spPr>
           <a:xfrm>
-            <a:off x="18227148" y="36953966"/>
-            <a:ext cx="11400279" cy="2169825"/>
+            <a:off x="21054075" y="37011841"/>
+            <a:ext cx="8600124" cy="2169825"/>
           </a:xfrm>
           <a:prstGeom prst="rect">
             <a:avLst/>
@@ -6026,7 +6195,7 @@
                 <a:latin typeface="Verdana" pitchFamily="34" charset="0"/>
                 <a:ea typeface="Verdana" pitchFamily="34" charset="0"/>
                 <a:cs typeface="Verdana" pitchFamily="34" charset="0"/>
-                <a:hlinkClick r:id="rId9"/>
+                <a:hlinkClick r:id="rId7"/>
               </a:rPr>
               <a:t>http://www.nmrML.org</a:t>
             </a:r>
@@ -6092,7 +6261,7 @@
                 <a:latin typeface="Verdana" pitchFamily="34" charset="0"/>
                 <a:ea typeface="Verdana" pitchFamily="34" charset="0"/>
                 <a:cs typeface="Verdana" pitchFamily="34" charset="0"/>
-                <a:hlinkClick r:id="rId10"/>
+                <a:hlinkClick r:id="rId8"/>
               </a:rPr>
               <a:t>https://github.com/nmrML/nmrML</a:t>
             </a:r>
@@ -6172,7 +6341,7 @@
                 <a:latin typeface="Verdana" pitchFamily="34" charset="0"/>
                 <a:ea typeface="Verdana" pitchFamily="34" charset="0"/>
                 <a:cs typeface="Verdana" pitchFamily="34" charset="0"/>
-                <a:hlinkClick r:id="rId11"/>
+                <a:hlinkClick r:id="rId9"/>
               </a:rPr>
               <a:t>http://www.cosmos-fp7.eu/</a:t>
             </a:r>
@@ -6227,7 +6396,7 @@
                 <a:latin typeface="Verdana" pitchFamily="34" charset="0"/>
                 <a:ea typeface="Verdana" pitchFamily="34" charset="0"/>
                 <a:cs typeface="Verdana" pitchFamily="34" charset="0"/>
-                <a:hlinkClick r:id="rId12"/>
+                <a:hlinkClick r:id="rId10"/>
               </a:rPr>
               <a:t>info@nmrml.org</a:t>
             </a:r>
@@ -6272,7 +6441,7 @@
               <a:t>Google Group: </a:t>
             </a:r>
             <a:r>
-              <a:rPr lang="de-DE" sz="1800" dirty="0">
+              <a:rPr lang="de-DE" sz="1800" dirty="0" smtClean="0">
                 <a:solidFill>
                   <a:schemeClr val="tx1">
                     <a:lumMod val="50000"/>
@@ -6282,9 +6451,9 @@
                 <a:latin typeface="Verdana" pitchFamily="34" charset="0"/>
                 <a:ea typeface="Verdana" pitchFamily="34" charset="0"/>
                 <a:cs typeface="Verdana" pitchFamily="34" charset="0"/>
-                <a:hlinkClick r:id="rId13"/>
-              </a:rPr>
-              <a:t>https://groups.google.com/forum/?hl=en#!forum/nmrml/join</a:t>
+                <a:hlinkClick r:id="rId11"/>
+              </a:rPr>
+              <a:t>https</a:t>
             </a:r>
             <a:r>
               <a:rPr lang="de-DE" sz="1800" dirty="0">
@@ -6297,9 +6466,50 @@
                 <a:latin typeface="Verdana" pitchFamily="34" charset="0"/>
                 <a:ea typeface="Verdana" pitchFamily="34" charset="0"/>
                 <a:cs typeface="Verdana" pitchFamily="34" charset="0"/>
+                <a:hlinkClick r:id="rId11"/>
+              </a:rPr>
+              <a:t>://</a:t>
+            </a:r>
+            <a:r>
+              <a:rPr lang="de-DE" sz="1800" dirty="0" smtClean="0">
+                <a:solidFill>
+                  <a:schemeClr val="tx1">
+                    <a:lumMod val="50000"/>
+                    <a:lumOff val="50000"/>
+                  </a:schemeClr>
+                </a:solidFill>
+                <a:latin typeface="Verdana" pitchFamily="34" charset="0"/>
+                <a:ea typeface="Verdana" pitchFamily="34" charset="0"/>
+                <a:cs typeface="Verdana" pitchFamily="34" charset="0"/>
+                <a:hlinkClick r:id="rId11"/>
+              </a:rPr>
+              <a:t>groups.google.com/group/nmrml </a:t>
+            </a:r>
+            <a:r>
+              <a:rPr lang="de-DE" sz="1800" dirty="0" smtClean="0">
+                <a:solidFill>
+                  <a:schemeClr val="tx1">
+                    <a:lumMod val="50000"/>
+                    <a:lumOff val="50000"/>
+                  </a:schemeClr>
+                </a:solidFill>
+                <a:latin typeface="Verdana" pitchFamily="34" charset="0"/>
+                <a:ea typeface="Verdana" pitchFamily="34" charset="0"/>
+                <a:cs typeface="Verdana" pitchFamily="34" charset="0"/>
               </a:rPr>
               <a:t> </a:t>
             </a:r>
+            <a:endParaRPr lang="de-DE" sz="1800" dirty="0">
+              <a:solidFill>
+                <a:schemeClr val="tx1">
+                  <a:lumMod val="50000"/>
+                  <a:lumOff val="50000"/>
+                </a:schemeClr>
+              </a:solidFill>
+              <a:latin typeface="Verdana" pitchFamily="34" charset="0"/>
+              <a:ea typeface="Verdana" pitchFamily="34" charset="0"/>
+              <a:cs typeface="Verdana" pitchFamily="34" charset="0"/>
+            </a:endParaRPr>
           </a:p>
         </p:txBody>
       </p:sp>
@@ -6312,7 +6522,7 @@
         <p:spPr>
           <a:xfrm>
             <a:off x="10936132" y="13988035"/>
-            <a:ext cx="8291457" cy="954107"/>
+            <a:ext cx="8291457" cy="1046440"/>
           </a:xfrm>
           <a:prstGeom prst="rect">
             <a:avLst/>
@@ -6325,91 +6535,87 @@
           <a:lstStyle/>
           <a:p>
             <a:r>
-              <a:rPr lang="en-US" sz="1200" dirty="0" smtClean="0"/>
-              <a:t>Data </a:t>
-            </a:r>
-            <a:r>
-              <a:rPr lang="en-US" sz="1200" dirty="0"/>
+              <a:rPr lang="en-US" sz="1400" dirty="0" smtClean="0"/>
+              <a:t>Data excerpt  </a:t>
+            </a:r>
+            <a:r>
+              <a:rPr lang="en-US" sz="1400" dirty="0" smtClean="0"/>
+              <a:t>from a paper: </a:t>
+            </a:r>
+            <a:r>
+              <a:rPr lang="en-US" sz="1400" i="1" dirty="0" err="1" smtClean="0"/>
+              <a:t>Farag</a:t>
+            </a:r>
+            <a:r>
+              <a:rPr lang="en-US" sz="1400" i="1" dirty="0"/>
+              <a:t>, M., </a:t>
+            </a:r>
+            <a:r>
+              <a:rPr lang="en-US" sz="1400" i="1" dirty="0" err="1"/>
+              <a:t>Porzel</a:t>
+            </a:r>
+            <a:r>
+              <a:rPr lang="en-US" sz="1400" i="1" dirty="0"/>
+              <a:t>, A., Schmidt, J. &amp; </a:t>
+            </a:r>
+            <a:r>
+              <a:rPr lang="en-US" sz="1400" i="1" dirty="0" err="1"/>
+              <a:t>Wessjohann</a:t>
+            </a:r>
+            <a:r>
+              <a:rPr lang="en-US" sz="1400" i="1" dirty="0"/>
+              <a:t>, L. </a:t>
+            </a:r>
+            <a:r>
+              <a:rPr lang="en-US" sz="1400" b="1" i="1" dirty="0" smtClean="0"/>
+              <a:t>Metabolite </a:t>
+            </a:r>
+            <a:r>
+              <a:rPr lang="en-US" sz="1400" b="1" i="1" dirty="0"/>
+              <a:t>profiling and fingerprinting of commercial cultivars of </a:t>
+            </a:r>
+            <a:r>
+              <a:rPr lang="en-US" sz="1400" b="1" i="1" dirty="0" err="1"/>
+              <a:t>Humulus</a:t>
+            </a:r>
+            <a:r>
+              <a:rPr lang="en-US" sz="1400" b="1" i="1" dirty="0"/>
               <a:t> </a:t>
             </a:r>
             <a:r>
-              <a:rPr lang="en-US" sz="1200" dirty="0" smtClean="0"/>
-              <a:t>from a paper: </a:t>
-            </a:r>
-            <a:r>
-              <a:rPr lang="en-US" sz="1200" i="1" dirty="0" err="1" smtClean="0"/>
-              <a:t>Farag</a:t>
-            </a:r>
-            <a:r>
-              <a:rPr lang="en-US" sz="1200" i="1" dirty="0"/>
-              <a:t>, M., </a:t>
-            </a:r>
-            <a:r>
-              <a:rPr lang="en-US" sz="1200" i="1" dirty="0" err="1"/>
-              <a:t>Porzel</a:t>
-            </a:r>
-            <a:r>
-              <a:rPr lang="en-US" sz="1200" i="1" dirty="0"/>
-              <a:t>, A., Schmidt, J. &amp; </a:t>
-            </a:r>
-            <a:r>
-              <a:rPr lang="en-US" sz="1200" i="1" dirty="0" err="1"/>
-              <a:t>Wessjohann</a:t>
-            </a:r>
-            <a:r>
-              <a:rPr lang="en-US" sz="1200" i="1" dirty="0"/>
-              <a:t>, L. </a:t>
-            </a:r>
-            <a:r>
-              <a:rPr lang="en-US" sz="1200" b="1" i="1" dirty="0" smtClean="0"/>
-              <a:t>Metabolite </a:t>
-            </a:r>
-            <a:r>
-              <a:rPr lang="en-US" sz="1200" b="1" i="1" dirty="0"/>
-              <a:t>profiling and fingerprinting of commercial cultivars of </a:t>
-            </a:r>
-            <a:r>
-              <a:rPr lang="en-US" sz="1200" b="1" i="1" dirty="0" err="1"/>
-              <a:t>Humulus</a:t>
-            </a:r>
-            <a:r>
-              <a:rPr lang="en-US" sz="1200" b="1" i="1" dirty="0"/>
+              <a:rPr lang="en-US" sz="1400" b="1" i="1" dirty="0" err="1"/>
+              <a:t>lupulus</a:t>
+            </a:r>
+            <a:r>
+              <a:rPr lang="en-US" sz="1400" b="1" i="1" dirty="0"/>
+              <a:t> L. (hop) - a </a:t>
+            </a:r>
+            <a:r>
+              <a:rPr lang="en-US" sz="1400" b="1" i="1" dirty="0" err="1"/>
+              <a:t>comparision</a:t>
+            </a:r>
+            <a:r>
+              <a:rPr lang="en-US" sz="1400" b="1" i="1" dirty="0"/>
+              <a:t> of MS and NMR methods in </a:t>
+            </a:r>
+            <a:r>
+              <a:rPr lang="en-US" sz="1400" b="1" i="1" dirty="0" smtClean="0"/>
+              <a:t>metabolomics</a:t>
+            </a:r>
+            <a:r>
+              <a:rPr lang="en-US" sz="1400" i="1" dirty="0" smtClean="0"/>
+              <a:t>,</a:t>
+            </a:r>
+            <a:r>
+              <a:rPr lang="en-US" sz="1400" b="1" i="1" dirty="0" smtClean="0"/>
               <a:t> </a:t>
             </a:r>
             <a:r>
-              <a:rPr lang="en-US" sz="1200" b="1" i="1" dirty="0" err="1"/>
-              <a:t>lupulus</a:t>
-            </a:r>
-            <a:r>
-              <a:rPr lang="en-US" sz="1200" b="1" i="1" dirty="0"/>
-              <a:t> L. (hop) - a </a:t>
-            </a:r>
-            <a:r>
-              <a:rPr lang="en-US" sz="1200" b="1" i="1" dirty="0" err="1"/>
-              <a:t>comparision</a:t>
-            </a:r>
-            <a:r>
-              <a:rPr lang="en-US" sz="1200" b="1" i="1" dirty="0"/>
-              <a:t> of MS and NMR methods in </a:t>
-            </a:r>
-            <a:r>
-              <a:rPr lang="en-US" sz="1200" b="1" i="1" dirty="0" smtClean="0"/>
-              <a:t>metabolomics</a:t>
-            </a:r>
-            <a:r>
-              <a:rPr lang="en-US" sz="1200" i="1" dirty="0" smtClean="0"/>
-              <a:t>,</a:t>
-            </a:r>
-            <a:r>
-              <a:rPr lang="en-US" sz="1200" b="1" i="1" dirty="0" smtClean="0"/>
-              <a:t> </a:t>
-            </a:r>
-            <a:r>
-              <a:rPr lang="en-US" sz="1200" i="1" dirty="0" smtClean="0"/>
+              <a:rPr lang="en-US" sz="1400" i="1" dirty="0" smtClean="0"/>
               <a:t>Metabolomics </a:t>
             </a:r>
             <a:r>
-              <a:rPr lang="en-US" sz="1200" i="1" dirty="0"/>
+              <a:rPr lang="en-US" sz="1400" i="1" dirty="0"/>
               <a:t>8, 492-507, (2012)</a:t>
             </a:r>
           </a:p>
@@ -6421,6 +6627,66 @@
       <p:pic>
         <p:nvPicPr>
           <p:cNvPr id="20" name="Grafik 19"/>
+          <p:cNvPicPr>
+            <a:picLocks noChangeAspect="1"/>
+          </p:cNvPicPr>
+          <p:nvPr/>
+        </p:nvPicPr>
+        <p:blipFill>
+          <a:blip r:embed="rId12">
+            <a:extLst>
+              <a:ext uri="{28A0092B-C50C-407E-A947-70E740481C1C}">
+                <a14:useLocalDpi xmlns:a14="http://schemas.microsoft.com/office/drawing/2010/main" val="0"/>
+              </a:ext>
+            </a:extLst>
+          </a:blip>
+          <a:stretch>
+            <a:fillRect/>
+          </a:stretch>
+        </p:blipFill>
+        <p:spPr>
+          <a:xfrm>
+            <a:off x="995785" y="13812244"/>
+            <a:ext cx="8650813" cy="11995625"/>
+          </a:xfrm>
+          <a:prstGeom prst="rect">
+            <a:avLst/>
+          </a:prstGeom>
+        </p:spPr>
+      </p:pic>
+      <p:pic>
+        <p:nvPicPr>
+          <p:cNvPr id="22" name="Grafik 21"/>
+          <p:cNvPicPr>
+            <a:picLocks noChangeAspect="1"/>
+          </p:cNvPicPr>
+          <p:nvPr/>
+        </p:nvPicPr>
+        <p:blipFill>
+          <a:blip r:embed="rId13">
+            <a:extLst>
+              <a:ext uri="{28A0092B-C50C-407E-A947-70E740481C1C}">
+                <a14:useLocalDpi xmlns:a14="http://schemas.microsoft.com/office/drawing/2010/main" val="0"/>
+              </a:ext>
+            </a:extLst>
+          </a:blip>
+          <a:stretch>
+            <a:fillRect/>
+          </a:stretch>
+        </p:blipFill>
+        <p:spPr>
+          <a:xfrm>
+            <a:off x="1530074" y="30379395"/>
+            <a:ext cx="6159769" cy="4844669"/>
+          </a:xfrm>
+          <a:prstGeom prst="rect">
+            <a:avLst/>
+          </a:prstGeom>
+        </p:spPr>
+      </p:pic>
+      <p:pic>
+        <p:nvPicPr>
+          <p:cNvPr id="135" name="Grafik 134"/>
           <p:cNvPicPr>
             <a:picLocks noChangeAspect="1"/>
           </p:cNvPicPr>
@@ -6440,68 +6706,8 @@
         </p:blipFill>
         <p:spPr>
           <a:xfrm>
-            <a:off x="995785" y="13812244"/>
-            <a:ext cx="8650813" cy="11995625"/>
-          </a:xfrm>
-          <a:prstGeom prst="rect">
-            <a:avLst/>
-          </a:prstGeom>
-        </p:spPr>
-      </p:pic>
-      <p:pic>
-        <p:nvPicPr>
-          <p:cNvPr id="22" name="Grafik 21"/>
-          <p:cNvPicPr>
-            <a:picLocks noChangeAspect="1"/>
-          </p:cNvPicPr>
-          <p:nvPr/>
-        </p:nvPicPr>
-        <p:blipFill>
-          <a:blip r:embed="rId15">
-            <a:extLst>
-              <a:ext uri="{28A0092B-C50C-407E-A947-70E740481C1C}">
-                <a14:useLocalDpi xmlns:a14="http://schemas.microsoft.com/office/drawing/2010/main" val="0"/>
-              </a:ext>
-            </a:extLst>
-          </a:blip>
-          <a:stretch>
-            <a:fillRect/>
-          </a:stretch>
-        </p:blipFill>
-        <p:spPr>
-          <a:xfrm>
-            <a:off x="9934853" y="30313632"/>
-            <a:ext cx="6159769" cy="4844669"/>
-          </a:xfrm>
-          <a:prstGeom prst="rect">
-            <a:avLst/>
-          </a:prstGeom>
-        </p:spPr>
-      </p:pic>
-      <p:pic>
-        <p:nvPicPr>
-          <p:cNvPr id="135" name="Grafik 134"/>
-          <p:cNvPicPr>
-            <a:picLocks noChangeAspect="1"/>
-          </p:cNvPicPr>
-          <p:nvPr/>
-        </p:nvPicPr>
-        <p:blipFill>
-          <a:blip r:embed="rId16">
-            <a:extLst>
-              <a:ext uri="{28A0092B-C50C-407E-A947-70E740481C1C}">
-                <a14:useLocalDpi xmlns:a14="http://schemas.microsoft.com/office/drawing/2010/main" val="0"/>
-              </a:ext>
-            </a:extLst>
-          </a:blip>
-          <a:stretch>
-            <a:fillRect/>
-          </a:stretch>
-        </p:blipFill>
-        <p:spPr>
-          <a:xfrm>
             <a:off x="17292996" y="30358450"/>
-            <a:ext cx="12076167" cy="4923266"/>
+            <a:ext cx="11914015" cy="4923266"/>
           </a:xfrm>
           <a:prstGeom prst="rect">
             <a:avLst/>
@@ -6530,12 +6736,12 @@
           <a:graphicData uri="http://schemas.openxmlformats.org/presentationml/2006/ole">
             <mc:AlternateContent xmlns:mc="http://schemas.openxmlformats.org/markup-compatibility/2006">
               <mc:Choice xmlns:v="urn:schemas-microsoft-com:vml" Requires="v">
-                <p:oleObj spid="_x0000_s3145" r:id="rId17" imgW="155999880" imgH="75692160" progId="">
+                <p:oleObj spid="_x0000_s3196" r:id="rId15" imgW="155999880" imgH="75692160" progId="">
                   <p:embed/>
                 </p:oleObj>
               </mc:Choice>
               <mc:Fallback>
-                <p:oleObj r:id="rId17" imgW="155999880" imgH="75692160" progId="">
+                <p:oleObj r:id="rId15" imgW="155999880" imgH="75692160" progId="">
                   <p:embed/>
                   <p:pic>
                     <p:nvPicPr>
@@ -6544,7 +6750,7 @@
                       <p:nvPr/>
                     </p:nvPicPr>
                     <p:blipFill>
-                      <a:blip r:embed="rId18"/>
+                      <a:blip r:embed="rId16"/>
                       <a:stretch>
                         <a:fillRect/>
                       </a:stretch>
@@ -6574,7 +6780,7 @@
           <p:nvPr/>
         </p:nvPicPr>
         <p:blipFill>
-          <a:blip r:embed="rId19" cstate="email">
+          <a:blip r:embed="rId17" cstate="email">
             <a:extLst>
               <a:ext uri="{28A0092B-C50C-407E-A947-70E740481C1C}">
                 <a14:useLocalDpi xmlns:a14="http://schemas.microsoft.com/office/drawing/2010/main" val="0"/>
@@ -6614,8 +6820,8 @@
         </p:nvSpPr>
         <p:spPr>
           <a:xfrm>
-            <a:off x="25320535" y="41384264"/>
-            <a:ext cx="1145691" cy="207749"/>
+            <a:off x="25039428" y="41266599"/>
+            <a:ext cx="1258134" cy="307777"/>
           </a:xfrm>
           <a:prstGeom prst="rect">
             <a:avLst/>
@@ -6629,7 +6835,7 @@
           <a:lstStyle/>
           <a:p>
             <a:r>
-              <a:rPr lang="en-GB" sz="750" dirty="0"/>
+              <a:rPr lang="en-GB" sz="1400" dirty="0"/>
               <a:t>MetaboLights</a:t>
             </a:r>
           </a:p>
@@ -6644,7 +6850,7 @@
           <p:nvPr/>
         </p:nvPicPr>
         <p:blipFill>
-          <a:blip r:embed="rId20" cstate="email">
+          <a:blip r:embed="rId18" cstate="email">
             <a:extLst>
               <a:ext uri="{28A0092B-C50C-407E-A947-70E740481C1C}">
                 <a14:useLocalDpi xmlns:a14="http://schemas.microsoft.com/office/drawing/2010/main" val="0"/>
@@ -6684,7 +6890,7 @@
         </p:nvSpPr>
         <p:spPr>
           <a:xfrm>
-            <a:off x="667899" y="8034677"/>
+            <a:off x="757515" y="8411820"/>
             <a:ext cx="5041530" cy="646331"/>
           </a:xfrm>
           <a:prstGeom prst="rect">
@@ -6762,7 +6968,7 @@
         <p:spPr>
           <a:xfrm>
             <a:off x="876853" y="27378070"/>
-            <a:ext cx="28750574" cy="1988237"/>
+            <a:ext cx="28552327" cy="1988237"/>
           </a:xfrm>
           <a:prstGeom prst="rect">
             <a:avLst/>
@@ -6808,7 +7014,7 @@
                 <a:latin typeface="Verdana"/>
                 <a:cs typeface="Verdana"/>
               </a:rPr>
-              <a:t> which checks the </a:t>
+              <a:t> which checks the quality of NMR data files in a multilayered approach, i.e. ensuring the data is syntactically well formatted, adheres to the </a:t>
             </a:r>
             <a:r>
               <a:rPr lang="en-US" sz="2800" dirty="0" smtClean="0">
@@ -6818,7 +7024,7 @@
                 <a:latin typeface="Verdana"/>
                 <a:cs typeface="Verdana"/>
               </a:rPr>
-              <a:t>quality of NMR </a:t>
+              <a:t>nmrML.xsd, </a:t>
             </a:r>
             <a:r>
               <a:rPr lang="en-US" sz="2800" dirty="0" smtClean="0">
@@ -6828,17 +7034,17 @@
                 <a:latin typeface="Verdana"/>
                 <a:cs typeface="Verdana"/>
               </a:rPr>
-              <a:t>data files in a multilayered approach, i.e. ensuring the data is syntactically well formatted, adheres to the XSD, and is sufficiently detailed with respect to data content and CV annotations. </a:t>
-            </a:r>
-            <a:r>
-              <a:rPr lang="en-US" sz="2800" dirty="0" smtClean="0">
+              <a:t>and is sufficiently detailed with respect to data content and CV annotations. Semantic validation exploits rules that set constraints </a:t>
+            </a:r>
+            <a:r>
+              <a:rPr lang="en-US" sz="2800" dirty="0">
                 <a:solidFill>
                   <a:srgbClr val="121421"/>
                 </a:solidFill>
                 <a:latin typeface="Verdana"/>
                 <a:cs typeface="Verdana"/>
               </a:rPr>
-              <a:t>Semantic </a:t>
+              <a:t>on certain XML </a:t>
             </a:r>
             <a:r>
               <a:rPr lang="en-US" sz="2800" dirty="0" smtClean="0">
@@ -6848,7 +7054,7 @@
                 <a:latin typeface="Verdana"/>
                 <a:cs typeface="Verdana"/>
               </a:rPr>
-              <a:t>validation </a:t>
+              <a:t>positions, </a:t>
             </a:r>
             <a:r>
               <a:rPr lang="en-US" sz="2800" dirty="0" smtClean="0">
@@ -6858,27 +7064,27 @@
                 <a:latin typeface="Verdana"/>
                 <a:cs typeface="Verdana"/>
               </a:rPr>
-              <a:t>exploits </a:t>
-            </a:r>
-            <a:r>
-              <a:rPr lang="en-US" sz="2800" dirty="0" smtClean="0">
-                <a:solidFill>
-                  <a:srgbClr val="121421"/>
+              <a:t>i.e. which CV terms are allowed at a certain XML location. Such checks can enforce aspects of </a:t>
+            </a:r>
+            <a:r>
+              <a:rPr lang="en-US" sz="2800" b="1" dirty="0" smtClean="0">
+                <a:solidFill>
+                  <a:srgbClr val="0070C0"/>
                 </a:solidFill>
                 <a:latin typeface="Verdana"/>
                 <a:cs typeface="Verdana"/>
               </a:rPr>
-              <a:t>rules that set constraints </a:t>
-            </a:r>
-            <a:r>
-              <a:rPr lang="en-US" sz="2800" dirty="0">
+              <a:t>minimal information requirements</a:t>
+            </a:r>
+            <a:r>
+              <a:rPr lang="en-US" sz="2800" dirty="0" smtClean="0">
                 <a:solidFill>
                   <a:srgbClr val="121421"/>
                 </a:solidFill>
                 <a:latin typeface="Verdana"/>
                 <a:cs typeface="Verdana"/>
               </a:rPr>
-              <a:t>on certain XML </a:t>
+              <a:t>, e.g. from the Core Information for Metabolomics Reporting (CIMR</a:t>
             </a:r>
             <a:r>
               <a:rPr lang="en-US" sz="2800" dirty="0" smtClean="0">
@@ -6888,87 +7094,7 @@
                 <a:latin typeface="Verdana"/>
                 <a:cs typeface="Verdana"/>
               </a:rPr>
-              <a:t>position, i.e. which </a:t>
-            </a:r>
-            <a:r>
-              <a:rPr lang="en-US" sz="2800" dirty="0" smtClean="0">
-                <a:solidFill>
-                  <a:srgbClr val="121421"/>
-                </a:solidFill>
-                <a:latin typeface="Verdana"/>
-                <a:cs typeface="Verdana"/>
-              </a:rPr>
-              <a:t>CV </a:t>
-            </a:r>
-            <a:r>
-              <a:rPr lang="en-US" sz="2800" dirty="0" smtClean="0">
-                <a:solidFill>
-                  <a:srgbClr val="121421"/>
-                </a:solidFill>
-                <a:latin typeface="Verdana"/>
-                <a:cs typeface="Verdana"/>
-              </a:rPr>
-              <a:t>terms are </a:t>
-            </a:r>
-            <a:r>
-              <a:rPr lang="en-US" sz="2800" dirty="0" smtClean="0">
-                <a:solidFill>
-                  <a:srgbClr val="121421"/>
-                </a:solidFill>
-                <a:latin typeface="Verdana"/>
-                <a:cs typeface="Verdana"/>
-              </a:rPr>
-              <a:t>allowed at </a:t>
-            </a:r>
-            <a:r>
-              <a:rPr lang="en-US" sz="2800" dirty="0" smtClean="0">
-                <a:solidFill>
-                  <a:srgbClr val="121421"/>
-                </a:solidFill>
-                <a:latin typeface="Verdana"/>
-                <a:cs typeface="Verdana"/>
-              </a:rPr>
-              <a:t>a certain XML location. Such checks can enforce aspects </a:t>
-            </a:r>
-            <a:r>
-              <a:rPr lang="en-US" sz="2800" dirty="0" smtClean="0">
-                <a:solidFill>
-                  <a:srgbClr val="121421"/>
-                </a:solidFill>
-                <a:latin typeface="Verdana"/>
-                <a:cs typeface="Verdana"/>
-              </a:rPr>
-              <a:t>of </a:t>
-            </a:r>
-            <a:r>
-              <a:rPr lang="en-US" sz="2800" b="1" dirty="0" smtClean="0">
-                <a:solidFill>
-                  <a:srgbClr val="0070C0"/>
-                </a:solidFill>
-                <a:latin typeface="Verdana"/>
-                <a:cs typeface="Verdana"/>
-              </a:rPr>
-              <a:t>minimal information requirements</a:t>
-            </a:r>
-            <a:r>
-              <a:rPr lang="en-US" sz="2800" dirty="0" smtClean="0">
-                <a:solidFill>
-                  <a:srgbClr val="121421"/>
-                </a:solidFill>
-                <a:latin typeface="Verdana"/>
-                <a:cs typeface="Verdana"/>
-              </a:rPr>
-              <a:t>, e.g. from the Core Information for Metabolomics Reporting (CIMR</a:t>
-            </a:r>
-            <a:r>
-              <a:rPr lang="en-US" sz="2800" dirty="0" smtClean="0">
-                <a:solidFill>
-                  <a:srgbClr val="121421"/>
-                </a:solidFill>
-                <a:latin typeface="Verdana"/>
-                <a:cs typeface="Verdana"/>
-              </a:rPr>
-              <a:t>).</a:t>
+              <a:t>) or given journal policies.</a:t>
             </a:r>
             <a:endParaRPr lang="ro-RO" sz="2800" dirty="0">
               <a:solidFill>
@@ -7076,7 +7202,7 @@
         </p:nvSpPr>
         <p:spPr>
           <a:xfrm>
-            <a:off x="797327" y="36094472"/>
+            <a:off x="749959" y="36094472"/>
             <a:ext cx="2724912" cy="646331"/>
           </a:xfrm>
           <a:prstGeom prst="rect">
@@ -7120,7 +7246,7 @@
         </p:nvSpPr>
         <p:spPr>
           <a:xfrm>
-            <a:off x="18611500" y="36125871"/>
+            <a:off x="20896402" y="36087530"/>
             <a:ext cx="6283476" cy="646331"/>
           </a:xfrm>
           <a:prstGeom prst="rect">
@@ -7175,7 +7301,7 @@
         </p:nvSpPr>
         <p:spPr>
           <a:xfrm>
-            <a:off x="20184052" y="8098606"/>
+            <a:off x="20510063" y="8173590"/>
             <a:ext cx="4710924" cy="646331"/>
           </a:xfrm>
           <a:prstGeom prst="rect">
@@ -7303,7 +7429,7 @@
                 <a:latin typeface="Verdana" pitchFamily="34" charset="0"/>
                 <a:ea typeface="Verdana" pitchFamily="34" charset="0"/>
                 <a:cs typeface="Verdana" pitchFamily="34" charset="0"/>
-                <a:hlinkClick r:id="rId21"/>
+                <a:hlinkClick r:id="rId19"/>
               </a:rPr>
               <a:t>http://www.ebi.ac.uk/metabolights/</a:t>
             </a:r>
@@ -7358,7 +7484,7 @@
                 <a:latin typeface="Verdana" pitchFamily="34" charset="0"/>
                 <a:ea typeface="Verdana" pitchFamily="34" charset="0"/>
                 <a:cs typeface="Verdana" pitchFamily="34" charset="0"/>
-                <a:hlinkClick r:id="rId22"/>
+                <a:hlinkClick r:id="rId20"/>
               </a:rPr>
               <a:t>http://msi-workgroups.sourceforge.net/</a:t>
             </a:r>
@@ -7413,7 +7539,7 @@
                 <a:latin typeface="Verdana" pitchFamily="34" charset="0"/>
                 <a:ea typeface="Verdana" pitchFamily="34" charset="0"/>
                 <a:cs typeface="Verdana" pitchFamily="34" charset="0"/>
-                <a:hlinkClick r:id="rId23"/>
+                <a:hlinkClick r:id="rId21"/>
               </a:rPr>
               <a:t>http://mibbi.sourceforge.net/projects/CIMR.shtml</a:t>
             </a:r>
@@ -7497,8 +7623,8 @@
         </p:nvSpPr>
         <p:spPr>
           <a:xfrm>
-            <a:off x="1156053" y="29793297"/>
-            <a:ext cx="3000501" cy="461665"/>
+            <a:off x="9485801" y="29760155"/>
+            <a:ext cx="3535904" cy="461665"/>
           </a:xfrm>
           <a:prstGeom prst="rect">
             <a:avLst/>
@@ -7513,7 +7639,11 @@
           <a:p>
             <a:r>
               <a:rPr lang="de-DE" sz="2400" dirty="0" smtClean="0"/>
-              <a:t>Validation Layer </a:t>
+              <a:t>The Validation </a:t>
+            </a:r>
+            <a:r>
+              <a:rPr lang="de-DE" sz="2400" dirty="0" smtClean="0"/>
+              <a:t>Layer </a:t>
             </a:r>
             <a:r>
               <a:rPr lang="de-DE" sz="2400" dirty="0" err="1" smtClean="0"/>
@@ -7601,7 +7731,7 @@
         </p:nvSpPr>
         <p:spPr>
           <a:xfrm>
-            <a:off x="9776063" y="29731889"/>
+            <a:off x="1336686" y="29768438"/>
             <a:ext cx="7069564" cy="461665"/>
           </a:xfrm>
           <a:prstGeom prst="rect">
@@ -7673,7 +7803,191 @@
       </p:sp>
       <p:pic>
         <p:nvPicPr>
-          <p:cNvPr id="29" name="Grafik 28"/>
+          <p:cNvPr id="93" name="Picture 1"/>
+          <p:cNvPicPr/>
+          <p:nvPr/>
+        </p:nvPicPr>
+        <p:blipFill>
+          <a:blip r:embed="rId22"/>
+          <a:stretch>
+            <a:fillRect/>
+          </a:stretch>
+        </p:blipFill>
+        <p:spPr>
+          <a:xfrm>
+            <a:off x="602552" y="40102636"/>
+            <a:ext cx="2017080" cy="1371960"/>
+          </a:xfrm>
+          <a:prstGeom prst="rect">
+            <a:avLst/>
+          </a:prstGeom>
+        </p:spPr>
+      </p:pic>
+      <p:sp>
+        <p:nvSpPr>
+          <p:cNvPr id="94" name="CustomShape 46"/>
+          <p:cNvSpPr/>
+          <p:nvPr/>
+        </p:nvSpPr>
+        <p:spPr>
+          <a:xfrm>
+            <a:off x="578108" y="41497996"/>
+            <a:ext cx="1875960" cy="820440"/>
+          </a:xfrm>
+          <a:prstGeom prst="rect">
+            <a:avLst/>
+          </a:prstGeom>
+        </p:spPr>
+        <p:txBody>
+          <a:bodyPr lIns="90000" tIns="45000" rIns="90000" bIns="45000"/>
+          <a:lstStyle>
+            <a:defPPr>
+              <a:defRPr lang="en-US"/>
+            </a:defPPr>
+            <a:lvl1pPr marL="0" algn="l" defTabSz="914400" rtl="0" eaLnBrk="1" latinLnBrk="0" hangingPunct="1">
+              <a:defRPr sz="1800" kern="1200">
+                <a:solidFill>
+                  <a:schemeClr val="tx1"/>
+                </a:solidFill>
+                <a:latin typeface="+mn-lt"/>
+                <a:ea typeface="+mn-ea"/>
+                <a:cs typeface="+mn-cs"/>
+              </a:defRPr>
+            </a:lvl1pPr>
+            <a:lvl2pPr marL="457200" algn="l" defTabSz="914400" rtl="0" eaLnBrk="1" latinLnBrk="0" hangingPunct="1">
+              <a:defRPr sz="1800" kern="1200">
+                <a:solidFill>
+                  <a:schemeClr val="tx1"/>
+                </a:solidFill>
+                <a:latin typeface="+mn-lt"/>
+                <a:ea typeface="+mn-ea"/>
+                <a:cs typeface="+mn-cs"/>
+              </a:defRPr>
+            </a:lvl2pPr>
+            <a:lvl3pPr marL="914400" algn="l" defTabSz="914400" rtl="0" eaLnBrk="1" latinLnBrk="0" hangingPunct="1">
+              <a:defRPr sz="1800" kern="1200">
+                <a:solidFill>
+                  <a:schemeClr val="tx1"/>
+                </a:solidFill>
+                <a:latin typeface="+mn-lt"/>
+                <a:ea typeface="+mn-ea"/>
+                <a:cs typeface="+mn-cs"/>
+              </a:defRPr>
+            </a:lvl3pPr>
+            <a:lvl4pPr marL="1371600" algn="l" defTabSz="914400" rtl="0" eaLnBrk="1" latinLnBrk="0" hangingPunct="1">
+              <a:defRPr sz="1800" kern="1200">
+                <a:solidFill>
+                  <a:schemeClr val="tx1"/>
+                </a:solidFill>
+                <a:latin typeface="+mn-lt"/>
+                <a:ea typeface="+mn-ea"/>
+                <a:cs typeface="+mn-cs"/>
+              </a:defRPr>
+            </a:lvl4pPr>
+            <a:lvl5pPr marL="1828800" algn="l" defTabSz="914400" rtl="0" eaLnBrk="1" latinLnBrk="0" hangingPunct="1">
+              <a:defRPr sz="1800" kern="1200">
+                <a:solidFill>
+                  <a:schemeClr val="tx1"/>
+                </a:solidFill>
+                <a:latin typeface="+mn-lt"/>
+                <a:ea typeface="+mn-ea"/>
+                <a:cs typeface="+mn-cs"/>
+              </a:defRPr>
+            </a:lvl5pPr>
+            <a:lvl6pPr marL="2286000" algn="l" defTabSz="914400" rtl="0" eaLnBrk="1" latinLnBrk="0" hangingPunct="1">
+              <a:defRPr sz="1800" kern="1200">
+                <a:solidFill>
+                  <a:schemeClr val="tx1"/>
+                </a:solidFill>
+                <a:latin typeface="+mn-lt"/>
+                <a:ea typeface="+mn-ea"/>
+                <a:cs typeface="+mn-cs"/>
+              </a:defRPr>
+            </a:lvl6pPr>
+            <a:lvl7pPr marL="2743200" algn="l" defTabSz="914400" rtl="0" eaLnBrk="1" latinLnBrk="0" hangingPunct="1">
+              <a:defRPr sz="1800" kern="1200">
+                <a:solidFill>
+                  <a:schemeClr val="tx1"/>
+                </a:solidFill>
+                <a:latin typeface="+mn-lt"/>
+                <a:ea typeface="+mn-ea"/>
+                <a:cs typeface="+mn-cs"/>
+              </a:defRPr>
+            </a:lvl7pPr>
+            <a:lvl8pPr marL="3200400" algn="l" defTabSz="914400" rtl="0" eaLnBrk="1" latinLnBrk="0" hangingPunct="1">
+              <a:defRPr sz="1800" kern="1200">
+                <a:solidFill>
+                  <a:schemeClr val="tx1"/>
+                </a:solidFill>
+                <a:latin typeface="+mn-lt"/>
+                <a:ea typeface="+mn-ea"/>
+                <a:cs typeface="+mn-cs"/>
+              </a:defRPr>
+            </a:lvl8pPr>
+            <a:lvl9pPr marL="3657600" algn="l" defTabSz="914400" rtl="0" eaLnBrk="1" latinLnBrk="0" hangingPunct="1">
+              <a:defRPr sz="1800" kern="1200">
+                <a:solidFill>
+                  <a:schemeClr val="tx1"/>
+                </a:solidFill>
+                <a:latin typeface="+mn-lt"/>
+                <a:ea typeface="+mn-ea"/>
+                <a:cs typeface="+mn-cs"/>
+              </a:defRPr>
+            </a:lvl9pPr>
+          </a:lstStyle>
+          <a:p>
+            <a:pPr algn="ctr">
+              <a:lnSpc>
+                <a:spcPct val="100000"/>
+              </a:lnSpc>
+            </a:pPr>
+            <a:r>
+              <a:rPr lang="en-US" sz="1200" dirty="0">
+                <a:solidFill>
+                  <a:srgbClr val="000000"/>
+                </a:solidFill>
+                <a:latin typeface="Verdana"/>
+                <a:ea typeface="Verdana"/>
+              </a:rPr>
+              <a:t>This project is funded through European Commission COSMOS Grant EC312941</a:t>
+            </a:r>
+            <a:endParaRPr dirty="0"/>
+          </a:p>
+        </p:txBody>
+      </p:sp>
+      <p:pic>
+        <p:nvPicPr>
+          <p:cNvPr id="39" name="Grafik 38"/>
+          <p:cNvPicPr>
+            <a:picLocks noChangeAspect="1"/>
+          </p:cNvPicPr>
+          <p:nvPr/>
+        </p:nvPicPr>
+        <p:blipFill>
+          <a:blip r:embed="rId23">
+            <a:extLst>
+              <a:ext uri="{28A0092B-C50C-407E-A947-70E740481C1C}">
+                <a14:useLocalDpi xmlns:a14="http://schemas.microsoft.com/office/drawing/2010/main" val="0"/>
+              </a:ext>
+            </a:extLst>
+          </a:blip>
+          <a:stretch>
+            <a:fillRect/>
+          </a:stretch>
+        </p:blipFill>
+        <p:spPr>
+          <a:xfrm>
+            <a:off x="27628190" y="1916580"/>
+            <a:ext cx="2026009" cy="1866793"/>
+          </a:xfrm>
+          <a:prstGeom prst="rect">
+            <a:avLst/>
+          </a:prstGeom>
+        </p:spPr>
+      </p:pic>
+      <p:pic>
+        <p:nvPicPr>
+          <p:cNvPr id="9" name="Grafik 8"/>
           <p:cNvPicPr>
             <a:picLocks noChangeAspect="1"/>
           </p:cNvPicPr>
@@ -7693,8 +8007,8 @@
         </p:blipFill>
         <p:spPr>
           <a:xfrm>
-            <a:off x="20436407" y="22079802"/>
-            <a:ext cx="8575443" cy="3819552"/>
+            <a:off x="10895175" y="14999230"/>
+            <a:ext cx="8590950" cy="10624963"/>
           </a:xfrm>
           <a:prstGeom prst="rect">
             <a:avLst/>
@@ -7703,168 +8017,14 @@
       </p:pic>
       <p:pic>
         <p:nvPicPr>
-          <p:cNvPr id="93" name="Picture 1"/>
-          <p:cNvPicPr/>
-          <p:nvPr/>
-        </p:nvPicPr>
-        <p:blipFill>
-          <a:blip r:embed="rId25"/>
-          <a:stretch>
-            <a:fillRect/>
-          </a:stretch>
-        </p:blipFill>
-        <p:spPr>
-          <a:xfrm>
-            <a:off x="602552" y="40102636"/>
-            <a:ext cx="2017080" cy="1371960"/>
-          </a:xfrm>
-          <a:prstGeom prst="rect">
-            <a:avLst/>
-          </a:prstGeom>
-        </p:spPr>
-      </p:pic>
-      <p:sp>
-        <p:nvSpPr>
-          <p:cNvPr id="94" name="CustomShape 46"/>
-          <p:cNvSpPr/>
-          <p:nvPr/>
-        </p:nvSpPr>
-        <p:spPr>
-          <a:xfrm>
-            <a:off x="578108" y="41497996"/>
-            <a:ext cx="1875960" cy="820440"/>
-          </a:xfrm>
-          <a:prstGeom prst="rect">
-            <a:avLst/>
-          </a:prstGeom>
-        </p:spPr>
-        <p:txBody>
-          <a:bodyPr lIns="90000" tIns="45000" rIns="90000" bIns="45000"/>
-          <a:lstStyle>
-            <a:defPPr>
-              <a:defRPr lang="en-US"/>
-            </a:defPPr>
-            <a:lvl1pPr marL="0" algn="l" defTabSz="914400" rtl="0" eaLnBrk="1" latinLnBrk="0" hangingPunct="1">
-              <a:defRPr sz="1800" kern="1200">
-                <a:solidFill>
-                  <a:schemeClr val="tx1"/>
-                </a:solidFill>
-                <a:latin typeface="+mn-lt"/>
-                <a:ea typeface="+mn-ea"/>
-                <a:cs typeface="+mn-cs"/>
-              </a:defRPr>
-            </a:lvl1pPr>
-            <a:lvl2pPr marL="457200" algn="l" defTabSz="914400" rtl="0" eaLnBrk="1" latinLnBrk="0" hangingPunct="1">
-              <a:defRPr sz="1800" kern="1200">
-                <a:solidFill>
-                  <a:schemeClr val="tx1"/>
-                </a:solidFill>
-                <a:latin typeface="+mn-lt"/>
-                <a:ea typeface="+mn-ea"/>
-                <a:cs typeface="+mn-cs"/>
-              </a:defRPr>
-            </a:lvl2pPr>
-            <a:lvl3pPr marL="914400" algn="l" defTabSz="914400" rtl="0" eaLnBrk="1" latinLnBrk="0" hangingPunct="1">
-              <a:defRPr sz="1800" kern="1200">
-                <a:solidFill>
-                  <a:schemeClr val="tx1"/>
-                </a:solidFill>
-                <a:latin typeface="+mn-lt"/>
-                <a:ea typeface="+mn-ea"/>
-                <a:cs typeface="+mn-cs"/>
-              </a:defRPr>
-            </a:lvl3pPr>
-            <a:lvl4pPr marL="1371600" algn="l" defTabSz="914400" rtl="0" eaLnBrk="1" latinLnBrk="0" hangingPunct="1">
-              <a:defRPr sz="1800" kern="1200">
-                <a:solidFill>
-                  <a:schemeClr val="tx1"/>
-                </a:solidFill>
-                <a:latin typeface="+mn-lt"/>
-                <a:ea typeface="+mn-ea"/>
-                <a:cs typeface="+mn-cs"/>
-              </a:defRPr>
-            </a:lvl4pPr>
-            <a:lvl5pPr marL="1828800" algn="l" defTabSz="914400" rtl="0" eaLnBrk="1" latinLnBrk="0" hangingPunct="1">
-              <a:defRPr sz="1800" kern="1200">
-                <a:solidFill>
-                  <a:schemeClr val="tx1"/>
-                </a:solidFill>
-                <a:latin typeface="+mn-lt"/>
-                <a:ea typeface="+mn-ea"/>
-                <a:cs typeface="+mn-cs"/>
-              </a:defRPr>
-            </a:lvl5pPr>
-            <a:lvl6pPr marL="2286000" algn="l" defTabSz="914400" rtl="0" eaLnBrk="1" latinLnBrk="0" hangingPunct="1">
-              <a:defRPr sz="1800" kern="1200">
-                <a:solidFill>
-                  <a:schemeClr val="tx1"/>
-                </a:solidFill>
-                <a:latin typeface="+mn-lt"/>
-                <a:ea typeface="+mn-ea"/>
-                <a:cs typeface="+mn-cs"/>
-              </a:defRPr>
-            </a:lvl6pPr>
-            <a:lvl7pPr marL="2743200" algn="l" defTabSz="914400" rtl="0" eaLnBrk="1" latinLnBrk="0" hangingPunct="1">
-              <a:defRPr sz="1800" kern="1200">
-                <a:solidFill>
-                  <a:schemeClr val="tx1"/>
-                </a:solidFill>
-                <a:latin typeface="+mn-lt"/>
-                <a:ea typeface="+mn-ea"/>
-                <a:cs typeface="+mn-cs"/>
-              </a:defRPr>
-            </a:lvl7pPr>
-            <a:lvl8pPr marL="3200400" algn="l" defTabSz="914400" rtl="0" eaLnBrk="1" latinLnBrk="0" hangingPunct="1">
-              <a:defRPr sz="1800" kern="1200">
-                <a:solidFill>
-                  <a:schemeClr val="tx1"/>
-                </a:solidFill>
-                <a:latin typeface="+mn-lt"/>
-                <a:ea typeface="+mn-ea"/>
-                <a:cs typeface="+mn-cs"/>
-              </a:defRPr>
-            </a:lvl8pPr>
-            <a:lvl9pPr marL="3657600" algn="l" defTabSz="914400" rtl="0" eaLnBrk="1" latinLnBrk="0" hangingPunct="1">
-              <a:defRPr sz="1800" kern="1200">
-                <a:solidFill>
-                  <a:schemeClr val="tx1"/>
-                </a:solidFill>
-                <a:latin typeface="+mn-lt"/>
-                <a:ea typeface="+mn-ea"/>
-                <a:cs typeface="+mn-cs"/>
-              </a:defRPr>
-            </a:lvl9pPr>
-          </a:lstStyle>
-          <a:p>
-            <a:pPr algn="ctr">
-              <a:lnSpc>
-                <a:spcPct val="100000"/>
-              </a:lnSpc>
-            </a:pPr>
-            <a:r>
-              <a:rPr lang="en-US" sz="1200" dirty="0">
-                <a:solidFill>
-                  <a:srgbClr val="000000"/>
-                </a:solidFill>
-                <a:latin typeface="Verdana"/>
-                <a:ea typeface="Verdana"/>
-              </a:rPr>
-              <a:t>This project is funded through European Commission COSMOS Grant EC312941</a:t>
-            </a:r>
-            <a:endParaRPr dirty="0"/>
-          </a:p>
-        </p:txBody>
-      </p:sp>
-      <p:pic>
-        <p:nvPicPr>
-          <p:cNvPr id="39" name="Grafik 38"/>
+          <p:cNvPr id="8" name="Grafik 7"/>
           <p:cNvPicPr>
             <a:picLocks noChangeAspect="1"/>
           </p:cNvPicPr>
           <p:nvPr/>
         </p:nvPicPr>
         <p:blipFill>
-          <a:blip r:embed="rId26">
+          <a:blip r:embed="rId25">
             <a:extLst>
               <a:ext uri="{28A0092B-C50C-407E-A947-70E740481C1C}">
                 <a14:useLocalDpi xmlns:a14="http://schemas.microsoft.com/office/drawing/2010/main" val="0"/>
@@ -7877,66 +8037,6 @@
         </p:blipFill>
         <p:spPr>
           <a:xfrm>
-            <a:off x="27628190" y="1916580"/>
-            <a:ext cx="2026009" cy="1866793"/>
-          </a:xfrm>
-          <a:prstGeom prst="rect">
-            <a:avLst/>
-          </a:prstGeom>
-        </p:spPr>
-      </p:pic>
-      <p:pic>
-        <p:nvPicPr>
-          <p:cNvPr id="9" name="Grafik 8"/>
-          <p:cNvPicPr>
-            <a:picLocks noChangeAspect="1"/>
-          </p:cNvPicPr>
-          <p:nvPr/>
-        </p:nvPicPr>
-        <p:blipFill>
-          <a:blip r:embed="rId27">
-            <a:extLst>
-              <a:ext uri="{28A0092B-C50C-407E-A947-70E740481C1C}">
-                <a14:useLocalDpi xmlns:a14="http://schemas.microsoft.com/office/drawing/2010/main" val="0"/>
-              </a:ext>
-            </a:extLst>
-          </a:blip>
-          <a:stretch>
-            <a:fillRect/>
-          </a:stretch>
-        </p:blipFill>
-        <p:spPr>
-          <a:xfrm>
-            <a:off x="10895175" y="14999230"/>
-            <a:ext cx="8590950" cy="10624963"/>
-          </a:xfrm>
-          <a:prstGeom prst="rect">
-            <a:avLst/>
-          </a:prstGeom>
-        </p:spPr>
-      </p:pic>
-      <p:pic>
-        <p:nvPicPr>
-          <p:cNvPr id="8" name="Grafik 7"/>
-          <p:cNvPicPr>
-            <a:picLocks noChangeAspect="1"/>
-          </p:cNvPicPr>
-          <p:nvPr/>
-        </p:nvPicPr>
-        <p:blipFill>
-          <a:blip r:embed="rId28">
-            <a:extLst>
-              <a:ext uri="{28A0092B-C50C-407E-A947-70E740481C1C}">
-                <a14:useLocalDpi xmlns:a14="http://schemas.microsoft.com/office/drawing/2010/main" val="0"/>
-              </a:ext>
-            </a:extLst>
-          </a:blip>
-          <a:stretch>
-            <a:fillRect/>
-          </a:stretch>
-        </p:blipFill>
-        <p:spPr>
-          <a:xfrm>
             <a:off x="25320535" y="562293"/>
             <a:ext cx="4537683" cy="1206930"/>
           </a:xfrm>
@@ -7952,9 +8052,9 @@
           <p:nvPr/>
         </p:nvSpPr>
         <p:spPr>
-          <a:xfrm rot="1387176">
-            <a:off x="7985129" y="22255047"/>
-            <a:ext cx="4011373" cy="125908"/>
+          <a:xfrm rot="1293694">
+            <a:off x="8037877" y="22411844"/>
+            <a:ext cx="4011373" cy="287653"/>
           </a:xfrm>
           <a:prstGeom prst="rightArrow">
             <a:avLst/>
@@ -7989,63 +8089,3203 @@
           </a:p>
         </p:txBody>
       </p:sp>
-      <p:graphicFrame>
-        <p:nvGraphicFramePr>
-          <p:cNvPr id="10" name="Objekt 9"/>
-          <p:cNvGraphicFramePr>
-            <a:graphicFrameLocks noChangeAspect="1"/>
-          </p:cNvGraphicFramePr>
-          <p:nvPr>
-            <p:extLst>
-              <p:ext uri="{D42A27DB-BD31-4B8C-83A1-F6EECF244321}">
-                <p14:modId xmlns:p14="http://schemas.microsoft.com/office/powerpoint/2010/main" val="4158038701"/>
-              </p:ext>
-            </p:extLst>
-          </p:nvPr>
-        </p:nvGraphicFramePr>
-        <p:xfrm>
-          <a:off x="1156053" y="30193554"/>
-          <a:ext cx="7910090" cy="5088162"/>
-        </p:xfrm>
-        <a:graphic>
-          <a:graphicData uri="http://schemas.openxmlformats.org/presentationml/2006/ole">
-            <mc:AlternateContent xmlns:mc="http://schemas.openxmlformats.org/markup-compatibility/2006">
-              <mc:Choice xmlns:v="urn:schemas-microsoft-com:vml" Requires="v">
-                <p:oleObj spid="_x0000_s3146" r:id="rId29" imgW="9536400" imgH="6133320" progId="">
-                  <p:embed/>
-                </p:oleObj>
-              </mc:Choice>
-              <mc:Fallback>
-                <p:oleObj r:id="rId29" imgW="9536400" imgH="6133320" progId="">
-                  <p:embed/>
-                  <p:pic>
-                    <p:nvPicPr>
-                      <p:cNvPr id="0" name=""/>
-                      <p:cNvPicPr/>
-                      <p:nvPr/>
-                    </p:nvPicPr>
-                    <p:blipFill>
-                      <a:blip r:embed="rId30"/>
-                      <a:stretch>
-                        <a:fillRect/>
-                      </a:stretch>
-                    </p:blipFill>
-                    <p:spPr>
-                      <a:xfrm>
-                        <a:off x="1156053" y="30193554"/>
-                        <a:ext cx="7910090" cy="5088162"/>
-                      </a:xfrm>
-                      <a:prstGeom prst="rect">
-                        <a:avLst/>
-                      </a:prstGeom>
-                    </p:spPr>
-                  </p:pic>
-                </p:oleObj>
-              </mc:Fallback>
-            </mc:AlternateContent>
-          </a:graphicData>
-        </a:graphic>
-      </p:graphicFrame>
+      <p:pic>
+        <p:nvPicPr>
+          <p:cNvPr id="59" name="Grafik 58"/>
+          <p:cNvPicPr>
+            <a:picLocks noChangeAspect="1"/>
+          </p:cNvPicPr>
+          <p:nvPr/>
+        </p:nvPicPr>
+        <p:blipFill>
+          <a:blip r:embed="rId26" cstate="email">
+            <a:extLst>
+              <a:ext uri="{28A0092B-C50C-407E-A947-70E740481C1C}">
+                <a14:useLocalDpi xmlns:a14="http://schemas.microsoft.com/office/drawing/2010/main" val="0"/>
+              </a:ext>
+            </a:extLst>
+          </a:blip>
+          <a:stretch>
+            <a:fillRect/>
+          </a:stretch>
+        </p:blipFill>
+        <p:spPr>
+          <a:xfrm>
+            <a:off x="23610776" y="16616370"/>
+            <a:ext cx="392106" cy="313997"/>
+          </a:xfrm>
+          <a:prstGeom prst="rect">
+            <a:avLst/>
+          </a:prstGeom>
+        </p:spPr>
+      </p:pic>
+      <p:sp>
+        <p:nvSpPr>
+          <p:cNvPr id="60" name="Rounded Rectangle 29"/>
+          <p:cNvSpPr/>
+          <p:nvPr/>
+        </p:nvSpPr>
+        <p:spPr>
+          <a:xfrm>
+            <a:off x="26406445" y="14759577"/>
+            <a:ext cx="1926661" cy="1387721"/>
+          </a:xfrm>
+          <a:prstGeom prst="roundRect">
+            <a:avLst/>
+          </a:prstGeom>
+          <a:solidFill>
+            <a:schemeClr val="bg2"/>
+          </a:solidFill>
+        </p:spPr>
+        <p:style>
+          <a:lnRef idx="1">
+            <a:schemeClr val="dk1"/>
+          </a:lnRef>
+          <a:fillRef idx="2">
+            <a:schemeClr val="dk1"/>
+          </a:fillRef>
+          <a:effectRef idx="1">
+            <a:schemeClr val="dk1"/>
+          </a:effectRef>
+          <a:fontRef idx="minor">
+            <a:schemeClr val="dk1"/>
+          </a:fontRef>
+        </p:style>
+        <p:txBody>
+          <a:bodyPr rtlCol="0" anchor="ctr"/>
+          <a:lstStyle/>
+          <a:p>
+            <a:pPr algn="ctr"/>
+            <a:endParaRPr lang="nl-NL" sz="1350" dirty="0"/>
+          </a:p>
+        </p:txBody>
+      </p:sp>
+      <p:sp>
+        <p:nvSpPr>
+          <p:cNvPr id="61" name="Rounded Rectangle 29"/>
+          <p:cNvSpPr/>
+          <p:nvPr/>
+        </p:nvSpPr>
+        <p:spPr>
+          <a:xfrm>
+            <a:off x="23928540" y="16888487"/>
+            <a:ext cx="1924591" cy="1637876"/>
+          </a:xfrm>
+          <a:prstGeom prst="roundRect">
+            <a:avLst/>
+          </a:prstGeom>
+          <a:solidFill>
+            <a:schemeClr val="bg2"/>
+          </a:solidFill>
+        </p:spPr>
+        <p:style>
+          <a:lnRef idx="1">
+            <a:schemeClr val="dk1"/>
+          </a:lnRef>
+          <a:fillRef idx="2">
+            <a:schemeClr val="dk1"/>
+          </a:fillRef>
+          <a:effectRef idx="1">
+            <a:schemeClr val="dk1"/>
+          </a:effectRef>
+          <a:fontRef idx="minor">
+            <a:schemeClr val="dk1"/>
+          </a:fontRef>
+        </p:style>
+        <p:txBody>
+          <a:bodyPr rtlCol="0" anchor="ctr"/>
+          <a:lstStyle/>
+          <a:p>
+            <a:pPr algn="ctr"/>
+            <a:endParaRPr lang="nl-NL" sz="1350" dirty="0"/>
+          </a:p>
+        </p:txBody>
+      </p:sp>
+      <p:sp>
+        <p:nvSpPr>
+          <p:cNvPr id="62" name="Rounded Rectangle 29"/>
+          <p:cNvSpPr/>
+          <p:nvPr/>
+        </p:nvSpPr>
+        <p:spPr>
+          <a:xfrm>
+            <a:off x="21409592" y="16963664"/>
+            <a:ext cx="1754128" cy="1562699"/>
+          </a:xfrm>
+          <a:prstGeom prst="roundRect">
+            <a:avLst/>
+          </a:prstGeom>
+          <a:solidFill>
+            <a:schemeClr val="bg2"/>
+          </a:solidFill>
+        </p:spPr>
+        <p:style>
+          <a:lnRef idx="1">
+            <a:schemeClr val="dk1"/>
+          </a:lnRef>
+          <a:fillRef idx="2">
+            <a:schemeClr val="dk1"/>
+          </a:fillRef>
+          <a:effectRef idx="1">
+            <a:schemeClr val="dk1"/>
+          </a:effectRef>
+          <a:fontRef idx="minor">
+            <a:schemeClr val="dk1"/>
+          </a:fontRef>
+        </p:style>
+        <p:txBody>
+          <a:bodyPr rtlCol="0" anchor="ctr"/>
+          <a:lstStyle/>
+          <a:p>
+            <a:pPr algn="ctr"/>
+            <a:endParaRPr lang="nl-NL" sz="1100" dirty="0"/>
+          </a:p>
+        </p:txBody>
+      </p:sp>
+      <p:sp>
+        <p:nvSpPr>
+          <p:cNvPr id="63" name="Rounded Rectangle 29"/>
+          <p:cNvSpPr/>
+          <p:nvPr/>
+        </p:nvSpPr>
+        <p:spPr>
+          <a:xfrm>
+            <a:off x="26366744" y="17000635"/>
+            <a:ext cx="1731925" cy="1335115"/>
+          </a:xfrm>
+          <a:prstGeom prst="roundRect">
+            <a:avLst/>
+          </a:prstGeom>
+          <a:solidFill>
+            <a:schemeClr val="bg2"/>
+          </a:solidFill>
+        </p:spPr>
+        <p:style>
+          <a:lnRef idx="1">
+            <a:schemeClr val="dk1"/>
+          </a:lnRef>
+          <a:fillRef idx="2">
+            <a:schemeClr val="dk1"/>
+          </a:fillRef>
+          <a:effectRef idx="1">
+            <a:schemeClr val="dk1"/>
+          </a:effectRef>
+          <a:fontRef idx="minor">
+            <a:schemeClr val="dk1"/>
+          </a:fontRef>
+        </p:style>
+        <p:txBody>
+          <a:bodyPr rtlCol="0" anchor="ctr"/>
+          <a:lstStyle/>
+          <a:p>
+            <a:pPr algn="ctr"/>
+            <a:endParaRPr lang="nl-NL" sz="1350" dirty="0"/>
+          </a:p>
+        </p:txBody>
+      </p:sp>
+      <p:sp>
+        <p:nvSpPr>
+          <p:cNvPr id="64" name="Rounded Rectangle 29"/>
+          <p:cNvSpPr/>
+          <p:nvPr/>
+        </p:nvSpPr>
+        <p:spPr>
+          <a:xfrm>
+            <a:off x="23882255" y="14572370"/>
+            <a:ext cx="964826" cy="1067918"/>
+          </a:xfrm>
+          <a:prstGeom prst="roundRect">
+            <a:avLst/>
+          </a:prstGeom>
+          <a:solidFill>
+            <a:schemeClr val="bg2"/>
+          </a:solidFill>
+        </p:spPr>
+        <p:style>
+          <a:lnRef idx="1">
+            <a:schemeClr val="dk1"/>
+          </a:lnRef>
+          <a:fillRef idx="2">
+            <a:schemeClr val="dk1"/>
+          </a:fillRef>
+          <a:effectRef idx="1">
+            <a:schemeClr val="dk1"/>
+          </a:effectRef>
+          <a:fontRef idx="minor">
+            <a:schemeClr val="dk1"/>
+          </a:fontRef>
+        </p:style>
+        <p:txBody>
+          <a:bodyPr rtlCol="0" anchor="ctr"/>
+          <a:lstStyle/>
+          <a:p>
+            <a:pPr algn="ctr"/>
+            <a:endParaRPr lang="nl-NL" sz="1350" dirty="0"/>
+          </a:p>
+        </p:txBody>
+      </p:sp>
+      <p:pic>
+        <p:nvPicPr>
+          <p:cNvPr id="65" name="Picture 2" descr="MetaboLights"/>
+          <p:cNvPicPr>
+            <a:picLocks noChangeAspect="1" noChangeArrowheads="1"/>
+          </p:cNvPicPr>
+          <p:nvPr/>
+        </p:nvPicPr>
+        <p:blipFill>
+          <a:blip r:embed="rId17" cstate="email">
+            <a:extLst>
+              <a:ext uri="{28A0092B-C50C-407E-A947-70E740481C1C}">
+                <a14:useLocalDpi xmlns:a14="http://schemas.microsoft.com/office/drawing/2010/main" val="0"/>
+              </a:ext>
+            </a:extLst>
+          </a:blip>
+          <a:srcRect/>
+          <a:stretch>
+            <a:fillRect/>
+          </a:stretch>
+        </p:blipFill>
+        <p:spPr bwMode="auto">
+          <a:xfrm>
+            <a:off x="27009327" y="14892660"/>
+            <a:ext cx="501167" cy="294037"/>
+          </a:xfrm>
+          <a:prstGeom prst="rect">
+            <a:avLst/>
+          </a:prstGeom>
+          <a:noFill/>
+          <a:extLst>
+            <a:ext uri="{909E8E84-426E-40DD-AFC4-6F175D3DCCD1}">
+              <a14:hiddenFill xmlns:a14="http://schemas.microsoft.com/office/drawing/2010/main">
+                <a:solidFill>
+                  <a:srgbClr val="FFFFFF"/>
+                </a:solidFill>
+              </a14:hiddenFill>
+            </a:ext>
+          </a:extLst>
+        </p:spPr>
+      </p:pic>
+      <p:sp>
+        <p:nvSpPr>
+          <p:cNvPr id="66" name="TextBox 28"/>
+          <p:cNvSpPr txBox="1"/>
+          <p:nvPr/>
+        </p:nvSpPr>
+        <p:spPr>
+          <a:xfrm>
+            <a:off x="27035799" y="15103839"/>
+            <a:ext cx="871206" cy="207749"/>
+          </a:xfrm>
+          <a:prstGeom prst="rect">
+            <a:avLst/>
+          </a:prstGeom>
+          <a:noFill/>
+        </p:spPr>
+        <p:txBody>
+          <a:bodyPr wrap="square" rtlCol="0">
+            <a:spAutoFit/>
+          </a:bodyPr>
+          <a:lstStyle/>
+          <a:p>
+            <a:r>
+              <a:rPr lang="en-GB" sz="750" dirty="0"/>
+              <a:t>MetaboLights</a:t>
+            </a:r>
+          </a:p>
+        </p:txBody>
+      </p:sp>
+      <p:sp>
+        <p:nvSpPr>
+          <p:cNvPr id="67" name="Textfeld 66"/>
+          <p:cNvSpPr txBox="1"/>
+          <p:nvPr/>
+        </p:nvSpPr>
+        <p:spPr>
+          <a:xfrm>
+            <a:off x="22272452" y="17563921"/>
+            <a:ext cx="481847" cy="161583"/>
+          </a:xfrm>
+          <a:prstGeom prst="rect">
+            <a:avLst/>
+          </a:prstGeom>
+          <a:noFill/>
+        </p:spPr>
+        <p:txBody>
+          <a:bodyPr wrap="square" rtlCol="0">
+            <a:spAutoFit/>
+          </a:bodyPr>
+          <a:lstStyle/>
+          <a:p>
+            <a:r>
+              <a:rPr lang="de-DE" sz="450" dirty="0" err="1">
+                <a:latin typeface="Arial" panose="020B0604020202020204" pitchFamily="34" charset="0"/>
+                <a:cs typeface="Arial" panose="020B0604020202020204" pitchFamily="34" charset="0"/>
+              </a:rPr>
+              <a:t>JCampDX</a:t>
+            </a:r>
+            <a:endParaRPr lang="en-US" sz="450" dirty="0">
+              <a:latin typeface="Arial" panose="020B0604020202020204" pitchFamily="34" charset="0"/>
+              <a:cs typeface="Arial" panose="020B0604020202020204" pitchFamily="34" charset="0"/>
+            </a:endParaRPr>
+          </a:p>
+        </p:txBody>
+      </p:sp>
+      <p:sp>
+        <p:nvSpPr>
+          <p:cNvPr id="68" name="Textfeld 67"/>
+          <p:cNvSpPr txBox="1"/>
+          <p:nvPr/>
+        </p:nvSpPr>
+        <p:spPr>
+          <a:xfrm>
+            <a:off x="23866496" y="14284173"/>
+            <a:ext cx="1267614" cy="276999"/>
+          </a:xfrm>
+          <a:prstGeom prst="rect">
+            <a:avLst/>
+          </a:prstGeom>
+          <a:noFill/>
+        </p:spPr>
+        <p:txBody>
+          <a:bodyPr wrap="square" rtlCol="0">
+            <a:spAutoFit/>
+          </a:bodyPr>
+          <a:lstStyle/>
+          <a:p>
+            <a:r>
+              <a:rPr lang="de-DE" sz="1200" b="1" dirty="0"/>
+              <a:t>Open </a:t>
+            </a:r>
+            <a:r>
+              <a:rPr lang="de-DE" sz="1200" b="1" dirty="0" smtClean="0"/>
+              <a:t>Format</a:t>
+            </a:r>
+            <a:endParaRPr lang="en-US" sz="1200" b="1" dirty="0"/>
+          </a:p>
+        </p:txBody>
+      </p:sp>
+      <p:sp>
+        <p:nvSpPr>
+          <p:cNvPr id="69" name="Textfeld 68"/>
+          <p:cNvSpPr txBox="1"/>
+          <p:nvPr/>
+        </p:nvSpPr>
+        <p:spPr>
+          <a:xfrm>
+            <a:off x="26710416" y="14478136"/>
+            <a:ext cx="1389258" cy="276999"/>
+          </a:xfrm>
+          <a:prstGeom prst="rect">
+            <a:avLst/>
+          </a:prstGeom>
+          <a:noFill/>
+        </p:spPr>
+        <p:txBody>
+          <a:bodyPr wrap="square" rtlCol="0">
+            <a:spAutoFit/>
+          </a:bodyPr>
+          <a:lstStyle/>
+          <a:p>
+            <a:r>
+              <a:rPr lang="de-DE" sz="1200" dirty="0" smtClean="0"/>
+              <a:t>Data </a:t>
+            </a:r>
+            <a:r>
+              <a:rPr lang="de-DE" sz="1200" dirty="0" err="1"/>
+              <a:t>Repositories</a:t>
+            </a:r>
+            <a:endParaRPr lang="en-US" sz="1200" dirty="0"/>
+          </a:p>
+        </p:txBody>
+      </p:sp>
+      <p:sp>
+        <p:nvSpPr>
+          <p:cNvPr id="70" name="Textfeld 69"/>
+          <p:cNvSpPr txBox="1"/>
+          <p:nvPr/>
+        </p:nvSpPr>
+        <p:spPr>
+          <a:xfrm>
+            <a:off x="26445821" y="17028020"/>
+            <a:ext cx="1419950" cy="246221"/>
+          </a:xfrm>
+          <a:prstGeom prst="rect">
+            <a:avLst/>
+          </a:prstGeom>
+          <a:noFill/>
+        </p:spPr>
+        <p:txBody>
+          <a:bodyPr wrap="square" rtlCol="0">
+            <a:spAutoFit/>
+          </a:bodyPr>
+          <a:lstStyle/>
+          <a:p>
+            <a:r>
+              <a:rPr lang="de-DE" sz="1000" dirty="0"/>
+              <a:t>Open NMR Tools</a:t>
+            </a:r>
+            <a:endParaRPr lang="en-US" sz="1000" dirty="0"/>
+          </a:p>
+        </p:txBody>
+      </p:sp>
+      <p:sp>
+        <p:nvSpPr>
+          <p:cNvPr id="71" name="Textfeld 70"/>
+          <p:cNvSpPr txBox="1"/>
+          <p:nvPr/>
+        </p:nvSpPr>
+        <p:spPr>
+          <a:xfrm>
+            <a:off x="21504446" y="16677780"/>
+            <a:ext cx="1750123" cy="276999"/>
+          </a:xfrm>
+          <a:prstGeom prst="rect">
+            <a:avLst/>
+          </a:prstGeom>
+          <a:noFill/>
+        </p:spPr>
+        <p:txBody>
+          <a:bodyPr wrap="square" rtlCol="0">
+            <a:spAutoFit/>
+          </a:bodyPr>
+          <a:lstStyle/>
+          <a:p>
+            <a:r>
+              <a:rPr lang="de-DE" sz="1200" dirty="0"/>
+              <a:t>Format </a:t>
+            </a:r>
+            <a:r>
+              <a:rPr lang="de-DE" sz="1200" dirty="0" err="1" smtClean="0"/>
+              <a:t>Conversion</a:t>
+            </a:r>
+            <a:endParaRPr lang="en-US" sz="1200" dirty="0"/>
+          </a:p>
+        </p:txBody>
+      </p:sp>
+      <p:sp>
+        <p:nvSpPr>
+          <p:cNvPr id="72" name="Pfeil nach rechts 71"/>
+          <p:cNvSpPr/>
+          <p:nvPr/>
+        </p:nvSpPr>
+        <p:spPr>
+          <a:xfrm>
+            <a:off x="25151052" y="14633264"/>
+            <a:ext cx="1093680" cy="218111"/>
+          </a:xfrm>
+          <a:prstGeom prst="rightArrow">
+            <a:avLst/>
+          </a:prstGeom>
+        </p:spPr>
+        <p:style>
+          <a:lnRef idx="2">
+            <a:schemeClr val="accent1">
+              <a:shade val="50000"/>
+            </a:schemeClr>
+          </a:lnRef>
+          <a:fillRef idx="1">
+            <a:schemeClr val="accent1"/>
+          </a:fillRef>
+          <a:effectRef idx="0">
+            <a:schemeClr val="accent1"/>
+          </a:effectRef>
+          <a:fontRef idx="minor">
+            <a:schemeClr val="lt1"/>
+          </a:fontRef>
+        </p:style>
+        <p:txBody>
+          <a:bodyPr rtlCol="0" anchor="ctr"/>
+          <a:lstStyle/>
+          <a:p>
+            <a:pPr algn="ctr"/>
+            <a:endParaRPr lang="en-US" sz="1350"/>
+          </a:p>
+        </p:txBody>
+      </p:sp>
+      <p:sp>
+        <p:nvSpPr>
+          <p:cNvPr id="73" name="Pfeil nach rechts 72"/>
+          <p:cNvSpPr/>
+          <p:nvPr/>
+        </p:nvSpPr>
+        <p:spPr>
+          <a:xfrm rot="1950112">
+            <a:off x="24919872" y="16120205"/>
+            <a:ext cx="1470245" cy="239825"/>
+          </a:xfrm>
+          <a:prstGeom prst="rightArrow">
+            <a:avLst>
+              <a:gd name="adj1" fmla="val 43310"/>
+              <a:gd name="adj2" fmla="val 53345"/>
+            </a:avLst>
+          </a:prstGeom>
+        </p:spPr>
+        <p:style>
+          <a:lnRef idx="2">
+            <a:schemeClr val="accent1">
+              <a:shade val="50000"/>
+            </a:schemeClr>
+          </a:lnRef>
+          <a:fillRef idx="1">
+            <a:schemeClr val="accent1"/>
+          </a:fillRef>
+          <a:effectRef idx="0">
+            <a:schemeClr val="accent1"/>
+          </a:effectRef>
+          <a:fontRef idx="minor">
+            <a:schemeClr val="lt1"/>
+          </a:fontRef>
+        </p:style>
+        <p:txBody>
+          <a:bodyPr rtlCol="0" anchor="ctr"/>
+          <a:lstStyle/>
+          <a:p>
+            <a:pPr algn="ctr"/>
+            <a:endParaRPr lang="en-US" sz="1350"/>
+          </a:p>
+        </p:txBody>
+      </p:sp>
+      <p:sp>
+        <p:nvSpPr>
+          <p:cNvPr id="74" name="Pfeil nach unten 73"/>
+          <p:cNvSpPr/>
+          <p:nvPr/>
+        </p:nvSpPr>
+        <p:spPr>
+          <a:xfrm>
+            <a:off x="24310946" y="15944010"/>
+            <a:ext cx="231657" cy="675996"/>
+          </a:xfrm>
+          <a:prstGeom prst="downArrow">
+            <a:avLst/>
+          </a:prstGeom>
+        </p:spPr>
+        <p:style>
+          <a:lnRef idx="2">
+            <a:schemeClr val="accent1">
+              <a:shade val="50000"/>
+            </a:schemeClr>
+          </a:lnRef>
+          <a:fillRef idx="1">
+            <a:schemeClr val="accent1"/>
+          </a:fillRef>
+          <a:effectRef idx="0">
+            <a:schemeClr val="accent1"/>
+          </a:effectRef>
+          <a:fontRef idx="minor">
+            <a:schemeClr val="lt1"/>
+          </a:fontRef>
+        </p:style>
+        <p:txBody>
+          <a:bodyPr rtlCol="0" anchor="ctr"/>
+          <a:lstStyle/>
+          <a:p>
+            <a:pPr algn="ctr"/>
+            <a:endParaRPr lang="en-US" sz="1350"/>
+          </a:p>
+        </p:txBody>
+      </p:sp>
+      <p:sp>
+        <p:nvSpPr>
+          <p:cNvPr id="75" name="Textfeld 74"/>
+          <p:cNvSpPr txBox="1"/>
+          <p:nvPr/>
+        </p:nvSpPr>
+        <p:spPr>
+          <a:xfrm>
+            <a:off x="26485739" y="17608801"/>
+            <a:ext cx="984565" cy="623248"/>
+          </a:xfrm>
+          <a:prstGeom prst="rect">
+            <a:avLst/>
+          </a:prstGeom>
+          <a:noFill/>
+        </p:spPr>
+        <p:txBody>
+          <a:bodyPr wrap="none" rtlCol="0">
+            <a:spAutoFit/>
+          </a:bodyPr>
+          <a:lstStyle/>
+          <a:p>
+            <a:r>
+              <a:rPr lang="en-US" sz="1050" dirty="0" err="1" smtClean="0"/>
+              <a:t>MetaboQuant</a:t>
+            </a:r>
+            <a:endParaRPr lang="en-US" sz="1050" dirty="0" smtClean="0"/>
+          </a:p>
+          <a:p>
+            <a:endParaRPr lang="en-US" sz="1050" dirty="0" smtClean="0"/>
+          </a:p>
+          <a:p>
+            <a:r>
+              <a:rPr lang="en-US" sz="1050" dirty="0" smtClean="0"/>
+              <a:t>R statistics</a:t>
+            </a:r>
+            <a:r>
+              <a:rPr lang="en-US" sz="1350" dirty="0" smtClean="0"/>
+              <a:t> </a:t>
+            </a:r>
+            <a:endParaRPr lang="en-US" sz="1350" dirty="0"/>
+          </a:p>
+        </p:txBody>
+      </p:sp>
+      <p:pic>
+        <p:nvPicPr>
+          <p:cNvPr id="76" name="Grafik 75"/>
+          <p:cNvPicPr>
+            <a:picLocks noChangeAspect="1"/>
+          </p:cNvPicPr>
+          <p:nvPr/>
+        </p:nvPicPr>
+        <p:blipFill>
+          <a:blip r:embed="rId5" cstate="email">
+            <a:extLst>
+              <a:ext uri="{28A0092B-C50C-407E-A947-70E740481C1C}">
+                <a14:useLocalDpi xmlns:a14="http://schemas.microsoft.com/office/drawing/2010/main" val="0"/>
+              </a:ext>
+            </a:extLst>
+          </a:blip>
+          <a:stretch>
+            <a:fillRect/>
+          </a:stretch>
+        </p:blipFill>
+        <p:spPr>
+          <a:xfrm>
+            <a:off x="24011777" y="14650825"/>
+            <a:ext cx="689149" cy="842118"/>
+          </a:xfrm>
+          <a:prstGeom prst="rect">
+            <a:avLst/>
+          </a:prstGeom>
+        </p:spPr>
+      </p:pic>
+      <p:sp>
+        <p:nvSpPr>
+          <p:cNvPr id="77" name="Textfeld 76"/>
+          <p:cNvSpPr txBox="1"/>
+          <p:nvPr/>
+        </p:nvSpPr>
+        <p:spPr>
+          <a:xfrm>
+            <a:off x="21570804" y="17148335"/>
+            <a:ext cx="870463" cy="1107996"/>
+          </a:xfrm>
+          <a:prstGeom prst="rect">
+            <a:avLst/>
+          </a:prstGeom>
+          <a:noFill/>
+        </p:spPr>
+        <p:txBody>
+          <a:bodyPr wrap="square" rtlCol="0">
+            <a:spAutoFit/>
+          </a:bodyPr>
+          <a:lstStyle/>
+          <a:p>
+            <a:r>
+              <a:rPr lang="de-DE" sz="1100" dirty="0" smtClean="0"/>
+              <a:t>Parsers</a:t>
+            </a:r>
+          </a:p>
+          <a:p>
+            <a:r>
+              <a:rPr lang="de-DE" sz="1100" dirty="0" err="1" smtClean="0"/>
+              <a:t>for</a:t>
+            </a:r>
+            <a:r>
+              <a:rPr lang="de-DE" sz="1100" dirty="0" smtClean="0"/>
+              <a:t> </a:t>
+            </a:r>
+            <a:r>
+              <a:rPr lang="de-DE" sz="1100" dirty="0" err="1"/>
+              <a:t>vendor</a:t>
+            </a:r>
+            <a:r>
+              <a:rPr lang="de-DE" sz="1100" dirty="0"/>
+              <a:t> </a:t>
+            </a:r>
+            <a:r>
+              <a:rPr lang="de-DE" sz="1100" dirty="0" err="1" smtClean="0"/>
+              <a:t>formats</a:t>
+            </a:r>
+            <a:endParaRPr lang="en-US" sz="1100" dirty="0"/>
+          </a:p>
+          <a:p>
+            <a:r>
+              <a:rPr lang="de-DE" sz="1100" dirty="0" smtClean="0"/>
+              <a:t>&amp; </a:t>
+            </a:r>
+            <a:r>
+              <a:rPr lang="de-DE" sz="1100" dirty="0" err="1" smtClean="0"/>
+              <a:t>other</a:t>
+            </a:r>
+            <a:r>
+              <a:rPr lang="de-DE" sz="1100" dirty="0" smtClean="0"/>
+              <a:t> </a:t>
+            </a:r>
+            <a:r>
+              <a:rPr lang="de-DE" sz="1100" dirty="0" err="1" smtClean="0"/>
+              <a:t>standards</a:t>
+            </a:r>
+            <a:r>
+              <a:rPr lang="de-DE" sz="1100" dirty="0" smtClean="0"/>
+              <a:t>, e.g. R </a:t>
+            </a:r>
+            <a:endParaRPr lang="en-US" sz="1100" dirty="0"/>
+          </a:p>
+        </p:txBody>
+      </p:sp>
+      <p:sp>
+        <p:nvSpPr>
+          <p:cNvPr id="78" name="Textfeld 77"/>
+          <p:cNvSpPr txBox="1"/>
+          <p:nvPr/>
+        </p:nvSpPr>
+        <p:spPr>
+          <a:xfrm>
+            <a:off x="23973862" y="16629692"/>
+            <a:ext cx="1690674" cy="276999"/>
+          </a:xfrm>
+          <a:prstGeom prst="rect">
+            <a:avLst/>
+          </a:prstGeom>
+          <a:noFill/>
+        </p:spPr>
+        <p:txBody>
+          <a:bodyPr wrap="square" rtlCol="0">
+            <a:spAutoFit/>
+          </a:bodyPr>
+          <a:lstStyle/>
+          <a:p>
+            <a:r>
+              <a:rPr lang="de-DE" sz="1200" dirty="0" err="1" smtClean="0"/>
+              <a:t>Semantic</a:t>
+            </a:r>
+            <a:r>
+              <a:rPr lang="de-DE" sz="1200" dirty="0" smtClean="0"/>
+              <a:t> </a:t>
+            </a:r>
+            <a:r>
+              <a:rPr lang="de-DE" sz="1200" dirty="0" err="1" smtClean="0"/>
+              <a:t>Validators</a:t>
+            </a:r>
+            <a:endParaRPr lang="en-US" sz="1200" dirty="0"/>
+          </a:p>
+        </p:txBody>
+      </p:sp>
+      <p:sp>
+        <p:nvSpPr>
+          <p:cNvPr id="79" name="Textfeld 78"/>
+          <p:cNvSpPr txBox="1"/>
+          <p:nvPr/>
+        </p:nvSpPr>
+        <p:spPr>
+          <a:xfrm>
+            <a:off x="26498927" y="14943530"/>
+            <a:ext cx="562975" cy="261610"/>
+          </a:xfrm>
+          <a:prstGeom prst="rect">
+            <a:avLst/>
+          </a:prstGeom>
+          <a:noFill/>
+        </p:spPr>
+        <p:txBody>
+          <a:bodyPr wrap="none" rtlCol="0">
+            <a:spAutoFit/>
+          </a:bodyPr>
+          <a:lstStyle/>
+          <a:p>
+            <a:r>
+              <a:rPr lang="de-DE" sz="1100" dirty="0" smtClean="0"/>
+              <a:t>Global</a:t>
+            </a:r>
+            <a:endParaRPr lang="en-US" sz="1100" dirty="0"/>
+          </a:p>
+        </p:txBody>
+      </p:sp>
+      <p:sp>
+        <p:nvSpPr>
+          <p:cNvPr id="80" name="Textfeld 79"/>
+          <p:cNvSpPr txBox="1"/>
+          <p:nvPr/>
+        </p:nvSpPr>
+        <p:spPr>
+          <a:xfrm>
+            <a:off x="26519418" y="15645637"/>
+            <a:ext cx="497252" cy="261610"/>
+          </a:xfrm>
+          <a:prstGeom prst="rect">
+            <a:avLst/>
+          </a:prstGeom>
+          <a:noFill/>
+        </p:spPr>
+        <p:txBody>
+          <a:bodyPr wrap="none" rtlCol="0">
+            <a:spAutoFit/>
+          </a:bodyPr>
+          <a:lstStyle/>
+          <a:p>
+            <a:r>
+              <a:rPr lang="de-DE" sz="1100" dirty="0" err="1" smtClean="0"/>
+              <a:t>Local</a:t>
+            </a:r>
+            <a:endParaRPr lang="en-US" sz="1100" dirty="0"/>
+          </a:p>
+        </p:txBody>
+      </p:sp>
+      <p:pic>
+        <p:nvPicPr>
+          <p:cNvPr id="81" name="Grafik 80"/>
+          <p:cNvPicPr>
+            <a:picLocks noChangeAspect="1"/>
+          </p:cNvPicPr>
+          <p:nvPr/>
+        </p:nvPicPr>
+        <p:blipFill>
+          <a:blip r:embed="rId27" cstate="email">
+            <a:extLst>
+              <a:ext uri="{28A0092B-C50C-407E-A947-70E740481C1C}">
+                <a14:useLocalDpi xmlns:a14="http://schemas.microsoft.com/office/drawing/2010/main" val="0"/>
+              </a:ext>
+            </a:extLst>
+          </a:blip>
+          <a:stretch>
+            <a:fillRect/>
+          </a:stretch>
+        </p:blipFill>
+        <p:spPr>
+          <a:xfrm>
+            <a:off x="27035799" y="15663959"/>
+            <a:ext cx="303901" cy="395942"/>
+          </a:xfrm>
+          <a:prstGeom prst="rect">
+            <a:avLst/>
+          </a:prstGeom>
+        </p:spPr>
+      </p:pic>
+      <p:sp>
+        <p:nvSpPr>
+          <p:cNvPr id="82" name="Textfeld 81"/>
+          <p:cNvSpPr txBox="1"/>
+          <p:nvPr/>
+        </p:nvSpPr>
+        <p:spPr>
+          <a:xfrm>
+            <a:off x="26557425" y="16734192"/>
+            <a:ext cx="1774676" cy="276999"/>
+          </a:xfrm>
+          <a:prstGeom prst="rect">
+            <a:avLst/>
+          </a:prstGeom>
+          <a:noFill/>
+        </p:spPr>
+        <p:txBody>
+          <a:bodyPr wrap="square" rtlCol="0">
+            <a:spAutoFit/>
+          </a:bodyPr>
+          <a:lstStyle/>
+          <a:p>
+            <a:r>
+              <a:rPr lang="de-DE" sz="1200" dirty="0" smtClean="0"/>
+              <a:t>Data Processing</a:t>
+            </a:r>
+            <a:endParaRPr lang="en-US" sz="1200" dirty="0"/>
+          </a:p>
+        </p:txBody>
+      </p:sp>
+      <p:sp>
+        <p:nvSpPr>
+          <p:cNvPr id="83" name="Textfeld 82"/>
+          <p:cNvSpPr txBox="1"/>
+          <p:nvPr/>
+        </p:nvSpPr>
+        <p:spPr>
+          <a:xfrm>
+            <a:off x="24566949" y="17068065"/>
+            <a:ext cx="1192955" cy="1431161"/>
+          </a:xfrm>
+          <a:prstGeom prst="rect">
+            <a:avLst/>
+          </a:prstGeom>
+          <a:noFill/>
+        </p:spPr>
+        <p:txBody>
+          <a:bodyPr wrap="square" rtlCol="0">
+            <a:spAutoFit/>
+          </a:bodyPr>
+          <a:lstStyle/>
+          <a:p>
+            <a:r>
+              <a:rPr lang="en-US" sz="1050" dirty="0" smtClean="0"/>
+              <a:t>Error detection</a:t>
+            </a:r>
+          </a:p>
+          <a:p>
+            <a:endParaRPr lang="de-DE" sz="1050" dirty="0" smtClean="0"/>
+          </a:p>
+          <a:p>
+            <a:r>
+              <a:rPr lang="en-US" sz="1050" dirty="0" smtClean="0"/>
+              <a:t>Completeness</a:t>
+            </a:r>
+          </a:p>
+          <a:p>
+            <a:endParaRPr lang="en-US" sz="1050" dirty="0"/>
+          </a:p>
+          <a:p>
+            <a:r>
+              <a:rPr lang="de-DE" sz="1050" dirty="0" smtClean="0"/>
+              <a:t> </a:t>
+            </a:r>
+            <a:r>
+              <a:rPr lang="de-DE" sz="1050" dirty="0" err="1" smtClean="0"/>
+              <a:t>policy</a:t>
+            </a:r>
+            <a:r>
+              <a:rPr lang="de-DE" sz="1050" dirty="0" smtClean="0"/>
+              <a:t> </a:t>
+            </a:r>
+            <a:r>
+              <a:rPr lang="de-DE" sz="1050" dirty="0" err="1" smtClean="0"/>
+              <a:t>compliance</a:t>
+            </a:r>
+            <a:endParaRPr lang="en-US" sz="1050" dirty="0" smtClean="0"/>
+          </a:p>
+          <a:p>
+            <a:endParaRPr lang="en-US" sz="1050" dirty="0"/>
+          </a:p>
+          <a:p>
+            <a:r>
+              <a:rPr lang="en-US" sz="1050" dirty="0" smtClean="0"/>
+              <a:t>Decision </a:t>
+            </a:r>
+            <a:r>
+              <a:rPr lang="en-US" sz="1050" dirty="0" smtClean="0"/>
+              <a:t>support</a:t>
+            </a:r>
+          </a:p>
+          <a:p>
+            <a:r>
+              <a:rPr lang="en-US" sz="1350" dirty="0" smtClean="0"/>
+              <a:t> </a:t>
+            </a:r>
+            <a:endParaRPr lang="en-US" sz="1350" dirty="0"/>
+          </a:p>
+        </p:txBody>
+      </p:sp>
+      <p:sp>
+        <p:nvSpPr>
+          <p:cNvPr id="84" name="Pfeil nach unten 83"/>
+          <p:cNvSpPr/>
+          <p:nvPr/>
+        </p:nvSpPr>
+        <p:spPr>
+          <a:xfrm rot="3273551">
+            <a:off x="23050620" y="15623338"/>
+            <a:ext cx="216640" cy="1241329"/>
+          </a:xfrm>
+          <a:prstGeom prst="downArrow">
+            <a:avLst/>
+          </a:prstGeom>
+        </p:spPr>
+        <p:style>
+          <a:lnRef idx="2">
+            <a:schemeClr val="accent1">
+              <a:shade val="50000"/>
+            </a:schemeClr>
+          </a:lnRef>
+          <a:fillRef idx="1">
+            <a:schemeClr val="accent1"/>
+          </a:fillRef>
+          <a:effectRef idx="0">
+            <a:schemeClr val="accent1"/>
+          </a:effectRef>
+          <a:fontRef idx="minor">
+            <a:schemeClr val="lt1"/>
+          </a:fontRef>
+        </p:style>
+        <p:txBody>
+          <a:bodyPr rtlCol="0" anchor="ctr"/>
+          <a:lstStyle/>
+          <a:p>
+            <a:pPr algn="ctr"/>
+            <a:endParaRPr lang="en-US"/>
+          </a:p>
+        </p:txBody>
+      </p:sp>
+      <p:sp>
+        <p:nvSpPr>
+          <p:cNvPr id="85" name="Textfeld 84"/>
+          <p:cNvSpPr txBox="1"/>
+          <p:nvPr/>
+        </p:nvSpPr>
+        <p:spPr>
+          <a:xfrm>
+            <a:off x="24527777" y="16015791"/>
+            <a:ext cx="806696" cy="461665"/>
+          </a:xfrm>
+          <a:prstGeom prst="rect">
+            <a:avLst/>
+          </a:prstGeom>
+          <a:noFill/>
+        </p:spPr>
+        <p:txBody>
+          <a:bodyPr wrap="none" rtlCol="0">
+            <a:spAutoFit/>
+          </a:bodyPr>
+          <a:lstStyle/>
+          <a:p>
+            <a:r>
+              <a:rPr lang="de-DE" sz="1200" dirty="0" smtClean="0"/>
+              <a:t>Quality</a:t>
+            </a:r>
+          </a:p>
+          <a:p>
+            <a:r>
+              <a:rPr lang="de-DE" sz="1200" dirty="0" err="1" smtClean="0"/>
+              <a:t>assurance</a:t>
+            </a:r>
+            <a:endParaRPr lang="en-US" sz="1200" dirty="0"/>
+          </a:p>
+        </p:txBody>
+      </p:sp>
+      <p:sp>
+        <p:nvSpPr>
+          <p:cNvPr id="86" name="Textfeld 85"/>
+          <p:cNvSpPr txBox="1"/>
+          <p:nvPr/>
+        </p:nvSpPr>
+        <p:spPr>
+          <a:xfrm>
+            <a:off x="25294084" y="15517987"/>
+            <a:ext cx="920445" cy="461665"/>
+          </a:xfrm>
+          <a:prstGeom prst="rect">
+            <a:avLst/>
+          </a:prstGeom>
+          <a:noFill/>
+        </p:spPr>
+        <p:txBody>
+          <a:bodyPr wrap="none" rtlCol="0">
+            <a:spAutoFit/>
+          </a:bodyPr>
+          <a:lstStyle/>
+          <a:p>
+            <a:r>
+              <a:rPr lang="de-DE" sz="1200" dirty="0" smtClean="0"/>
+              <a:t>Intelligent</a:t>
+            </a:r>
+          </a:p>
+          <a:p>
+            <a:r>
+              <a:rPr lang="de-DE" sz="1200" dirty="0" err="1" smtClean="0"/>
+              <a:t>processing</a:t>
+            </a:r>
+            <a:endParaRPr lang="en-US" sz="1200" dirty="0"/>
+          </a:p>
+        </p:txBody>
+      </p:sp>
+      <p:sp>
+        <p:nvSpPr>
+          <p:cNvPr id="87" name="Textfeld 86"/>
+          <p:cNvSpPr txBox="1"/>
+          <p:nvPr/>
+        </p:nvSpPr>
+        <p:spPr>
+          <a:xfrm>
+            <a:off x="25244412" y="14834356"/>
+            <a:ext cx="835485" cy="461665"/>
+          </a:xfrm>
+          <a:prstGeom prst="rect">
+            <a:avLst/>
+          </a:prstGeom>
+          <a:noFill/>
+        </p:spPr>
+        <p:txBody>
+          <a:bodyPr wrap="none" rtlCol="0">
+            <a:spAutoFit/>
+          </a:bodyPr>
+          <a:lstStyle/>
+          <a:p>
+            <a:r>
+              <a:rPr lang="de-DE" sz="1200" dirty="0" smtClean="0"/>
+              <a:t>Persistent</a:t>
+            </a:r>
+          </a:p>
+          <a:p>
+            <a:r>
+              <a:rPr lang="de-DE" sz="1200" dirty="0" err="1" smtClean="0"/>
+              <a:t>storage</a:t>
+            </a:r>
+            <a:endParaRPr lang="en-US" sz="1200" dirty="0"/>
+          </a:p>
+        </p:txBody>
+      </p:sp>
+      <p:sp>
+        <p:nvSpPr>
+          <p:cNvPr id="88" name="Textfeld 87"/>
+          <p:cNvSpPr txBox="1"/>
+          <p:nvPr/>
+        </p:nvSpPr>
+        <p:spPr>
+          <a:xfrm>
+            <a:off x="22002688" y="15808961"/>
+            <a:ext cx="1245919" cy="276999"/>
+          </a:xfrm>
+          <a:prstGeom prst="rect">
+            <a:avLst/>
+          </a:prstGeom>
+          <a:noFill/>
+        </p:spPr>
+        <p:txBody>
+          <a:bodyPr wrap="none" rtlCol="0">
+            <a:spAutoFit/>
+          </a:bodyPr>
+          <a:lstStyle/>
+          <a:p>
+            <a:r>
+              <a:rPr lang="de-DE" sz="1200" dirty="0" err="1" smtClean="0"/>
+              <a:t>Increased</a:t>
+            </a:r>
+            <a:r>
+              <a:rPr lang="de-DE" sz="1200" dirty="0" smtClean="0"/>
+              <a:t> Re-</a:t>
+            </a:r>
+            <a:r>
+              <a:rPr lang="de-DE" sz="1200" dirty="0" err="1" smtClean="0"/>
+              <a:t>use</a:t>
+            </a:r>
+            <a:endParaRPr lang="en-US" sz="1200" dirty="0"/>
+          </a:p>
+        </p:txBody>
+      </p:sp>
+      <p:pic>
+        <p:nvPicPr>
+          <p:cNvPr id="89" name="Grafik 88"/>
+          <p:cNvPicPr>
+            <a:picLocks noChangeAspect="1"/>
+          </p:cNvPicPr>
+          <p:nvPr/>
+        </p:nvPicPr>
+        <p:blipFill>
+          <a:blip r:embed="rId28" cstate="email">
+            <a:extLst>
+              <a:ext uri="{28A0092B-C50C-407E-A947-70E740481C1C}">
+                <a14:useLocalDpi xmlns:a14="http://schemas.microsoft.com/office/drawing/2010/main" val="0"/>
+              </a:ext>
+            </a:extLst>
+          </a:blip>
+          <a:stretch>
+            <a:fillRect/>
+          </a:stretch>
+        </p:blipFill>
+        <p:spPr>
+          <a:xfrm>
+            <a:off x="24135040" y="18011307"/>
+            <a:ext cx="438991" cy="312406"/>
+          </a:xfrm>
+          <a:prstGeom prst="rect">
+            <a:avLst/>
+          </a:prstGeom>
+        </p:spPr>
+      </p:pic>
+      <p:pic>
+        <p:nvPicPr>
+          <p:cNvPr id="90" name="Grafik 89"/>
+          <p:cNvPicPr>
+            <a:picLocks noChangeAspect="1"/>
+          </p:cNvPicPr>
+          <p:nvPr/>
+        </p:nvPicPr>
+        <p:blipFill>
+          <a:blip r:embed="rId29" cstate="email">
+            <a:extLst>
+              <a:ext uri="{28A0092B-C50C-407E-A947-70E740481C1C}">
+                <a14:useLocalDpi xmlns:a14="http://schemas.microsoft.com/office/drawing/2010/main" val="0"/>
+              </a:ext>
+            </a:extLst>
+          </a:blip>
+          <a:stretch>
+            <a:fillRect/>
+          </a:stretch>
+        </p:blipFill>
+        <p:spPr>
+          <a:xfrm>
+            <a:off x="21156105" y="16629692"/>
+            <a:ext cx="381594" cy="381594"/>
+          </a:xfrm>
+          <a:prstGeom prst="rect">
+            <a:avLst/>
+          </a:prstGeom>
+        </p:spPr>
+      </p:pic>
+      <p:pic>
+        <p:nvPicPr>
+          <p:cNvPr id="91" name="Grafik 90"/>
+          <p:cNvPicPr>
+            <a:picLocks noChangeAspect="1"/>
+          </p:cNvPicPr>
+          <p:nvPr/>
+        </p:nvPicPr>
+        <p:blipFill>
+          <a:blip r:embed="rId30" cstate="email">
+            <a:extLst>
+              <a:ext uri="{28A0092B-C50C-407E-A947-70E740481C1C}">
+                <a14:useLocalDpi xmlns:a14="http://schemas.microsoft.com/office/drawing/2010/main" val="0"/>
+              </a:ext>
+            </a:extLst>
+          </a:blip>
+          <a:stretch>
+            <a:fillRect/>
+          </a:stretch>
+        </p:blipFill>
+        <p:spPr>
+          <a:xfrm>
+            <a:off x="27179878" y="17262854"/>
+            <a:ext cx="377783" cy="220652"/>
+          </a:xfrm>
+          <a:prstGeom prst="rect">
+            <a:avLst/>
+          </a:prstGeom>
+        </p:spPr>
+      </p:pic>
+      <p:pic>
+        <p:nvPicPr>
+          <p:cNvPr id="92" name="Grafik 91"/>
+          <p:cNvPicPr>
+            <a:picLocks noChangeAspect="1"/>
+          </p:cNvPicPr>
+          <p:nvPr/>
+        </p:nvPicPr>
+        <p:blipFill>
+          <a:blip r:embed="rId31" cstate="email">
+            <a:extLst>
+              <a:ext uri="{28A0092B-C50C-407E-A947-70E740481C1C}">
+                <a14:useLocalDpi xmlns:a14="http://schemas.microsoft.com/office/drawing/2010/main" val="0"/>
+              </a:ext>
+            </a:extLst>
+          </a:blip>
+          <a:stretch>
+            <a:fillRect/>
+          </a:stretch>
+        </p:blipFill>
+        <p:spPr>
+          <a:xfrm>
+            <a:off x="22441267" y="17067442"/>
+            <a:ext cx="361478" cy="192475"/>
+          </a:xfrm>
+          <a:prstGeom prst="rect">
+            <a:avLst/>
+          </a:prstGeom>
+        </p:spPr>
+      </p:pic>
+      <p:pic>
+        <p:nvPicPr>
+          <p:cNvPr id="95" name="Grafik 94"/>
+          <p:cNvPicPr>
+            <a:picLocks noChangeAspect="1"/>
+          </p:cNvPicPr>
+          <p:nvPr/>
+        </p:nvPicPr>
+        <p:blipFill>
+          <a:blip r:embed="rId32" cstate="email">
+            <a:extLst>
+              <a:ext uri="{28A0092B-C50C-407E-A947-70E740481C1C}">
+                <a14:useLocalDpi xmlns:a14="http://schemas.microsoft.com/office/drawing/2010/main" val="0"/>
+              </a:ext>
+            </a:extLst>
+          </a:blip>
+          <a:stretch>
+            <a:fillRect/>
+          </a:stretch>
+        </p:blipFill>
+        <p:spPr>
+          <a:xfrm>
+            <a:off x="22715375" y="17703527"/>
+            <a:ext cx="228600" cy="228600"/>
+          </a:xfrm>
+          <a:prstGeom prst="rect">
+            <a:avLst/>
+          </a:prstGeom>
+        </p:spPr>
+      </p:pic>
+      <p:pic>
+        <p:nvPicPr>
+          <p:cNvPr id="96" name="Grafik 95"/>
+          <p:cNvPicPr>
+            <a:picLocks noChangeAspect="1"/>
+          </p:cNvPicPr>
+          <p:nvPr/>
+        </p:nvPicPr>
+        <p:blipFill>
+          <a:blip r:embed="rId33" cstate="email">
+            <a:extLst>
+              <a:ext uri="{28A0092B-C50C-407E-A947-70E740481C1C}">
+                <a14:useLocalDpi xmlns:a14="http://schemas.microsoft.com/office/drawing/2010/main" val="0"/>
+              </a:ext>
+            </a:extLst>
+          </a:blip>
+          <a:stretch>
+            <a:fillRect/>
+          </a:stretch>
+        </p:blipFill>
+        <p:spPr>
+          <a:xfrm>
+            <a:off x="26299448" y="14227159"/>
+            <a:ext cx="945247" cy="515589"/>
+          </a:xfrm>
+          <a:prstGeom prst="rect">
+            <a:avLst/>
+          </a:prstGeom>
+        </p:spPr>
+      </p:pic>
+      <p:pic>
+        <p:nvPicPr>
+          <p:cNvPr id="97" name="Grafik 96"/>
+          <p:cNvPicPr>
+            <a:picLocks noChangeAspect="1"/>
+          </p:cNvPicPr>
+          <p:nvPr/>
+        </p:nvPicPr>
+        <p:blipFill>
+          <a:blip r:embed="rId34" cstate="email">
+            <a:extLst>
+              <a:ext uri="{28A0092B-C50C-407E-A947-70E740481C1C}">
+                <a14:useLocalDpi xmlns:a14="http://schemas.microsoft.com/office/drawing/2010/main" val="0"/>
+              </a:ext>
+            </a:extLst>
+          </a:blip>
+          <a:stretch>
+            <a:fillRect/>
+          </a:stretch>
+        </p:blipFill>
+        <p:spPr>
+          <a:xfrm>
+            <a:off x="22349497" y="17702333"/>
+            <a:ext cx="288055" cy="253488"/>
+          </a:xfrm>
+          <a:prstGeom prst="rect">
+            <a:avLst/>
+          </a:prstGeom>
+        </p:spPr>
+      </p:pic>
+      <p:pic>
+        <p:nvPicPr>
+          <p:cNvPr id="98" name="Grafik 97"/>
+          <p:cNvPicPr>
+            <a:picLocks noChangeAspect="1"/>
+          </p:cNvPicPr>
+          <p:nvPr/>
+        </p:nvPicPr>
+        <p:blipFill>
+          <a:blip r:embed="rId35" cstate="email">
+            <a:extLst>
+              <a:ext uri="{28A0092B-C50C-407E-A947-70E740481C1C}">
+                <a14:useLocalDpi xmlns:a14="http://schemas.microsoft.com/office/drawing/2010/main" val="0"/>
+              </a:ext>
+            </a:extLst>
+          </a:blip>
+          <a:stretch>
+            <a:fillRect/>
+          </a:stretch>
+        </p:blipFill>
+        <p:spPr>
+          <a:xfrm>
+            <a:off x="22384627" y="17303482"/>
+            <a:ext cx="472193" cy="213113"/>
+          </a:xfrm>
+          <a:prstGeom prst="rect">
+            <a:avLst/>
+          </a:prstGeom>
+        </p:spPr>
+      </p:pic>
+      <p:pic>
+        <p:nvPicPr>
+          <p:cNvPr id="99" name="Grafik 98"/>
+          <p:cNvPicPr>
+            <a:picLocks noChangeAspect="1"/>
+          </p:cNvPicPr>
+          <p:nvPr/>
+        </p:nvPicPr>
+        <p:blipFill>
+          <a:blip r:embed="rId36" cstate="email">
+            <a:extLst>
+              <a:ext uri="{28A0092B-C50C-407E-A947-70E740481C1C}">
+                <a14:useLocalDpi xmlns:a14="http://schemas.microsoft.com/office/drawing/2010/main" val="0"/>
+              </a:ext>
+            </a:extLst>
+          </a:blip>
+          <a:stretch>
+            <a:fillRect/>
+          </a:stretch>
+        </p:blipFill>
+        <p:spPr>
+          <a:xfrm>
+            <a:off x="24135040" y="17023305"/>
+            <a:ext cx="420734" cy="290986"/>
+          </a:xfrm>
+          <a:prstGeom prst="rect">
+            <a:avLst/>
+          </a:prstGeom>
+        </p:spPr>
+      </p:pic>
+      <p:pic>
+        <p:nvPicPr>
+          <p:cNvPr id="100" name="Grafik 99"/>
+          <p:cNvPicPr>
+            <a:picLocks noChangeAspect="1"/>
+          </p:cNvPicPr>
+          <p:nvPr/>
+        </p:nvPicPr>
+        <p:blipFill>
+          <a:blip r:embed="rId37" cstate="email">
+            <a:extLst>
+              <a:ext uri="{28A0092B-C50C-407E-A947-70E740481C1C}">
+                <a14:useLocalDpi xmlns:a14="http://schemas.microsoft.com/office/drawing/2010/main" val="0"/>
+              </a:ext>
+            </a:extLst>
+          </a:blip>
+          <a:stretch>
+            <a:fillRect/>
+          </a:stretch>
+        </p:blipFill>
+        <p:spPr>
+          <a:xfrm>
+            <a:off x="24137046" y="17368995"/>
+            <a:ext cx="433048" cy="287130"/>
+          </a:xfrm>
+          <a:prstGeom prst="rect">
+            <a:avLst/>
+          </a:prstGeom>
+        </p:spPr>
+      </p:pic>
+      <p:pic>
+        <p:nvPicPr>
+          <p:cNvPr id="101" name="Grafik 100"/>
+          <p:cNvPicPr>
+            <a:picLocks noChangeAspect="1"/>
+          </p:cNvPicPr>
+          <p:nvPr/>
+        </p:nvPicPr>
+        <p:blipFill>
+          <a:blip r:embed="rId38" cstate="email">
+            <a:extLst>
+              <a:ext uri="{28A0092B-C50C-407E-A947-70E740481C1C}">
+                <a14:useLocalDpi xmlns:a14="http://schemas.microsoft.com/office/drawing/2010/main" val="0"/>
+              </a:ext>
+            </a:extLst>
+          </a:blip>
+          <a:stretch>
+            <a:fillRect/>
+          </a:stretch>
+        </p:blipFill>
+        <p:spPr>
+          <a:xfrm>
+            <a:off x="24015786" y="17735653"/>
+            <a:ext cx="616509" cy="176919"/>
+          </a:xfrm>
+          <a:prstGeom prst="rect">
+            <a:avLst/>
+          </a:prstGeom>
+        </p:spPr>
+      </p:pic>
+      <p:pic>
+        <p:nvPicPr>
+          <p:cNvPr id="102" name="Grafik 101"/>
+          <p:cNvPicPr>
+            <a:picLocks noChangeAspect="1"/>
+          </p:cNvPicPr>
+          <p:nvPr/>
+        </p:nvPicPr>
+        <p:blipFill>
+          <a:blip r:embed="rId39" cstate="email">
+            <a:extLst>
+              <a:ext uri="{28A0092B-C50C-407E-A947-70E740481C1C}">
+                <a14:useLocalDpi xmlns:a14="http://schemas.microsoft.com/office/drawing/2010/main" val="0"/>
+              </a:ext>
+            </a:extLst>
+          </a:blip>
+          <a:stretch>
+            <a:fillRect/>
+          </a:stretch>
+        </p:blipFill>
+        <p:spPr>
+          <a:xfrm>
+            <a:off x="26250881" y="16761423"/>
+            <a:ext cx="242431" cy="239213"/>
+          </a:xfrm>
+          <a:prstGeom prst="rect">
+            <a:avLst/>
+          </a:prstGeom>
+        </p:spPr>
+      </p:pic>
+      <p:sp>
+        <p:nvSpPr>
+          <p:cNvPr id="103" name="Textfeld 102"/>
+          <p:cNvSpPr txBox="1"/>
+          <p:nvPr/>
+        </p:nvSpPr>
+        <p:spPr>
+          <a:xfrm>
+            <a:off x="27358829" y="15720566"/>
+            <a:ext cx="949299" cy="246221"/>
+          </a:xfrm>
+          <a:prstGeom prst="rect">
+            <a:avLst/>
+          </a:prstGeom>
+          <a:noFill/>
+        </p:spPr>
+        <p:txBody>
+          <a:bodyPr wrap="none" rtlCol="0">
+            <a:spAutoFit/>
+          </a:bodyPr>
+          <a:lstStyle/>
+          <a:p>
+            <a:r>
+              <a:rPr lang="de-DE" sz="1000" dirty="0" smtClean="0"/>
+              <a:t>[YOUR LOGO]</a:t>
+            </a:r>
+            <a:endParaRPr lang="en-US" sz="1000" dirty="0"/>
+          </a:p>
+        </p:txBody>
+      </p:sp>
+      <p:sp>
+        <p:nvSpPr>
+          <p:cNvPr id="104" name="TextBox 28"/>
+          <p:cNvSpPr txBox="1"/>
+          <p:nvPr/>
+        </p:nvSpPr>
+        <p:spPr>
+          <a:xfrm>
+            <a:off x="27704999" y="14894893"/>
+            <a:ext cx="516505" cy="230832"/>
+          </a:xfrm>
+          <a:prstGeom prst="rect">
+            <a:avLst/>
+          </a:prstGeom>
+          <a:noFill/>
+        </p:spPr>
+        <p:txBody>
+          <a:bodyPr wrap="square" rtlCol="0">
+            <a:spAutoFit/>
+          </a:bodyPr>
+          <a:lstStyle/>
+          <a:p>
+            <a:r>
+              <a:rPr lang="en-GB" sz="900" b="1" dirty="0" smtClean="0"/>
+              <a:t>HMDB</a:t>
+            </a:r>
+            <a:endParaRPr lang="en-GB" sz="900" b="1" dirty="0"/>
+          </a:p>
+        </p:txBody>
+      </p:sp>
+      <p:pic>
+        <p:nvPicPr>
+          <p:cNvPr id="105" name="Grafik 104"/>
+          <p:cNvPicPr>
+            <a:picLocks noChangeAspect="1"/>
+          </p:cNvPicPr>
+          <p:nvPr/>
+        </p:nvPicPr>
+        <p:blipFill>
+          <a:blip r:embed="rId40" cstate="email">
+            <a:extLst>
+              <a:ext uri="{28A0092B-C50C-407E-A947-70E740481C1C}">
+                <a14:useLocalDpi xmlns:a14="http://schemas.microsoft.com/office/drawing/2010/main" val="0"/>
+              </a:ext>
+            </a:extLst>
+          </a:blip>
+          <a:stretch>
+            <a:fillRect/>
+          </a:stretch>
+        </p:blipFill>
+        <p:spPr>
+          <a:xfrm>
+            <a:off x="27047914" y="15346169"/>
+            <a:ext cx="1141778" cy="131607"/>
+          </a:xfrm>
+          <a:prstGeom prst="rect">
+            <a:avLst/>
+          </a:prstGeom>
+        </p:spPr>
+      </p:pic>
+      <p:pic>
+        <p:nvPicPr>
+          <p:cNvPr id="106" name="Grafik 105"/>
+          <p:cNvPicPr>
+            <a:picLocks noChangeAspect="1"/>
+          </p:cNvPicPr>
+          <p:nvPr/>
+        </p:nvPicPr>
+        <p:blipFill>
+          <a:blip r:embed="rId41" cstate="email">
+            <a:extLst>
+              <a:ext uri="{28A0092B-C50C-407E-A947-70E740481C1C}">
+                <a14:useLocalDpi xmlns:a14="http://schemas.microsoft.com/office/drawing/2010/main" val="0"/>
+              </a:ext>
+            </a:extLst>
+          </a:blip>
+          <a:stretch>
+            <a:fillRect/>
+          </a:stretch>
+        </p:blipFill>
+        <p:spPr>
+          <a:xfrm>
+            <a:off x="26579338" y="17314443"/>
+            <a:ext cx="505024" cy="191465"/>
+          </a:xfrm>
+          <a:prstGeom prst="rect">
+            <a:avLst/>
+          </a:prstGeom>
+        </p:spPr>
+      </p:pic>
+      <p:sp>
+        <p:nvSpPr>
+          <p:cNvPr id="107" name="Textfeld 106"/>
+          <p:cNvSpPr txBox="1"/>
+          <p:nvPr/>
+        </p:nvSpPr>
+        <p:spPr>
+          <a:xfrm>
+            <a:off x="22371066" y="18037432"/>
+            <a:ext cx="354584" cy="246221"/>
+          </a:xfrm>
+          <a:prstGeom prst="rect">
+            <a:avLst/>
+          </a:prstGeom>
+          <a:noFill/>
+        </p:spPr>
+        <p:txBody>
+          <a:bodyPr wrap="none" rtlCol="0">
+            <a:spAutoFit/>
+          </a:bodyPr>
+          <a:lstStyle/>
+          <a:p>
+            <a:r>
+              <a:rPr lang="de-DE" sz="1000" dirty="0" err="1" smtClean="0"/>
+              <a:t>rIO</a:t>
+            </a:r>
+            <a:endParaRPr lang="en-US" sz="1000" dirty="0"/>
+          </a:p>
+        </p:txBody>
+      </p:sp>
+      <p:sp>
+        <p:nvSpPr>
+          <p:cNvPr id="108" name="Rounded Rectangle 3"/>
+          <p:cNvSpPr/>
+          <p:nvPr/>
+        </p:nvSpPr>
+        <p:spPr>
+          <a:xfrm>
+            <a:off x="20595770" y="8877936"/>
+            <a:ext cx="8504597" cy="4125949"/>
+          </a:xfrm>
+          <a:prstGeom prst="roundRect">
+            <a:avLst/>
+          </a:prstGeom>
+          <a:solidFill>
+            <a:schemeClr val="bg2">
+              <a:alpha val="77000"/>
+            </a:schemeClr>
+          </a:solidFill>
+        </p:spPr>
+        <p:style>
+          <a:lnRef idx="1">
+            <a:schemeClr val="dk1"/>
+          </a:lnRef>
+          <a:fillRef idx="2">
+            <a:schemeClr val="dk1"/>
+          </a:fillRef>
+          <a:effectRef idx="1">
+            <a:schemeClr val="dk1"/>
+          </a:effectRef>
+          <a:fontRef idx="minor">
+            <a:schemeClr val="dk1"/>
+          </a:fontRef>
+        </p:style>
+        <p:txBody>
+          <a:bodyPr rtlCol="0" anchor="ctr"/>
+          <a:lstStyle/>
+          <a:p>
+            <a:pPr algn="ctr"/>
+            <a:endParaRPr lang="nl-NL" sz="1350" dirty="0"/>
+          </a:p>
+        </p:txBody>
+      </p:sp>
+      <p:sp>
+        <p:nvSpPr>
+          <p:cNvPr id="109" name="Rounded Rectangle 3"/>
+          <p:cNvSpPr/>
+          <p:nvPr/>
+        </p:nvSpPr>
+        <p:spPr>
+          <a:xfrm>
+            <a:off x="22956189" y="9834921"/>
+            <a:ext cx="1165170" cy="1522539"/>
+          </a:xfrm>
+          <a:prstGeom prst="roundRect">
+            <a:avLst/>
+          </a:prstGeom>
+          <a:solidFill>
+            <a:schemeClr val="bg2">
+              <a:alpha val="77000"/>
+            </a:schemeClr>
+          </a:solidFill>
+        </p:spPr>
+        <p:style>
+          <a:lnRef idx="1">
+            <a:schemeClr val="dk1"/>
+          </a:lnRef>
+          <a:fillRef idx="2">
+            <a:schemeClr val="dk1"/>
+          </a:fillRef>
+          <a:effectRef idx="1">
+            <a:schemeClr val="dk1"/>
+          </a:effectRef>
+          <a:fontRef idx="minor">
+            <a:schemeClr val="dk1"/>
+          </a:fontRef>
+        </p:style>
+        <p:txBody>
+          <a:bodyPr rtlCol="0" anchor="ctr"/>
+          <a:lstStyle/>
+          <a:p>
+            <a:pPr algn="ctr"/>
+            <a:endParaRPr lang="nl-NL" sz="1350"/>
+          </a:p>
+        </p:txBody>
+      </p:sp>
+      <p:pic>
+        <p:nvPicPr>
+          <p:cNvPr id="110" name="Grafik 109"/>
+          <p:cNvPicPr>
+            <a:picLocks noChangeAspect="1"/>
+          </p:cNvPicPr>
+          <p:nvPr/>
+        </p:nvPicPr>
+        <p:blipFill>
+          <a:blip r:embed="rId42" cstate="email">
+            <a:extLst>
+              <a:ext uri="{28A0092B-C50C-407E-A947-70E740481C1C}">
+                <a14:useLocalDpi xmlns:a14="http://schemas.microsoft.com/office/drawing/2010/main" val="0"/>
+              </a:ext>
+            </a:extLst>
+          </a:blip>
+          <a:stretch>
+            <a:fillRect/>
+          </a:stretch>
+        </p:blipFill>
+        <p:spPr>
+          <a:xfrm>
+            <a:off x="24655919" y="9546565"/>
+            <a:ext cx="1600858" cy="1012869"/>
+          </a:xfrm>
+          <a:prstGeom prst="rect">
+            <a:avLst/>
+          </a:prstGeom>
+        </p:spPr>
+      </p:pic>
+      <p:sp>
+        <p:nvSpPr>
+          <p:cNvPr id="111" name="Textfeld 110"/>
+          <p:cNvSpPr txBox="1"/>
+          <p:nvPr/>
+        </p:nvSpPr>
+        <p:spPr>
+          <a:xfrm>
+            <a:off x="26529191" y="9263129"/>
+            <a:ext cx="1260487" cy="300082"/>
+          </a:xfrm>
+          <a:prstGeom prst="rect">
+            <a:avLst/>
+          </a:prstGeom>
+          <a:noFill/>
+        </p:spPr>
+        <p:txBody>
+          <a:bodyPr wrap="square" rtlCol="0">
+            <a:spAutoFit/>
+          </a:bodyPr>
+          <a:lstStyle/>
+          <a:p>
+            <a:r>
+              <a:rPr lang="de-DE" sz="1350" dirty="0" err="1" smtClean="0"/>
+              <a:t>xsd</a:t>
+            </a:r>
+            <a:r>
+              <a:rPr lang="de-DE" sz="1350" dirty="0" smtClean="0"/>
+              <a:t> </a:t>
+            </a:r>
+            <a:r>
+              <a:rPr lang="de-DE" sz="1350" dirty="0" err="1"/>
+              <a:t>datatypes</a:t>
+            </a:r>
+            <a:endParaRPr lang="en-US" sz="1350" dirty="0"/>
+          </a:p>
+        </p:txBody>
+      </p:sp>
+      <p:pic>
+        <p:nvPicPr>
+          <p:cNvPr id="112" name="Grafik 111"/>
+          <p:cNvPicPr>
+            <a:picLocks noChangeAspect="1"/>
+          </p:cNvPicPr>
+          <p:nvPr/>
+        </p:nvPicPr>
+        <p:blipFill>
+          <a:blip r:embed="rId43" cstate="email">
+            <a:extLst>
+              <a:ext uri="{28A0092B-C50C-407E-A947-70E740481C1C}">
+                <a14:useLocalDpi xmlns:a14="http://schemas.microsoft.com/office/drawing/2010/main" val="0"/>
+              </a:ext>
+            </a:extLst>
+          </a:blip>
+          <a:stretch>
+            <a:fillRect/>
+          </a:stretch>
+        </p:blipFill>
+        <p:spPr>
+          <a:xfrm>
+            <a:off x="26034549" y="10821557"/>
+            <a:ext cx="1903034" cy="2084262"/>
+          </a:xfrm>
+          <a:prstGeom prst="rect">
+            <a:avLst/>
+          </a:prstGeom>
+        </p:spPr>
+      </p:pic>
+      <p:sp>
+        <p:nvSpPr>
+          <p:cNvPr id="113" name="Textfeld 112"/>
+          <p:cNvSpPr txBox="1"/>
+          <p:nvPr/>
+        </p:nvSpPr>
+        <p:spPr>
+          <a:xfrm>
+            <a:off x="25449323" y="10591916"/>
+            <a:ext cx="1188143" cy="311017"/>
+          </a:xfrm>
+          <a:prstGeom prst="rect">
+            <a:avLst/>
+          </a:prstGeom>
+          <a:noFill/>
+        </p:spPr>
+        <p:txBody>
+          <a:bodyPr wrap="square" rtlCol="0">
+            <a:spAutoFit/>
+          </a:bodyPr>
+          <a:lstStyle/>
+          <a:p>
+            <a:r>
+              <a:rPr lang="de-DE" sz="1350" dirty="0" err="1"/>
+              <a:t>nmrCV</a:t>
+            </a:r>
+            <a:r>
+              <a:rPr lang="de-DE" sz="1350" dirty="0"/>
+              <a:t> </a:t>
+            </a:r>
+            <a:r>
+              <a:rPr lang="de-DE" sz="1350" dirty="0" err="1"/>
+              <a:t>terms</a:t>
+            </a:r>
+            <a:endParaRPr lang="en-US" sz="1350" dirty="0"/>
+          </a:p>
+        </p:txBody>
+      </p:sp>
+      <p:sp>
+        <p:nvSpPr>
+          <p:cNvPr id="114" name="Right Arrow 5"/>
+          <p:cNvSpPr/>
+          <p:nvPr/>
+        </p:nvSpPr>
+        <p:spPr>
+          <a:xfrm flipH="1">
+            <a:off x="24205652" y="10126702"/>
+            <a:ext cx="380303" cy="119609"/>
+          </a:xfrm>
+          <a:prstGeom prst="rightArrow">
+            <a:avLst/>
+          </a:prstGeom>
+        </p:spPr>
+        <p:style>
+          <a:lnRef idx="2">
+            <a:schemeClr val="accent1">
+              <a:shade val="50000"/>
+            </a:schemeClr>
+          </a:lnRef>
+          <a:fillRef idx="1">
+            <a:schemeClr val="accent1"/>
+          </a:fillRef>
+          <a:effectRef idx="0">
+            <a:schemeClr val="accent1"/>
+          </a:effectRef>
+          <a:fontRef idx="minor">
+            <a:schemeClr val="lt1"/>
+          </a:fontRef>
+        </p:style>
+        <p:txBody>
+          <a:bodyPr rtlCol="0" anchor="ctr"/>
+          <a:lstStyle/>
+          <a:p>
+            <a:pPr algn="ctr"/>
+            <a:endParaRPr lang="nl-NL" sz="1350"/>
+          </a:p>
+        </p:txBody>
+      </p:sp>
+      <p:sp>
+        <p:nvSpPr>
+          <p:cNvPr id="115" name="Right Arrow 5"/>
+          <p:cNvSpPr/>
+          <p:nvPr/>
+        </p:nvSpPr>
+        <p:spPr>
+          <a:xfrm flipH="1">
+            <a:off x="24295473" y="10894690"/>
+            <a:ext cx="1124874" cy="136841"/>
+          </a:xfrm>
+          <a:prstGeom prst="rightArrow">
+            <a:avLst/>
+          </a:prstGeom>
+        </p:spPr>
+        <p:style>
+          <a:lnRef idx="2">
+            <a:schemeClr val="accent1">
+              <a:shade val="50000"/>
+            </a:schemeClr>
+          </a:lnRef>
+          <a:fillRef idx="1">
+            <a:schemeClr val="accent1"/>
+          </a:fillRef>
+          <a:effectRef idx="0">
+            <a:schemeClr val="accent1"/>
+          </a:effectRef>
+          <a:fontRef idx="minor">
+            <a:schemeClr val="lt1"/>
+          </a:fontRef>
+        </p:style>
+        <p:txBody>
+          <a:bodyPr rtlCol="0" anchor="ctr"/>
+          <a:lstStyle/>
+          <a:p>
+            <a:pPr algn="ctr"/>
+            <a:endParaRPr lang="nl-NL" sz="1350"/>
+          </a:p>
+        </p:txBody>
+      </p:sp>
+      <p:sp>
+        <p:nvSpPr>
+          <p:cNvPr id="116" name="Textfeld 115"/>
+          <p:cNvSpPr txBox="1"/>
+          <p:nvPr/>
+        </p:nvSpPr>
+        <p:spPr>
+          <a:xfrm>
+            <a:off x="24575516" y="9054975"/>
+            <a:ext cx="1230204" cy="526337"/>
+          </a:xfrm>
+          <a:prstGeom prst="rect">
+            <a:avLst/>
+          </a:prstGeom>
+          <a:noFill/>
+        </p:spPr>
+        <p:txBody>
+          <a:bodyPr wrap="square" rtlCol="0">
+            <a:spAutoFit/>
+          </a:bodyPr>
+          <a:lstStyle/>
+          <a:p>
+            <a:r>
+              <a:rPr lang="de-DE" sz="1350" dirty="0" err="1"/>
+              <a:t>xsd</a:t>
+            </a:r>
+            <a:r>
+              <a:rPr lang="de-DE" sz="1350" dirty="0"/>
+              <a:t> </a:t>
+            </a:r>
+            <a:r>
+              <a:rPr lang="de-DE" sz="1350" dirty="0" err="1"/>
+              <a:t>elements</a:t>
+            </a:r>
+            <a:endParaRPr lang="de-DE" sz="1350" dirty="0"/>
+          </a:p>
+          <a:p>
+            <a:r>
+              <a:rPr lang="de-DE" sz="1350" dirty="0" smtClean="0"/>
+              <a:t>&amp; </a:t>
+            </a:r>
+            <a:r>
+              <a:rPr lang="de-DE" sz="1350" dirty="0" err="1"/>
+              <a:t>attributes</a:t>
+            </a:r>
+            <a:endParaRPr lang="en-US" sz="1350" dirty="0"/>
+          </a:p>
+        </p:txBody>
+      </p:sp>
+      <p:pic>
+        <p:nvPicPr>
+          <p:cNvPr id="117" name="Grafik 116"/>
+          <p:cNvPicPr>
+            <a:picLocks noChangeAspect="1"/>
+          </p:cNvPicPr>
+          <p:nvPr/>
+        </p:nvPicPr>
+        <p:blipFill>
+          <a:blip r:embed="rId44" cstate="email">
+            <a:extLst>
+              <a:ext uri="{28A0092B-C50C-407E-A947-70E740481C1C}">
+                <a14:useLocalDpi xmlns:a14="http://schemas.microsoft.com/office/drawing/2010/main" val="0"/>
+              </a:ext>
+            </a:extLst>
+          </a:blip>
+          <a:stretch>
+            <a:fillRect/>
+          </a:stretch>
+        </p:blipFill>
+        <p:spPr>
+          <a:xfrm>
+            <a:off x="23077517" y="9967448"/>
+            <a:ext cx="494797" cy="494797"/>
+          </a:xfrm>
+          <a:prstGeom prst="rect">
+            <a:avLst/>
+          </a:prstGeom>
+        </p:spPr>
+      </p:pic>
+      <p:pic>
+        <p:nvPicPr>
+          <p:cNvPr id="118" name="Grafik 117"/>
+          <p:cNvPicPr>
+            <a:picLocks noChangeAspect="1"/>
+          </p:cNvPicPr>
+          <p:nvPr/>
+        </p:nvPicPr>
+        <p:blipFill>
+          <a:blip r:embed="rId45" cstate="email">
+            <a:extLst>
+              <a:ext uri="{28A0092B-C50C-407E-A947-70E740481C1C}">
+                <a14:useLocalDpi xmlns:a14="http://schemas.microsoft.com/office/drawing/2010/main" val="0"/>
+              </a:ext>
+            </a:extLst>
+          </a:blip>
+          <a:stretch>
+            <a:fillRect/>
+          </a:stretch>
+        </p:blipFill>
+        <p:spPr>
+          <a:xfrm>
+            <a:off x="25519839" y="10873853"/>
+            <a:ext cx="507226" cy="337536"/>
+          </a:xfrm>
+          <a:prstGeom prst="rect">
+            <a:avLst/>
+          </a:prstGeom>
+        </p:spPr>
+      </p:pic>
+      <p:pic>
+        <p:nvPicPr>
+          <p:cNvPr id="119" name="Grafik 118"/>
+          <p:cNvPicPr>
+            <a:picLocks noChangeAspect="1"/>
+          </p:cNvPicPr>
+          <p:nvPr/>
+        </p:nvPicPr>
+        <p:blipFill>
+          <a:blip r:embed="rId46" cstate="email">
+            <a:extLst>
+              <a:ext uri="{28A0092B-C50C-407E-A947-70E740481C1C}">
+                <a14:useLocalDpi xmlns:a14="http://schemas.microsoft.com/office/drawing/2010/main" val="0"/>
+              </a:ext>
+            </a:extLst>
+          </a:blip>
+          <a:stretch>
+            <a:fillRect/>
+          </a:stretch>
+        </p:blipFill>
+        <p:spPr>
+          <a:xfrm>
+            <a:off x="23615387" y="10000232"/>
+            <a:ext cx="467857" cy="429227"/>
+          </a:xfrm>
+          <a:prstGeom prst="rect">
+            <a:avLst/>
+          </a:prstGeom>
+        </p:spPr>
+      </p:pic>
+      <p:pic>
+        <p:nvPicPr>
+          <p:cNvPr id="120" name="Grafik 119"/>
+          <p:cNvPicPr>
+            <a:picLocks noChangeAspect="1"/>
+          </p:cNvPicPr>
+          <p:nvPr/>
+        </p:nvPicPr>
+        <p:blipFill>
+          <a:blip r:embed="rId47">
+            <a:extLst>
+              <a:ext uri="{28A0092B-C50C-407E-A947-70E740481C1C}">
+                <a14:useLocalDpi xmlns:a14="http://schemas.microsoft.com/office/drawing/2010/main" val="0"/>
+              </a:ext>
+            </a:extLst>
+          </a:blip>
+          <a:stretch>
+            <a:fillRect/>
+          </a:stretch>
+        </p:blipFill>
+        <p:spPr>
+          <a:xfrm>
+            <a:off x="23664144" y="10712842"/>
+            <a:ext cx="419100" cy="457200"/>
+          </a:xfrm>
+          <a:prstGeom prst="rect">
+            <a:avLst/>
+          </a:prstGeom>
+        </p:spPr>
+      </p:pic>
+      <p:pic>
+        <p:nvPicPr>
+          <p:cNvPr id="121" name="Grafik 120"/>
+          <p:cNvPicPr>
+            <a:picLocks noChangeAspect="1"/>
+          </p:cNvPicPr>
+          <p:nvPr/>
+        </p:nvPicPr>
+        <p:blipFill>
+          <a:blip r:embed="rId48" cstate="email">
+            <a:extLst>
+              <a:ext uri="{28A0092B-C50C-407E-A947-70E740481C1C}">
+                <a14:useLocalDpi xmlns:a14="http://schemas.microsoft.com/office/drawing/2010/main" val="0"/>
+              </a:ext>
+            </a:extLst>
+          </a:blip>
+          <a:stretch>
+            <a:fillRect/>
+          </a:stretch>
+        </p:blipFill>
+        <p:spPr>
+          <a:xfrm>
+            <a:off x="26611725" y="9547471"/>
+            <a:ext cx="1405551" cy="1012869"/>
+          </a:xfrm>
+          <a:prstGeom prst="rect">
+            <a:avLst/>
+          </a:prstGeom>
+        </p:spPr>
+      </p:pic>
+      <p:pic>
+        <p:nvPicPr>
+          <p:cNvPr id="122" name="Grafik 121"/>
+          <p:cNvPicPr>
+            <a:picLocks noChangeAspect="1"/>
+          </p:cNvPicPr>
+          <p:nvPr/>
+        </p:nvPicPr>
+        <p:blipFill>
+          <a:blip r:embed="rId49">
+            <a:extLst>
+              <a:ext uri="{28A0092B-C50C-407E-A947-70E740481C1C}">
+                <a14:useLocalDpi xmlns:a14="http://schemas.microsoft.com/office/drawing/2010/main" val="0"/>
+              </a:ext>
+            </a:extLst>
+          </a:blip>
+          <a:stretch>
+            <a:fillRect/>
+          </a:stretch>
+        </p:blipFill>
+        <p:spPr>
+          <a:xfrm>
+            <a:off x="22693399" y="9517358"/>
+            <a:ext cx="900026" cy="346510"/>
+          </a:xfrm>
+          <a:prstGeom prst="rect">
+            <a:avLst/>
+          </a:prstGeom>
+        </p:spPr>
+      </p:pic>
+      <p:pic>
+        <p:nvPicPr>
+          <p:cNvPr id="13" name="Grafik 12"/>
+          <p:cNvPicPr>
+            <a:picLocks noChangeAspect="1"/>
+          </p:cNvPicPr>
+          <p:nvPr/>
+        </p:nvPicPr>
+        <p:blipFill>
+          <a:blip r:embed="rId50">
+            <a:extLst>
+              <a:ext uri="{28A0092B-C50C-407E-A947-70E740481C1C}">
+                <a14:useLocalDpi xmlns:a14="http://schemas.microsoft.com/office/drawing/2010/main" val="0"/>
+              </a:ext>
+            </a:extLst>
+          </a:blip>
+          <a:stretch>
+            <a:fillRect/>
+          </a:stretch>
+        </p:blipFill>
+        <p:spPr>
+          <a:xfrm>
+            <a:off x="23004597" y="10822655"/>
+            <a:ext cx="599881" cy="234736"/>
+          </a:xfrm>
+          <a:prstGeom prst="rect">
+            <a:avLst/>
+          </a:prstGeom>
+        </p:spPr>
+      </p:pic>
+      <p:sp>
+        <p:nvSpPr>
+          <p:cNvPr id="14" name="Textfeld 13"/>
+          <p:cNvSpPr txBox="1"/>
+          <p:nvPr/>
+        </p:nvSpPr>
+        <p:spPr>
+          <a:xfrm>
+            <a:off x="21832920" y="9969545"/>
+            <a:ext cx="1135092" cy="600164"/>
+          </a:xfrm>
+          <a:prstGeom prst="rect">
+            <a:avLst/>
+          </a:prstGeom>
+          <a:noFill/>
+        </p:spPr>
+        <p:txBody>
+          <a:bodyPr wrap="square" rtlCol="0">
+            <a:spAutoFit/>
+          </a:bodyPr>
+          <a:lstStyle/>
+          <a:p>
+            <a:r>
+              <a:rPr lang="de-DE" sz="1100" dirty="0" err="1" smtClean="0"/>
+              <a:t>Stable</a:t>
+            </a:r>
+            <a:r>
+              <a:rPr lang="de-DE" sz="1100" dirty="0" smtClean="0"/>
+              <a:t> experimental &amp; </a:t>
+            </a:r>
+            <a:r>
+              <a:rPr lang="de-DE" sz="1100" dirty="0" err="1" smtClean="0"/>
+              <a:t>raw</a:t>
+            </a:r>
+            <a:r>
+              <a:rPr lang="de-DE" sz="1100" dirty="0" smtClean="0"/>
+              <a:t> </a:t>
+            </a:r>
+            <a:r>
+              <a:rPr lang="de-DE" sz="1100" dirty="0" err="1" smtClean="0"/>
+              <a:t>data</a:t>
+            </a:r>
+            <a:endParaRPr lang="en-US" sz="1100" dirty="0"/>
+          </a:p>
+        </p:txBody>
+      </p:sp>
+      <p:sp>
+        <p:nvSpPr>
+          <p:cNvPr id="124" name="Textfeld 123"/>
+          <p:cNvSpPr txBox="1"/>
+          <p:nvPr/>
+        </p:nvSpPr>
+        <p:spPr>
+          <a:xfrm>
+            <a:off x="21842227" y="10674065"/>
+            <a:ext cx="1211972" cy="600164"/>
+          </a:xfrm>
+          <a:prstGeom prst="rect">
+            <a:avLst/>
+          </a:prstGeom>
+          <a:noFill/>
+        </p:spPr>
+        <p:txBody>
+          <a:bodyPr wrap="square" rtlCol="0">
+            <a:spAutoFit/>
+          </a:bodyPr>
+          <a:lstStyle/>
+          <a:p>
+            <a:r>
+              <a:rPr lang="de-DE" sz="1100" dirty="0" smtClean="0"/>
+              <a:t>Variant </a:t>
+            </a:r>
+            <a:r>
+              <a:rPr lang="de-DE" sz="1100" dirty="0" err="1" smtClean="0"/>
+              <a:t>terminological</a:t>
+            </a:r>
+            <a:r>
+              <a:rPr lang="de-DE" sz="1100" dirty="0" smtClean="0"/>
+              <a:t> &amp; </a:t>
+            </a:r>
+            <a:r>
+              <a:rPr lang="de-DE" sz="1100" dirty="0" err="1" smtClean="0"/>
+              <a:t>contextual</a:t>
+            </a:r>
+            <a:r>
+              <a:rPr lang="de-DE" sz="1100" dirty="0" smtClean="0"/>
+              <a:t>  </a:t>
+            </a:r>
+            <a:r>
+              <a:rPr lang="de-DE" sz="1100" dirty="0" err="1" smtClean="0"/>
+              <a:t>data</a:t>
+            </a:r>
+            <a:endParaRPr lang="en-US" sz="1100" dirty="0"/>
+          </a:p>
+        </p:txBody>
+      </p:sp>
+      <p:sp>
+        <p:nvSpPr>
+          <p:cNvPr id="125" name="Rounded Rectangle 3"/>
+          <p:cNvSpPr/>
+          <p:nvPr/>
+        </p:nvSpPr>
+        <p:spPr>
+          <a:xfrm>
+            <a:off x="9029700" y="30358450"/>
+            <a:ext cx="7501024" cy="4966220"/>
+          </a:xfrm>
+          <a:prstGeom prst="roundRect">
+            <a:avLst/>
+          </a:prstGeom>
+          <a:solidFill>
+            <a:schemeClr val="bg2">
+              <a:alpha val="77000"/>
+            </a:schemeClr>
+          </a:solidFill>
+        </p:spPr>
+        <p:style>
+          <a:lnRef idx="1">
+            <a:schemeClr val="dk1"/>
+          </a:lnRef>
+          <a:fillRef idx="2">
+            <a:schemeClr val="dk1"/>
+          </a:fillRef>
+          <a:effectRef idx="1">
+            <a:schemeClr val="dk1"/>
+          </a:effectRef>
+          <a:fontRef idx="minor">
+            <a:schemeClr val="dk1"/>
+          </a:fontRef>
+        </p:style>
+        <p:txBody>
+          <a:bodyPr rtlCol="0" anchor="ctr"/>
+          <a:lstStyle/>
+          <a:p>
+            <a:pPr algn="ctr"/>
+            <a:endParaRPr lang="nl-NL" sz="1013" dirty="0"/>
+          </a:p>
+        </p:txBody>
+      </p:sp>
+      <p:sp>
+        <p:nvSpPr>
+          <p:cNvPr id="126" name="Rounded Rectangle 3"/>
+          <p:cNvSpPr/>
+          <p:nvPr/>
+        </p:nvSpPr>
+        <p:spPr>
+          <a:xfrm>
+            <a:off x="9485801" y="30461175"/>
+            <a:ext cx="6636435" cy="3698867"/>
+          </a:xfrm>
+          <a:prstGeom prst="roundRect">
+            <a:avLst/>
+          </a:prstGeom>
+          <a:solidFill>
+            <a:schemeClr val="bg2">
+              <a:alpha val="77000"/>
+            </a:schemeClr>
+          </a:solidFill>
+        </p:spPr>
+        <p:style>
+          <a:lnRef idx="1">
+            <a:schemeClr val="dk1"/>
+          </a:lnRef>
+          <a:fillRef idx="2">
+            <a:schemeClr val="dk1"/>
+          </a:fillRef>
+          <a:effectRef idx="1">
+            <a:schemeClr val="dk1"/>
+          </a:effectRef>
+          <a:fontRef idx="minor">
+            <a:schemeClr val="dk1"/>
+          </a:fontRef>
+        </p:style>
+        <p:txBody>
+          <a:bodyPr rtlCol="0" anchor="ctr"/>
+          <a:lstStyle/>
+          <a:p>
+            <a:pPr algn="ctr"/>
+            <a:endParaRPr lang="nl-NL" sz="1013" dirty="0"/>
+          </a:p>
+        </p:txBody>
+      </p:sp>
+      <p:sp>
+        <p:nvSpPr>
+          <p:cNvPr id="127" name="Rounded Rectangle 3"/>
+          <p:cNvSpPr/>
+          <p:nvPr/>
+        </p:nvSpPr>
+        <p:spPr>
+          <a:xfrm>
+            <a:off x="9726670" y="30553274"/>
+            <a:ext cx="6042291" cy="1793805"/>
+          </a:xfrm>
+          <a:prstGeom prst="roundRect">
+            <a:avLst/>
+          </a:prstGeom>
+          <a:solidFill>
+            <a:schemeClr val="bg2">
+              <a:alpha val="77000"/>
+            </a:schemeClr>
+          </a:solidFill>
+        </p:spPr>
+        <p:style>
+          <a:lnRef idx="1">
+            <a:schemeClr val="dk1"/>
+          </a:lnRef>
+          <a:fillRef idx="2">
+            <a:schemeClr val="dk1"/>
+          </a:fillRef>
+          <a:effectRef idx="1">
+            <a:schemeClr val="dk1"/>
+          </a:effectRef>
+          <a:fontRef idx="minor">
+            <a:schemeClr val="dk1"/>
+          </a:fontRef>
+        </p:style>
+        <p:txBody>
+          <a:bodyPr rtlCol="0" anchor="ctr"/>
+          <a:lstStyle/>
+          <a:p>
+            <a:endParaRPr lang="nl-NL" sz="1013" dirty="0"/>
+          </a:p>
+        </p:txBody>
+      </p:sp>
+      <p:sp>
+        <p:nvSpPr>
+          <p:cNvPr id="128" name="Rounded Rectangle 3"/>
+          <p:cNvSpPr/>
+          <p:nvPr/>
+        </p:nvSpPr>
+        <p:spPr>
+          <a:xfrm>
+            <a:off x="9933637" y="30665878"/>
+            <a:ext cx="5436624" cy="832294"/>
+          </a:xfrm>
+          <a:prstGeom prst="roundRect">
+            <a:avLst/>
+          </a:prstGeom>
+          <a:solidFill>
+            <a:schemeClr val="bg2">
+              <a:alpha val="77000"/>
+            </a:schemeClr>
+          </a:solidFill>
+        </p:spPr>
+        <p:style>
+          <a:lnRef idx="1">
+            <a:schemeClr val="dk1"/>
+          </a:lnRef>
+          <a:fillRef idx="2">
+            <a:schemeClr val="dk1"/>
+          </a:fillRef>
+          <a:effectRef idx="1">
+            <a:schemeClr val="dk1"/>
+          </a:effectRef>
+          <a:fontRef idx="minor">
+            <a:schemeClr val="dk1"/>
+          </a:fontRef>
+        </p:style>
+        <p:txBody>
+          <a:bodyPr rtlCol="0" anchor="ctr"/>
+          <a:lstStyle/>
+          <a:p>
+            <a:r>
+              <a:rPr lang="nl-NL" sz="1600" b="1" dirty="0" smtClean="0"/>
+              <a:t>Syntax check</a:t>
+            </a:r>
+          </a:p>
+          <a:p>
+            <a:r>
+              <a:rPr lang="nl-NL" sz="1600" dirty="0" smtClean="0"/>
+              <a:t>XML parser validates data on correct XML Syntax</a:t>
+            </a:r>
+            <a:endParaRPr lang="nl-NL" sz="1600" dirty="0"/>
+          </a:p>
+        </p:txBody>
+      </p:sp>
+      <p:sp>
+        <p:nvSpPr>
+          <p:cNvPr id="129" name="Textfeld 128"/>
+          <p:cNvSpPr txBox="1"/>
+          <p:nvPr/>
+        </p:nvSpPr>
+        <p:spPr>
+          <a:xfrm>
+            <a:off x="9744344" y="33295994"/>
+            <a:ext cx="5787517" cy="1015663"/>
+          </a:xfrm>
+          <a:prstGeom prst="rect">
+            <a:avLst/>
+          </a:prstGeom>
+          <a:noFill/>
+        </p:spPr>
+        <p:txBody>
+          <a:bodyPr wrap="square" rtlCol="0">
+            <a:spAutoFit/>
+          </a:bodyPr>
+          <a:lstStyle/>
+          <a:p>
+            <a:r>
+              <a:rPr lang="en-US" sz="1600" b="1" dirty="0" smtClean="0"/>
+              <a:t>MI Standard compliance check</a:t>
+            </a:r>
+            <a:endParaRPr lang="en-US" sz="1600" b="1" dirty="0"/>
+          </a:p>
+          <a:p>
+            <a:r>
+              <a:rPr lang="en-US" sz="1600" dirty="0" smtClean="0"/>
+              <a:t>Enforces </a:t>
+            </a:r>
+            <a:r>
+              <a:rPr lang="en-US" sz="1600" dirty="0" smtClean="0"/>
+              <a:t>completeness  </a:t>
+            </a:r>
+            <a:r>
+              <a:rPr lang="en-US" sz="1600" dirty="0" smtClean="0"/>
+              <a:t>i.e. along Minimum </a:t>
+            </a:r>
+            <a:r>
+              <a:rPr lang="en-US" sz="1600" dirty="0"/>
+              <a:t>Information </a:t>
+            </a:r>
+            <a:r>
+              <a:rPr lang="en-US" sz="1600" dirty="0" smtClean="0"/>
+              <a:t>checklists</a:t>
+            </a:r>
+          </a:p>
+          <a:p>
+            <a:r>
+              <a:rPr lang="en-US" sz="1600" dirty="0" smtClean="0"/>
+              <a:t>like </a:t>
+            </a:r>
+            <a:r>
+              <a:rPr lang="en-US" sz="1600" i="1" dirty="0" smtClean="0"/>
+              <a:t>Core </a:t>
+            </a:r>
+            <a:r>
+              <a:rPr lang="en-US" sz="1600" i="1" dirty="0"/>
+              <a:t>Information for Metabolomics </a:t>
+            </a:r>
+            <a:r>
+              <a:rPr lang="en-US" sz="1600" i="1" dirty="0" smtClean="0"/>
+              <a:t>Reporting (CIMR)</a:t>
+            </a:r>
+            <a:endParaRPr lang="en-US" sz="1600" dirty="0"/>
+          </a:p>
+          <a:p>
+            <a:endParaRPr lang="en-US" sz="1200" i="1" dirty="0"/>
+          </a:p>
+        </p:txBody>
+      </p:sp>
+      <p:sp>
+        <p:nvSpPr>
+          <p:cNvPr id="130" name="Textfeld 129"/>
+          <p:cNvSpPr txBox="1"/>
+          <p:nvPr/>
+        </p:nvSpPr>
+        <p:spPr>
+          <a:xfrm>
+            <a:off x="9863403" y="31521359"/>
+            <a:ext cx="3896256" cy="830997"/>
+          </a:xfrm>
+          <a:prstGeom prst="rect">
+            <a:avLst/>
+          </a:prstGeom>
+          <a:noFill/>
+        </p:spPr>
+        <p:txBody>
+          <a:bodyPr wrap="square" rtlCol="0">
+            <a:spAutoFit/>
+          </a:bodyPr>
+          <a:lstStyle/>
+          <a:p>
+            <a:r>
+              <a:rPr lang="en-US" sz="1600" b="1" dirty="0" smtClean="0"/>
+              <a:t>Schema compliance check</a:t>
+            </a:r>
+          </a:p>
+          <a:p>
+            <a:r>
+              <a:rPr lang="en-US" sz="1600" dirty="0" smtClean="0"/>
+              <a:t>Xerxes parser validates structural compliance</a:t>
+            </a:r>
+          </a:p>
+          <a:p>
+            <a:r>
+              <a:rPr lang="en-US" sz="1600" dirty="0" smtClean="0"/>
+              <a:t>of data against XSD </a:t>
+            </a:r>
+            <a:endParaRPr lang="en-US" sz="1600" dirty="0"/>
+          </a:p>
+        </p:txBody>
+      </p:sp>
+      <p:sp>
+        <p:nvSpPr>
+          <p:cNvPr id="131" name="Textfeld 130"/>
+          <p:cNvSpPr txBox="1"/>
+          <p:nvPr/>
+        </p:nvSpPr>
+        <p:spPr>
+          <a:xfrm>
+            <a:off x="9724793" y="32474536"/>
+            <a:ext cx="4006166" cy="830997"/>
+          </a:xfrm>
+          <a:prstGeom prst="rect">
+            <a:avLst/>
+          </a:prstGeom>
+          <a:noFill/>
+        </p:spPr>
+        <p:txBody>
+          <a:bodyPr wrap="square" rtlCol="0">
+            <a:spAutoFit/>
+          </a:bodyPr>
+          <a:lstStyle/>
+          <a:p>
+            <a:r>
+              <a:rPr lang="de-DE" sz="1600" b="1" dirty="0" err="1" smtClean="0"/>
+              <a:t>Semantic</a:t>
+            </a:r>
+            <a:r>
+              <a:rPr lang="de-DE" sz="1600" b="1" dirty="0" smtClean="0"/>
+              <a:t> check</a:t>
+            </a:r>
+            <a:endParaRPr lang="en-US" sz="1600" b="1" dirty="0" smtClean="0"/>
+          </a:p>
+          <a:p>
+            <a:r>
+              <a:rPr lang="en-US" sz="1600" dirty="0" smtClean="0"/>
+              <a:t>Rule-driven validation verifies if  CV terms are plausible at certain positions in data </a:t>
+            </a:r>
+            <a:endParaRPr lang="en-US" sz="1600" dirty="0"/>
+          </a:p>
+        </p:txBody>
+      </p:sp>
+      <p:sp>
+        <p:nvSpPr>
+          <p:cNvPr id="132" name="Textfeld 131"/>
+          <p:cNvSpPr txBox="1"/>
+          <p:nvPr/>
+        </p:nvSpPr>
+        <p:spPr>
+          <a:xfrm>
+            <a:off x="9511363" y="34232763"/>
+            <a:ext cx="4956769" cy="1077218"/>
+          </a:xfrm>
+          <a:prstGeom prst="rect">
+            <a:avLst/>
+          </a:prstGeom>
+          <a:noFill/>
+        </p:spPr>
+        <p:txBody>
+          <a:bodyPr wrap="square" rtlCol="0">
+            <a:spAutoFit/>
+          </a:bodyPr>
+          <a:lstStyle/>
+          <a:p>
+            <a:r>
+              <a:rPr lang="en-US" sz="1600" b="1" dirty="0"/>
+              <a:t>Journal Policy </a:t>
+            </a:r>
+            <a:r>
+              <a:rPr lang="en-US" sz="1600" b="1" dirty="0" smtClean="0"/>
+              <a:t>compliance check</a:t>
+            </a:r>
+          </a:p>
+          <a:p>
+            <a:r>
+              <a:rPr lang="de-DE" sz="1600" dirty="0" err="1"/>
+              <a:t>C</a:t>
+            </a:r>
+            <a:r>
+              <a:rPr lang="de-DE" sz="1600" dirty="0" err="1" smtClean="0"/>
+              <a:t>ombined</a:t>
+            </a:r>
+            <a:r>
+              <a:rPr lang="de-DE" sz="1600" dirty="0" smtClean="0"/>
+              <a:t> </a:t>
+            </a:r>
+            <a:r>
+              <a:rPr lang="de-DE" sz="1600" dirty="0" err="1" smtClean="0"/>
+              <a:t>validation</a:t>
+            </a:r>
+            <a:r>
+              <a:rPr lang="de-DE" sz="1600" dirty="0" smtClean="0"/>
+              <a:t> on </a:t>
+            </a:r>
+            <a:r>
+              <a:rPr lang="de-DE" sz="1600" dirty="0" err="1" smtClean="0"/>
+              <a:t>nmrML</a:t>
+            </a:r>
+            <a:r>
+              <a:rPr lang="de-DE" sz="1600" dirty="0" smtClean="0"/>
+              <a:t> AND additional </a:t>
+            </a:r>
+            <a:r>
+              <a:rPr lang="de-DE" sz="1600" dirty="0" err="1" smtClean="0"/>
+              <a:t>publication</a:t>
+            </a:r>
+            <a:r>
+              <a:rPr lang="de-DE" sz="1600" dirty="0" smtClean="0"/>
+              <a:t> </a:t>
+            </a:r>
+            <a:r>
+              <a:rPr lang="de-DE" sz="1600" dirty="0" err="1" smtClean="0"/>
+              <a:t>metadata</a:t>
+            </a:r>
+            <a:r>
+              <a:rPr lang="de-DE" sz="1600" dirty="0" smtClean="0"/>
+              <a:t> </a:t>
+            </a:r>
+            <a:r>
+              <a:rPr lang="de-DE" sz="1600" dirty="0" err="1" smtClean="0"/>
+              <a:t>can</a:t>
+            </a:r>
+            <a:r>
+              <a:rPr lang="de-DE" sz="1600" dirty="0" smtClean="0"/>
+              <a:t> </a:t>
+            </a:r>
+            <a:r>
+              <a:rPr lang="de-DE" sz="1600" dirty="0" err="1" smtClean="0"/>
+              <a:t>ensure</a:t>
+            </a:r>
+            <a:r>
+              <a:rPr lang="de-DE" sz="1600" dirty="0" smtClean="0"/>
+              <a:t> </a:t>
+            </a:r>
+            <a:r>
+              <a:rPr lang="de-DE" sz="1600" dirty="0" err="1" smtClean="0"/>
+              <a:t>that</a:t>
+            </a:r>
+            <a:r>
+              <a:rPr lang="de-DE" sz="1600" dirty="0" smtClean="0"/>
+              <a:t> </a:t>
+            </a:r>
+            <a:r>
+              <a:rPr lang="de-DE" sz="1600" dirty="0" err="1" smtClean="0"/>
+              <a:t>the</a:t>
+            </a:r>
+            <a:r>
+              <a:rPr lang="de-DE" sz="1600" dirty="0" smtClean="0"/>
+              <a:t> </a:t>
+            </a:r>
+            <a:r>
+              <a:rPr lang="de-DE" sz="1600" i="1" dirty="0" err="1" smtClean="0"/>
+              <a:t>metabolomics</a:t>
+            </a:r>
+            <a:r>
+              <a:rPr lang="de-DE" sz="1600" dirty="0" smtClean="0"/>
+              <a:t> Journal </a:t>
+            </a:r>
+            <a:r>
+              <a:rPr lang="de-DE" sz="1600" dirty="0" err="1" smtClean="0"/>
+              <a:t>policies</a:t>
+            </a:r>
+            <a:r>
+              <a:rPr lang="de-DE" sz="1600" dirty="0" smtClean="0"/>
+              <a:t> </a:t>
+            </a:r>
+            <a:r>
+              <a:rPr lang="de-DE" sz="1600" dirty="0" err="1" smtClean="0"/>
+              <a:t>are</a:t>
+            </a:r>
+            <a:r>
+              <a:rPr lang="de-DE" sz="1600" dirty="0" smtClean="0"/>
+              <a:t> </a:t>
+            </a:r>
+            <a:r>
+              <a:rPr lang="de-DE" sz="1600" dirty="0" err="1" smtClean="0"/>
+              <a:t>met</a:t>
+            </a:r>
+            <a:r>
+              <a:rPr lang="de-DE" sz="1600" dirty="0" smtClean="0"/>
+              <a:t> in an </a:t>
+            </a:r>
+            <a:r>
+              <a:rPr lang="de-DE" sz="1600" dirty="0" err="1" smtClean="0"/>
+              <a:t>articles</a:t>
+            </a:r>
+            <a:r>
+              <a:rPr lang="de-DE" sz="1600" dirty="0" smtClean="0"/>
+              <a:t>  </a:t>
+            </a:r>
+            <a:r>
+              <a:rPr lang="de-DE" sz="1600" dirty="0" err="1" smtClean="0"/>
+              <a:t>data</a:t>
+            </a:r>
+            <a:r>
+              <a:rPr lang="de-DE" sz="1600" dirty="0" smtClean="0"/>
+              <a:t> </a:t>
+            </a:r>
+            <a:r>
+              <a:rPr lang="de-DE" sz="1600" dirty="0" err="1" smtClean="0"/>
+              <a:t>set</a:t>
+            </a:r>
+            <a:endParaRPr lang="en-US" sz="1600" dirty="0"/>
+          </a:p>
+        </p:txBody>
+      </p:sp>
+      <p:pic>
+        <p:nvPicPr>
+          <p:cNvPr id="133" name="Grafik 132"/>
+          <p:cNvPicPr>
+            <a:picLocks noChangeAspect="1"/>
+          </p:cNvPicPr>
+          <p:nvPr/>
+        </p:nvPicPr>
+        <p:blipFill>
+          <a:blip r:embed="rId51">
+            <a:extLst>
+              <a:ext uri="{28A0092B-C50C-407E-A947-70E740481C1C}">
+                <a14:useLocalDpi xmlns:a14="http://schemas.microsoft.com/office/drawing/2010/main" val="0"/>
+              </a:ext>
+            </a:extLst>
+          </a:blip>
+          <a:stretch>
+            <a:fillRect/>
+          </a:stretch>
+        </p:blipFill>
+        <p:spPr>
+          <a:xfrm>
+            <a:off x="8698048" y="29793906"/>
+            <a:ext cx="711553" cy="714730"/>
+          </a:xfrm>
+          <a:prstGeom prst="rect">
+            <a:avLst/>
+          </a:prstGeom>
+        </p:spPr>
+      </p:pic>
+      <p:pic>
+        <p:nvPicPr>
+          <p:cNvPr id="137" name="Grafik 136"/>
+          <p:cNvPicPr>
+            <a:picLocks noChangeAspect="1"/>
+          </p:cNvPicPr>
+          <p:nvPr/>
+        </p:nvPicPr>
+        <p:blipFill>
+          <a:blip r:embed="rId52">
+            <a:extLst>
+              <a:ext uri="{28A0092B-C50C-407E-A947-70E740481C1C}">
+                <a14:useLocalDpi xmlns:a14="http://schemas.microsoft.com/office/drawing/2010/main" val="0"/>
+              </a:ext>
+            </a:extLst>
+          </a:blip>
+          <a:stretch>
+            <a:fillRect/>
+          </a:stretch>
+        </p:blipFill>
+        <p:spPr>
+          <a:xfrm flipH="1">
+            <a:off x="14972128" y="31024384"/>
+            <a:ext cx="330956" cy="330956"/>
+          </a:xfrm>
+          <a:prstGeom prst="rect">
+            <a:avLst/>
+          </a:prstGeom>
+        </p:spPr>
+      </p:pic>
+      <p:pic>
+        <p:nvPicPr>
+          <p:cNvPr id="139" name="Grafik 138"/>
+          <p:cNvPicPr>
+            <a:picLocks noChangeAspect="1"/>
+          </p:cNvPicPr>
+          <p:nvPr/>
+        </p:nvPicPr>
+        <p:blipFill>
+          <a:blip r:embed="rId53">
+            <a:extLst>
+              <a:ext uri="{28A0092B-C50C-407E-A947-70E740481C1C}">
+                <a14:useLocalDpi xmlns:a14="http://schemas.microsoft.com/office/drawing/2010/main" val="0"/>
+              </a:ext>
+            </a:extLst>
+          </a:blip>
+          <a:stretch>
+            <a:fillRect/>
+          </a:stretch>
+        </p:blipFill>
+        <p:spPr>
+          <a:xfrm>
+            <a:off x="14804035" y="31774294"/>
+            <a:ext cx="336480" cy="336480"/>
+          </a:xfrm>
+          <a:prstGeom prst="rect">
+            <a:avLst/>
+          </a:prstGeom>
+        </p:spPr>
+      </p:pic>
+      <p:pic>
+        <p:nvPicPr>
+          <p:cNvPr id="140" name="Grafik 139"/>
+          <p:cNvPicPr>
+            <a:picLocks noChangeAspect="1"/>
+          </p:cNvPicPr>
+          <p:nvPr/>
+        </p:nvPicPr>
+        <p:blipFill>
+          <a:blip r:embed="rId54">
+            <a:extLst>
+              <a:ext uri="{28A0092B-C50C-407E-A947-70E740481C1C}">
+                <a14:useLocalDpi xmlns:a14="http://schemas.microsoft.com/office/drawing/2010/main" val="0"/>
+              </a:ext>
+            </a:extLst>
+          </a:blip>
+          <a:stretch>
+            <a:fillRect/>
+          </a:stretch>
+        </p:blipFill>
+        <p:spPr>
+          <a:xfrm>
+            <a:off x="15205091" y="31774294"/>
+            <a:ext cx="326058" cy="326058"/>
+          </a:xfrm>
+          <a:prstGeom prst="rect">
+            <a:avLst/>
+          </a:prstGeom>
+        </p:spPr>
+      </p:pic>
+      <p:pic>
+        <p:nvPicPr>
+          <p:cNvPr id="141" name="Grafik 140"/>
+          <p:cNvPicPr>
+            <a:picLocks noChangeAspect="1"/>
+          </p:cNvPicPr>
+          <p:nvPr/>
+        </p:nvPicPr>
+        <p:blipFill>
+          <a:blip r:embed="rId55">
+            <a:extLst>
+              <a:ext uri="{28A0092B-C50C-407E-A947-70E740481C1C}">
+                <a14:useLocalDpi xmlns:a14="http://schemas.microsoft.com/office/drawing/2010/main" val="0"/>
+              </a:ext>
+            </a:extLst>
+          </a:blip>
+          <a:stretch>
+            <a:fillRect/>
+          </a:stretch>
+        </p:blipFill>
+        <p:spPr>
+          <a:xfrm>
+            <a:off x="15434237" y="32825841"/>
+            <a:ext cx="183367" cy="310685"/>
+          </a:xfrm>
+          <a:prstGeom prst="rect">
+            <a:avLst/>
+          </a:prstGeom>
+        </p:spPr>
+      </p:pic>
+      <p:pic>
+        <p:nvPicPr>
+          <p:cNvPr id="147" name="Grafik 146"/>
+          <p:cNvPicPr>
+            <a:picLocks noChangeAspect="1"/>
+          </p:cNvPicPr>
+          <p:nvPr/>
+        </p:nvPicPr>
+        <p:blipFill>
+          <a:blip r:embed="rId56">
+            <a:extLst>
+              <a:ext uri="{28A0092B-C50C-407E-A947-70E740481C1C}">
+                <a14:useLocalDpi xmlns:a14="http://schemas.microsoft.com/office/drawing/2010/main" val="0"/>
+              </a:ext>
+            </a:extLst>
+          </a:blip>
+          <a:stretch>
+            <a:fillRect/>
+          </a:stretch>
+        </p:blipFill>
+        <p:spPr>
+          <a:xfrm>
+            <a:off x="14199203" y="32546512"/>
+            <a:ext cx="838844" cy="579140"/>
+          </a:xfrm>
+          <a:prstGeom prst="rect">
+            <a:avLst/>
+          </a:prstGeom>
+        </p:spPr>
+      </p:pic>
+      <p:pic>
+        <p:nvPicPr>
+          <p:cNvPr id="148" name="Grafik 147"/>
+          <p:cNvPicPr>
+            <a:picLocks noChangeAspect="1"/>
+          </p:cNvPicPr>
+          <p:nvPr/>
+        </p:nvPicPr>
+        <p:blipFill>
+          <a:blip r:embed="rId57">
+            <a:extLst>
+              <a:ext uri="{28A0092B-C50C-407E-A947-70E740481C1C}">
+                <a14:useLocalDpi xmlns:a14="http://schemas.microsoft.com/office/drawing/2010/main" val="0"/>
+              </a:ext>
+            </a:extLst>
+          </a:blip>
+          <a:stretch>
+            <a:fillRect/>
+          </a:stretch>
+        </p:blipFill>
+        <p:spPr>
+          <a:xfrm>
+            <a:off x="15710693" y="34388516"/>
+            <a:ext cx="436529" cy="436529"/>
+          </a:xfrm>
+          <a:prstGeom prst="rect">
+            <a:avLst/>
+          </a:prstGeom>
+        </p:spPr>
+      </p:pic>
+      <p:pic>
+        <p:nvPicPr>
+          <p:cNvPr id="150" name="Grafik 149"/>
+          <p:cNvPicPr>
+            <a:picLocks noChangeAspect="1"/>
+          </p:cNvPicPr>
+          <p:nvPr/>
+        </p:nvPicPr>
+        <p:blipFill>
+          <a:blip r:embed="rId58">
+            <a:extLst>
+              <a:ext uri="{28A0092B-C50C-407E-A947-70E740481C1C}">
+                <a14:useLocalDpi xmlns:a14="http://schemas.microsoft.com/office/drawing/2010/main" val="0"/>
+              </a:ext>
+            </a:extLst>
+          </a:blip>
+          <a:stretch>
+            <a:fillRect/>
+          </a:stretch>
+        </p:blipFill>
+        <p:spPr>
+          <a:xfrm>
+            <a:off x="14249069" y="33107385"/>
+            <a:ext cx="622151" cy="250415"/>
+          </a:xfrm>
+          <a:prstGeom prst="rect">
+            <a:avLst/>
+          </a:prstGeom>
+        </p:spPr>
+      </p:pic>
+      <p:pic>
+        <p:nvPicPr>
+          <p:cNvPr id="157" name="Grafik 156"/>
+          <p:cNvPicPr>
+            <a:picLocks noChangeAspect="1"/>
+          </p:cNvPicPr>
+          <p:nvPr/>
+        </p:nvPicPr>
+        <p:blipFill>
+          <a:blip r:embed="rId59" cstate="print">
+            <a:extLst>
+              <a:ext uri="{28A0092B-C50C-407E-A947-70E740481C1C}">
+                <a14:useLocalDpi xmlns:a14="http://schemas.microsoft.com/office/drawing/2010/main" val="0"/>
+              </a:ext>
+            </a:extLst>
+          </a:blip>
+          <a:stretch>
+            <a:fillRect/>
+          </a:stretch>
+        </p:blipFill>
+        <p:spPr>
+          <a:xfrm>
+            <a:off x="15171546" y="33350042"/>
+            <a:ext cx="753931" cy="216355"/>
+          </a:xfrm>
+          <a:prstGeom prst="rect">
+            <a:avLst/>
+          </a:prstGeom>
+        </p:spPr>
+      </p:pic>
+      <p:pic>
+        <p:nvPicPr>
+          <p:cNvPr id="158" name="Grafik 157"/>
+          <p:cNvPicPr>
+            <a:picLocks noChangeAspect="1"/>
+          </p:cNvPicPr>
+          <p:nvPr/>
+        </p:nvPicPr>
+        <p:blipFill>
+          <a:blip r:embed="rId60">
+            <a:extLst>
+              <a:ext uri="{28A0092B-C50C-407E-A947-70E740481C1C}">
+                <a14:useLocalDpi xmlns:a14="http://schemas.microsoft.com/office/drawing/2010/main" val="0"/>
+              </a:ext>
+            </a:extLst>
+          </a:blip>
+          <a:stretch>
+            <a:fillRect/>
+          </a:stretch>
+        </p:blipFill>
+        <p:spPr>
+          <a:xfrm>
+            <a:off x="14574792" y="34282222"/>
+            <a:ext cx="1190050" cy="649118"/>
+          </a:xfrm>
+          <a:prstGeom prst="rect">
+            <a:avLst/>
+          </a:prstGeom>
+        </p:spPr>
+      </p:pic>
+      <p:pic>
+        <p:nvPicPr>
+          <p:cNvPr id="159" name="Grafik 158"/>
+          <p:cNvPicPr>
+            <a:picLocks noChangeAspect="1"/>
+          </p:cNvPicPr>
+          <p:nvPr/>
+        </p:nvPicPr>
+        <p:blipFill>
+          <a:blip r:embed="rId61">
+            <a:extLst>
+              <a:ext uri="{28A0092B-C50C-407E-A947-70E740481C1C}">
+                <a14:useLocalDpi xmlns:a14="http://schemas.microsoft.com/office/drawing/2010/main" val="0"/>
+              </a:ext>
+            </a:extLst>
+          </a:blip>
+          <a:stretch>
+            <a:fillRect/>
+          </a:stretch>
+        </p:blipFill>
+        <p:spPr>
+          <a:xfrm>
+            <a:off x="15365416" y="33642343"/>
+            <a:ext cx="517037" cy="342818"/>
+          </a:xfrm>
+          <a:prstGeom prst="rect">
+            <a:avLst/>
+          </a:prstGeom>
+        </p:spPr>
+      </p:pic>
+      <p:pic>
+        <p:nvPicPr>
+          <p:cNvPr id="160" name="Grafik 159"/>
+          <p:cNvPicPr>
+            <a:picLocks noChangeAspect="1"/>
+          </p:cNvPicPr>
+          <p:nvPr/>
+        </p:nvPicPr>
+        <p:blipFill>
+          <a:blip r:embed="rId62" cstate="print">
+            <a:extLst>
+              <a:ext uri="{28A0092B-C50C-407E-A947-70E740481C1C}">
+                <a14:useLocalDpi xmlns:a14="http://schemas.microsoft.com/office/drawing/2010/main" val="0"/>
+              </a:ext>
+            </a:extLst>
+          </a:blip>
+          <a:stretch>
+            <a:fillRect/>
+          </a:stretch>
+        </p:blipFill>
+        <p:spPr>
+          <a:xfrm>
+            <a:off x="15053332" y="32822919"/>
+            <a:ext cx="422041" cy="316531"/>
+          </a:xfrm>
+          <a:prstGeom prst="rect">
+            <a:avLst/>
+          </a:prstGeom>
+        </p:spPr>
+      </p:pic>
       <p:sp>
         <p:nvSpPr>
           <p:cNvPr id="55" name="Pfeil nach rechts 54"/>
@@ -8053,9 +11293,9 @@
           <p:nvPr/>
         </p:nvSpPr>
         <p:spPr>
-          <a:xfrm rot="672030">
-            <a:off x="8623999" y="32665230"/>
-            <a:ext cx="1281389" cy="372899"/>
+          <a:xfrm rot="2708895" flipH="1">
+            <a:off x="7470808" y="31580517"/>
+            <a:ext cx="2528841" cy="433390"/>
           </a:xfrm>
           <a:prstGeom prst="rightArrow">
             <a:avLst/>
@@ -8093,14 +11333,14 @@
       </p:sp>
       <p:sp>
         <p:nvSpPr>
-          <p:cNvPr id="57" name="Pfeil nach rechts 56"/>
+          <p:cNvPr id="58" name="Pfeil nach rechts 57"/>
           <p:cNvSpPr/>
           <p:nvPr/>
         </p:nvSpPr>
         <p:spPr>
-          <a:xfrm rot="902938">
-            <a:off x="7865206" y="32952329"/>
-            <a:ext cx="9573271" cy="456049"/>
+          <a:xfrm rot="3025132">
+            <a:off x="15013018" y="32291877"/>
+            <a:ext cx="2770544" cy="408764"/>
           </a:xfrm>
           <a:prstGeom prst="rightArrow">
             <a:avLst/>
@@ -8109,7 +11349,7 @@
             <a:schemeClr val="tx2">
               <a:lumMod val="20000"/>
               <a:lumOff val="80000"/>
-              <a:alpha val="21000"/>
+              <a:alpha val="20000"/>
             </a:schemeClr>
           </a:solidFill>
         </p:spPr>
@@ -8136,16 +11376,57 @@
           </a:p>
         </p:txBody>
       </p:sp>
-      <p:sp>
-        <p:nvSpPr>
-          <p:cNvPr id="58" name="Pfeil nach rechts 57"/>
+      <p:pic>
+        <p:nvPicPr>
+          <p:cNvPr id="3182" name="Picture 110" descr="http://www.r-project.org/Rlogo.jpg"/>
+          <p:cNvPicPr>
+            <a:picLocks noChangeAspect="1" noChangeArrowheads="1"/>
+          </p:cNvPicPr>
+          <p:nvPr/>
+        </p:nvPicPr>
+        <p:blipFill>
+          <a:blip r:embed="rId63">
+            <a:extLst>
+              <a:ext uri="{28A0092B-C50C-407E-A947-70E740481C1C}">
+                <a14:useLocalDpi xmlns:a14="http://schemas.microsoft.com/office/drawing/2010/main" val="0"/>
+              </a:ext>
+            </a:extLst>
+          </a:blip>
+          <a:srcRect/>
+          <a:stretch>
+            <a:fillRect/>
+          </a:stretch>
+        </p:blipFill>
+        <p:spPr bwMode="auto">
+          <a:xfrm>
+            <a:off x="27470304" y="17948395"/>
+            <a:ext cx="363831" cy="276511"/>
+          </a:xfrm>
+          <a:prstGeom prst="rect">
+            <a:avLst/>
+          </a:prstGeom>
+          <a:noFill/>
+          <a:extLst>
+            <a:ext uri="{909E8E84-426E-40DD-AFC4-6F175D3DCCD1}">
+              <a14:hiddenFill xmlns:a14="http://schemas.microsoft.com/office/drawing/2010/main">
+                <a:solidFill>
+                  <a:srgbClr val="FFFFFF"/>
+                </a:solidFill>
+              </a14:hiddenFill>
+            </a:ext>
+          </a:extLst>
+        </p:spPr>
+      </p:pic>
+      <p:sp>
+        <p:nvSpPr>
+          <p:cNvPr id="161" name="Pfeil nach rechts 160"/>
           <p:cNvSpPr/>
           <p:nvPr/>
         </p:nvSpPr>
         <p:spPr>
-          <a:xfrm rot="847836">
-            <a:off x="7629816" y="32130682"/>
-            <a:ext cx="9760712" cy="410742"/>
+          <a:xfrm rot="3025132">
+            <a:off x="15030757" y="33092135"/>
+            <a:ext cx="2770544" cy="408764"/>
           </a:xfrm>
           <a:prstGeom prst="rightArrow">
             <a:avLst/>
@@ -8181,6 +11462,3052 @@
           </a:p>
         </p:txBody>
       </p:sp>
+      <p:sp>
+        <p:nvSpPr>
+          <p:cNvPr id="162" name="Rechteck 161"/>
+          <p:cNvSpPr/>
+          <p:nvPr/>
+        </p:nvSpPr>
+        <p:spPr>
+          <a:xfrm>
+            <a:off x="26839542" y="21766104"/>
+            <a:ext cx="2285787" cy="3533115"/>
+          </a:xfrm>
+          <a:prstGeom prst="rect">
+            <a:avLst/>
+          </a:prstGeom>
+          <a:solidFill>
+            <a:schemeClr val="bg2">
+              <a:lumMod val="90000"/>
+            </a:schemeClr>
+          </a:solidFill>
+          <a:ln>
+            <a:noFill/>
+          </a:ln>
+        </p:spPr>
+        <p:style>
+          <a:lnRef idx="2">
+            <a:schemeClr val="accent3">
+              <a:shade val="50000"/>
+            </a:schemeClr>
+          </a:lnRef>
+          <a:fillRef idx="1">
+            <a:schemeClr val="accent3"/>
+          </a:fillRef>
+          <a:effectRef idx="0">
+            <a:schemeClr val="accent3"/>
+          </a:effectRef>
+          <a:fontRef idx="minor">
+            <a:schemeClr val="lt1"/>
+          </a:fontRef>
+        </p:style>
+        <p:txBody>
+          <a:bodyPr rtlCol="0" anchor="ctr"/>
+          <a:lstStyle/>
+          <a:p>
+            <a:pPr algn="ctr"/>
+            <a:endParaRPr lang="en-US" sz="1350" dirty="0"/>
+          </a:p>
+        </p:txBody>
+      </p:sp>
+      <p:sp>
+        <p:nvSpPr>
+          <p:cNvPr id="163" name="Rechteck 162"/>
+          <p:cNvSpPr/>
+          <p:nvPr/>
+        </p:nvSpPr>
+        <p:spPr>
+          <a:xfrm>
+            <a:off x="20109313" y="25299219"/>
+            <a:ext cx="9035373" cy="841316"/>
+          </a:xfrm>
+          <a:prstGeom prst="rect">
+            <a:avLst/>
+          </a:prstGeom>
+          <a:solidFill>
+            <a:schemeClr val="accent4">
+              <a:lumMod val="20000"/>
+              <a:lumOff val="80000"/>
+            </a:schemeClr>
+          </a:solidFill>
+          <a:ln>
+            <a:noFill/>
+          </a:ln>
+        </p:spPr>
+        <p:style>
+          <a:lnRef idx="2">
+            <a:schemeClr val="accent3">
+              <a:shade val="50000"/>
+            </a:schemeClr>
+          </a:lnRef>
+          <a:fillRef idx="1">
+            <a:schemeClr val="accent3"/>
+          </a:fillRef>
+          <a:effectRef idx="0">
+            <a:schemeClr val="accent3"/>
+          </a:effectRef>
+          <a:fontRef idx="minor">
+            <a:schemeClr val="lt1"/>
+          </a:fontRef>
+        </p:style>
+        <p:txBody>
+          <a:bodyPr rtlCol="0" anchor="ctr"/>
+          <a:lstStyle/>
+          <a:p>
+            <a:pPr algn="ctr"/>
+            <a:endParaRPr lang="en-US" sz="1350"/>
+          </a:p>
+        </p:txBody>
+      </p:sp>
+      <p:sp>
+        <p:nvSpPr>
+          <p:cNvPr id="164" name="Rechteck 163"/>
+          <p:cNvSpPr/>
+          <p:nvPr/>
+        </p:nvSpPr>
+        <p:spPr>
+          <a:xfrm>
+            <a:off x="20090070" y="21766105"/>
+            <a:ext cx="6740927" cy="3523564"/>
+          </a:xfrm>
+          <a:prstGeom prst="rect">
+            <a:avLst/>
+          </a:prstGeom>
+          <a:solidFill>
+            <a:schemeClr val="accent5">
+              <a:lumMod val="20000"/>
+              <a:lumOff val="80000"/>
+            </a:schemeClr>
+          </a:solidFill>
+          <a:ln>
+            <a:noFill/>
+          </a:ln>
+        </p:spPr>
+        <p:style>
+          <a:lnRef idx="2">
+            <a:schemeClr val="accent3">
+              <a:shade val="50000"/>
+            </a:schemeClr>
+          </a:lnRef>
+          <a:fillRef idx="1">
+            <a:schemeClr val="accent3"/>
+          </a:fillRef>
+          <a:effectRef idx="0">
+            <a:schemeClr val="accent3"/>
+          </a:effectRef>
+          <a:fontRef idx="minor">
+            <a:schemeClr val="lt1"/>
+          </a:fontRef>
+        </p:style>
+        <p:txBody>
+          <a:bodyPr rtlCol="0" anchor="ctr"/>
+          <a:lstStyle/>
+          <a:p>
+            <a:pPr algn="ctr"/>
+            <a:endParaRPr lang="en-US" sz="1350" dirty="0"/>
+          </a:p>
+        </p:txBody>
+      </p:sp>
+      <p:sp>
+        <p:nvSpPr>
+          <p:cNvPr id="165" name="Rechteck 164"/>
+          <p:cNvSpPr/>
+          <p:nvPr/>
+        </p:nvSpPr>
+        <p:spPr>
+          <a:xfrm>
+            <a:off x="23982259" y="25379716"/>
+            <a:ext cx="2016919" cy="648863"/>
+          </a:xfrm>
+          <a:prstGeom prst="rect">
+            <a:avLst/>
+          </a:prstGeom>
+          <a:solidFill>
+            <a:schemeClr val="accent6">
+              <a:lumMod val="20000"/>
+              <a:lumOff val="80000"/>
+            </a:schemeClr>
+          </a:solidFill>
+        </p:spPr>
+        <p:style>
+          <a:lnRef idx="2">
+            <a:schemeClr val="accent3">
+              <a:shade val="50000"/>
+            </a:schemeClr>
+          </a:lnRef>
+          <a:fillRef idx="1">
+            <a:schemeClr val="accent3"/>
+          </a:fillRef>
+          <a:effectRef idx="0">
+            <a:schemeClr val="accent3"/>
+          </a:effectRef>
+          <a:fontRef idx="minor">
+            <a:schemeClr val="lt1"/>
+          </a:fontRef>
+        </p:style>
+        <p:txBody>
+          <a:bodyPr rtlCol="0" anchor="ctr"/>
+          <a:lstStyle/>
+          <a:p>
+            <a:pPr algn="ctr"/>
+            <a:endParaRPr lang="en-US" sz="1350"/>
+          </a:p>
+        </p:txBody>
+      </p:sp>
+      <p:sp>
+        <p:nvSpPr>
+          <p:cNvPr id="166" name="Rechteck 165"/>
+          <p:cNvSpPr/>
+          <p:nvPr/>
+        </p:nvSpPr>
+        <p:spPr>
+          <a:xfrm>
+            <a:off x="24512209" y="24029678"/>
+            <a:ext cx="899717" cy="429433"/>
+          </a:xfrm>
+          <a:prstGeom prst="rect">
+            <a:avLst/>
+          </a:prstGeom>
+          <a:solidFill>
+            <a:schemeClr val="accent6">
+              <a:lumMod val="20000"/>
+              <a:lumOff val="80000"/>
+            </a:schemeClr>
+          </a:solidFill>
+        </p:spPr>
+        <p:style>
+          <a:lnRef idx="2">
+            <a:schemeClr val="accent3">
+              <a:shade val="50000"/>
+            </a:schemeClr>
+          </a:lnRef>
+          <a:fillRef idx="1">
+            <a:schemeClr val="accent3"/>
+          </a:fillRef>
+          <a:effectRef idx="0">
+            <a:schemeClr val="accent3"/>
+          </a:effectRef>
+          <a:fontRef idx="minor">
+            <a:schemeClr val="lt1"/>
+          </a:fontRef>
+        </p:style>
+        <p:txBody>
+          <a:bodyPr rtlCol="0" anchor="ctr"/>
+          <a:lstStyle/>
+          <a:p>
+            <a:pPr algn="ctr"/>
+            <a:endParaRPr lang="en-US" sz="1350"/>
+          </a:p>
+        </p:txBody>
+      </p:sp>
+      <p:sp>
+        <p:nvSpPr>
+          <p:cNvPr id="167" name="Rechteck 166"/>
+          <p:cNvSpPr/>
+          <p:nvPr/>
+        </p:nvSpPr>
+        <p:spPr>
+          <a:xfrm>
+            <a:off x="23448029" y="21962763"/>
+            <a:ext cx="3085378" cy="788865"/>
+          </a:xfrm>
+          <a:prstGeom prst="rect">
+            <a:avLst/>
+          </a:prstGeom>
+          <a:solidFill>
+            <a:schemeClr val="accent6">
+              <a:lumMod val="20000"/>
+              <a:lumOff val="80000"/>
+            </a:schemeClr>
+          </a:solidFill>
+        </p:spPr>
+        <p:style>
+          <a:lnRef idx="2">
+            <a:schemeClr val="accent3">
+              <a:shade val="50000"/>
+            </a:schemeClr>
+          </a:lnRef>
+          <a:fillRef idx="1">
+            <a:schemeClr val="accent3"/>
+          </a:fillRef>
+          <a:effectRef idx="0">
+            <a:schemeClr val="accent3"/>
+          </a:effectRef>
+          <a:fontRef idx="minor">
+            <a:schemeClr val="lt1"/>
+          </a:fontRef>
+        </p:style>
+        <p:txBody>
+          <a:bodyPr rtlCol="0" anchor="ctr"/>
+          <a:lstStyle/>
+          <a:p>
+            <a:pPr algn="ctr"/>
+            <a:endParaRPr lang="en-US" sz="1350"/>
+          </a:p>
+        </p:txBody>
+      </p:sp>
+      <p:sp>
+        <p:nvSpPr>
+          <p:cNvPr id="168" name="Inhaltsplatzhalter 2"/>
+          <p:cNvSpPr txBox="1">
+            <a:spLocks/>
+          </p:cNvSpPr>
+          <p:nvPr/>
+        </p:nvSpPr>
+        <p:spPr>
+          <a:xfrm>
+            <a:off x="23523111" y="22074255"/>
+            <a:ext cx="2910712" cy="541214"/>
+          </a:xfrm>
+          <a:prstGeom prst="rect">
+            <a:avLst/>
+          </a:prstGeom>
+        </p:spPr>
+        <p:txBody>
+          <a:bodyPr vert="horz" lIns="91440" tIns="45720" rIns="91440" bIns="45720" rtlCol="0">
+            <a:normAutofit fontScale="85000" lnSpcReduction="20000"/>
+          </a:bodyPr>
+          <a:lstStyle>
+            <a:lvl1pPr marL="274320" indent="-274320" algn="l" defTabSz="914400" rtl="0" eaLnBrk="1" latinLnBrk="0" hangingPunct="1">
+              <a:spcBef>
+                <a:spcPct val="20000"/>
+              </a:spcBef>
+              <a:buClr>
+                <a:schemeClr val="accent1"/>
+              </a:buClr>
+              <a:buSzPct val="100000"/>
+              <a:buFont typeface="Symbol" pitchFamily="18" charset="2"/>
+              <a:buChar char=""/>
+              <a:defRPr sz="2400" kern="1200">
+                <a:solidFill>
+                  <a:schemeClr val="tx2"/>
+                </a:solidFill>
+                <a:latin typeface="+mn-lt"/>
+                <a:ea typeface="+mn-ea"/>
+                <a:cs typeface="+mn-cs"/>
+              </a:defRPr>
+            </a:lvl1pPr>
+            <a:lvl2pPr marL="576263" indent="-274320" algn="l" defTabSz="914400" rtl="0" eaLnBrk="1" latinLnBrk="0" hangingPunct="1">
+              <a:spcBef>
+                <a:spcPct val="20000"/>
+              </a:spcBef>
+              <a:buClr>
+                <a:schemeClr val="accent1"/>
+              </a:buClr>
+              <a:buSzPct val="100000"/>
+              <a:buFont typeface="Symbol" pitchFamily="18" charset="2"/>
+              <a:buChar char=""/>
+              <a:defRPr sz="2200" kern="1200">
+                <a:solidFill>
+                  <a:schemeClr val="tx2"/>
+                </a:solidFill>
+                <a:latin typeface="+mn-lt"/>
+                <a:ea typeface="+mn-ea"/>
+                <a:cs typeface="+mn-cs"/>
+              </a:defRPr>
+            </a:lvl2pPr>
+            <a:lvl3pPr marL="855663" indent="-228600" algn="l" defTabSz="914400" rtl="0" eaLnBrk="1" latinLnBrk="0" hangingPunct="1">
+              <a:spcBef>
+                <a:spcPct val="20000"/>
+              </a:spcBef>
+              <a:buClr>
+                <a:schemeClr val="accent1"/>
+              </a:buClr>
+              <a:buSzPct val="100000"/>
+              <a:buFont typeface="Symbol" pitchFamily="18" charset="2"/>
+              <a:buChar char=""/>
+              <a:defRPr sz="2000" kern="1200">
+                <a:solidFill>
+                  <a:schemeClr val="tx2"/>
+                </a:solidFill>
+                <a:latin typeface="+mn-lt"/>
+                <a:ea typeface="+mn-ea"/>
+                <a:cs typeface="+mn-cs"/>
+              </a:defRPr>
+            </a:lvl3pPr>
+            <a:lvl4pPr marL="1143000" indent="-228600" algn="l" defTabSz="914400" rtl="0" eaLnBrk="1" latinLnBrk="0" hangingPunct="1">
+              <a:spcBef>
+                <a:spcPct val="20000"/>
+              </a:spcBef>
+              <a:buClr>
+                <a:schemeClr val="accent1"/>
+              </a:buClr>
+              <a:buSzPct val="100000"/>
+              <a:buFont typeface="Symbol" pitchFamily="18" charset="2"/>
+              <a:buChar char=""/>
+              <a:defRPr sz="1800" kern="1200">
+                <a:solidFill>
+                  <a:schemeClr val="tx2"/>
+                </a:solidFill>
+                <a:latin typeface="+mn-lt"/>
+                <a:ea typeface="+mn-ea"/>
+                <a:cs typeface="+mn-cs"/>
+              </a:defRPr>
+            </a:lvl4pPr>
+            <a:lvl5pPr marL="1463040" indent="-228600" algn="l" defTabSz="914400" rtl="0" eaLnBrk="1" latinLnBrk="0" hangingPunct="1">
+              <a:spcBef>
+                <a:spcPct val="20000"/>
+              </a:spcBef>
+              <a:buClr>
+                <a:schemeClr val="accent1"/>
+              </a:buClr>
+              <a:buSzPct val="100000"/>
+              <a:buFont typeface="Symbol" pitchFamily="18" charset="2"/>
+              <a:buChar char=""/>
+              <a:defRPr sz="1600" kern="1200">
+                <a:solidFill>
+                  <a:schemeClr val="tx2"/>
+                </a:solidFill>
+                <a:latin typeface="+mn-lt"/>
+                <a:ea typeface="+mn-ea"/>
+                <a:cs typeface="+mn-cs"/>
+              </a:defRPr>
+            </a:lvl5pPr>
+            <a:lvl6pPr marL="1783080" indent="-228600" algn="l" defTabSz="914400" rtl="0" eaLnBrk="1" latinLnBrk="0" hangingPunct="1">
+              <a:spcBef>
+                <a:spcPts val="384"/>
+              </a:spcBef>
+              <a:buClr>
+                <a:schemeClr val="accent1"/>
+              </a:buClr>
+              <a:buFont typeface="Symbol" pitchFamily="18" charset="2"/>
+              <a:buChar char="*"/>
+              <a:defRPr sz="1400" kern="1200">
+                <a:solidFill>
+                  <a:schemeClr val="tx2"/>
+                </a:solidFill>
+                <a:latin typeface="+mn-lt"/>
+                <a:ea typeface="+mn-ea"/>
+                <a:cs typeface="+mn-cs"/>
+              </a:defRPr>
+            </a:lvl6pPr>
+            <a:lvl7pPr marL="2103120" indent="-228600" algn="l" defTabSz="914400" rtl="0" eaLnBrk="1" latinLnBrk="0" hangingPunct="1">
+              <a:spcBef>
+                <a:spcPts val="384"/>
+              </a:spcBef>
+              <a:buClr>
+                <a:schemeClr val="accent1"/>
+              </a:buClr>
+              <a:buFont typeface="Symbol" pitchFamily="18" charset="2"/>
+              <a:buChar char="*"/>
+              <a:defRPr sz="1400" kern="1200">
+                <a:solidFill>
+                  <a:schemeClr val="tx2"/>
+                </a:solidFill>
+                <a:latin typeface="+mn-lt"/>
+                <a:ea typeface="+mn-ea"/>
+                <a:cs typeface="+mn-cs"/>
+              </a:defRPr>
+            </a:lvl7pPr>
+            <a:lvl8pPr marL="2423160" indent="-228600" algn="l" defTabSz="914400" rtl="0" eaLnBrk="1" latinLnBrk="0" hangingPunct="1">
+              <a:spcBef>
+                <a:spcPts val="384"/>
+              </a:spcBef>
+              <a:buClr>
+                <a:schemeClr val="accent1"/>
+              </a:buClr>
+              <a:buFont typeface="Symbol" pitchFamily="18" charset="2"/>
+              <a:buChar char="*"/>
+              <a:defRPr sz="1400" kern="1200">
+                <a:solidFill>
+                  <a:schemeClr val="tx2"/>
+                </a:solidFill>
+                <a:latin typeface="+mn-lt"/>
+                <a:ea typeface="+mn-ea"/>
+                <a:cs typeface="+mn-cs"/>
+              </a:defRPr>
+            </a:lvl8pPr>
+            <a:lvl9pPr marL="2743200" indent="-228600" algn="l" defTabSz="914400" rtl="0" eaLnBrk="1" latinLnBrk="0" hangingPunct="1">
+              <a:spcBef>
+                <a:spcPts val="384"/>
+              </a:spcBef>
+              <a:buClr>
+                <a:schemeClr val="accent1"/>
+              </a:buClr>
+              <a:buFont typeface="Symbol" pitchFamily="18" charset="2"/>
+              <a:buChar char="*"/>
+              <a:defRPr sz="1400" kern="1200">
+                <a:solidFill>
+                  <a:schemeClr val="tx2"/>
+                </a:solidFill>
+                <a:latin typeface="+mn-lt"/>
+                <a:ea typeface="+mn-ea"/>
+                <a:cs typeface="+mn-cs"/>
+              </a:defRPr>
+            </a:lvl9pPr>
+          </a:lstStyle>
+          <a:p>
+            <a:pPr marL="0" indent="0" algn="ctr">
+              <a:buFont typeface="Symbol" pitchFamily="18" charset="2"/>
+              <a:buNone/>
+            </a:pPr>
+            <a:r>
+              <a:rPr lang="de-DE" sz="1800" b="1" i="1" dirty="0" err="1" smtClean="0">
+                <a:solidFill>
+                  <a:schemeClr val="tx1">
+                    <a:lumMod val="75000"/>
+                    <a:lumOff val="25000"/>
+                  </a:schemeClr>
+                </a:solidFill>
+              </a:rPr>
+              <a:t>Proprietary</a:t>
+            </a:r>
+            <a:r>
+              <a:rPr lang="de-DE" sz="1800" b="1" i="1" dirty="0" smtClean="0">
+                <a:solidFill>
+                  <a:schemeClr val="tx1">
+                    <a:lumMod val="75000"/>
+                    <a:lumOff val="25000"/>
+                  </a:schemeClr>
+                </a:solidFill>
+              </a:rPr>
+              <a:t> </a:t>
+            </a:r>
+            <a:r>
+              <a:rPr lang="de-DE" sz="1800" b="1" i="1" dirty="0" err="1" smtClean="0">
+                <a:solidFill>
+                  <a:schemeClr val="tx1">
+                    <a:lumMod val="75000"/>
+                    <a:lumOff val="25000"/>
+                  </a:schemeClr>
+                </a:solidFill>
+              </a:rPr>
+              <a:t>Vendor</a:t>
+            </a:r>
+            <a:r>
+              <a:rPr lang="de-DE" sz="1800" b="1" i="1" dirty="0" smtClean="0">
+                <a:solidFill>
+                  <a:schemeClr val="tx1">
+                    <a:lumMod val="75000"/>
+                    <a:lumOff val="25000"/>
+                  </a:schemeClr>
+                </a:solidFill>
+              </a:rPr>
+              <a:t> Formats</a:t>
+            </a:r>
+          </a:p>
+          <a:p>
+            <a:pPr marL="0" indent="0" algn="ctr">
+              <a:buFont typeface="Symbol" pitchFamily="18" charset="2"/>
+              <a:buNone/>
+            </a:pPr>
+            <a:r>
+              <a:rPr lang="de-DE" sz="1800" dirty="0" err="1" smtClean="0">
+                <a:solidFill>
+                  <a:schemeClr val="tx1">
+                    <a:lumMod val="75000"/>
+                    <a:lumOff val="25000"/>
+                  </a:schemeClr>
+                </a:solidFill>
+              </a:rPr>
+              <a:t>Bruker</a:t>
+            </a:r>
+            <a:r>
+              <a:rPr lang="de-DE" sz="1800" dirty="0" smtClean="0">
+                <a:solidFill>
+                  <a:schemeClr val="tx1">
+                    <a:lumMod val="75000"/>
+                    <a:lumOff val="25000"/>
+                  </a:schemeClr>
+                </a:solidFill>
+              </a:rPr>
+              <a:t> </a:t>
+            </a:r>
+            <a:r>
+              <a:rPr lang="de-DE" sz="1800" dirty="0" err="1" smtClean="0">
+                <a:solidFill>
+                  <a:schemeClr val="tx1">
+                    <a:lumMod val="75000"/>
+                    <a:lumOff val="25000"/>
+                  </a:schemeClr>
+                </a:solidFill>
+              </a:rPr>
+              <a:t>or</a:t>
+            </a:r>
+            <a:r>
+              <a:rPr lang="de-DE" sz="1800" dirty="0" smtClean="0">
+                <a:solidFill>
+                  <a:schemeClr val="tx1">
+                    <a:lumMod val="75000"/>
+                    <a:lumOff val="25000"/>
+                  </a:schemeClr>
+                </a:solidFill>
+              </a:rPr>
+              <a:t> </a:t>
+            </a:r>
+            <a:r>
+              <a:rPr lang="de-DE" sz="1800" dirty="0" err="1" smtClean="0">
+                <a:solidFill>
+                  <a:schemeClr val="tx1">
+                    <a:lumMod val="75000"/>
+                    <a:lumOff val="25000"/>
+                  </a:schemeClr>
+                </a:solidFill>
+              </a:rPr>
+              <a:t>Varian</a:t>
+            </a:r>
+            <a:endParaRPr lang="en-US" sz="1800" dirty="0"/>
+          </a:p>
+        </p:txBody>
+      </p:sp>
+      <p:sp>
+        <p:nvSpPr>
+          <p:cNvPr id="169" name="Inhaltsplatzhalter 2"/>
+          <p:cNvSpPr txBox="1">
+            <a:spLocks/>
+          </p:cNvSpPr>
+          <p:nvPr/>
+        </p:nvSpPr>
+        <p:spPr>
+          <a:xfrm>
+            <a:off x="25015721" y="24778898"/>
+            <a:ext cx="1832276" cy="533552"/>
+          </a:xfrm>
+          <a:prstGeom prst="rect">
+            <a:avLst/>
+          </a:prstGeom>
+        </p:spPr>
+        <p:txBody>
+          <a:bodyPr vert="horz" lIns="68580" tIns="34290" rIns="68580" bIns="34290" rtlCol="0">
+            <a:normAutofit fontScale="92500" lnSpcReduction="10000"/>
+          </a:bodyPr>
+          <a:lstStyle>
+            <a:lvl1pPr marL="228600" indent="-228600" algn="l" defTabSz="914400" rtl="0" eaLnBrk="1" latinLnBrk="0" hangingPunct="1">
+              <a:lnSpc>
+                <a:spcPct val="90000"/>
+              </a:lnSpc>
+              <a:spcBef>
+                <a:spcPts val="1000"/>
+              </a:spcBef>
+              <a:buFont typeface="Arial" panose="020B0604020202020204" pitchFamily="34" charset="0"/>
+              <a:buChar char="•"/>
+              <a:defRPr sz="2800" kern="1200">
+                <a:solidFill>
+                  <a:schemeClr val="tx1"/>
+                </a:solidFill>
+                <a:latin typeface="+mn-lt"/>
+                <a:ea typeface="+mn-ea"/>
+                <a:cs typeface="+mn-cs"/>
+              </a:defRPr>
+            </a:lvl1pPr>
+            <a:lvl2pPr marL="685800" indent="-228600" algn="l" defTabSz="914400" rtl="0" eaLnBrk="1" latinLnBrk="0" hangingPunct="1">
+              <a:lnSpc>
+                <a:spcPct val="90000"/>
+              </a:lnSpc>
+              <a:spcBef>
+                <a:spcPts val="500"/>
+              </a:spcBef>
+              <a:buFont typeface="Arial" panose="020B0604020202020204" pitchFamily="34" charset="0"/>
+              <a:buChar char="•"/>
+              <a:defRPr sz="2400" kern="1200">
+                <a:solidFill>
+                  <a:schemeClr val="tx1"/>
+                </a:solidFill>
+                <a:latin typeface="+mn-lt"/>
+                <a:ea typeface="+mn-ea"/>
+                <a:cs typeface="+mn-cs"/>
+              </a:defRPr>
+            </a:lvl2pPr>
+            <a:lvl3pPr marL="1143000" indent="-228600" algn="l" defTabSz="914400" rtl="0" eaLnBrk="1" latinLnBrk="0" hangingPunct="1">
+              <a:lnSpc>
+                <a:spcPct val="90000"/>
+              </a:lnSpc>
+              <a:spcBef>
+                <a:spcPts val="500"/>
+              </a:spcBef>
+              <a:buFont typeface="Arial" panose="020B0604020202020204" pitchFamily="34" charset="0"/>
+              <a:buChar char="•"/>
+              <a:defRPr sz="2000" kern="1200">
+                <a:solidFill>
+                  <a:schemeClr val="tx1"/>
+                </a:solidFill>
+                <a:latin typeface="+mn-lt"/>
+                <a:ea typeface="+mn-ea"/>
+                <a:cs typeface="+mn-cs"/>
+              </a:defRPr>
+            </a:lvl3pPr>
+            <a:lvl4pPr marL="1600200" indent="-228600" algn="l" defTabSz="914400" rtl="0" eaLnBrk="1" latinLnBrk="0" hangingPunct="1">
+              <a:lnSpc>
+                <a:spcPct val="90000"/>
+              </a:lnSpc>
+              <a:spcBef>
+                <a:spcPts val="500"/>
+              </a:spcBef>
+              <a:buFont typeface="Arial" panose="020B0604020202020204" pitchFamily="34" charset="0"/>
+              <a:buChar char="•"/>
+              <a:defRPr sz="1800" kern="1200">
+                <a:solidFill>
+                  <a:schemeClr val="tx1"/>
+                </a:solidFill>
+                <a:latin typeface="+mn-lt"/>
+                <a:ea typeface="+mn-ea"/>
+                <a:cs typeface="+mn-cs"/>
+              </a:defRPr>
+            </a:lvl4pPr>
+            <a:lvl5pPr marL="2057400" indent="-228600" algn="l" defTabSz="914400" rtl="0" eaLnBrk="1" latinLnBrk="0" hangingPunct="1">
+              <a:lnSpc>
+                <a:spcPct val="90000"/>
+              </a:lnSpc>
+              <a:spcBef>
+                <a:spcPts val="500"/>
+              </a:spcBef>
+              <a:buFont typeface="Arial" panose="020B0604020202020204" pitchFamily="34" charset="0"/>
+              <a:buChar char="•"/>
+              <a:defRPr sz="1800" kern="1200">
+                <a:solidFill>
+                  <a:schemeClr val="tx1"/>
+                </a:solidFill>
+                <a:latin typeface="+mn-lt"/>
+                <a:ea typeface="+mn-ea"/>
+                <a:cs typeface="+mn-cs"/>
+              </a:defRPr>
+            </a:lvl5pPr>
+            <a:lvl6pPr marL="2514600" indent="-228600" algn="l" defTabSz="914400" rtl="0" eaLnBrk="1" latinLnBrk="0" hangingPunct="1">
+              <a:lnSpc>
+                <a:spcPct val="90000"/>
+              </a:lnSpc>
+              <a:spcBef>
+                <a:spcPts val="500"/>
+              </a:spcBef>
+              <a:buFont typeface="Arial" panose="020B0604020202020204" pitchFamily="34" charset="0"/>
+              <a:buChar char="•"/>
+              <a:defRPr sz="1800" kern="1200">
+                <a:solidFill>
+                  <a:schemeClr val="tx1"/>
+                </a:solidFill>
+                <a:latin typeface="+mn-lt"/>
+                <a:ea typeface="+mn-ea"/>
+                <a:cs typeface="+mn-cs"/>
+              </a:defRPr>
+            </a:lvl6pPr>
+            <a:lvl7pPr marL="2971800" indent="-228600" algn="l" defTabSz="914400" rtl="0" eaLnBrk="1" latinLnBrk="0" hangingPunct="1">
+              <a:lnSpc>
+                <a:spcPct val="90000"/>
+              </a:lnSpc>
+              <a:spcBef>
+                <a:spcPts val="500"/>
+              </a:spcBef>
+              <a:buFont typeface="Arial" panose="020B0604020202020204" pitchFamily="34" charset="0"/>
+              <a:buChar char="•"/>
+              <a:defRPr sz="1800" kern="1200">
+                <a:solidFill>
+                  <a:schemeClr val="tx1"/>
+                </a:solidFill>
+                <a:latin typeface="+mn-lt"/>
+                <a:ea typeface="+mn-ea"/>
+                <a:cs typeface="+mn-cs"/>
+              </a:defRPr>
+            </a:lvl7pPr>
+            <a:lvl8pPr marL="3429000" indent="-228600" algn="l" defTabSz="914400" rtl="0" eaLnBrk="1" latinLnBrk="0" hangingPunct="1">
+              <a:lnSpc>
+                <a:spcPct val="90000"/>
+              </a:lnSpc>
+              <a:spcBef>
+                <a:spcPts val="500"/>
+              </a:spcBef>
+              <a:buFont typeface="Arial" panose="020B0604020202020204" pitchFamily="34" charset="0"/>
+              <a:buChar char="•"/>
+              <a:defRPr sz="1800" kern="1200">
+                <a:solidFill>
+                  <a:schemeClr val="tx1"/>
+                </a:solidFill>
+                <a:latin typeface="+mn-lt"/>
+                <a:ea typeface="+mn-ea"/>
+                <a:cs typeface="+mn-cs"/>
+              </a:defRPr>
+            </a:lvl8pPr>
+            <a:lvl9pPr marL="3886200" indent="-228600" algn="l" defTabSz="914400" rtl="0" eaLnBrk="1" latinLnBrk="0" hangingPunct="1">
+              <a:lnSpc>
+                <a:spcPct val="90000"/>
+              </a:lnSpc>
+              <a:spcBef>
+                <a:spcPts val="500"/>
+              </a:spcBef>
+              <a:buFont typeface="Arial" panose="020B0604020202020204" pitchFamily="34" charset="0"/>
+              <a:buChar char="•"/>
+              <a:defRPr sz="1800" kern="1200">
+                <a:solidFill>
+                  <a:schemeClr val="tx1"/>
+                </a:solidFill>
+                <a:latin typeface="+mn-lt"/>
+                <a:ea typeface="+mn-ea"/>
+                <a:cs typeface="+mn-cs"/>
+              </a:defRPr>
+            </a:lvl9pPr>
+          </a:lstStyle>
+          <a:p>
+            <a:pPr marL="0" indent="0">
+              <a:buNone/>
+            </a:pPr>
+            <a:r>
+              <a:rPr lang="de-DE" sz="1600" b="1" dirty="0" err="1"/>
+              <a:t>nmrIO</a:t>
+            </a:r>
+            <a:r>
+              <a:rPr lang="de-DE" sz="1600" b="1" dirty="0"/>
+              <a:t> </a:t>
+            </a:r>
+            <a:r>
+              <a:rPr lang="de-DE" sz="1600" b="1" dirty="0" smtClean="0"/>
+              <a:t> R </a:t>
+            </a:r>
+            <a:r>
+              <a:rPr lang="de-DE" sz="1600" b="1" dirty="0" err="1" smtClean="0"/>
+              <a:t>package</a:t>
+            </a:r>
+            <a:r>
+              <a:rPr lang="de-DE" sz="1600" b="1" dirty="0" smtClean="0"/>
+              <a:t> </a:t>
+            </a:r>
+          </a:p>
+          <a:p>
+            <a:pPr marL="0" indent="0">
+              <a:buNone/>
+            </a:pPr>
+            <a:r>
+              <a:rPr lang="de-DE" sz="1275" dirty="0" err="1"/>
+              <a:t>b</a:t>
+            </a:r>
+            <a:r>
+              <a:rPr lang="de-DE" sz="1275" dirty="0" err="1" smtClean="0"/>
+              <a:t>y</a:t>
+            </a:r>
+            <a:r>
+              <a:rPr lang="de-DE" sz="1275" dirty="0" smtClean="0"/>
+              <a:t> S</a:t>
+            </a:r>
+            <a:r>
+              <a:rPr lang="de-DE" sz="1275" dirty="0"/>
+              <a:t>. </a:t>
+            </a:r>
+            <a:r>
+              <a:rPr lang="de-DE" sz="1275" dirty="0" smtClean="0"/>
+              <a:t>Neumann, Halle</a:t>
+            </a:r>
+            <a:endParaRPr lang="en-US" sz="1275" dirty="0"/>
+          </a:p>
+        </p:txBody>
+      </p:sp>
+      <p:sp>
+        <p:nvSpPr>
+          <p:cNvPr id="170" name="Inhaltsplatzhalter 2"/>
+          <p:cNvSpPr txBox="1">
+            <a:spLocks/>
+          </p:cNvSpPr>
+          <p:nvPr/>
+        </p:nvSpPr>
+        <p:spPr>
+          <a:xfrm>
+            <a:off x="25146433" y="23039322"/>
+            <a:ext cx="1680840" cy="770256"/>
+          </a:xfrm>
+          <a:prstGeom prst="rect">
+            <a:avLst/>
+          </a:prstGeom>
+        </p:spPr>
+        <p:txBody>
+          <a:bodyPr vert="horz" lIns="68580" tIns="34290" rIns="68580" bIns="34290" rtlCol="0">
+            <a:noAutofit/>
+          </a:bodyPr>
+          <a:lstStyle>
+            <a:lvl1pPr marL="228600" indent="-228600" algn="l" defTabSz="914400" rtl="0" eaLnBrk="1" latinLnBrk="0" hangingPunct="1">
+              <a:lnSpc>
+                <a:spcPct val="90000"/>
+              </a:lnSpc>
+              <a:spcBef>
+                <a:spcPts val="1000"/>
+              </a:spcBef>
+              <a:buFont typeface="Arial" panose="020B0604020202020204" pitchFamily="34" charset="0"/>
+              <a:buChar char="•"/>
+              <a:defRPr sz="2800" kern="1200">
+                <a:solidFill>
+                  <a:schemeClr val="tx1"/>
+                </a:solidFill>
+                <a:latin typeface="+mn-lt"/>
+                <a:ea typeface="+mn-ea"/>
+                <a:cs typeface="+mn-cs"/>
+              </a:defRPr>
+            </a:lvl1pPr>
+            <a:lvl2pPr marL="685800" indent="-228600" algn="l" defTabSz="914400" rtl="0" eaLnBrk="1" latinLnBrk="0" hangingPunct="1">
+              <a:lnSpc>
+                <a:spcPct val="90000"/>
+              </a:lnSpc>
+              <a:spcBef>
+                <a:spcPts val="500"/>
+              </a:spcBef>
+              <a:buFont typeface="Arial" panose="020B0604020202020204" pitchFamily="34" charset="0"/>
+              <a:buChar char="•"/>
+              <a:defRPr sz="2400" kern="1200">
+                <a:solidFill>
+                  <a:schemeClr val="tx1"/>
+                </a:solidFill>
+                <a:latin typeface="+mn-lt"/>
+                <a:ea typeface="+mn-ea"/>
+                <a:cs typeface="+mn-cs"/>
+              </a:defRPr>
+            </a:lvl2pPr>
+            <a:lvl3pPr marL="1143000" indent="-228600" algn="l" defTabSz="914400" rtl="0" eaLnBrk="1" latinLnBrk="0" hangingPunct="1">
+              <a:lnSpc>
+                <a:spcPct val="90000"/>
+              </a:lnSpc>
+              <a:spcBef>
+                <a:spcPts val="500"/>
+              </a:spcBef>
+              <a:buFont typeface="Arial" panose="020B0604020202020204" pitchFamily="34" charset="0"/>
+              <a:buChar char="•"/>
+              <a:defRPr sz="2000" kern="1200">
+                <a:solidFill>
+                  <a:schemeClr val="tx1"/>
+                </a:solidFill>
+                <a:latin typeface="+mn-lt"/>
+                <a:ea typeface="+mn-ea"/>
+                <a:cs typeface="+mn-cs"/>
+              </a:defRPr>
+            </a:lvl3pPr>
+            <a:lvl4pPr marL="1600200" indent="-228600" algn="l" defTabSz="914400" rtl="0" eaLnBrk="1" latinLnBrk="0" hangingPunct="1">
+              <a:lnSpc>
+                <a:spcPct val="90000"/>
+              </a:lnSpc>
+              <a:spcBef>
+                <a:spcPts val="500"/>
+              </a:spcBef>
+              <a:buFont typeface="Arial" panose="020B0604020202020204" pitchFamily="34" charset="0"/>
+              <a:buChar char="•"/>
+              <a:defRPr sz="1800" kern="1200">
+                <a:solidFill>
+                  <a:schemeClr val="tx1"/>
+                </a:solidFill>
+                <a:latin typeface="+mn-lt"/>
+                <a:ea typeface="+mn-ea"/>
+                <a:cs typeface="+mn-cs"/>
+              </a:defRPr>
+            </a:lvl4pPr>
+            <a:lvl5pPr marL="2057400" indent="-228600" algn="l" defTabSz="914400" rtl="0" eaLnBrk="1" latinLnBrk="0" hangingPunct="1">
+              <a:lnSpc>
+                <a:spcPct val="90000"/>
+              </a:lnSpc>
+              <a:spcBef>
+                <a:spcPts val="500"/>
+              </a:spcBef>
+              <a:buFont typeface="Arial" panose="020B0604020202020204" pitchFamily="34" charset="0"/>
+              <a:buChar char="•"/>
+              <a:defRPr sz="1800" kern="1200">
+                <a:solidFill>
+                  <a:schemeClr val="tx1"/>
+                </a:solidFill>
+                <a:latin typeface="+mn-lt"/>
+                <a:ea typeface="+mn-ea"/>
+                <a:cs typeface="+mn-cs"/>
+              </a:defRPr>
+            </a:lvl5pPr>
+            <a:lvl6pPr marL="2514600" indent="-228600" algn="l" defTabSz="914400" rtl="0" eaLnBrk="1" latinLnBrk="0" hangingPunct="1">
+              <a:lnSpc>
+                <a:spcPct val="90000"/>
+              </a:lnSpc>
+              <a:spcBef>
+                <a:spcPts val="500"/>
+              </a:spcBef>
+              <a:buFont typeface="Arial" panose="020B0604020202020204" pitchFamily="34" charset="0"/>
+              <a:buChar char="•"/>
+              <a:defRPr sz="1800" kern="1200">
+                <a:solidFill>
+                  <a:schemeClr val="tx1"/>
+                </a:solidFill>
+                <a:latin typeface="+mn-lt"/>
+                <a:ea typeface="+mn-ea"/>
+                <a:cs typeface="+mn-cs"/>
+              </a:defRPr>
+            </a:lvl6pPr>
+            <a:lvl7pPr marL="2971800" indent="-228600" algn="l" defTabSz="914400" rtl="0" eaLnBrk="1" latinLnBrk="0" hangingPunct="1">
+              <a:lnSpc>
+                <a:spcPct val="90000"/>
+              </a:lnSpc>
+              <a:spcBef>
+                <a:spcPts val="500"/>
+              </a:spcBef>
+              <a:buFont typeface="Arial" panose="020B0604020202020204" pitchFamily="34" charset="0"/>
+              <a:buChar char="•"/>
+              <a:defRPr sz="1800" kern="1200">
+                <a:solidFill>
+                  <a:schemeClr val="tx1"/>
+                </a:solidFill>
+                <a:latin typeface="+mn-lt"/>
+                <a:ea typeface="+mn-ea"/>
+                <a:cs typeface="+mn-cs"/>
+              </a:defRPr>
+            </a:lvl7pPr>
+            <a:lvl8pPr marL="3429000" indent="-228600" algn="l" defTabSz="914400" rtl="0" eaLnBrk="1" latinLnBrk="0" hangingPunct="1">
+              <a:lnSpc>
+                <a:spcPct val="90000"/>
+              </a:lnSpc>
+              <a:spcBef>
+                <a:spcPts val="500"/>
+              </a:spcBef>
+              <a:buFont typeface="Arial" panose="020B0604020202020204" pitchFamily="34" charset="0"/>
+              <a:buChar char="•"/>
+              <a:defRPr sz="1800" kern="1200">
+                <a:solidFill>
+                  <a:schemeClr val="tx1"/>
+                </a:solidFill>
+                <a:latin typeface="+mn-lt"/>
+                <a:ea typeface="+mn-ea"/>
+                <a:cs typeface="+mn-cs"/>
+              </a:defRPr>
+            </a:lvl8pPr>
+            <a:lvl9pPr marL="3886200" indent="-228600" algn="l" defTabSz="914400" rtl="0" eaLnBrk="1" latinLnBrk="0" hangingPunct="1">
+              <a:lnSpc>
+                <a:spcPct val="90000"/>
+              </a:lnSpc>
+              <a:spcBef>
+                <a:spcPts val="500"/>
+              </a:spcBef>
+              <a:buFont typeface="Arial" panose="020B0604020202020204" pitchFamily="34" charset="0"/>
+              <a:buChar char="•"/>
+              <a:defRPr sz="1800" kern="1200">
+                <a:solidFill>
+                  <a:schemeClr val="tx1"/>
+                </a:solidFill>
+                <a:latin typeface="+mn-lt"/>
+                <a:ea typeface="+mn-ea"/>
+                <a:cs typeface="+mn-cs"/>
+              </a:defRPr>
+            </a:lvl9pPr>
+          </a:lstStyle>
+          <a:p>
+            <a:pPr marL="0" indent="0">
+              <a:buNone/>
+            </a:pPr>
+            <a:r>
+              <a:rPr lang="de-DE" sz="1600" b="1" dirty="0" smtClean="0"/>
+              <a:t>Python </a:t>
+            </a:r>
+            <a:r>
+              <a:rPr lang="de-DE" sz="1600" b="1" dirty="0" err="1" smtClean="0"/>
+              <a:t>parser</a:t>
+            </a:r>
+            <a:endParaRPr lang="de-DE" sz="1600" b="1" dirty="0" smtClean="0"/>
+          </a:p>
+          <a:p>
+            <a:pPr marL="0" indent="0">
+              <a:buNone/>
+            </a:pPr>
+            <a:r>
+              <a:rPr lang="de-DE" sz="1200" dirty="0" err="1"/>
+              <a:t>b</a:t>
+            </a:r>
+            <a:r>
+              <a:rPr lang="de-DE" sz="1200" dirty="0" err="1" smtClean="0"/>
+              <a:t>y</a:t>
+            </a:r>
+            <a:r>
+              <a:rPr lang="de-DE" sz="1200" dirty="0" smtClean="0"/>
+              <a:t> M</a:t>
+            </a:r>
+            <a:r>
+              <a:rPr lang="de-DE" sz="1200" dirty="0"/>
+              <a:t>. Wilson</a:t>
+            </a:r>
+            <a:r>
+              <a:rPr lang="de-DE" sz="1200" b="1" dirty="0" smtClean="0"/>
+              <a:t>, </a:t>
+            </a:r>
+            <a:r>
+              <a:rPr lang="de-DE" sz="1200" dirty="0" smtClean="0"/>
+              <a:t>Edmonton</a:t>
+            </a:r>
+          </a:p>
+        </p:txBody>
+      </p:sp>
+      <p:sp>
+        <p:nvSpPr>
+          <p:cNvPr id="171" name="Inhaltsplatzhalter 2"/>
+          <p:cNvSpPr txBox="1">
+            <a:spLocks/>
+          </p:cNvSpPr>
+          <p:nvPr/>
+        </p:nvSpPr>
+        <p:spPr>
+          <a:xfrm>
+            <a:off x="24056265" y="25425421"/>
+            <a:ext cx="1844404" cy="593925"/>
+          </a:xfrm>
+          <a:prstGeom prst="rect">
+            <a:avLst/>
+          </a:prstGeom>
+        </p:spPr>
+        <p:txBody>
+          <a:bodyPr vert="horz" lIns="68580" tIns="34290" rIns="68580" bIns="34290" rtlCol="0">
+            <a:normAutofit lnSpcReduction="10000"/>
+          </a:bodyPr>
+          <a:lstStyle>
+            <a:lvl1pPr marL="228600" indent="-228600" algn="l" defTabSz="914400" rtl="0" eaLnBrk="1" latinLnBrk="0" hangingPunct="1">
+              <a:lnSpc>
+                <a:spcPct val="90000"/>
+              </a:lnSpc>
+              <a:spcBef>
+                <a:spcPts val="1000"/>
+              </a:spcBef>
+              <a:buFont typeface="Arial" panose="020B0604020202020204" pitchFamily="34" charset="0"/>
+              <a:buChar char="•"/>
+              <a:defRPr sz="2800" kern="1200">
+                <a:solidFill>
+                  <a:schemeClr val="tx1"/>
+                </a:solidFill>
+                <a:latin typeface="+mn-lt"/>
+                <a:ea typeface="+mn-ea"/>
+                <a:cs typeface="+mn-cs"/>
+              </a:defRPr>
+            </a:lvl1pPr>
+            <a:lvl2pPr marL="685800" indent="-228600" algn="l" defTabSz="914400" rtl="0" eaLnBrk="1" latinLnBrk="0" hangingPunct="1">
+              <a:lnSpc>
+                <a:spcPct val="90000"/>
+              </a:lnSpc>
+              <a:spcBef>
+                <a:spcPts val="500"/>
+              </a:spcBef>
+              <a:buFont typeface="Arial" panose="020B0604020202020204" pitchFamily="34" charset="0"/>
+              <a:buChar char="•"/>
+              <a:defRPr sz="2400" kern="1200">
+                <a:solidFill>
+                  <a:schemeClr val="tx1"/>
+                </a:solidFill>
+                <a:latin typeface="+mn-lt"/>
+                <a:ea typeface="+mn-ea"/>
+                <a:cs typeface="+mn-cs"/>
+              </a:defRPr>
+            </a:lvl2pPr>
+            <a:lvl3pPr marL="1143000" indent="-228600" algn="l" defTabSz="914400" rtl="0" eaLnBrk="1" latinLnBrk="0" hangingPunct="1">
+              <a:lnSpc>
+                <a:spcPct val="90000"/>
+              </a:lnSpc>
+              <a:spcBef>
+                <a:spcPts val="500"/>
+              </a:spcBef>
+              <a:buFont typeface="Arial" panose="020B0604020202020204" pitchFamily="34" charset="0"/>
+              <a:buChar char="•"/>
+              <a:defRPr sz="2000" kern="1200">
+                <a:solidFill>
+                  <a:schemeClr val="tx1"/>
+                </a:solidFill>
+                <a:latin typeface="+mn-lt"/>
+                <a:ea typeface="+mn-ea"/>
+                <a:cs typeface="+mn-cs"/>
+              </a:defRPr>
+            </a:lvl3pPr>
+            <a:lvl4pPr marL="1600200" indent="-228600" algn="l" defTabSz="914400" rtl="0" eaLnBrk="1" latinLnBrk="0" hangingPunct="1">
+              <a:lnSpc>
+                <a:spcPct val="90000"/>
+              </a:lnSpc>
+              <a:spcBef>
+                <a:spcPts val="500"/>
+              </a:spcBef>
+              <a:buFont typeface="Arial" panose="020B0604020202020204" pitchFamily="34" charset="0"/>
+              <a:buChar char="•"/>
+              <a:defRPr sz="1800" kern="1200">
+                <a:solidFill>
+                  <a:schemeClr val="tx1"/>
+                </a:solidFill>
+                <a:latin typeface="+mn-lt"/>
+                <a:ea typeface="+mn-ea"/>
+                <a:cs typeface="+mn-cs"/>
+              </a:defRPr>
+            </a:lvl4pPr>
+            <a:lvl5pPr marL="2057400" indent="-228600" algn="l" defTabSz="914400" rtl="0" eaLnBrk="1" latinLnBrk="0" hangingPunct="1">
+              <a:lnSpc>
+                <a:spcPct val="90000"/>
+              </a:lnSpc>
+              <a:spcBef>
+                <a:spcPts val="500"/>
+              </a:spcBef>
+              <a:buFont typeface="Arial" panose="020B0604020202020204" pitchFamily="34" charset="0"/>
+              <a:buChar char="•"/>
+              <a:defRPr sz="1800" kern="1200">
+                <a:solidFill>
+                  <a:schemeClr val="tx1"/>
+                </a:solidFill>
+                <a:latin typeface="+mn-lt"/>
+                <a:ea typeface="+mn-ea"/>
+                <a:cs typeface="+mn-cs"/>
+              </a:defRPr>
+            </a:lvl5pPr>
+            <a:lvl6pPr marL="2514600" indent="-228600" algn="l" defTabSz="914400" rtl="0" eaLnBrk="1" latinLnBrk="0" hangingPunct="1">
+              <a:lnSpc>
+                <a:spcPct val="90000"/>
+              </a:lnSpc>
+              <a:spcBef>
+                <a:spcPts val="500"/>
+              </a:spcBef>
+              <a:buFont typeface="Arial" panose="020B0604020202020204" pitchFamily="34" charset="0"/>
+              <a:buChar char="•"/>
+              <a:defRPr sz="1800" kern="1200">
+                <a:solidFill>
+                  <a:schemeClr val="tx1"/>
+                </a:solidFill>
+                <a:latin typeface="+mn-lt"/>
+                <a:ea typeface="+mn-ea"/>
+                <a:cs typeface="+mn-cs"/>
+              </a:defRPr>
+            </a:lvl6pPr>
+            <a:lvl7pPr marL="2971800" indent="-228600" algn="l" defTabSz="914400" rtl="0" eaLnBrk="1" latinLnBrk="0" hangingPunct="1">
+              <a:lnSpc>
+                <a:spcPct val="90000"/>
+              </a:lnSpc>
+              <a:spcBef>
+                <a:spcPts val="500"/>
+              </a:spcBef>
+              <a:buFont typeface="Arial" panose="020B0604020202020204" pitchFamily="34" charset="0"/>
+              <a:buChar char="•"/>
+              <a:defRPr sz="1800" kern="1200">
+                <a:solidFill>
+                  <a:schemeClr val="tx1"/>
+                </a:solidFill>
+                <a:latin typeface="+mn-lt"/>
+                <a:ea typeface="+mn-ea"/>
+                <a:cs typeface="+mn-cs"/>
+              </a:defRPr>
+            </a:lvl7pPr>
+            <a:lvl8pPr marL="3429000" indent="-228600" algn="l" defTabSz="914400" rtl="0" eaLnBrk="1" latinLnBrk="0" hangingPunct="1">
+              <a:lnSpc>
+                <a:spcPct val="90000"/>
+              </a:lnSpc>
+              <a:spcBef>
+                <a:spcPts val="500"/>
+              </a:spcBef>
+              <a:buFont typeface="Arial" panose="020B0604020202020204" pitchFamily="34" charset="0"/>
+              <a:buChar char="•"/>
+              <a:defRPr sz="1800" kern="1200">
+                <a:solidFill>
+                  <a:schemeClr val="tx1"/>
+                </a:solidFill>
+                <a:latin typeface="+mn-lt"/>
+                <a:ea typeface="+mn-ea"/>
+                <a:cs typeface="+mn-cs"/>
+              </a:defRPr>
+            </a:lvl8pPr>
+            <a:lvl9pPr marL="3886200" indent="-228600" algn="l" defTabSz="914400" rtl="0" eaLnBrk="1" latinLnBrk="0" hangingPunct="1">
+              <a:lnSpc>
+                <a:spcPct val="90000"/>
+              </a:lnSpc>
+              <a:spcBef>
+                <a:spcPts val="500"/>
+              </a:spcBef>
+              <a:buFont typeface="Arial" panose="020B0604020202020204" pitchFamily="34" charset="0"/>
+              <a:buChar char="•"/>
+              <a:defRPr sz="1800" kern="1200">
+                <a:solidFill>
+                  <a:schemeClr val="tx1"/>
+                </a:solidFill>
+                <a:latin typeface="+mn-lt"/>
+                <a:ea typeface="+mn-ea"/>
+                <a:cs typeface="+mn-cs"/>
+              </a:defRPr>
+            </a:lvl9pPr>
+          </a:lstStyle>
+          <a:p>
+            <a:pPr marL="0" indent="0" algn="ctr">
+              <a:buNone/>
+            </a:pPr>
+            <a:r>
+              <a:rPr lang="de-DE" sz="1500" b="1" i="1" dirty="0" smtClean="0">
+                <a:solidFill>
+                  <a:schemeClr val="tx1">
+                    <a:lumMod val="75000"/>
+                    <a:lumOff val="25000"/>
+                  </a:schemeClr>
+                </a:solidFill>
+              </a:rPr>
+              <a:t>Statistical </a:t>
+            </a:r>
+            <a:r>
+              <a:rPr lang="de-DE" sz="1500" b="1" i="1" dirty="0" err="1" smtClean="0">
+                <a:solidFill>
+                  <a:schemeClr val="tx1">
+                    <a:lumMod val="75000"/>
+                    <a:lumOff val="25000"/>
+                  </a:schemeClr>
+                </a:solidFill>
+              </a:rPr>
+              <a:t>processing</a:t>
+            </a:r>
+            <a:endParaRPr lang="de-DE" sz="1500" b="1" i="1" dirty="0" smtClean="0">
+              <a:solidFill>
+                <a:schemeClr val="tx1">
+                  <a:lumMod val="75000"/>
+                  <a:lumOff val="25000"/>
+                </a:schemeClr>
+              </a:solidFill>
+            </a:endParaRPr>
+          </a:p>
+          <a:p>
+            <a:pPr marL="0" indent="0">
+              <a:buNone/>
+            </a:pPr>
+            <a:r>
+              <a:rPr lang="de-DE" sz="1500" i="1" dirty="0" smtClean="0"/>
+              <a:t>e.g. R</a:t>
+            </a:r>
+            <a:r>
+              <a:rPr lang="de-DE" sz="1500" i="1" dirty="0"/>
+              <a:t>, </a:t>
+            </a:r>
+            <a:r>
+              <a:rPr lang="de-DE" sz="1500" i="1" dirty="0" err="1"/>
+              <a:t>rNMR</a:t>
+            </a:r>
+            <a:r>
+              <a:rPr lang="de-DE" sz="1500" i="1" dirty="0"/>
+              <a:t>, Batman</a:t>
+            </a:r>
+            <a:endParaRPr lang="en-US" sz="2100" i="1" dirty="0"/>
+          </a:p>
+        </p:txBody>
+      </p:sp>
+      <p:sp>
+        <p:nvSpPr>
+          <p:cNvPr id="172" name="Inhaltsplatzhalter 2"/>
+          <p:cNvSpPr txBox="1">
+            <a:spLocks/>
+          </p:cNvSpPr>
+          <p:nvPr/>
+        </p:nvSpPr>
+        <p:spPr>
+          <a:xfrm>
+            <a:off x="23207235" y="23016309"/>
+            <a:ext cx="1597458" cy="632839"/>
+          </a:xfrm>
+          <a:prstGeom prst="rect">
+            <a:avLst/>
+          </a:prstGeom>
+        </p:spPr>
+        <p:txBody>
+          <a:bodyPr vert="horz" lIns="68580" tIns="34290" rIns="68580" bIns="34290" rtlCol="0">
+            <a:noAutofit/>
+          </a:bodyPr>
+          <a:lstStyle>
+            <a:lvl1pPr marL="228600" indent="-228600" algn="l" defTabSz="914400" rtl="0" eaLnBrk="1" latinLnBrk="0" hangingPunct="1">
+              <a:lnSpc>
+                <a:spcPct val="90000"/>
+              </a:lnSpc>
+              <a:spcBef>
+                <a:spcPts val="1000"/>
+              </a:spcBef>
+              <a:buFont typeface="Arial" panose="020B0604020202020204" pitchFamily="34" charset="0"/>
+              <a:buChar char="•"/>
+              <a:defRPr sz="2800" kern="1200">
+                <a:solidFill>
+                  <a:schemeClr val="tx1"/>
+                </a:solidFill>
+                <a:latin typeface="+mn-lt"/>
+                <a:ea typeface="+mn-ea"/>
+                <a:cs typeface="+mn-cs"/>
+              </a:defRPr>
+            </a:lvl1pPr>
+            <a:lvl2pPr marL="685800" indent="-228600" algn="l" defTabSz="914400" rtl="0" eaLnBrk="1" latinLnBrk="0" hangingPunct="1">
+              <a:lnSpc>
+                <a:spcPct val="90000"/>
+              </a:lnSpc>
+              <a:spcBef>
+                <a:spcPts val="500"/>
+              </a:spcBef>
+              <a:buFont typeface="Arial" panose="020B0604020202020204" pitchFamily="34" charset="0"/>
+              <a:buChar char="•"/>
+              <a:defRPr sz="2400" kern="1200">
+                <a:solidFill>
+                  <a:schemeClr val="tx1"/>
+                </a:solidFill>
+                <a:latin typeface="+mn-lt"/>
+                <a:ea typeface="+mn-ea"/>
+                <a:cs typeface="+mn-cs"/>
+              </a:defRPr>
+            </a:lvl2pPr>
+            <a:lvl3pPr marL="1143000" indent="-228600" algn="l" defTabSz="914400" rtl="0" eaLnBrk="1" latinLnBrk="0" hangingPunct="1">
+              <a:lnSpc>
+                <a:spcPct val="90000"/>
+              </a:lnSpc>
+              <a:spcBef>
+                <a:spcPts val="500"/>
+              </a:spcBef>
+              <a:buFont typeface="Arial" panose="020B0604020202020204" pitchFamily="34" charset="0"/>
+              <a:buChar char="•"/>
+              <a:defRPr sz="2000" kern="1200">
+                <a:solidFill>
+                  <a:schemeClr val="tx1"/>
+                </a:solidFill>
+                <a:latin typeface="+mn-lt"/>
+                <a:ea typeface="+mn-ea"/>
+                <a:cs typeface="+mn-cs"/>
+              </a:defRPr>
+            </a:lvl3pPr>
+            <a:lvl4pPr marL="1600200" indent="-228600" algn="l" defTabSz="914400" rtl="0" eaLnBrk="1" latinLnBrk="0" hangingPunct="1">
+              <a:lnSpc>
+                <a:spcPct val="90000"/>
+              </a:lnSpc>
+              <a:spcBef>
+                <a:spcPts val="500"/>
+              </a:spcBef>
+              <a:buFont typeface="Arial" panose="020B0604020202020204" pitchFamily="34" charset="0"/>
+              <a:buChar char="•"/>
+              <a:defRPr sz="1800" kern="1200">
+                <a:solidFill>
+                  <a:schemeClr val="tx1"/>
+                </a:solidFill>
+                <a:latin typeface="+mn-lt"/>
+                <a:ea typeface="+mn-ea"/>
+                <a:cs typeface="+mn-cs"/>
+              </a:defRPr>
+            </a:lvl4pPr>
+            <a:lvl5pPr marL="2057400" indent="-228600" algn="l" defTabSz="914400" rtl="0" eaLnBrk="1" latinLnBrk="0" hangingPunct="1">
+              <a:lnSpc>
+                <a:spcPct val="90000"/>
+              </a:lnSpc>
+              <a:spcBef>
+                <a:spcPts val="500"/>
+              </a:spcBef>
+              <a:buFont typeface="Arial" panose="020B0604020202020204" pitchFamily="34" charset="0"/>
+              <a:buChar char="•"/>
+              <a:defRPr sz="1800" kern="1200">
+                <a:solidFill>
+                  <a:schemeClr val="tx1"/>
+                </a:solidFill>
+                <a:latin typeface="+mn-lt"/>
+                <a:ea typeface="+mn-ea"/>
+                <a:cs typeface="+mn-cs"/>
+              </a:defRPr>
+            </a:lvl5pPr>
+            <a:lvl6pPr marL="2514600" indent="-228600" algn="l" defTabSz="914400" rtl="0" eaLnBrk="1" latinLnBrk="0" hangingPunct="1">
+              <a:lnSpc>
+                <a:spcPct val="90000"/>
+              </a:lnSpc>
+              <a:spcBef>
+                <a:spcPts val="500"/>
+              </a:spcBef>
+              <a:buFont typeface="Arial" panose="020B0604020202020204" pitchFamily="34" charset="0"/>
+              <a:buChar char="•"/>
+              <a:defRPr sz="1800" kern="1200">
+                <a:solidFill>
+                  <a:schemeClr val="tx1"/>
+                </a:solidFill>
+                <a:latin typeface="+mn-lt"/>
+                <a:ea typeface="+mn-ea"/>
+                <a:cs typeface="+mn-cs"/>
+              </a:defRPr>
+            </a:lvl6pPr>
+            <a:lvl7pPr marL="2971800" indent="-228600" algn="l" defTabSz="914400" rtl="0" eaLnBrk="1" latinLnBrk="0" hangingPunct="1">
+              <a:lnSpc>
+                <a:spcPct val="90000"/>
+              </a:lnSpc>
+              <a:spcBef>
+                <a:spcPts val="500"/>
+              </a:spcBef>
+              <a:buFont typeface="Arial" panose="020B0604020202020204" pitchFamily="34" charset="0"/>
+              <a:buChar char="•"/>
+              <a:defRPr sz="1800" kern="1200">
+                <a:solidFill>
+                  <a:schemeClr val="tx1"/>
+                </a:solidFill>
+                <a:latin typeface="+mn-lt"/>
+                <a:ea typeface="+mn-ea"/>
+                <a:cs typeface="+mn-cs"/>
+              </a:defRPr>
+            </a:lvl7pPr>
+            <a:lvl8pPr marL="3429000" indent="-228600" algn="l" defTabSz="914400" rtl="0" eaLnBrk="1" latinLnBrk="0" hangingPunct="1">
+              <a:lnSpc>
+                <a:spcPct val="90000"/>
+              </a:lnSpc>
+              <a:spcBef>
+                <a:spcPts val="500"/>
+              </a:spcBef>
+              <a:buFont typeface="Arial" panose="020B0604020202020204" pitchFamily="34" charset="0"/>
+              <a:buChar char="•"/>
+              <a:defRPr sz="1800" kern="1200">
+                <a:solidFill>
+                  <a:schemeClr val="tx1"/>
+                </a:solidFill>
+                <a:latin typeface="+mn-lt"/>
+                <a:ea typeface="+mn-ea"/>
+                <a:cs typeface="+mn-cs"/>
+              </a:defRPr>
+            </a:lvl8pPr>
+            <a:lvl9pPr marL="3886200" indent="-228600" algn="l" defTabSz="914400" rtl="0" eaLnBrk="1" latinLnBrk="0" hangingPunct="1">
+              <a:lnSpc>
+                <a:spcPct val="90000"/>
+              </a:lnSpc>
+              <a:spcBef>
+                <a:spcPts val="500"/>
+              </a:spcBef>
+              <a:buFont typeface="Arial" panose="020B0604020202020204" pitchFamily="34" charset="0"/>
+              <a:buChar char="•"/>
+              <a:defRPr sz="1800" kern="1200">
+                <a:solidFill>
+                  <a:schemeClr val="tx1"/>
+                </a:solidFill>
+                <a:latin typeface="+mn-lt"/>
+                <a:ea typeface="+mn-ea"/>
+                <a:cs typeface="+mn-cs"/>
+              </a:defRPr>
+            </a:lvl9pPr>
+          </a:lstStyle>
+          <a:p>
+            <a:pPr marL="0" indent="0">
+              <a:buNone/>
+            </a:pPr>
+            <a:r>
+              <a:rPr lang="de-DE" sz="1600" b="1" dirty="0" smtClean="0"/>
+              <a:t>JAVA </a:t>
+            </a:r>
+            <a:r>
+              <a:rPr lang="de-DE" sz="1600" b="1" dirty="0" err="1" smtClean="0"/>
+              <a:t>parser</a:t>
+            </a:r>
+            <a:r>
+              <a:rPr lang="de-DE" sz="1600" b="1" dirty="0" smtClean="0"/>
+              <a:t> </a:t>
+            </a:r>
+            <a:endParaRPr lang="de-DE" sz="1600" b="1" dirty="0"/>
+          </a:p>
+          <a:p>
+            <a:pPr marL="0" indent="0">
+              <a:buNone/>
+            </a:pPr>
+            <a:r>
+              <a:rPr lang="de-DE" sz="1200" dirty="0" err="1"/>
+              <a:t>b</a:t>
+            </a:r>
+            <a:r>
+              <a:rPr lang="de-DE" sz="1200" dirty="0" err="1" smtClean="0"/>
+              <a:t>y</a:t>
+            </a:r>
+            <a:r>
+              <a:rPr lang="de-DE" sz="1200" dirty="0" smtClean="0"/>
+              <a:t> D</a:t>
+            </a:r>
+            <a:r>
+              <a:rPr lang="de-DE" sz="1200" dirty="0"/>
+              <a:t>. Jacobs</a:t>
+            </a:r>
+            <a:r>
+              <a:rPr lang="de-DE" sz="1200" dirty="0" smtClean="0"/>
+              <a:t>, Bordeaux</a:t>
+            </a:r>
+          </a:p>
+        </p:txBody>
+      </p:sp>
+      <p:sp>
+        <p:nvSpPr>
+          <p:cNvPr id="173" name="Pfeil nach unten 172"/>
+          <p:cNvSpPr/>
+          <p:nvPr/>
+        </p:nvSpPr>
+        <p:spPr>
+          <a:xfrm>
+            <a:off x="24734746" y="22926120"/>
+            <a:ext cx="307079" cy="1000646"/>
+          </a:xfrm>
+          <a:prstGeom prst="downArrow">
+            <a:avLst/>
+          </a:prstGeom>
+        </p:spPr>
+        <p:style>
+          <a:lnRef idx="2">
+            <a:schemeClr val="accent1">
+              <a:shade val="50000"/>
+            </a:schemeClr>
+          </a:lnRef>
+          <a:fillRef idx="1">
+            <a:schemeClr val="accent1"/>
+          </a:fillRef>
+          <a:effectRef idx="0">
+            <a:schemeClr val="accent1"/>
+          </a:effectRef>
+          <a:fontRef idx="minor">
+            <a:schemeClr val="lt1"/>
+          </a:fontRef>
+        </p:style>
+        <p:txBody>
+          <a:bodyPr rtlCol="0" anchor="ctr"/>
+          <a:lstStyle/>
+          <a:p>
+            <a:pPr algn="ctr"/>
+            <a:endParaRPr lang="en-US" sz="1350"/>
+          </a:p>
+        </p:txBody>
+      </p:sp>
+      <p:sp>
+        <p:nvSpPr>
+          <p:cNvPr id="174" name="Pfeil nach unten 173"/>
+          <p:cNvSpPr/>
+          <p:nvPr/>
+        </p:nvSpPr>
+        <p:spPr>
+          <a:xfrm>
+            <a:off x="24776174" y="24617208"/>
+            <a:ext cx="261484" cy="662155"/>
+          </a:xfrm>
+          <a:prstGeom prst="downArrow">
+            <a:avLst/>
+          </a:prstGeom>
+        </p:spPr>
+        <p:style>
+          <a:lnRef idx="2">
+            <a:schemeClr val="accent1">
+              <a:shade val="50000"/>
+            </a:schemeClr>
+          </a:lnRef>
+          <a:fillRef idx="1">
+            <a:schemeClr val="accent1"/>
+          </a:fillRef>
+          <a:effectRef idx="0">
+            <a:schemeClr val="accent1"/>
+          </a:effectRef>
+          <a:fontRef idx="minor">
+            <a:schemeClr val="lt1"/>
+          </a:fontRef>
+        </p:style>
+        <p:txBody>
+          <a:bodyPr rtlCol="0" anchor="ctr"/>
+          <a:lstStyle/>
+          <a:p>
+            <a:pPr algn="ctr"/>
+            <a:endParaRPr lang="en-US" sz="1350"/>
+          </a:p>
+        </p:txBody>
+      </p:sp>
+      <p:sp>
+        <p:nvSpPr>
+          <p:cNvPr id="175" name="Pfeil nach unten 174"/>
+          <p:cNvSpPr/>
+          <p:nvPr/>
+        </p:nvSpPr>
+        <p:spPr>
+          <a:xfrm rot="3004104">
+            <a:off x="23786252" y="24356462"/>
+            <a:ext cx="259080" cy="1076759"/>
+          </a:xfrm>
+          <a:prstGeom prst="downArrow">
+            <a:avLst>
+              <a:gd name="adj1" fmla="val 44197"/>
+              <a:gd name="adj2" fmla="val 50000"/>
+            </a:avLst>
+          </a:prstGeom>
+        </p:spPr>
+        <p:style>
+          <a:lnRef idx="2">
+            <a:schemeClr val="accent1">
+              <a:shade val="50000"/>
+            </a:schemeClr>
+          </a:lnRef>
+          <a:fillRef idx="1">
+            <a:schemeClr val="accent1"/>
+          </a:fillRef>
+          <a:effectRef idx="0">
+            <a:schemeClr val="accent1"/>
+          </a:effectRef>
+          <a:fontRef idx="minor">
+            <a:schemeClr val="lt1"/>
+          </a:fontRef>
+        </p:style>
+        <p:txBody>
+          <a:bodyPr rtlCol="0" anchor="ctr"/>
+          <a:lstStyle/>
+          <a:p>
+            <a:pPr algn="ctr"/>
+            <a:endParaRPr lang="en-US" sz="1350"/>
+          </a:p>
+        </p:txBody>
+      </p:sp>
+      <p:sp>
+        <p:nvSpPr>
+          <p:cNvPr id="176" name="Rechteck 175"/>
+          <p:cNvSpPr/>
+          <p:nvPr/>
+        </p:nvSpPr>
+        <p:spPr>
+          <a:xfrm>
+            <a:off x="21717422" y="25377597"/>
+            <a:ext cx="1953538" cy="634984"/>
+          </a:xfrm>
+          <a:prstGeom prst="rect">
+            <a:avLst/>
+          </a:prstGeom>
+          <a:solidFill>
+            <a:schemeClr val="accent6">
+              <a:lumMod val="20000"/>
+              <a:lumOff val="80000"/>
+            </a:schemeClr>
+          </a:solidFill>
+        </p:spPr>
+        <p:style>
+          <a:lnRef idx="2">
+            <a:schemeClr val="accent3">
+              <a:shade val="50000"/>
+            </a:schemeClr>
+          </a:lnRef>
+          <a:fillRef idx="1">
+            <a:schemeClr val="accent3"/>
+          </a:fillRef>
+          <a:effectRef idx="0">
+            <a:schemeClr val="accent3"/>
+          </a:effectRef>
+          <a:fontRef idx="minor">
+            <a:schemeClr val="lt1"/>
+          </a:fontRef>
+        </p:style>
+        <p:txBody>
+          <a:bodyPr rtlCol="0" anchor="ctr"/>
+          <a:lstStyle/>
+          <a:p>
+            <a:pPr algn="ctr"/>
+            <a:r>
+              <a:rPr lang="de-DE" sz="1500" b="1" i="1" dirty="0" err="1">
+                <a:solidFill>
+                  <a:schemeClr val="tx1">
+                    <a:lumMod val="75000"/>
+                    <a:lumOff val="25000"/>
+                  </a:schemeClr>
+                </a:solidFill>
+              </a:rPr>
+              <a:t>Visualisations</a:t>
+            </a:r>
+            <a:r>
+              <a:rPr lang="de-DE" sz="1500" b="1" i="1" dirty="0">
+                <a:solidFill>
+                  <a:schemeClr val="tx1">
+                    <a:lumMod val="75000"/>
+                    <a:lumOff val="25000"/>
+                  </a:schemeClr>
+                </a:solidFill>
+              </a:rPr>
+              <a:t> </a:t>
+            </a:r>
+          </a:p>
+          <a:p>
+            <a:pPr>
+              <a:buSzPct val="25000"/>
+            </a:pPr>
+            <a:r>
+              <a:rPr lang="fr-FR" sz="1350" dirty="0" err="1" smtClean="0">
+                <a:solidFill>
+                  <a:schemeClr val="dk1"/>
+                </a:solidFill>
+                <a:ea typeface="Calibri"/>
+                <a:cs typeface="Calibri"/>
+                <a:sym typeface="Calibri"/>
+              </a:rPr>
+              <a:t>e.g</a:t>
+            </a:r>
+            <a:r>
+              <a:rPr lang="fr-FR" sz="1350" dirty="0" smtClean="0">
+                <a:solidFill>
+                  <a:schemeClr val="dk1"/>
+                </a:solidFill>
+                <a:ea typeface="Calibri"/>
+                <a:cs typeface="Calibri"/>
+                <a:sym typeface="Calibri"/>
+              </a:rPr>
+              <a:t>. </a:t>
+            </a:r>
+            <a:r>
+              <a:rPr lang="fr-FR" sz="1350" dirty="0" err="1" smtClean="0">
+                <a:solidFill>
+                  <a:schemeClr val="dk1"/>
+                </a:solidFill>
+                <a:ea typeface="Calibri"/>
+                <a:cs typeface="Calibri"/>
+                <a:sym typeface="Calibri"/>
+              </a:rPr>
+              <a:t>nmr</a:t>
+            </a:r>
+            <a:r>
+              <a:rPr lang="fr-FR" sz="1350" dirty="0" smtClean="0">
+                <a:solidFill>
+                  <a:schemeClr val="dk1"/>
+                </a:solidFill>
+                <a:ea typeface="Calibri"/>
+                <a:cs typeface="Calibri"/>
+                <a:sym typeface="Calibri"/>
+              </a:rPr>
+              <a:t> </a:t>
+            </a:r>
+            <a:r>
+              <a:rPr lang="fr-FR" sz="1350" dirty="0" err="1">
+                <a:solidFill>
+                  <a:schemeClr val="dk1"/>
+                </a:solidFill>
+                <a:ea typeface="Calibri"/>
+                <a:cs typeface="Calibri"/>
+                <a:sym typeface="Calibri"/>
+              </a:rPr>
+              <a:t>spectra</a:t>
+            </a:r>
+            <a:r>
+              <a:rPr lang="fr-FR" sz="1350" dirty="0">
+                <a:solidFill>
+                  <a:schemeClr val="dk1"/>
+                </a:solidFill>
+                <a:ea typeface="Calibri"/>
+                <a:cs typeface="Calibri"/>
+                <a:sym typeface="Calibri"/>
+              </a:rPr>
+              <a:t> </a:t>
+            </a:r>
+            <a:r>
+              <a:rPr lang="fr-FR" sz="1350" dirty="0" err="1" smtClean="0">
+                <a:solidFill>
+                  <a:schemeClr val="dk1"/>
+                </a:solidFill>
+                <a:ea typeface="Calibri"/>
+                <a:cs typeface="Calibri"/>
+                <a:sym typeface="Calibri"/>
+              </a:rPr>
+              <a:t>viewer</a:t>
+            </a:r>
+            <a:endParaRPr lang="fr-FR" sz="1350" dirty="0">
+              <a:solidFill>
+                <a:schemeClr val="dk1"/>
+              </a:solidFill>
+              <a:ea typeface="Calibri"/>
+              <a:cs typeface="Calibri"/>
+              <a:sym typeface="Calibri"/>
+            </a:endParaRPr>
+          </a:p>
+        </p:txBody>
+      </p:sp>
+      <p:sp>
+        <p:nvSpPr>
+          <p:cNvPr id="177" name="Textfeld 176"/>
+          <p:cNvSpPr txBox="1"/>
+          <p:nvPr/>
+        </p:nvSpPr>
+        <p:spPr>
+          <a:xfrm>
+            <a:off x="20334091" y="24752052"/>
+            <a:ext cx="3501389" cy="338554"/>
+          </a:xfrm>
+          <a:prstGeom prst="rect">
+            <a:avLst/>
+          </a:prstGeom>
+          <a:noFill/>
+        </p:spPr>
+        <p:txBody>
+          <a:bodyPr wrap="square" rtlCol="0">
+            <a:spAutoFit/>
+          </a:bodyPr>
+          <a:lstStyle/>
+          <a:p>
+            <a:pPr lvl="1"/>
+            <a:r>
+              <a:rPr lang="en-US" sz="1600" b="1" dirty="0"/>
+              <a:t>o</a:t>
+            </a:r>
+            <a:r>
+              <a:rPr lang="en-US" sz="1600" b="1" dirty="0" smtClean="0"/>
+              <a:t>ther </a:t>
+            </a:r>
+            <a:r>
+              <a:rPr lang="en-US" sz="1600" b="1" dirty="0"/>
+              <a:t>p</a:t>
+            </a:r>
+            <a:r>
+              <a:rPr lang="en-US" sz="1600" b="1" dirty="0" smtClean="0"/>
+              <a:t>arsers</a:t>
+            </a:r>
+            <a:endParaRPr lang="en-US" sz="1600" b="1" dirty="0"/>
+          </a:p>
+        </p:txBody>
+      </p:sp>
+      <p:sp>
+        <p:nvSpPr>
+          <p:cNvPr id="178" name="Rechteck 177"/>
+          <p:cNvSpPr/>
+          <p:nvPr/>
+        </p:nvSpPr>
+        <p:spPr>
+          <a:xfrm>
+            <a:off x="26839542" y="25377596"/>
+            <a:ext cx="2266343" cy="650984"/>
+          </a:xfrm>
+          <a:prstGeom prst="rect">
+            <a:avLst/>
+          </a:prstGeom>
+          <a:solidFill>
+            <a:schemeClr val="accent6">
+              <a:lumMod val="20000"/>
+              <a:lumOff val="80000"/>
+            </a:schemeClr>
+          </a:solidFill>
+        </p:spPr>
+        <p:style>
+          <a:lnRef idx="2">
+            <a:schemeClr val="accent3">
+              <a:shade val="50000"/>
+            </a:schemeClr>
+          </a:lnRef>
+          <a:fillRef idx="1">
+            <a:schemeClr val="accent3"/>
+          </a:fillRef>
+          <a:effectRef idx="0">
+            <a:schemeClr val="accent3"/>
+          </a:effectRef>
+          <a:fontRef idx="minor">
+            <a:schemeClr val="lt1"/>
+          </a:fontRef>
+        </p:style>
+        <p:txBody>
+          <a:bodyPr rtlCol="0" anchor="ctr"/>
+          <a:lstStyle/>
+          <a:p>
+            <a:pPr algn="ctr"/>
+            <a:endParaRPr lang="en-US" sz="1350"/>
+          </a:p>
+        </p:txBody>
+      </p:sp>
+      <p:sp>
+        <p:nvSpPr>
+          <p:cNvPr id="179" name="Inhaltsplatzhalter 2"/>
+          <p:cNvSpPr txBox="1">
+            <a:spLocks/>
+          </p:cNvSpPr>
+          <p:nvPr/>
+        </p:nvSpPr>
+        <p:spPr>
+          <a:xfrm>
+            <a:off x="26855869" y="25437796"/>
+            <a:ext cx="2193970" cy="600617"/>
+          </a:xfrm>
+          <a:prstGeom prst="rect">
+            <a:avLst/>
+          </a:prstGeom>
+        </p:spPr>
+        <p:txBody>
+          <a:bodyPr vert="horz" lIns="68580" tIns="34290" rIns="68580" bIns="34290" rtlCol="0">
+            <a:normAutofit fontScale="85000" lnSpcReduction="10000"/>
+          </a:bodyPr>
+          <a:lstStyle>
+            <a:lvl1pPr marL="228600" indent="-228600" algn="l" defTabSz="914400" rtl="0" eaLnBrk="1" latinLnBrk="0" hangingPunct="1">
+              <a:lnSpc>
+                <a:spcPct val="90000"/>
+              </a:lnSpc>
+              <a:spcBef>
+                <a:spcPts val="1000"/>
+              </a:spcBef>
+              <a:buFont typeface="Arial" panose="020B0604020202020204" pitchFamily="34" charset="0"/>
+              <a:buChar char="•"/>
+              <a:defRPr sz="2800" kern="1200">
+                <a:solidFill>
+                  <a:schemeClr val="tx1"/>
+                </a:solidFill>
+                <a:latin typeface="+mn-lt"/>
+                <a:ea typeface="+mn-ea"/>
+                <a:cs typeface="+mn-cs"/>
+              </a:defRPr>
+            </a:lvl1pPr>
+            <a:lvl2pPr marL="685800" indent="-228600" algn="l" defTabSz="914400" rtl="0" eaLnBrk="1" latinLnBrk="0" hangingPunct="1">
+              <a:lnSpc>
+                <a:spcPct val="90000"/>
+              </a:lnSpc>
+              <a:spcBef>
+                <a:spcPts val="500"/>
+              </a:spcBef>
+              <a:buFont typeface="Arial" panose="020B0604020202020204" pitchFamily="34" charset="0"/>
+              <a:buChar char="•"/>
+              <a:defRPr sz="2400" kern="1200">
+                <a:solidFill>
+                  <a:schemeClr val="tx1"/>
+                </a:solidFill>
+                <a:latin typeface="+mn-lt"/>
+                <a:ea typeface="+mn-ea"/>
+                <a:cs typeface="+mn-cs"/>
+              </a:defRPr>
+            </a:lvl2pPr>
+            <a:lvl3pPr marL="1143000" indent="-228600" algn="l" defTabSz="914400" rtl="0" eaLnBrk="1" latinLnBrk="0" hangingPunct="1">
+              <a:lnSpc>
+                <a:spcPct val="90000"/>
+              </a:lnSpc>
+              <a:spcBef>
+                <a:spcPts val="500"/>
+              </a:spcBef>
+              <a:buFont typeface="Arial" panose="020B0604020202020204" pitchFamily="34" charset="0"/>
+              <a:buChar char="•"/>
+              <a:defRPr sz="2000" kern="1200">
+                <a:solidFill>
+                  <a:schemeClr val="tx1"/>
+                </a:solidFill>
+                <a:latin typeface="+mn-lt"/>
+                <a:ea typeface="+mn-ea"/>
+                <a:cs typeface="+mn-cs"/>
+              </a:defRPr>
+            </a:lvl3pPr>
+            <a:lvl4pPr marL="1600200" indent="-228600" algn="l" defTabSz="914400" rtl="0" eaLnBrk="1" latinLnBrk="0" hangingPunct="1">
+              <a:lnSpc>
+                <a:spcPct val="90000"/>
+              </a:lnSpc>
+              <a:spcBef>
+                <a:spcPts val="500"/>
+              </a:spcBef>
+              <a:buFont typeface="Arial" panose="020B0604020202020204" pitchFamily="34" charset="0"/>
+              <a:buChar char="•"/>
+              <a:defRPr sz="1800" kern="1200">
+                <a:solidFill>
+                  <a:schemeClr val="tx1"/>
+                </a:solidFill>
+                <a:latin typeface="+mn-lt"/>
+                <a:ea typeface="+mn-ea"/>
+                <a:cs typeface="+mn-cs"/>
+              </a:defRPr>
+            </a:lvl4pPr>
+            <a:lvl5pPr marL="2057400" indent="-228600" algn="l" defTabSz="914400" rtl="0" eaLnBrk="1" latinLnBrk="0" hangingPunct="1">
+              <a:lnSpc>
+                <a:spcPct val="90000"/>
+              </a:lnSpc>
+              <a:spcBef>
+                <a:spcPts val="500"/>
+              </a:spcBef>
+              <a:buFont typeface="Arial" panose="020B0604020202020204" pitchFamily="34" charset="0"/>
+              <a:buChar char="•"/>
+              <a:defRPr sz="1800" kern="1200">
+                <a:solidFill>
+                  <a:schemeClr val="tx1"/>
+                </a:solidFill>
+                <a:latin typeface="+mn-lt"/>
+                <a:ea typeface="+mn-ea"/>
+                <a:cs typeface="+mn-cs"/>
+              </a:defRPr>
+            </a:lvl5pPr>
+            <a:lvl6pPr marL="2514600" indent="-228600" algn="l" defTabSz="914400" rtl="0" eaLnBrk="1" latinLnBrk="0" hangingPunct="1">
+              <a:lnSpc>
+                <a:spcPct val="90000"/>
+              </a:lnSpc>
+              <a:spcBef>
+                <a:spcPts val="500"/>
+              </a:spcBef>
+              <a:buFont typeface="Arial" panose="020B0604020202020204" pitchFamily="34" charset="0"/>
+              <a:buChar char="•"/>
+              <a:defRPr sz="1800" kern="1200">
+                <a:solidFill>
+                  <a:schemeClr val="tx1"/>
+                </a:solidFill>
+                <a:latin typeface="+mn-lt"/>
+                <a:ea typeface="+mn-ea"/>
+                <a:cs typeface="+mn-cs"/>
+              </a:defRPr>
+            </a:lvl6pPr>
+            <a:lvl7pPr marL="2971800" indent="-228600" algn="l" defTabSz="914400" rtl="0" eaLnBrk="1" latinLnBrk="0" hangingPunct="1">
+              <a:lnSpc>
+                <a:spcPct val="90000"/>
+              </a:lnSpc>
+              <a:spcBef>
+                <a:spcPts val="500"/>
+              </a:spcBef>
+              <a:buFont typeface="Arial" panose="020B0604020202020204" pitchFamily="34" charset="0"/>
+              <a:buChar char="•"/>
+              <a:defRPr sz="1800" kern="1200">
+                <a:solidFill>
+                  <a:schemeClr val="tx1"/>
+                </a:solidFill>
+                <a:latin typeface="+mn-lt"/>
+                <a:ea typeface="+mn-ea"/>
+                <a:cs typeface="+mn-cs"/>
+              </a:defRPr>
+            </a:lvl7pPr>
+            <a:lvl8pPr marL="3429000" indent="-228600" algn="l" defTabSz="914400" rtl="0" eaLnBrk="1" latinLnBrk="0" hangingPunct="1">
+              <a:lnSpc>
+                <a:spcPct val="90000"/>
+              </a:lnSpc>
+              <a:spcBef>
+                <a:spcPts val="500"/>
+              </a:spcBef>
+              <a:buFont typeface="Arial" panose="020B0604020202020204" pitchFamily="34" charset="0"/>
+              <a:buChar char="•"/>
+              <a:defRPr sz="1800" kern="1200">
+                <a:solidFill>
+                  <a:schemeClr val="tx1"/>
+                </a:solidFill>
+                <a:latin typeface="+mn-lt"/>
+                <a:ea typeface="+mn-ea"/>
+                <a:cs typeface="+mn-cs"/>
+              </a:defRPr>
+            </a:lvl8pPr>
+            <a:lvl9pPr marL="3886200" indent="-228600" algn="l" defTabSz="914400" rtl="0" eaLnBrk="1" latinLnBrk="0" hangingPunct="1">
+              <a:lnSpc>
+                <a:spcPct val="90000"/>
+              </a:lnSpc>
+              <a:spcBef>
+                <a:spcPts val="500"/>
+              </a:spcBef>
+              <a:buFont typeface="Arial" panose="020B0604020202020204" pitchFamily="34" charset="0"/>
+              <a:buChar char="•"/>
+              <a:defRPr sz="1800" kern="1200">
+                <a:solidFill>
+                  <a:schemeClr val="tx1"/>
+                </a:solidFill>
+                <a:latin typeface="+mn-lt"/>
+                <a:ea typeface="+mn-ea"/>
+                <a:cs typeface="+mn-cs"/>
+              </a:defRPr>
+            </a:lvl9pPr>
+          </a:lstStyle>
+          <a:p>
+            <a:pPr marL="0" indent="0" algn="ctr">
+              <a:buNone/>
+            </a:pPr>
+            <a:r>
+              <a:rPr lang="de-DE" sz="1800" b="1" i="1" dirty="0" err="1" smtClean="0">
+                <a:solidFill>
+                  <a:schemeClr val="tx1">
+                    <a:lumMod val="75000"/>
+                    <a:lumOff val="25000"/>
+                  </a:schemeClr>
+                </a:solidFill>
+              </a:rPr>
+              <a:t>Metabolomics</a:t>
+            </a:r>
+            <a:r>
+              <a:rPr lang="de-DE" sz="1800" b="1" i="1" dirty="0" smtClean="0">
+                <a:solidFill>
+                  <a:schemeClr val="tx1">
+                    <a:lumMod val="75000"/>
+                    <a:lumOff val="25000"/>
+                  </a:schemeClr>
+                </a:solidFill>
+              </a:rPr>
+              <a:t> DBs</a:t>
+            </a:r>
+          </a:p>
+          <a:p>
+            <a:pPr marL="0" indent="0">
+              <a:buNone/>
+            </a:pPr>
+            <a:r>
+              <a:rPr lang="de-DE" sz="1500" dirty="0" smtClean="0"/>
+              <a:t>  e.g</a:t>
+            </a:r>
+            <a:r>
+              <a:rPr lang="de-DE" sz="1500" dirty="0" smtClean="0"/>
+              <a:t>. </a:t>
+            </a:r>
+            <a:r>
+              <a:rPr lang="de-DE" sz="1500" dirty="0" err="1" smtClean="0"/>
+              <a:t>Metabolights</a:t>
+            </a:r>
+            <a:r>
+              <a:rPr lang="de-DE" sz="1500" dirty="0" smtClean="0"/>
+              <a:t>, HMDB,  …</a:t>
+            </a:r>
+            <a:endParaRPr lang="en-US" sz="1500" dirty="0"/>
+          </a:p>
+        </p:txBody>
+      </p:sp>
+      <p:sp>
+        <p:nvSpPr>
+          <p:cNvPr id="180" name="Rechteck 179"/>
+          <p:cNvSpPr/>
+          <p:nvPr/>
+        </p:nvSpPr>
+        <p:spPr>
+          <a:xfrm>
+            <a:off x="20259424" y="23923027"/>
+            <a:ext cx="2409884" cy="604119"/>
+          </a:xfrm>
+          <a:prstGeom prst="rect">
+            <a:avLst/>
+          </a:prstGeom>
+          <a:solidFill>
+            <a:schemeClr val="accent6">
+              <a:lumMod val="20000"/>
+              <a:lumOff val="80000"/>
+            </a:schemeClr>
+          </a:solidFill>
+        </p:spPr>
+        <p:style>
+          <a:lnRef idx="2">
+            <a:schemeClr val="accent3">
+              <a:shade val="50000"/>
+            </a:schemeClr>
+          </a:lnRef>
+          <a:fillRef idx="1">
+            <a:schemeClr val="accent3"/>
+          </a:fillRef>
+          <a:effectRef idx="0">
+            <a:schemeClr val="accent3"/>
+          </a:effectRef>
+          <a:fontRef idx="minor">
+            <a:schemeClr val="lt1"/>
+          </a:fontRef>
+        </p:style>
+        <p:txBody>
+          <a:bodyPr rtlCol="0" anchor="ctr"/>
+          <a:lstStyle/>
+          <a:p>
+            <a:pPr algn="ctr"/>
+            <a:endParaRPr lang="en-US" sz="1350"/>
+          </a:p>
+        </p:txBody>
+      </p:sp>
+      <p:sp>
+        <p:nvSpPr>
+          <p:cNvPr id="181" name="Inhaltsplatzhalter 2"/>
+          <p:cNvSpPr txBox="1">
+            <a:spLocks/>
+          </p:cNvSpPr>
+          <p:nvPr/>
+        </p:nvSpPr>
+        <p:spPr>
+          <a:xfrm>
+            <a:off x="20331220" y="23985932"/>
+            <a:ext cx="2273458" cy="541214"/>
+          </a:xfrm>
+          <a:prstGeom prst="rect">
+            <a:avLst/>
+          </a:prstGeom>
+        </p:spPr>
+        <p:txBody>
+          <a:bodyPr vert="horz" lIns="91440" tIns="45720" rIns="91440" bIns="45720" rtlCol="0">
+            <a:normAutofit fontScale="85000" lnSpcReduction="20000"/>
+          </a:bodyPr>
+          <a:lstStyle>
+            <a:lvl1pPr marL="274320" indent="-274320" algn="l" defTabSz="914400" rtl="0" eaLnBrk="1" latinLnBrk="0" hangingPunct="1">
+              <a:spcBef>
+                <a:spcPct val="20000"/>
+              </a:spcBef>
+              <a:buClr>
+                <a:schemeClr val="accent1"/>
+              </a:buClr>
+              <a:buSzPct val="100000"/>
+              <a:buFont typeface="Symbol" pitchFamily="18" charset="2"/>
+              <a:buChar char=""/>
+              <a:defRPr sz="2400" kern="1200">
+                <a:solidFill>
+                  <a:schemeClr val="tx2"/>
+                </a:solidFill>
+                <a:latin typeface="+mn-lt"/>
+                <a:ea typeface="+mn-ea"/>
+                <a:cs typeface="+mn-cs"/>
+              </a:defRPr>
+            </a:lvl1pPr>
+            <a:lvl2pPr marL="576263" indent="-274320" algn="l" defTabSz="914400" rtl="0" eaLnBrk="1" latinLnBrk="0" hangingPunct="1">
+              <a:spcBef>
+                <a:spcPct val="20000"/>
+              </a:spcBef>
+              <a:buClr>
+                <a:schemeClr val="accent1"/>
+              </a:buClr>
+              <a:buSzPct val="100000"/>
+              <a:buFont typeface="Symbol" pitchFamily="18" charset="2"/>
+              <a:buChar char=""/>
+              <a:defRPr sz="2200" kern="1200">
+                <a:solidFill>
+                  <a:schemeClr val="tx2"/>
+                </a:solidFill>
+                <a:latin typeface="+mn-lt"/>
+                <a:ea typeface="+mn-ea"/>
+                <a:cs typeface="+mn-cs"/>
+              </a:defRPr>
+            </a:lvl2pPr>
+            <a:lvl3pPr marL="855663" indent="-228600" algn="l" defTabSz="914400" rtl="0" eaLnBrk="1" latinLnBrk="0" hangingPunct="1">
+              <a:spcBef>
+                <a:spcPct val="20000"/>
+              </a:spcBef>
+              <a:buClr>
+                <a:schemeClr val="accent1"/>
+              </a:buClr>
+              <a:buSzPct val="100000"/>
+              <a:buFont typeface="Symbol" pitchFamily="18" charset="2"/>
+              <a:buChar char=""/>
+              <a:defRPr sz="2000" kern="1200">
+                <a:solidFill>
+                  <a:schemeClr val="tx2"/>
+                </a:solidFill>
+                <a:latin typeface="+mn-lt"/>
+                <a:ea typeface="+mn-ea"/>
+                <a:cs typeface="+mn-cs"/>
+              </a:defRPr>
+            </a:lvl3pPr>
+            <a:lvl4pPr marL="1143000" indent="-228600" algn="l" defTabSz="914400" rtl="0" eaLnBrk="1" latinLnBrk="0" hangingPunct="1">
+              <a:spcBef>
+                <a:spcPct val="20000"/>
+              </a:spcBef>
+              <a:buClr>
+                <a:schemeClr val="accent1"/>
+              </a:buClr>
+              <a:buSzPct val="100000"/>
+              <a:buFont typeface="Symbol" pitchFamily="18" charset="2"/>
+              <a:buChar char=""/>
+              <a:defRPr sz="1800" kern="1200">
+                <a:solidFill>
+                  <a:schemeClr val="tx2"/>
+                </a:solidFill>
+                <a:latin typeface="+mn-lt"/>
+                <a:ea typeface="+mn-ea"/>
+                <a:cs typeface="+mn-cs"/>
+              </a:defRPr>
+            </a:lvl4pPr>
+            <a:lvl5pPr marL="1463040" indent="-228600" algn="l" defTabSz="914400" rtl="0" eaLnBrk="1" latinLnBrk="0" hangingPunct="1">
+              <a:spcBef>
+                <a:spcPct val="20000"/>
+              </a:spcBef>
+              <a:buClr>
+                <a:schemeClr val="accent1"/>
+              </a:buClr>
+              <a:buSzPct val="100000"/>
+              <a:buFont typeface="Symbol" pitchFamily="18" charset="2"/>
+              <a:buChar char=""/>
+              <a:defRPr sz="1600" kern="1200">
+                <a:solidFill>
+                  <a:schemeClr val="tx2"/>
+                </a:solidFill>
+                <a:latin typeface="+mn-lt"/>
+                <a:ea typeface="+mn-ea"/>
+                <a:cs typeface="+mn-cs"/>
+              </a:defRPr>
+            </a:lvl5pPr>
+            <a:lvl6pPr marL="1783080" indent="-228600" algn="l" defTabSz="914400" rtl="0" eaLnBrk="1" latinLnBrk="0" hangingPunct="1">
+              <a:spcBef>
+                <a:spcPts val="384"/>
+              </a:spcBef>
+              <a:buClr>
+                <a:schemeClr val="accent1"/>
+              </a:buClr>
+              <a:buFont typeface="Symbol" pitchFamily="18" charset="2"/>
+              <a:buChar char="*"/>
+              <a:defRPr sz="1400" kern="1200">
+                <a:solidFill>
+                  <a:schemeClr val="tx2"/>
+                </a:solidFill>
+                <a:latin typeface="+mn-lt"/>
+                <a:ea typeface="+mn-ea"/>
+                <a:cs typeface="+mn-cs"/>
+              </a:defRPr>
+            </a:lvl6pPr>
+            <a:lvl7pPr marL="2103120" indent="-228600" algn="l" defTabSz="914400" rtl="0" eaLnBrk="1" latinLnBrk="0" hangingPunct="1">
+              <a:spcBef>
+                <a:spcPts val="384"/>
+              </a:spcBef>
+              <a:buClr>
+                <a:schemeClr val="accent1"/>
+              </a:buClr>
+              <a:buFont typeface="Symbol" pitchFamily="18" charset="2"/>
+              <a:buChar char="*"/>
+              <a:defRPr sz="1400" kern="1200">
+                <a:solidFill>
+                  <a:schemeClr val="tx2"/>
+                </a:solidFill>
+                <a:latin typeface="+mn-lt"/>
+                <a:ea typeface="+mn-ea"/>
+                <a:cs typeface="+mn-cs"/>
+              </a:defRPr>
+            </a:lvl7pPr>
+            <a:lvl8pPr marL="2423160" indent="-228600" algn="l" defTabSz="914400" rtl="0" eaLnBrk="1" latinLnBrk="0" hangingPunct="1">
+              <a:spcBef>
+                <a:spcPts val="384"/>
+              </a:spcBef>
+              <a:buClr>
+                <a:schemeClr val="accent1"/>
+              </a:buClr>
+              <a:buFont typeface="Symbol" pitchFamily="18" charset="2"/>
+              <a:buChar char="*"/>
+              <a:defRPr sz="1400" kern="1200">
+                <a:solidFill>
+                  <a:schemeClr val="tx2"/>
+                </a:solidFill>
+                <a:latin typeface="+mn-lt"/>
+                <a:ea typeface="+mn-ea"/>
+                <a:cs typeface="+mn-cs"/>
+              </a:defRPr>
+            </a:lvl8pPr>
+            <a:lvl9pPr marL="2743200" indent="-228600" algn="l" defTabSz="914400" rtl="0" eaLnBrk="1" latinLnBrk="0" hangingPunct="1">
+              <a:spcBef>
+                <a:spcPts val="384"/>
+              </a:spcBef>
+              <a:buClr>
+                <a:schemeClr val="accent1"/>
+              </a:buClr>
+              <a:buFont typeface="Symbol" pitchFamily="18" charset="2"/>
+              <a:buChar char="*"/>
+              <a:defRPr sz="1400" kern="1200">
+                <a:solidFill>
+                  <a:schemeClr val="tx2"/>
+                </a:solidFill>
+                <a:latin typeface="+mn-lt"/>
+                <a:ea typeface="+mn-ea"/>
+                <a:cs typeface="+mn-cs"/>
+              </a:defRPr>
+            </a:lvl9pPr>
+          </a:lstStyle>
+          <a:p>
+            <a:pPr marL="0" indent="0" algn="ctr">
+              <a:buFont typeface="Symbol" pitchFamily="18" charset="2"/>
+              <a:buNone/>
+            </a:pPr>
+            <a:r>
+              <a:rPr lang="de-DE" sz="1800" b="1" i="1" dirty="0" err="1" smtClean="0">
+                <a:solidFill>
+                  <a:schemeClr val="tx1">
+                    <a:lumMod val="75000"/>
+                    <a:lumOff val="25000"/>
+                  </a:schemeClr>
+                </a:solidFill>
+              </a:rPr>
+              <a:t>Preexisting</a:t>
+            </a:r>
+            <a:r>
+              <a:rPr lang="de-DE" sz="1800" b="1" i="1" dirty="0" smtClean="0">
+                <a:solidFill>
+                  <a:schemeClr val="tx1">
+                    <a:lumMod val="75000"/>
+                    <a:lumOff val="25000"/>
+                  </a:schemeClr>
+                </a:solidFill>
+              </a:rPr>
+              <a:t> open </a:t>
+            </a:r>
+            <a:r>
+              <a:rPr lang="de-DE" sz="1800" b="1" i="1" dirty="0" err="1" smtClean="0">
+                <a:solidFill>
+                  <a:schemeClr val="tx1">
+                    <a:lumMod val="75000"/>
+                    <a:lumOff val="25000"/>
+                  </a:schemeClr>
+                </a:solidFill>
+              </a:rPr>
+              <a:t>formats</a:t>
+            </a:r>
+            <a:endParaRPr lang="de-DE" sz="1800" b="1" i="1" dirty="0" smtClean="0">
+              <a:solidFill>
+                <a:schemeClr val="tx1">
+                  <a:lumMod val="75000"/>
+                  <a:lumOff val="25000"/>
+                </a:schemeClr>
+              </a:solidFill>
+            </a:endParaRPr>
+          </a:p>
+          <a:p>
+            <a:pPr marL="0" indent="0" algn="ctr">
+              <a:buFont typeface="Symbol" pitchFamily="18" charset="2"/>
+              <a:buNone/>
+            </a:pPr>
+            <a:r>
+              <a:rPr lang="de-DE" sz="1800" dirty="0" smtClean="0">
+                <a:solidFill>
+                  <a:schemeClr val="tx1">
+                    <a:lumMod val="75000"/>
+                    <a:lumOff val="25000"/>
+                  </a:schemeClr>
+                </a:solidFill>
+              </a:rPr>
+              <a:t>JCAMP-DX</a:t>
+            </a:r>
+            <a:endParaRPr lang="en-US" sz="1800" dirty="0"/>
+          </a:p>
+        </p:txBody>
+      </p:sp>
+      <p:sp>
+        <p:nvSpPr>
+          <p:cNvPr id="182" name="Pfeil nach unten 181"/>
+          <p:cNvSpPr/>
+          <p:nvPr/>
+        </p:nvSpPr>
+        <p:spPr>
+          <a:xfrm rot="16200000">
+            <a:off x="23433608" y="23420737"/>
+            <a:ext cx="193491" cy="1526066"/>
+          </a:xfrm>
+          <a:prstGeom prst="downArrow">
+            <a:avLst/>
+          </a:prstGeom>
+        </p:spPr>
+        <p:style>
+          <a:lnRef idx="2">
+            <a:schemeClr val="accent1">
+              <a:shade val="50000"/>
+            </a:schemeClr>
+          </a:lnRef>
+          <a:fillRef idx="1">
+            <a:schemeClr val="accent1"/>
+          </a:fillRef>
+          <a:effectRef idx="0">
+            <a:schemeClr val="accent1"/>
+          </a:effectRef>
+          <a:fontRef idx="minor">
+            <a:schemeClr val="lt1"/>
+          </a:fontRef>
+        </p:style>
+        <p:txBody>
+          <a:bodyPr rtlCol="0" anchor="ctr"/>
+          <a:lstStyle/>
+          <a:p>
+            <a:pPr algn="ctr"/>
+            <a:endParaRPr lang="en-US" sz="1350"/>
+          </a:p>
+        </p:txBody>
+      </p:sp>
+      <p:sp>
+        <p:nvSpPr>
+          <p:cNvPr id="183" name="Textfeld 182"/>
+          <p:cNvSpPr txBox="1"/>
+          <p:nvPr/>
+        </p:nvSpPr>
+        <p:spPr>
+          <a:xfrm>
+            <a:off x="20643766" y="24233553"/>
+            <a:ext cx="3344082" cy="507831"/>
+          </a:xfrm>
+          <a:prstGeom prst="rect">
+            <a:avLst/>
+          </a:prstGeom>
+          <a:noFill/>
+        </p:spPr>
+        <p:txBody>
+          <a:bodyPr wrap="square" rtlCol="0">
+            <a:spAutoFit/>
+          </a:bodyPr>
+          <a:lstStyle/>
+          <a:p>
+            <a:pPr lvl="1"/>
+            <a:r>
+              <a:rPr lang="de-DE" sz="1350" dirty="0" err="1"/>
+              <a:t>m</a:t>
+            </a:r>
+            <a:r>
+              <a:rPr lang="de-DE" sz="1350" dirty="0" err="1" smtClean="0"/>
+              <a:t>anual</a:t>
+            </a:r>
+            <a:r>
+              <a:rPr lang="de-DE" sz="1350" dirty="0" smtClean="0"/>
+              <a:t> </a:t>
+            </a:r>
+            <a:r>
+              <a:rPr lang="de-DE" sz="1350" dirty="0" err="1" smtClean="0"/>
+              <a:t>conversion</a:t>
+            </a:r>
+            <a:endParaRPr lang="en-US" sz="1350" dirty="0"/>
+          </a:p>
+        </p:txBody>
+      </p:sp>
+      <p:sp>
+        <p:nvSpPr>
+          <p:cNvPr id="184" name="Rechteck 183"/>
+          <p:cNvSpPr/>
+          <p:nvPr/>
+        </p:nvSpPr>
+        <p:spPr>
+          <a:xfrm>
+            <a:off x="26971100" y="23219428"/>
+            <a:ext cx="2023100" cy="893675"/>
+          </a:xfrm>
+          <a:prstGeom prst="rect">
+            <a:avLst/>
+          </a:prstGeom>
+          <a:solidFill>
+            <a:schemeClr val="accent6">
+              <a:lumMod val="20000"/>
+              <a:lumOff val="80000"/>
+            </a:schemeClr>
+          </a:solidFill>
+        </p:spPr>
+        <p:style>
+          <a:lnRef idx="2">
+            <a:schemeClr val="accent3">
+              <a:shade val="50000"/>
+            </a:schemeClr>
+          </a:lnRef>
+          <a:fillRef idx="1">
+            <a:schemeClr val="accent3"/>
+          </a:fillRef>
+          <a:effectRef idx="0">
+            <a:schemeClr val="accent3"/>
+          </a:effectRef>
+          <a:fontRef idx="minor">
+            <a:schemeClr val="lt1"/>
+          </a:fontRef>
+        </p:style>
+        <p:txBody>
+          <a:bodyPr rtlCol="0" anchor="ctr"/>
+          <a:lstStyle/>
+          <a:p>
+            <a:pPr algn="ctr"/>
+            <a:endParaRPr lang="en-US" sz="1350"/>
+          </a:p>
+        </p:txBody>
+      </p:sp>
+      <p:sp>
+        <p:nvSpPr>
+          <p:cNvPr id="185" name="Inhaltsplatzhalter 2"/>
+          <p:cNvSpPr txBox="1">
+            <a:spLocks/>
+          </p:cNvSpPr>
+          <p:nvPr/>
+        </p:nvSpPr>
+        <p:spPr>
+          <a:xfrm>
+            <a:off x="27473175" y="23271565"/>
+            <a:ext cx="849169" cy="355856"/>
+          </a:xfrm>
+          <a:prstGeom prst="rect">
+            <a:avLst/>
+          </a:prstGeom>
+        </p:spPr>
+        <p:txBody>
+          <a:bodyPr vert="horz" lIns="68580" tIns="34290" rIns="68580" bIns="34290" rtlCol="0">
+            <a:normAutofit/>
+          </a:bodyPr>
+          <a:lstStyle>
+            <a:lvl1pPr marL="228600" indent="-228600" algn="l" defTabSz="914400" rtl="0" eaLnBrk="1" latinLnBrk="0" hangingPunct="1">
+              <a:lnSpc>
+                <a:spcPct val="90000"/>
+              </a:lnSpc>
+              <a:spcBef>
+                <a:spcPts val="1000"/>
+              </a:spcBef>
+              <a:buFont typeface="Arial" panose="020B0604020202020204" pitchFamily="34" charset="0"/>
+              <a:buChar char="•"/>
+              <a:defRPr sz="2800" kern="1200">
+                <a:solidFill>
+                  <a:schemeClr val="tx1"/>
+                </a:solidFill>
+                <a:latin typeface="+mn-lt"/>
+                <a:ea typeface="+mn-ea"/>
+                <a:cs typeface="+mn-cs"/>
+              </a:defRPr>
+            </a:lvl1pPr>
+            <a:lvl2pPr marL="685800" indent="-228600" algn="l" defTabSz="914400" rtl="0" eaLnBrk="1" latinLnBrk="0" hangingPunct="1">
+              <a:lnSpc>
+                <a:spcPct val="90000"/>
+              </a:lnSpc>
+              <a:spcBef>
+                <a:spcPts val="500"/>
+              </a:spcBef>
+              <a:buFont typeface="Arial" panose="020B0604020202020204" pitchFamily="34" charset="0"/>
+              <a:buChar char="•"/>
+              <a:defRPr sz="2400" kern="1200">
+                <a:solidFill>
+                  <a:schemeClr val="tx1"/>
+                </a:solidFill>
+                <a:latin typeface="+mn-lt"/>
+                <a:ea typeface="+mn-ea"/>
+                <a:cs typeface="+mn-cs"/>
+              </a:defRPr>
+            </a:lvl2pPr>
+            <a:lvl3pPr marL="1143000" indent="-228600" algn="l" defTabSz="914400" rtl="0" eaLnBrk="1" latinLnBrk="0" hangingPunct="1">
+              <a:lnSpc>
+                <a:spcPct val="90000"/>
+              </a:lnSpc>
+              <a:spcBef>
+                <a:spcPts val="500"/>
+              </a:spcBef>
+              <a:buFont typeface="Arial" panose="020B0604020202020204" pitchFamily="34" charset="0"/>
+              <a:buChar char="•"/>
+              <a:defRPr sz="2000" kern="1200">
+                <a:solidFill>
+                  <a:schemeClr val="tx1"/>
+                </a:solidFill>
+                <a:latin typeface="+mn-lt"/>
+                <a:ea typeface="+mn-ea"/>
+                <a:cs typeface="+mn-cs"/>
+              </a:defRPr>
+            </a:lvl3pPr>
+            <a:lvl4pPr marL="1600200" indent="-228600" algn="l" defTabSz="914400" rtl="0" eaLnBrk="1" latinLnBrk="0" hangingPunct="1">
+              <a:lnSpc>
+                <a:spcPct val="90000"/>
+              </a:lnSpc>
+              <a:spcBef>
+                <a:spcPts val="500"/>
+              </a:spcBef>
+              <a:buFont typeface="Arial" panose="020B0604020202020204" pitchFamily="34" charset="0"/>
+              <a:buChar char="•"/>
+              <a:defRPr sz="1800" kern="1200">
+                <a:solidFill>
+                  <a:schemeClr val="tx1"/>
+                </a:solidFill>
+                <a:latin typeface="+mn-lt"/>
+                <a:ea typeface="+mn-ea"/>
+                <a:cs typeface="+mn-cs"/>
+              </a:defRPr>
+            </a:lvl4pPr>
+            <a:lvl5pPr marL="2057400" indent="-228600" algn="l" defTabSz="914400" rtl="0" eaLnBrk="1" latinLnBrk="0" hangingPunct="1">
+              <a:lnSpc>
+                <a:spcPct val="90000"/>
+              </a:lnSpc>
+              <a:spcBef>
+                <a:spcPts val="500"/>
+              </a:spcBef>
+              <a:buFont typeface="Arial" panose="020B0604020202020204" pitchFamily="34" charset="0"/>
+              <a:buChar char="•"/>
+              <a:defRPr sz="1800" kern="1200">
+                <a:solidFill>
+                  <a:schemeClr val="tx1"/>
+                </a:solidFill>
+                <a:latin typeface="+mn-lt"/>
+                <a:ea typeface="+mn-ea"/>
+                <a:cs typeface="+mn-cs"/>
+              </a:defRPr>
+            </a:lvl5pPr>
+            <a:lvl6pPr marL="2514600" indent="-228600" algn="l" defTabSz="914400" rtl="0" eaLnBrk="1" latinLnBrk="0" hangingPunct="1">
+              <a:lnSpc>
+                <a:spcPct val="90000"/>
+              </a:lnSpc>
+              <a:spcBef>
+                <a:spcPts val="500"/>
+              </a:spcBef>
+              <a:buFont typeface="Arial" panose="020B0604020202020204" pitchFamily="34" charset="0"/>
+              <a:buChar char="•"/>
+              <a:defRPr sz="1800" kern="1200">
+                <a:solidFill>
+                  <a:schemeClr val="tx1"/>
+                </a:solidFill>
+                <a:latin typeface="+mn-lt"/>
+                <a:ea typeface="+mn-ea"/>
+                <a:cs typeface="+mn-cs"/>
+              </a:defRPr>
+            </a:lvl6pPr>
+            <a:lvl7pPr marL="2971800" indent="-228600" algn="l" defTabSz="914400" rtl="0" eaLnBrk="1" latinLnBrk="0" hangingPunct="1">
+              <a:lnSpc>
+                <a:spcPct val="90000"/>
+              </a:lnSpc>
+              <a:spcBef>
+                <a:spcPts val="500"/>
+              </a:spcBef>
+              <a:buFont typeface="Arial" panose="020B0604020202020204" pitchFamily="34" charset="0"/>
+              <a:buChar char="•"/>
+              <a:defRPr sz="1800" kern="1200">
+                <a:solidFill>
+                  <a:schemeClr val="tx1"/>
+                </a:solidFill>
+                <a:latin typeface="+mn-lt"/>
+                <a:ea typeface="+mn-ea"/>
+                <a:cs typeface="+mn-cs"/>
+              </a:defRPr>
+            </a:lvl7pPr>
+            <a:lvl8pPr marL="3429000" indent="-228600" algn="l" defTabSz="914400" rtl="0" eaLnBrk="1" latinLnBrk="0" hangingPunct="1">
+              <a:lnSpc>
+                <a:spcPct val="90000"/>
+              </a:lnSpc>
+              <a:spcBef>
+                <a:spcPts val="500"/>
+              </a:spcBef>
+              <a:buFont typeface="Arial" panose="020B0604020202020204" pitchFamily="34" charset="0"/>
+              <a:buChar char="•"/>
+              <a:defRPr sz="1800" kern="1200">
+                <a:solidFill>
+                  <a:schemeClr val="tx1"/>
+                </a:solidFill>
+                <a:latin typeface="+mn-lt"/>
+                <a:ea typeface="+mn-ea"/>
+                <a:cs typeface="+mn-cs"/>
+              </a:defRPr>
+            </a:lvl8pPr>
+            <a:lvl9pPr marL="3886200" indent="-228600" algn="l" defTabSz="914400" rtl="0" eaLnBrk="1" latinLnBrk="0" hangingPunct="1">
+              <a:lnSpc>
+                <a:spcPct val="90000"/>
+              </a:lnSpc>
+              <a:spcBef>
+                <a:spcPts val="500"/>
+              </a:spcBef>
+              <a:buFont typeface="Arial" panose="020B0604020202020204" pitchFamily="34" charset="0"/>
+              <a:buChar char="•"/>
+              <a:defRPr sz="1800" kern="1200">
+                <a:solidFill>
+                  <a:schemeClr val="tx1"/>
+                </a:solidFill>
+                <a:latin typeface="+mn-lt"/>
+                <a:ea typeface="+mn-ea"/>
+                <a:cs typeface="+mn-cs"/>
+              </a:defRPr>
+            </a:lvl9pPr>
+          </a:lstStyle>
+          <a:p>
+            <a:pPr marL="0" indent="0">
+              <a:buNone/>
+            </a:pPr>
+            <a:r>
+              <a:rPr lang="de-DE" sz="1500" b="1" i="1" dirty="0" smtClean="0"/>
+              <a:t>ISA-Tab</a:t>
+            </a:r>
+            <a:endParaRPr lang="en-US" sz="2100" b="1" i="1" dirty="0"/>
+          </a:p>
+        </p:txBody>
+      </p:sp>
+      <p:sp>
+        <p:nvSpPr>
+          <p:cNvPr id="186" name="Pfeil nach unten 185"/>
+          <p:cNvSpPr/>
+          <p:nvPr/>
+        </p:nvSpPr>
+        <p:spPr>
+          <a:xfrm rot="4277440">
+            <a:off x="26097507" y="23161443"/>
+            <a:ext cx="278894" cy="1383994"/>
+          </a:xfrm>
+          <a:prstGeom prst="downArrow">
+            <a:avLst/>
+          </a:prstGeom>
+        </p:spPr>
+        <p:style>
+          <a:lnRef idx="2">
+            <a:schemeClr val="accent1">
+              <a:shade val="50000"/>
+            </a:schemeClr>
+          </a:lnRef>
+          <a:fillRef idx="1">
+            <a:schemeClr val="accent1"/>
+          </a:fillRef>
+          <a:effectRef idx="0">
+            <a:schemeClr val="accent1"/>
+          </a:effectRef>
+          <a:fontRef idx="minor">
+            <a:schemeClr val="lt1"/>
+          </a:fontRef>
+        </p:style>
+        <p:txBody>
+          <a:bodyPr rtlCol="0" anchor="ctr"/>
+          <a:lstStyle/>
+          <a:p>
+            <a:pPr algn="ctr"/>
+            <a:endParaRPr lang="en-US" sz="1350"/>
+          </a:p>
+        </p:txBody>
+      </p:sp>
+      <p:sp>
+        <p:nvSpPr>
+          <p:cNvPr id="187" name="Rechteck 186"/>
+          <p:cNvSpPr/>
+          <p:nvPr/>
+        </p:nvSpPr>
+        <p:spPr>
+          <a:xfrm>
+            <a:off x="24889761" y="23529925"/>
+            <a:ext cx="4260911" cy="507831"/>
+          </a:xfrm>
+          <a:prstGeom prst="rect">
+            <a:avLst/>
+          </a:prstGeom>
+        </p:spPr>
+        <p:txBody>
+          <a:bodyPr wrap="square">
+            <a:spAutoFit/>
+          </a:bodyPr>
+          <a:lstStyle/>
+          <a:p>
+            <a:pPr lvl="1"/>
+            <a:r>
+              <a:rPr lang="de-DE" sz="1350" dirty="0" err="1" smtClean="0"/>
+              <a:t>Context</a:t>
+            </a:r>
+            <a:r>
+              <a:rPr lang="de-DE" sz="1350" dirty="0" smtClean="0"/>
+              <a:t> </a:t>
+            </a:r>
+            <a:r>
+              <a:rPr lang="de-DE" sz="1350" dirty="0" err="1" smtClean="0"/>
+              <a:t>enrichment</a:t>
+            </a:r>
+            <a:endParaRPr lang="de-DE" sz="1350" dirty="0" smtClean="0"/>
+          </a:p>
+          <a:p>
+            <a:pPr lvl="1"/>
+            <a:r>
+              <a:rPr lang="de-DE" sz="1350" dirty="0" smtClean="0"/>
+              <a:t>e.g. </a:t>
+            </a:r>
+            <a:r>
+              <a:rPr lang="de-DE" sz="1350" dirty="0" err="1" smtClean="0"/>
+              <a:t>adding</a:t>
+            </a:r>
+            <a:r>
+              <a:rPr lang="de-DE" sz="1350" dirty="0" smtClean="0"/>
+              <a:t> sample </a:t>
+            </a:r>
+            <a:r>
+              <a:rPr lang="de-DE" sz="1350" dirty="0" err="1" smtClean="0"/>
+              <a:t>source</a:t>
+            </a:r>
+            <a:endParaRPr lang="en-US" sz="1350" dirty="0"/>
+          </a:p>
+        </p:txBody>
+      </p:sp>
+      <p:sp>
+        <p:nvSpPr>
+          <p:cNvPr id="188" name="Textfeld 187"/>
+          <p:cNvSpPr txBox="1"/>
+          <p:nvPr/>
+        </p:nvSpPr>
+        <p:spPr>
+          <a:xfrm>
+            <a:off x="20141305" y="21799307"/>
+            <a:ext cx="898003" cy="307777"/>
+          </a:xfrm>
+          <a:prstGeom prst="rect">
+            <a:avLst/>
+          </a:prstGeom>
+          <a:noFill/>
+        </p:spPr>
+        <p:txBody>
+          <a:bodyPr wrap="none" rtlCol="0">
+            <a:spAutoFit/>
+          </a:bodyPr>
+          <a:lstStyle/>
+          <a:p>
+            <a:r>
+              <a:rPr lang="de-DE" sz="1400" dirty="0" err="1" smtClean="0"/>
+              <a:t>Raw</a:t>
+            </a:r>
+            <a:r>
+              <a:rPr lang="de-DE" sz="1400" dirty="0" smtClean="0"/>
+              <a:t> </a:t>
+            </a:r>
+            <a:r>
+              <a:rPr lang="de-DE" sz="1400" dirty="0" err="1" smtClean="0"/>
+              <a:t>data</a:t>
+            </a:r>
+            <a:endParaRPr lang="en-US" sz="1400" dirty="0"/>
+          </a:p>
+        </p:txBody>
+      </p:sp>
+      <p:sp>
+        <p:nvSpPr>
+          <p:cNvPr id="189" name="Textfeld 188"/>
+          <p:cNvSpPr txBox="1"/>
+          <p:nvPr/>
+        </p:nvSpPr>
+        <p:spPr>
+          <a:xfrm>
+            <a:off x="20122332" y="25303719"/>
+            <a:ext cx="1342034" cy="307777"/>
+          </a:xfrm>
+          <a:prstGeom prst="rect">
+            <a:avLst/>
+          </a:prstGeom>
+          <a:noFill/>
+        </p:spPr>
+        <p:txBody>
+          <a:bodyPr wrap="none" rtlCol="0">
+            <a:spAutoFit/>
+          </a:bodyPr>
+          <a:lstStyle/>
+          <a:p>
+            <a:r>
+              <a:rPr lang="de-DE" sz="1400" dirty="0" err="1" smtClean="0"/>
+              <a:t>Processed</a:t>
+            </a:r>
+            <a:r>
+              <a:rPr lang="de-DE" sz="1400" dirty="0" smtClean="0"/>
+              <a:t> </a:t>
+            </a:r>
+            <a:r>
+              <a:rPr lang="de-DE" sz="1400" dirty="0" err="1" smtClean="0"/>
+              <a:t>data</a:t>
+            </a:r>
+            <a:endParaRPr lang="en-US" sz="1400" dirty="0"/>
+          </a:p>
+        </p:txBody>
+      </p:sp>
+      <p:sp>
+        <p:nvSpPr>
+          <p:cNvPr id="190" name="Textfeld 189"/>
+          <p:cNvSpPr txBox="1"/>
+          <p:nvPr/>
+        </p:nvSpPr>
+        <p:spPr>
+          <a:xfrm>
+            <a:off x="26891013" y="21824227"/>
+            <a:ext cx="1226618" cy="307777"/>
+          </a:xfrm>
+          <a:prstGeom prst="rect">
+            <a:avLst/>
+          </a:prstGeom>
+          <a:noFill/>
+        </p:spPr>
+        <p:txBody>
+          <a:bodyPr wrap="none" rtlCol="0">
+            <a:spAutoFit/>
+          </a:bodyPr>
+          <a:lstStyle/>
+          <a:p>
+            <a:r>
+              <a:rPr lang="de-DE" sz="1400" dirty="0" err="1" smtClean="0"/>
+              <a:t>Enriched</a:t>
+            </a:r>
+            <a:r>
+              <a:rPr lang="de-DE" sz="1400" dirty="0" smtClean="0"/>
+              <a:t> </a:t>
+            </a:r>
+            <a:r>
+              <a:rPr lang="de-DE" sz="1400" dirty="0" err="1" smtClean="0"/>
+              <a:t>data</a:t>
+            </a:r>
+            <a:endParaRPr lang="en-US" sz="1400" dirty="0"/>
+          </a:p>
+        </p:txBody>
+      </p:sp>
+      <p:sp>
+        <p:nvSpPr>
+          <p:cNvPr id="191" name="Pfeil nach unten 190"/>
+          <p:cNvSpPr/>
+          <p:nvPr/>
+        </p:nvSpPr>
+        <p:spPr>
+          <a:xfrm rot="18078470">
+            <a:off x="26357113" y="23737435"/>
+            <a:ext cx="248893" cy="2030668"/>
+          </a:xfrm>
+          <a:prstGeom prst="downArrow">
+            <a:avLst/>
+          </a:prstGeom>
+        </p:spPr>
+        <p:style>
+          <a:lnRef idx="2">
+            <a:schemeClr val="accent1">
+              <a:shade val="50000"/>
+            </a:schemeClr>
+          </a:lnRef>
+          <a:fillRef idx="1">
+            <a:schemeClr val="accent1"/>
+          </a:fillRef>
+          <a:effectRef idx="0">
+            <a:schemeClr val="accent1"/>
+          </a:effectRef>
+          <a:fontRef idx="minor">
+            <a:schemeClr val="lt1"/>
+          </a:fontRef>
+        </p:style>
+        <p:txBody>
+          <a:bodyPr rtlCol="0" anchor="ctr"/>
+          <a:lstStyle/>
+          <a:p>
+            <a:pPr algn="ctr"/>
+            <a:endParaRPr lang="en-US" sz="1350"/>
+          </a:p>
+        </p:txBody>
+      </p:sp>
+      <p:pic>
+        <p:nvPicPr>
+          <p:cNvPr id="192" name="Inhaltsplatzhalter 3"/>
+          <p:cNvPicPr>
+            <a:picLocks noChangeAspect="1"/>
+          </p:cNvPicPr>
+          <p:nvPr/>
+        </p:nvPicPr>
+        <p:blipFill>
+          <a:blip r:embed="rId49" cstate="email">
+            <a:extLst>
+              <a:ext uri="{28A0092B-C50C-407E-A947-70E740481C1C}">
+                <a14:useLocalDpi xmlns:a14="http://schemas.microsoft.com/office/drawing/2010/main" val="0"/>
+              </a:ext>
+            </a:extLst>
+          </a:blip>
+          <a:stretch>
+            <a:fillRect/>
+          </a:stretch>
+        </p:blipFill>
+        <p:spPr>
+          <a:xfrm>
+            <a:off x="24568288" y="24095284"/>
+            <a:ext cx="762293" cy="293483"/>
+          </a:xfrm>
+          <a:prstGeom prst="rect">
+            <a:avLst/>
+          </a:prstGeom>
+        </p:spPr>
+      </p:pic>
     </p:spTree>
     <p:extLst>
       <p:ext uri="{BB962C8B-B14F-4D97-AF65-F5344CB8AC3E}">
@@ -8194,646 +14521,349 @@
   <p:timing>
     <p:tnLst>
       <p:par>
-        <p:cTn id="1" dur="indefinite" restart="never" nodeType="tmRoot"/>
+        <p:cTn id="1" dur="indefinite" restart="never" nodeType="tmRoot">
+          <p:childTnLst>
+            <p:seq concurrent="1" nextAc="seek">
+              <p:cTn id="2" dur="indefinite" nodeType="mainSeq">
+                <p:childTnLst>
+                  <p:par>
+                    <p:cTn id="3" fill="hold">
+                      <p:stCondLst>
+                        <p:cond delay="indefinite"/>
+                      </p:stCondLst>
+                      <p:childTnLst>
+                        <p:par>
+                          <p:cTn id="4" fill="hold">
+                            <p:stCondLst>
+                              <p:cond delay="0"/>
+                            </p:stCondLst>
+                            <p:childTnLst>
+                              <p:par>
+                                <p:cTn id="5" presetID="1" presetClass="entr" presetSubtype="0" fill="hold" grpId="0" nodeType="clickEffect">
+                                  <p:stCondLst>
+                                    <p:cond delay="0"/>
+                                  </p:stCondLst>
+                                  <p:childTnLst>
+                                    <p:set>
+                                      <p:cBhvr>
+                                        <p:cTn id="6" dur="1" fill="hold">
+                                          <p:stCondLst>
+                                            <p:cond delay="0"/>
+                                          </p:stCondLst>
+                                        </p:cTn>
+                                        <p:tgtEl>
+                                          <p:spTgt spid="128"/>
+                                        </p:tgtEl>
+                                        <p:attrNameLst>
+                                          <p:attrName>style.visibility</p:attrName>
+                                        </p:attrNameLst>
+                                      </p:cBhvr>
+                                      <p:to>
+                                        <p:strVal val="visible"/>
+                                      </p:to>
+                                    </p:set>
+                                  </p:childTnLst>
+                                </p:cTn>
+                              </p:par>
+                            </p:childTnLst>
+                          </p:cTn>
+                        </p:par>
+                      </p:childTnLst>
+                    </p:cTn>
+                  </p:par>
+                  <p:par>
+                    <p:cTn id="7" fill="hold">
+                      <p:stCondLst>
+                        <p:cond delay="indefinite"/>
+                      </p:stCondLst>
+                      <p:childTnLst>
+                        <p:par>
+                          <p:cTn id="8" fill="hold">
+                            <p:stCondLst>
+                              <p:cond delay="0"/>
+                            </p:stCondLst>
+                            <p:childTnLst>
+                              <p:par>
+                                <p:cTn id="9" presetID="1" presetClass="entr" presetSubtype="0" fill="hold" grpId="0" nodeType="clickEffect">
+                                  <p:stCondLst>
+                                    <p:cond delay="0"/>
+                                  </p:stCondLst>
+                                  <p:childTnLst>
+                                    <p:set>
+                                      <p:cBhvr>
+                                        <p:cTn id="10" dur="1" fill="hold">
+                                          <p:stCondLst>
+                                            <p:cond delay="0"/>
+                                          </p:stCondLst>
+                                        </p:cTn>
+                                        <p:tgtEl>
+                                          <p:spTgt spid="127"/>
+                                        </p:tgtEl>
+                                        <p:attrNameLst>
+                                          <p:attrName>style.visibility</p:attrName>
+                                        </p:attrNameLst>
+                                      </p:cBhvr>
+                                      <p:to>
+                                        <p:strVal val="visible"/>
+                                      </p:to>
+                                    </p:set>
+                                  </p:childTnLst>
+                                </p:cTn>
+                              </p:par>
+                              <p:par>
+                                <p:cTn id="11" presetID="1" presetClass="entr" presetSubtype="0" fill="hold" grpId="0" nodeType="withEffect">
+                                  <p:stCondLst>
+                                    <p:cond delay="0"/>
+                                  </p:stCondLst>
+                                  <p:childTnLst>
+                                    <p:set>
+                                      <p:cBhvr>
+                                        <p:cTn id="12" dur="1" fill="hold">
+                                          <p:stCondLst>
+                                            <p:cond delay="0"/>
+                                          </p:stCondLst>
+                                        </p:cTn>
+                                        <p:tgtEl>
+                                          <p:spTgt spid="130"/>
+                                        </p:tgtEl>
+                                        <p:attrNameLst>
+                                          <p:attrName>style.visibility</p:attrName>
+                                        </p:attrNameLst>
+                                      </p:cBhvr>
+                                      <p:to>
+                                        <p:strVal val="visible"/>
+                                      </p:to>
+                                    </p:set>
+                                  </p:childTnLst>
+                                </p:cTn>
+                              </p:par>
+                            </p:childTnLst>
+                          </p:cTn>
+                        </p:par>
+                      </p:childTnLst>
+                    </p:cTn>
+                  </p:par>
+                  <p:par>
+                    <p:cTn id="13" fill="hold">
+                      <p:stCondLst>
+                        <p:cond delay="indefinite"/>
+                      </p:stCondLst>
+                      <p:childTnLst>
+                        <p:par>
+                          <p:cTn id="14" fill="hold">
+                            <p:stCondLst>
+                              <p:cond delay="0"/>
+                            </p:stCondLst>
+                            <p:childTnLst>
+                              <p:par>
+                                <p:cTn id="15" presetID="1" presetClass="entr" presetSubtype="0" fill="hold" grpId="0" nodeType="clickEffect">
+                                  <p:stCondLst>
+                                    <p:cond delay="0"/>
+                                  </p:stCondLst>
+                                  <p:childTnLst>
+                                    <p:set>
+                                      <p:cBhvr>
+                                        <p:cTn id="16" dur="1" fill="hold">
+                                          <p:stCondLst>
+                                            <p:cond delay="0"/>
+                                          </p:stCondLst>
+                                        </p:cTn>
+                                        <p:tgtEl>
+                                          <p:spTgt spid="131"/>
+                                        </p:tgtEl>
+                                        <p:attrNameLst>
+                                          <p:attrName>style.visibility</p:attrName>
+                                        </p:attrNameLst>
+                                      </p:cBhvr>
+                                      <p:to>
+                                        <p:strVal val="visible"/>
+                                      </p:to>
+                                    </p:set>
+                                  </p:childTnLst>
+                                </p:cTn>
+                              </p:par>
+                            </p:childTnLst>
+                          </p:cTn>
+                        </p:par>
+                      </p:childTnLst>
+                    </p:cTn>
+                  </p:par>
+                  <p:par>
+                    <p:cTn id="17" fill="hold">
+                      <p:stCondLst>
+                        <p:cond delay="indefinite"/>
+                      </p:stCondLst>
+                      <p:childTnLst>
+                        <p:par>
+                          <p:cTn id="18" fill="hold">
+                            <p:stCondLst>
+                              <p:cond delay="0"/>
+                            </p:stCondLst>
+                            <p:childTnLst>
+                              <p:par>
+                                <p:cTn id="19" presetID="1" presetClass="entr" presetSubtype="0" fill="hold" grpId="0" nodeType="clickEffect">
+                                  <p:stCondLst>
+                                    <p:cond delay="0"/>
+                                  </p:stCondLst>
+                                  <p:childTnLst>
+                                    <p:set>
+                                      <p:cBhvr>
+                                        <p:cTn id="20" dur="1" fill="hold">
+                                          <p:stCondLst>
+                                            <p:cond delay="0"/>
+                                          </p:stCondLst>
+                                        </p:cTn>
+                                        <p:tgtEl>
+                                          <p:spTgt spid="129"/>
+                                        </p:tgtEl>
+                                        <p:attrNameLst>
+                                          <p:attrName>style.visibility</p:attrName>
+                                        </p:attrNameLst>
+                                      </p:cBhvr>
+                                      <p:to>
+                                        <p:strVal val="visible"/>
+                                      </p:to>
+                                    </p:set>
+                                  </p:childTnLst>
+                                </p:cTn>
+                              </p:par>
+                              <p:par>
+                                <p:cTn id="21" presetID="1" presetClass="entr" presetSubtype="0" fill="hold" grpId="0" nodeType="withEffect">
+                                  <p:stCondLst>
+                                    <p:cond delay="0"/>
+                                  </p:stCondLst>
+                                  <p:childTnLst>
+                                    <p:set>
+                                      <p:cBhvr>
+                                        <p:cTn id="22" dur="1" fill="hold">
+                                          <p:stCondLst>
+                                            <p:cond delay="0"/>
+                                          </p:stCondLst>
+                                        </p:cTn>
+                                        <p:tgtEl>
+                                          <p:spTgt spid="126"/>
+                                        </p:tgtEl>
+                                        <p:attrNameLst>
+                                          <p:attrName>style.visibility</p:attrName>
+                                        </p:attrNameLst>
+                                      </p:cBhvr>
+                                      <p:to>
+                                        <p:strVal val="visible"/>
+                                      </p:to>
+                                    </p:set>
+                                  </p:childTnLst>
+                                </p:cTn>
+                              </p:par>
+                            </p:childTnLst>
+                          </p:cTn>
+                        </p:par>
+                      </p:childTnLst>
+                    </p:cTn>
+                  </p:par>
+                  <p:par>
+                    <p:cTn id="23" fill="hold">
+                      <p:stCondLst>
+                        <p:cond delay="indefinite"/>
+                      </p:stCondLst>
+                      <p:childTnLst>
+                        <p:par>
+                          <p:cTn id="24" fill="hold">
+                            <p:stCondLst>
+                              <p:cond delay="0"/>
+                            </p:stCondLst>
+                            <p:childTnLst>
+                              <p:par>
+                                <p:cTn id="25" presetID="1" presetClass="entr" presetSubtype="0" fill="hold" grpId="0" nodeType="clickEffect">
+                                  <p:stCondLst>
+                                    <p:cond delay="0"/>
+                                  </p:stCondLst>
+                                  <p:childTnLst>
+                                    <p:set>
+                                      <p:cBhvr>
+                                        <p:cTn id="26" dur="1" fill="hold">
+                                          <p:stCondLst>
+                                            <p:cond delay="0"/>
+                                          </p:stCondLst>
+                                        </p:cTn>
+                                        <p:tgtEl>
+                                          <p:spTgt spid="132"/>
+                                        </p:tgtEl>
+                                        <p:attrNameLst>
+                                          <p:attrName>style.visibility</p:attrName>
+                                        </p:attrNameLst>
+                                      </p:cBhvr>
+                                      <p:to>
+                                        <p:strVal val="visible"/>
+                                      </p:to>
+                                    </p:set>
+                                  </p:childTnLst>
+                                </p:cTn>
+                              </p:par>
+                              <p:par>
+                                <p:cTn id="27" presetID="1" presetClass="entr" presetSubtype="0" fill="hold" grpId="0" nodeType="withEffect">
+                                  <p:stCondLst>
+                                    <p:cond delay="0"/>
+                                  </p:stCondLst>
+                                  <p:childTnLst>
+                                    <p:set>
+                                      <p:cBhvr>
+                                        <p:cTn id="28" dur="1" fill="hold">
+                                          <p:stCondLst>
+                                            <p:cond delay="0"/>
+                                          </p:stCondLst>
+                                        </p:cTn>
+                                        <p:tgtEl>
+                                          <p:spTgt spid="125"/>
+                                        </p:tgtEl>
+                                        <p:attrNameLst>
+                                          <p:attrName>style.visibility</p:attrName>
+                                        </p:attrNameLst>
+                                      </p:cBhvr>
+                                      <p:to>
+                                        <p:strVal val="visible"/>
+                                      </p:to>
+                                    </p:set>
+                                  </p:childTnLst>
+                                </p:cTn>
+                              </p:par>
+                            </p:childTnLst>
+                          </p:cTn>
+                        </p:par>
+                      </p:childTnLst>
+                    </p:cTn>
+                  </p:par>
+                </p:childTnLst>
+              </p:cTn>
+              <p:prevCondLst>
+                <p:cond evt="onPrev" delay="0">
+                  <p:tgtEl>
+                    <p:sldTgt/>
+                  </p:tgtEl>
+                </p:cond>
+              </p:prevCondLst>
+              <p:nextCondLst>
+                <p:cond evt="onNext" delay="0">
+                  <p:tgtEl>
+                    <p:sldTgt/>
+                  </p:tgtEl>
+                </p:cond>
+              </p:nextCondLst>
+            </p:seq>
+          </p:childTnLst>
+        </p:cTn>
       </p:par>
     </p:tnLst>
+    <p:bldLst>
+      <p:bldP spid="125" grpId="0" animBg="1"/>
+      <p:bldP spid="126" grpId="0" animBg="1"/>
+      <p:bldP spid="127" grpId="0" animBg="1"/>
+      <p:bldP spid="128" grpId="0" animBg="1"/>
+      <p:bldP spid="129" grpId="0"/>
+      <p:bldP spid="130" grpId="0"/>
+      <p:bldP spid="131" grpId="0"/>
+      <p:bldP spid="132" grpId="0"/>
+    </p:bldLst>
   </p:timing>
-</p:sld>
-</file>
-
-<file path=ppt/slides/slide2.xml><?xml version="1.0" encoding="utf-8"?>
-<p:sld xmlns:a="http://schemas.openxmlformats.org/drawingml/2006/main" xmlns:r="http://schemas.openxmlformats.org/officeDocument/2006/relationships" xmlns:p="http://schemas.openxmlformats.org/presentationml/2006/main">
-  <p:cSld>
-    <p:spTree>
-      <p:nvGrpSpPr>
-        <p:cNvPr id="1" name=""/>
-        <p:cNvGrpSpPr/>
-        <p:nvPr/>
-      </p:nvGrpSpPr>
-      <p:grpSpPr>
-        <a:xfrm>
-          <a:off x="0" y="0"/>
-          <a:ext cx="0" cy="0"/>
-          <a:chOff x="0" y="0"/>
-          <a:chExt cx="0" cy="0"/>
-        </a:xfrm>
-      </p:grpSpPr>
-      <p:sp>
-        <p:nvSpPr>
-          <p:cNvPr id="2" name="Titel 1"/>
-          <p:cNvSpPr>
-            <a:spLocks noGrp="1"/>
-          </p:cNvSpPr>
-          <p:nvPr>
-            <p:ph type="title"/>
-          </p:nvPr>
-        </p:nvSpPr>
-        <p:spPr/>
-        <p:txBody>
-          <a:bodyPr>
-            <a:normAutofit/>
-          </a:bodyPr>
-          <a:lstStyle/>
-          <a:p>
-            <a:r>
-              <a:rPr lang="de-DE" sz="4800" dirty="0" err="1" smtClean="0"/>
-              <a:t>Rule</a:t>
-            </a:r>
-            <a:r>
-              <a:rPr lang="de-DE" sz="4800" dirty="0" smtClean="0"/>
-              <a:t> </a:t>
-            </a:r>
-            <a:r>
-              <a:rPr lang="de-DE" sz="4800" dirty="0" err="1"/>
-              <a:t>based</a:t>
-            </a:r>
-            <a:r>
-              <a:rPr lang="de-DE" sz="4800" dirty="0"/>
-              <a:t> </a:t>
-            </a:r>
-            <a:r>
-              <a:rPr lang="de-DE" sz="4800" dirty="0" smtClean="0"/>
-              <a:t>CV </a:t>
-            </a:r>
-            <a:r>
-              <a:rPr lang="de-DE" sz="4800" dirty="0" err="1" smtClean="0"/>
-              <a:t>usage</a:t>
-            </a:r>
-            <a:r>
-              <a:rPr lang="de-DE" sz="4800" dirty="0" smtClean="0"/>
-              <a:t> </a:t>
-            </a:r>
-            <a:r>
-              <a:rPr lang="de-DE" sz="4800" dirty="0" err="1" smtClean="0"/>
-              <a:t>validation</a:t>
-            </a:r>
-            <a:r>
-              <a:rPr lang="de-DE" sz="4800" dirty="0"/>
-              <a:t/>
-            </a:r>
-            <a:br>
-              <a:rPr lang="de-DE" sz="4800" dirty="0"/>
-            </a:br>
-            <a:r>
-              <a:rPr lang="de-DE" sz="4800" dirty="0" err="1"/>
-              <a:t>Example</a:t>
-            </a:r>
-            <a:endParaRPr lang="en-US" sz="4800" dirty="0"/>
-          </a:p>
-        </p:txBody>
-      </p:sp>
-      <p:sp>
-        <p:nvSpPr>
-          <p:cNvPr id="3" name="Inhaltsplatzhalter 2"/>
-          <p:cNvSpPr>
-            <a:spLocks noGrp="1"/>
-          </p:cNvSpPr>
-          <p:nvPr>
-            <p:ph idx="1"/>
-          </p:nvPr>
-        </p:nvSpPr>
-        <p:spPr/>
-        <p:txBody>
-          <a:bodyPr>
-            <a:normAutofit/>
-          </a:bodyPr>
-          <a:lstStyle/>
-          <a:p>
-            <a:pPr marL="0" indent="0">
-              <a:buNone/>
-            </a:pPr>
-            <a:r>
-              <a:rPr lang="de-DE" sz="3200" dirty="0" err="1" smtClean="0"/>
-              <a:t>For</a:t>
-            </a:r>
-            <a:r>
-              <a:rPr lang="de-DE" sz="3200" dirty="0" smtClean="0"/>
-              <a:t> </a:t>
-            </a:r>
-            <a:r>
-              <a:rPr lang="de-DE" sz="3200" dirty="0" err="1" smtClean="0"/>
-              <a:t>the</a:t>
-            </a:r>
-            <a:r>
-              <a:rPr lang="de-DE" sz="3200" dirty="0" smtClean="0"/>
-              <a:t> </a:t>
-            </a:r>
-            <a:r>
-              <a:rPr lang="de-DE" sz="3200" dirty="0" smtClean="0">
-                <a:solidFill>
-                  <a:schemeClr val="accent4"/>
-                </a:solidFill>
-              </a:rPr>
-              <a:t>Instrument </a:t>
-            </a:r>
-            <a:r>
-              <a:rPr lang="de-DE" sz="3200" dirty="0" err="1" smtClean="0">
-                <a:solidFill>
-                  <a:schemeClr val="accent4"/>
-                </a:solidFill>
-              </a:rPr>
-              <a:t>configuration</a:t>
-            </a:r>
-            <a:r>
-              <a:rPr lang="de-DE" sz="3200" dirty="0" smtClean="0"/>
-              <a:t>, </a:t>
-            </a:r>
-            <a:r>
-              <a:rPr lang="de-DE" sz="3200" dirty="0" err="1" smtClean="0"/>
-              <a:t>the</a:t>
-            </a:r>
-            <a:r>
-              <a:rPr lang="de-DE" sz="3200" dirty="0" smtClean="0"/>
-              <a:t> </a:t>
-            </a:r>
-            <a:r>
-              <a:rPr lang="de-DE" sz="3200" dirty="0" err="1" smtClean="0"/>
-              <a:t>mapping</a:t>
-            </a:r>
-            <a:r>
-              <a:rPr lang="de-DE" sz="3200" dirty="0" smtClean="0"/>
-              <a:t> </a:t>
-            </a:r>
-            <a:r>
-              <a:rPr lang="de-DE" sz="3200" dirty="0" err="1" smtClean="0"/>
-              <a:t>rule</a:t>
-            </a:r>
-            <a:r>
-              <a:rPr lang="de-DE" sz="3200" dirty="0" smtClean="0"/>
-              <a:t> </a:t>
-            </a:r>
-            <a:r>
-              <a:rPr lang="de-DE" sz="3200" dirty="0" err="1" smtClean="0"/>
-              <a:t>file</a:t>
-            </a:r>
-            <a:r>
-              <a:rPr lang="de-DE" sz="3200" dirty="0"/>
-              <a:t> </a:t>
-            </a:r>
-            <a:r>
-              <a:rPr lang="de-DE" sz="3200" dirty="0" err="1" smtClean="0"/>
-              <a:t>enforces</a:t>
-            </a:r>
-            <a:r>
-              <a:rPr lang="de-DE" sz="3200" dirty="0" smtClean="0"/>
-              <a:t> (</a:t>
-            </a:r>
-            <a:r>
-              <a:rPr lang="de-DE" sz="3200" dirty="0" smtClean="0">
-                <a:solidFill>
-                  <a:srgbClr val="FF0000"/>
-                </a:solidFill>
-              </a:rPr>
-              <a:t>must</a:t>
-            </a:r>
-            <a:r>
-              <a:rPr lang="de-DE" sz="3200" dirty="0" smtClean="0"/>
-              <a:t>) a </a:t>
-            </a:r>
-            <a:r>
-              <a:rPr lang="de-DE" sz="3200" dirty="0" smtClean="0">
-                <a:solidFill>
-                  <a:schemeClr val="accent1"/>
-                </a:solidFill>
-              </a:rPr>
-              <a:t>NMR probe </a:t>
-            </a:r>
-            <a:r>
-              <a:rPr lang="de-DE" sz="3200" dirty="0" err="1" smtClean="0">
-                <a:solidFill>
-                  <a:srgbClr val="00B050"/>
-                </a:solidFill>
-              </a:rPr>
-              <a:t>subclass</a:t>
-            </a:r>
-            <a:r>
-              <a:rPr lang="de-DE" sz="3200" dirty="0" smtClean="0">
-                <a:solidFill>
-                  <a:schemeClr val="accent1"/>
-                </a:solidFill>
-              </a:rPr>
-              <a:t> </a:t>
-            </a:r>
-            <a:r>
-              <a:rPr lang="de-DE" sz="3200" dirty="0" err="1" smtClean="0"/>
-              <a:t>specification</a:t>
-            </a:r>
-            <a:r>
-              <a:rPr lang="de-DE" sz="3200" dirty="0" smtClean="0"/>
-              <a:t> via an NMR CV </a:t>
-            </a:r>
-            <a:r>
-              <a:rPr lang="de-DE" sz="3200" dirty="0" err="1" smtClean="0"/>
-              <a:t>term</a:t>
-            </a:r>
-            <a:r>
-              <a:rPr lang="de-DE" sz="3200" dirty="0" smtClean="0"/>
-              <a:t>:</a:t>
-            </a:r>
-          </a:p>
-          <a:p>
-            <a:pPr marL="0" indent="0">
-              <a:buNone/>
-            </a:pPr>
-            <a:endParaRPr lang="en-US" sz="3200" dirty="0" smtClean="0"/>
-          </a:p>
-          <a:p>
-            <a:pPr marL="0" indent="0">
-              <a:buNone/>
-            </a:pPr>
-            <a:r>
-              <a:rPr lang="en-US" sz="3200" dirty="0" smtClean="0"/>
-              <a:t>&lt;</a:t>
-            </a:r>
-            <a:r>
-              <a:rPr lang="en-US" sz="3200" dirty="0" err="1"/>
-              <a:t>CvMappingRule</a:t>
-            </a:r>
-            <a:r>
-              <a:rPr lang="en-US" sz="3200" dirty="0"/>
-              <a:t> id="</a:t>
-            </a:r>
-            <a:r>
-              <a:rPr lang="en-US" sz="3200" dirty="0" err="1"/>
-              <a:t>instrumentConfiguration_must</a:t>
-            </a:r>
-            <a:r>
-              <a:rPr lang="en-US" sz="3200" dirty="0"/>
-              <a:t>"</a:t>
-            </a:r>
-            <a:br>
-              <a:rPr lang="en-US" sz="3200" dirty="0"/>
-            </a:br>
-            <a:r>
-              <a:rPr lang="en-US" sz="3200" dirty="0" err="1"/>
-              <a:t>cvElementPath</a:t>
-            </a:r>
-            <a:r>
-              <a:rPr lang="en-US" sz="3200" dirty="0"/>
-              <a:t>="/</a:t>
-            </a:r>
-            <a:r>
-              <a:rPr lang="en-US" sz="3200" dirty="0" err="1"/>
-              <a:t>nmrML</a:t>
-            </a:r>
-            <a:r>
-              <a:rPr lang="en-US" sz="3200" dirty="0"/>
-              <a:t>/</a:t>
-            </a:r>
-            <a:r>
-              <a:rPr lang="en-US" sz="3200" dirty="0" err="1"/>
-              <a:t>instrumentConfigurationList</a:t>
-            </a:r>
-            <a:r>
-              <a:rPr lang="en-US" sz="3200" dirty="0"/>
-              <a:t>/</a:t>
-            </a:r>
-            <a:r>
-              <a:rPr lang="en-US" sz="3200" dirty="0" err="1">
-                <a:solidFill>
-                  <a:schemeClr val="accent4"/>
-                </a:solidFill>
-              </a:rPr>
-              <a:t>instrumentConfiguration</a:t>
-            </a:r>
-            <a:r>
-              <a:rPr lang="en-US" sz="3200" dirty="0">
-                <a:solidFill>
-                  <a:schemeClr val="accent4"/>
-                </a:solidFill>
-              </a:rPr>
-              <a:t>/</a:t>
-            </a:r>
-            <a:r>
-              <a:rPr lang="en-US" sz="3200" dirty="0" err="1">
-                <a:solidFill>
-                  <a:schemeClr val="accent4"/>
-                </a:solidFill>
-              </a:rPr>
-              <a:t>cvParam</a:t>
-            </a:r>
-            <a:r>
-              <a:rPr lang="en-US" sz="3200" dirty="0"/>
-              <a:t>/@accession"</a:t>
-            </a:r>
-            <a:br>
-              <a:rPr lang="en-US" sz="3200" dirty="0"/>
-            </a:br>
-            <a:r>
-              <a:rPr lang="en-US" sz="3200" dirty="0" err="1">
-                <a:solidFill>
-                  <a:srgbClr val="FF0000"/>
-                </a:solidFill>
-              </a:rPr>
-              <a:t>requirementLevel</a:t>
-            </a:r>
-            <a:r>
-              <a:rPr lang="en-US" sz="3200" dirty="0">
-                <a:solidFill>
-                  <a:srgbClr val="FF0000"/>
-                </a:solidFill>
-              </a:rPr>
-              <a:t>="MUST"</a:t>
-            </a:r>
-            <a:br>
-              <a:rPr lang="en-US" sz="3200" dirty="0">
-                <a:solidFill>
-                  <a:srgbClr val="FF0000"/>
-                </a:solidFill>
-              </a:rPr>
-            </a:br>
-            <a:r>
-              <a:rPr lang="en-US" sz="3200" dirty="0" err="1"/>
-              <a:t>scopePath</a:t>
-            </a:r>
-            <a:r>
-              <a:rPr lang="en-US" sz="3200" dirty="0"/>
-              <a:t>="/</a:t>
-            </a:r>
-            <a:r>
-              <a:rPr lang="en-US" sz="3200" dirty="0" err="1"/>
-              <a:t>nmrML</a:t>
-            </a:r>
-            <a:r>
-              <a:rPr lang="en-US" sz="3200" dirty="0"/>
-              <a:t>/</a:t>
-            </a:r>
-            <a:r>
-              <a:rPr lang="en-US" sz="3200" dirty="0" err="1"/>
-              <a:t>instrumentConfigurationList</a:t>
-            </a:r>
-            <a:r>
-              <a:rPr lang="en-US" sz="3200" dirty="0"/>
-              <a:t>/</a:t>
-            </a:r>
-            <a:r>
-              <a:rPr lang="en-US" sz="3200" dirty="0" err="1"/>
-              <a:t>instrumentConfiguration</a:t>
-            </a:r>
-            <a:r>
-              <a:rPr lang="en-US" sz="3200" dirty="0"/>
-              <a:t>/"</a:t>
-            </a:r>
-            <a:br>
-              <a:rPr lang="en-US" sz="3200" dirty="0"/>
-            </a:br>
-            <a:r>
-              <a:rPr lang="en-US" sz="3200" dirty="0" err="1"/>
-              <a:t>cvTermsCombinationLogic</a:t>
-            </a:r>
-            <a:r>
-              <a:rPr lang="en-US" sz="3200" dirty="0"/>
-              <a:t>="AND"&gt;</a:t>
-            </a:r>
-            <a:br>
-              <a:rPr lang="en-US" sz="3200" dirty="0"/>
-            </a:br>
-            <a:r>
-              <a:rPr lang="en-US" sz="3200" dirty="0"/>
-              <a:t>&lt;</a:t>
-            </a:r>
-            <a:r>
-              <a:rPr lang="en-US" sz="3200" dirty="0" err="1"/>
-              <a:t>CvTerm</a:t>
-            </a:r>
-            <a:r>
-              <a:rPr lang="en-US" sz="3200" dirty="0"/>
-              <a:t> </a:t>
-            </a:r>
-            <a:r>
-              <a:rPr lang="en-US" sz="3200" dirty="0" err="1"/>
-              <a:t>termAccession</a:t>
-            </a:r>
-            <a:r>
-              <a:rPr lang="en-US" sz="3200" dirty="0"/>
-              <a:t>="NMR:1400059" </a:t>
-            </a:r>
-            <a:r>
-              <a:rPr lang="en-US" sz="3200" dirty="0" err="1" smtClean="0"/>
-              <a:t>useTerm</a:t>
-            </a:r>
-            <a:r>
-              <a:rPr lang="en-US" sz="3200" dirty="0"/>
-              <a:t>="false" </a:t>
-            </a:r>
-            <a:r>
-              <a:rPr lang="en-US" sz="3200" dirty="0" err="1"/>
-              <a:t>termName</a:t>
-            </a:r>
-            <a:r>
-              <a:rPr lang="en-US" sz="3200" dirty="0"/>
-              <a:t>="NMR </a:t>
-            </a:r>
-            <a:r>
-              <a:rPr lang="en-US" sz="3200" dirty="0" smtClean="0"/>
-              <a:t>instrument“ </a:t>
-            </a:r>
-            <a:r>
-              <a:rPr lang="en-US" sz="3200" dirty="0" err="1" smtClean="0"/>
-              <a:t>isRepeatable</a:t>
-            </a:r>
-            <a:r>
-              <a:rPr lang="en-US" sz="3200" dirty="0"/>
-              <a:t>="false" </a:t>
-            </a:r>
-            <a:r>
-              <a:rPr lang="en-US" sz="3200" dirty="0" err="1"/>
-              <a:t>allowChildren</a:t>
-            </a:r>
-            <a:r>
-              <a:rPr lang="en-US" sz="3200" dirty="0"/>
-              <a:t>="true" </a:t>
-            </a:r>
-            <a:r>
-              <a:rPr lang="en-US" sz="3200" dirty="0" err="1"/>
-              <a:t>cvIdentifierRef</a:t>
-            </a:r>
-            <a:r>
-              <a:rPr lang="en-US" sz="3200" dirty="0"/>
-              <a:t>="NMR</a:t>
-            </a:r>
-            <a:r>
-              <a:rPr lang="en-US" sz="3200" dirty="0" smtClean="0"/>
-              <a:t>"/&gt;</a:t>
-            </a:r>
-            <a:r>
-              <a:rPr lang="en-US" sz="3200" dirty="0"/>
-              <a:t/>
-            </a:r>
-            <a:br>
-              <a:rPr lang="en-US" sz="3200" dirty="0"/>
-            </a:br>
-            <a:r>
-              <a:rPr lang="en-US" sz="3200" dirty="0"/>
-              <a:t>&lt;</a:t>
-            </a:r>
-            <a:r>
-              <a:rPr lang="en-US" sz="3200" dirty="0" err="1"/>
-              <a:t>CvTerm</a:t>
-            </a:r>
-            <a:r>
-              <a:rPr lang="en-US" sz="3200" dirty="0"/>
-              <a:t> </a:t>
-            </a:r>
-            <a:r>
-              <a:rPr lang="en-US" sz="3200" dirty="0" err="1"/>
-              <a:t>termAccession</a:t>
-            </a:r>
-            <a:r>
-              <a:rPr lang="en-US" sz="3200" dirty="0"/>
-              <a:t>="NMR:1400014" </a:t>
-            </a:r>
-            <a:r>
-              <a:rPr lang="en-US" sz="3200" dirty="0" err="1">
-                <a:solidFill>
-                  <a:srgbClr val="00B050"/>
-                </a:solidFill>
-              </a:rPr>
-              <a:t>useTerm</a:t>
-            </a:r>
-            <a:r>
-              <a:rPr lang="en-US" sz="3200" dirty="0">
-                <a:solidFill>
-                  <a:srgbClr val="00B050"/>
-                </a:solidFill>
-              </a:rPr>
-              <a:t>="false" </a:t>
-            </a:r>
-            <a:r>
-              <a:rPr lang="en-US" sz="3200" dirty="0" err="1">
-                <a:solidFill>
-                  <a:schemeClr val="accent1"/>
-                </a:solidFill>
-              </a:rPr>
-              <a:t>termName</a:t>
-            </a:r>
-            <a:r>
-              <a:rPr lang="en-US" sz="3200" dirty="0">
-                <a:solidFill>
-                  <a:schemeClr val="accent1"/>
-                </a:solidFill>
-              </a:rPr>
-              <a:t>="NMR probe"</a:t>
-            </a:r>
-            <a:br>
-              <a:rPr lang="en-US" sz="3200" dirty="0">
-                <a:solidFill>
-                  <a:schemeClr val="accent1"/>
-                </a:solidFill>
-              </a:rPr>
-            </a:br>
-            <a:r>
-              <a:rPr lang="en-US" sz="3200" dirty="0" err="1"/>
-              <a:t>isRepeatable</a:t>
-            </a:r>
-            <a:r>
-              <a:rPr lang="en-US" sz="3200" dirty="0"/>
-              <a:t>="false" </a:t>
-            </a:r>
-            <a:r>
-              <a:rPr lang="en-US" sz="3200" dirty="0" err="1"/>
-              <a:t>allowChildren</a:t>
-            </a:r>
-            <a:r>
-              <a:rPr lang="en-US" sz="3200" dirty="0"/>
-              <a:t>="true" </a:t>
-            </a:r>
-            <a:r>
-              <a:rPr lang="en-US" sz="3200" dirty="0" err="1"/>
-              <a:t>cvIdentifierRef</a:t>
-            </a:r>
-            <a:r>
-              <a:rPr lang="en-US" sz="3200" dirty="0"/>
-              <a:t>="NMR"/&gt;</a:t>
-            </a:r>
-            <a:br>
-              <a:rPr lang="en-US" sz="3200" dirty="0"/>
-            </a:br>
-            <a:r>
-              <a:rPr lang="en-US" sz="3200" dirty="0"/>
-              <a:t>&lt;/</a:t>
-            </a:r>
-            <a:r>
-              <a:rPr lang="en-US" sz="3200" dirty="0" err="1"/>
-              <a:t>CvMappingRule</a:t>
-            </a:r>
-            <a:r>
-              <a:rPr lang="en-US" sz="3200" dirty="0"/>
-              <a:t>&gt;</a:t>
-            </a:r>
-          </a:p>
-        </p:txBody>
-      </p:sp>
-      <p:pic>
-        <p:nvPicPr>
-          <p:cNvPr id="4" name="Inhaltsplatzhalter 4"/>
-          <p:cNvPicPr>
-            <a:picLocks noChangeAspect="1"/>
-          </p:cNvPicPr>
-          <p:nvPr/>
-        </p:nvPicPr>
-        <p:blipFill>
-          <a:blip r:embed="rId2">
-            <a:extLst>
-              <a:ext uri="{28A0092B-C50C-407E-A947-70E740481C1C}">
-                <a14:useLocalDpi xmlns:a14="http://schemas.microsoft.com/office/drawing/2010/main" val="0"/>
-              </a:ext>
-            </a:extLst>
-          </a:blip>
-          <a:stretch>
-            <a:fillRect/>
-          </a:stretch>
-        </p:blipFill>
-        <p:spPr>
-          <a:xfrm>
-            <a:off x="18036306" y="14437878"/>
-            <a:ext cx="8310076" cy="12883537"/>
-          </a:xfrm>
-          <a:prstGeom prst="rect">
-            <a:avLst/>
-          </a:prstGeom>
-        </p:spPr>
-      </p:pic>
-      <p:pic>
-        <p:nvPicPr>
-          <p:cNvPr id="5" name="Grafik 4"/>
-          <p:cNvPicPr>
-            <a:picLocks noChangeAspect="1"/>
-          </p:cNvPicPr>
-          <p:nvPr/>
-        </p:nvPicPr>
-        <p:blipFill>
-          <a:blip r:embed="rId3">
-            <a:extLst>
-              <a:ext uri="{28A0092B-C50C-407E-A947-70E740481C1C}">
-                <a14:useLocalDpi xmlns:a14="http://schemas.microsoft.com/office/drawing/2010/main" val="0"/>
-              </a:ext>
-            </a:extLst>
-          </a:blip>
-          <a:stretch>
-            <a:fillRect/>
-          </a:stretch>
-        </p:blipFill>
-        <p:spPr>
-          <a:xfrm>
-            <a:off x="11249316" y="18618735"/>
-            <a:ext cx="1294114" cy="876991"/>
-          </a:xfrm>
-          <a:prstGeom prst="rect">
-            <a:avLst/>
-          </a:prstGeom>
-        </p:spPr>
-      </p:pic>
-    </p:spTree>
-    <p:extLst>
-      <p:ext uri="{BB962C8B-B14F-4D97-AF65-F5344CB8AC3E}">
-        <p14:creationId xmlns:p14="http://schemas.microsoft.com/office/powerpoint/2010/main" val="1442834197"/>
-      </p:ext>
-    </p:extLst>
-  </p:cSld>
-  <p:clrMapOvr>
-    <a:masterClrMapping/>
-  </p:clrMapOvr>
 </p:sld>
 </file>
 

--- a/docs/SchemaDocumentation/nmrML_Poster_124_Schober.pptx
+++ b/docs/SchemaDocumentation/nmrML_Poster_124_Schober.pptx
@@ -402,7 +402,7 @@
             <a:fld id="{220332FB-83C8-E24C-BAB1-A588F05ACF5F}" type="datetimeFigureOut">
               <a:rPr lang="en-US" smtClean="0"/>
               <a:pPr/>
-              <a:t>6/16/2014</a:t>
+              <a:t>6/17/2014</a:t>
             </a:fld>
             <a:endParaRPr lang="en-US"/>
           </a:p>
@@ -574,7 +574,7 @@
             <a:fld id="{220332FB-83C8-E24C-BAB1-A588F05ACF5F}" type="datetimeFigureOut">
               <a:rPr lang="en-US" smtClean="0"/>
               <a:pPr/>
-              <a:t>6/16/2014</a:t>
+              <a:t>6/17/2014</a:t>
             </a:fld>
             <a:endParaRPr lang="en-US"/>
           </a:p>
@@ -756,7 +756,7 @@
             <a:fld id="{220332FB-83C8-E24C-BAB1-A588F05ACF5F}" type="datetimeFigureOut">
               <a:rPr lang="en-US" smtClean="0"/>
               <a:pPr/>
-              <a:t>6/16/2014</a:t>
+              <a:t>6/17/2014</a:t>
             </a:fld>
             <a:endParaRPr lang="en-US"/>
           </a:p>
@@ -928,7 +928,7 @@
             <a:fld id="{220332FB-83C8-E24C-BAB1-A588F05ACF5F}" type="datetimeFigureOut">
               <a:rPr lang="en-US" smtClean="0"/>
               <a:pPr/>
-              <a:t>6/16/2014</a:t>
+              <a:t>6/17/2014</a:t>
             </a:fld>
             <a:endParaRPr lang="en-US"/>
           </a:p>
@@ -1176,7 +1176,7 @@
             <a:fld id="{220332FB-83C8-E24C-BAB1-A588F05ACF5F}" type="datetimeFigureOut">
               <a:rPr lang="en-US" smtClean="0"/>
               <a:pPr/>
-              <a:t>6/16/2014</a:t>
+              <a:t>6/17/2014</a:t>
             </a:fld>
             <a:endParaRPr lang="en-US"/>
           </a:p>
@@ -1466,7 +1466,7 @@
             <a:fld id="{220332FB-83C8-E24C-BAB1-A588F05ACF5F}" type="datetimeFigureOut">
               <a:rPr lang="en-US" smtClean="0"/>
               <a:pPr/>
-              <a:t>6/16/2014</a:t>
+              <a:t>6/17/2014</a:t>
             </a:fld>
             <a:endParaRPr lang="en-US"/>
           </a:p>
@@ -1895,7 +1895,7 @@
             <a:fld id="{220332FB-83C8-E24C-BAB1-A588F05ACF5F}" type="datetimeFigureOut">
               <a:rPr lang="en-US" smtClean="0"/>
               <a:pPr/>
-              <a:t>6/16/2014</a:t>
+              <a:t>6/17/2014</a:t>
             </a:fld>
             <a:endParaRPr lang="en-US"/>
           </a:p>
@@ -2015,7 +2015,7 @@
             <a:fld id="{220332FB-83C8-E24C-BAB1-A588F05ACF5F}" type="datetimeFigureOut">
               <a:rPr lang="en-US" smtClean="0"/>
               <a:pPr/>
-              <a:t>6/16/2014</a:t>
+              <a:t>6/17/2014</a:t>
             </a:fld>
             <a:endParaRPr lang="en-US"/>
           </a:p>
@@ -2112,7 +2112,7 @@
             <a:fld id="{220332FB-83C8-E24C-BAB1-A588F05ACF5F}" type="datetimeFigureOut">
               <a:rPr lang="en-US" smtClean="0"/>
               <a:pPr/>
-              <a:t>6/16/2014</a:t>
+              <a:t>6/17/2014</a:t>
             </a:fld>
             <a:endParaRPr lang="en-US"/>
           </a:p>
@@ -2391,7 +2391,7 @@
             <a:fld id="{220332FB-83C8-E24C-BAB1-A588F05ACF5F}" type="datetimeFigureOut">
               <a:rPr lang="en-US" smtClean="0"/>
               <a:pPr/>
-              <a:t>6/16/2014</a:t>
+              <a:t>6/17/2014</a:t>
             </a:fld>
             <a:endParaRPr lang="en-US"/>
           </a:p>
@@ -2646,7 +2646,7 @@
             <a:fld id="{220332FB-83C8-E24C-BAB1-A588F05ACF5F}" type="datetimeFigureOut">
               <a:rPr lang="en-US" smtClean="0"/>
               <a:pPr/>
-              <a:t>6/16/2014</a:t>
+              <a:t>6/17/2014</a:t>
             </a:fld>
             <a:endParaRPr lang="en-US"/>
           </a:p>
@@ -2861,7 +2861,7 @@
             <a:fld id="{220332FB-83C8-E24C-BAB1-A588F05ACF5F}" type="datetimeFigureOut">
               <a:rPr lang="en-US" smtClean="0"/>
               <a:pPr/>
-              <a:t>6/16/2014</a:t>
+              <a:t>6/17/2014</a:t>
             </a:fld>
             <a:endParaRPr lang="en-US"/>
           </a:p>
@@ -3342,7 +3342,7 @@
         <p:spPr>
           <a:xfrm>
             <a:off x="829481" y="29605662"/>
-            <a:ext cx="28492309" cy="5946497"/>
+            <a:ext cx="28683880" cy="5946497"/>
           </a:xfrm>
           <a:prstGeom prst="rect">
             <a:avLst/>
@@ -3383,7 +3383,7 @@
         <p:spPr>
           <a:xfrm>
             <a:off x="19993374" y="21643044"/>
-            <a:ext cx="9213637" cy="4621720"/>
+            <a:ext cx="9519987" cy="4621720"/>
           </a:xfrm>
           <a:prstGeom prst="rect">
             <a:avLst/>
@@ -3840,17 +3840,7 @@
                 <a:latin typeface="Verdana"/>
                 <a:cs typeface="Verdana"/>
               </a:rPr>
-              <a:t>age </a:t>
-            </a:r>
-            <a:r>
-              <a:rPr lang="en-US" sz="2800" dirty="0" smtClean="0">
-                <a:solidFill>
-                  <a:srgbClr val="121421"/>
-                </a:solidFill>
-                <a:latin typeface="Verdana"/>
-                <a:cs typeface="Verdana"/>
-              </a:rPr>
-              <a:t>fast, posing </a:t>
+              <a:t>age fast, posing </a:t>
             </a:r>
             <a:r>
               <a:rPr lang="en-US" sz="2800" dirty="0">
@@ -4137,17 +4127,17 @@
                 <a:latin typeface="Verdana"/>
                 <a:cs typeface="Verdana"/>
               </a:rPr>
-              <a:t> and Agilent/Varian data </a:t>
-            </a:r>
-            <a:r>
-              <a:rPr lang="en-US" sz="2800" dirty="0">
+              <a:t> </a:t>
+            </a:r>
+            <a:r>
+              <a:rPr lang="en-US" sz="2800" dirty="0" smtClean="0">
                 <a:solidFill>
                   <a:srgbClr val="121421"/>
                 </a:solidFill>
                 <a:latin typeface="Verdana"/>
                 <a:cs typeface="Verdana"/>
               </a:rPr>
-              <a:t>formats, which can be </a:t>
+              <a:t>&amp; </a:t>
             </a:r>
             <a:r>
               <a:rPr lang="en-US" sz="2800" dirty="0" smtClean="0">
@@ -4157,7 +4147,7 @@
                 <a:latin typeface="Verdana"/>
                 <a:cs typeface="Verdana"/>
               </a:rPr>
-              <a:t>incorporated into open </a:t>
+              <a:t>Agilent/Varian data </a:t>
             </a:r>
             <a:r>
               <a:rPr lang="en-US" sz="2800" dirty="0">
@@ -4167,7 +4157,37 @@
                 <a:latin typeface="Verdana"/>
                 <a:cs typeface="Verdana"/>
               </a:rPr>
-              <a:t>NMR processing and analysis software. </a:t>
+              <a:t>formats, which can be </a:t>
+            </a:r>
+            <a:r>
+              <a:rPr lang="en-US" sz="2800" dirty="0" smtClean="0">
+                <a:solidFill>
+                  <a:srgbClr val="121421"/>
+                </a:solidFill>
+                <a:latin typeface="Verdana"/>
+                <a:cs typeface="Verdana"/>
+              </a:rPr>
+              <a:t>incorporated into open </a:t>
+            </a:r>
+            <a:r>
+              <a:rPr lang="en-US" sz="2800" dirty="0">
+                <a:solidFill>
+                  <a:srgbClr val="121421"/>
+                </a:solidFill>
+                <a:latin typeface="Verdana"/>
+                <a:cs typeface="Verdana"/>
+              </a:rPr>
+              <a:t>NMR processing and analysis software</a:t>
+            </a:r>
+            <a:r>
+              <a:rPr lang="en-US" sz="2800" dirty="0" smtClean="0">
+                <a:solidFill>
+                  <a:srgbClr val="121421"/>
+                </a:solidFill>
+                <a:latin typeface="Verdana"/>
+                <a:cs typeface="Verdana"/>
+              </a:rPr>
+              <a:t>.</a:t>
             </a:r>
             <a:endParaRPr lang="ro-RO" sz="2800" dirty="0">
               <a:solidFill>
@@ -4231,8 +4251,8 @@
         </p:nvSpPr>
         <p:spPr>
           <a:xfrm>
-            <a:off x="754043" y="37071212"/>
-            <a:ext cx="19515998" cy="1514261"/>
+            <a:off x="754042" y="37071212"/>
+            <a:ext cx="20750403" cy="1988237"/>
           </a:xfrm>
           <a:prstGeom prst="rect">
             <a:avLst/>
@@ -4338,87 +4358,77 @@
                 <a:latin typeface="Verdana"/>
                 <a:cs typeface="Verdana"/>
               </a:rPr>
-              <a:t>C</a:t>
-            </a:r>
-            <a:r>
-              <a:rPr lang="en-US" sz="2800" dirty="0" smtClean="0">
+              <a:t>Coverage </a:t>
+            </a:r>
+            <a:r>
+              <a:rPr lang="en-US" sz="2800" dirty="0">
                 <a:solidFill>
                   <a:srgbClr val="121421"/>
                 </a:solidFill>
                 <a:latin typeface="Verdana"/>
                 <a:cs typeface="Verdana"/>
               </a:rPr>
-              <a:t>overage </a:t>
-            </a:r>
-            <a:r>
-              <a:rPr lang="en-US" sz="2800" dirty="0">
+              <a:t>is </a:t>
+            </a:r>
+            <a:r>
+              <a:rPr lang="en-US" sz="2800" dirty="0" smtClean="0">
                 <a:solidFill>
                   <a:srgbClr val="121421"/>
                 </a:solidFill>
                 <a:latin typeface="Verdana"/>
                 <a:cs typeface="Verdana"/>
               </a:rPr>
-              <a:t>is </a:t>
-            </a:r>
-            <a:r>
-              <a:rPr lang="en-US" sz="2800" dirty="0" smtClean="0">
+              <a:t>already good </a:t>
+            </a:r>
+            <a:r>
+              <a:rPr lang="en-US" sz="2800" dirty="0">
                 <a:solidFill>
                   <a:srgbClr val="121421"/>
                 </a:solidFill>
                 <a:latin typeface="Verdana"/>
                 <a:cs typeface="Verdana"/>
               </a:rPr>
-              <a:t>already good </a:t>
-            </a:r>
-            <a:r>
-              <a:rPr lang="en-US" sz="2800" dirty="0">
+              <a:t>at raw data capture, </a:t>
+            </a:r>
+            <a:r>
+              <a:rPr lang="en-US" sz="2800" dirty="0" smtClean="0">
                 <a:solidFill>
                   <a:srgbClr val="121421"/>
                 </a:solidFill>
                 <a:latin typeface="Verdana"/>
                 <a:cs typeface="Verdana"/>
               </a:rPr>
-              <a:t>at raw data capture, </a:t>
-            </a:r>
-            <a:r>
-              <a:rPr lang="en-US" sz="2800" dirty="0" smtClean="0">
+              <a:t>yet the </a:t>
+            </a:r>
+            <a:r>
+              <a:rPr lang="en-US" sz="2800" dirty="0">
                 <a:solidFill>
                   <a:srgbClr val="121421"/>
                 </a:solidFill>
                 <a:latin typeface="Verdana"/>
                 <a:cs typeface="Verdana"/>
               </a:rPr>
-              <a:t>yet the </a:t>
-            </a:r>
-            <a:r>
-              <a:rPr lang="en-US" sz="2800" dirty="0">
-                <a:solidFill>
-                  <a:srgbClr val="121421"/>
+              <a:t>XSD and CV will be </a:t>
+            </a:r>
+            <a:r>
+              <a:rPr lang="en-US" sz="2800" b="1" dirty="0">
+                <a:solidFill>
+                  <a:schemeClr val="accent1"/>
                 </a:solidFill>
                 <a:latin typeface="Verdana"/>
                 <a:cs typeface="Verdana"/>
               </a:rPr>
-              <a:t>XSD and CV will be </a:t>
-            </a:r>
-            <a:r>
-              <a:rPr lang="en-US" sz="2800" b="1" dirty="0">
-                <a:solidFill>
-                  <a:schemeClr val="accent1"/>
+              <a:t>expanded for better processed data &amp; quantification data handling</a:t>
+            </a:r>
+            <a:r>
+              <a:rPr lang="en-US" sz="2800" dirty="0" smtClean="0">
+                <a:solidFill>
+                  <a:srgbClr val="121421"/>
                 </a:solidFill>
                 <a:latin typeface="Verdana"/>
                 <a:cs typeface="Verdana"/>
               </a:rPr>
-              <a:t>expanded for better processed data &amp; quantification data handling</a:t>
-            </a:r>
-            <a:r>
-              <a:rPr lang="en-US" sz="2800" dirty="0">
-                <a:solidFill>
-                  <a:srgbClr val="121421"/>
-                </a:solidFill>
-                <a:latin typeface="Verdana"/>
-                <a:cs typeface="Verdana"/>
-              </a:rPr>
-              <a:t>. </a:t>
+              <a:t>. We encourage potential users and the open source community to evaluate our resource and invite you for collaboration.</a:t>
             </a:r>
             <a:endParaRPr lang="en-US" sz="2800" dirty="0">
               <a:solidFill>
@@ -4488,8 +4498,8 @@
         </p:blipFill>
         <p:spPr>
           <a:xfrm>
-            <a:off x="28510339" y="40154076"/>
-            <a:ext cx="1003022" cy="1264821"/>
+            <a:off x="28595578" y="40100622"/>
+            <a:ext cx="802976" cy="1012561"/>
           </a:xfrm>
           <a:prstGeom prst="rect">
             <a:avLst/>
@@ -5493,18 +5503,7 @@
                 <a:ea typeface="Verdana" pitchFamily="34" charset="0"/>
                 <a:cs typeface="Verdana" pitchFamily="34" charset="0"/>
               </a:rPr>
-              <a:t>nmrML</a:t>
-            </a:r>
-            <a:r>
-              <a:rPr lang="de-DE" sz="3600" b="1" dirty="0" smtClean="0">
-                <a:solidFill>
-                  <a:srgbClr val="2F3246"/>
-                </a:solidFill>
-                <a:latin typeface="Verdana" pitchFamily="34" charset="0"/>
-                <a:ea typeface="Verdana" pitchFamily="34" charset="0"/>
-                <a:cs typeface="Verdana" pitchFamily="34" charset="0"/>
-              </a:rPr>
-              <a:t>.xsd</a:t>
+              <a:t>nmrML.xsd</a:t>
             </a:r>
             <a:endParaRPr lang="en-US" sz="3600" b="1" dirty="0">
               <a:solidFill>
@@ -5704,7 +5703,7 @@
         </p:blipFill>
         <p:spPr>
           <a:xfrm>
-            <a:off x="21712349" y="40429492"/>
+            <a:off x="21447899" y="40757192"/>
             <a:ext cx="2379305" cy="852288"/>
           </a:xfrm>
           <a:prstGeom prst="rect">
@@ -5721,7 +5720,7 @@
         <p:spPr>
           <a:xfrm>
             <a:off x="754043" y="9059686"/>
-            <a:ext cx="18473546" cy="3410164"/>
+            <a:ext cx="18859636" cy="3410164"/>
           </a:xfrm>
           <a:prstGeom prst="rect">
             <a:avLst/>
@@ -5923,67 +5922,67 @@
                 <a:latin typeface="Verdana"/>
                 <a:cs typeface="Verdana"/>
               </a:rPr>
-              <a:t>to </a:t>
-            </a:r>
-            <a:r>
-              <a:rPr lang="en-US" sz="2800" dirty="0" smtClean="0">
-                <a:solidFill>
-                  <a:srgbClr val="121421"/>
+              <a:t>to create an </a:t>
+            </a:r>
+            <a:r>
+              <a:rPr lang="en-US" sz="2800" b="1" dirty="0" smtClean="0">
+                <a:solidFill>
+                  <a:schemeClr val="accent1"/>
                 </a:solidFill>
                 <a:latin typeface="Verdana"/>
                 <a:cs typeface="Verdana"/>
               </a:rPr>
-              <a:t>create an </a:t>
-            </a:r>
-            <a:r>
-              <a:rPr lang="en-US" sz="2800" b="1" dirty="0" smtClean="0">
-                <a:solidFill>
-                  <a:schemeClr val="accent1"/>
+              <a:t>open exchange and storage format for NMR data</a:t>
+            </a:r>
+            <a:r>
+              <a:rPr lang="en-US" sz="2800" dirty="0" smtClean="0">
+                <a:solidFill>
+                  <a:srgbClr val="121421"/>
                 </a:solidFill>
                 <a:latin typeface="Verdana"/>
                 <a:cs typeface="Verdana"/>
               </a:rPr>
-              <a:t>open exchange and storage format for NMR data</a:t>
-            </a:r>
-            <a:r>
-              <a:rPr lang="en-US" sz="2800" dirty="0" smtClean="0">
+              <a:t>. We largely follow design principles already established in the Proteomics Standards Initiative (PSI) for the </a:t>
+            </a:r>
+            <a:r>
+              <a:rPr lang="en-US" sz="2800" dirty="0" err="1" smtClean="0">
                 <a:solidFill>
                   <a:srgbClr val="121421"/>
                 </a:solidFill>
                 <a:latin typeface="Verdana"/>
                 <a:cs typeface="Verdana"/>
               </a:rPr>
-              <a:t>. We largely follow design principles already established in the Proteomics Standards Initiative (PSI) for the </a:t>
-            </a:r>
-            <a:r>
-              <a:rPr lang="en-US" sz="2800" dirty="0" err="1" smtClean="0">
+              <a:t>mzML</a:t>
+            </a:r>
+            <a:r>
+              <a:rPr lang="en-US" sz="2800" dirty="0" smtClean="0">
                 <a:solidFill>
                   <a:srgbClr val="121421"/>
                 </a:solidFill>
                 <a:latin typeface="Verdana"/>
                 <a:cs typeface="Verdana"/>
               </a:rPr>
-              <a:t>mzML</a:t>
-            </a:r>
-            <a:r>
-              <a:rPr lang="en-US" sz="2800" dirty="0" smtClean="0">
-                <a:solidFill>
-                  <a:srgbClr val="121421"/>
+              <a:t> data standard for mass spectrometry. The standard is composed of an </a:t>
+            </a:r>
+            <a:r>
+              <a:rPr lang="en-US" sz="2800" b="1" dirty="0" smtClean="0">
+                <a:solidFill>
+                  <a:schemeClr val="accent1"/>
                 </a:solidFill>
                 <a:latin typeface="Verdana"/>
                 <a:cs typeface="Verdana"/>
               </a:rPr>
-              <a:t> data standard for mass spectrometry. The standard is composed of an </a:t>
-            </a:r>
-            <a:r>
-              <a:rPr lang="en-US" sz="2800" b="1" dirty="0" smtClean="0">
-                <a:solidFill>
-                  <a:schemeClr val="accent1"/>
+              <a:t>XML schema definition</a:t>
+            </a:r>
+            <a:r>
+              <a:rPr lang="en-US" sz="2800" dirty="0" smtClean="0">
+                <a:solidFill>
+                  <a:srgbClr val="121421"/>
                 </a:solidFill>
                 <a:latin typeface="Verdana"/>
                 <a:cs typeface="Verdana"/>
               </a:rPr>
-              <a:t>XML </a:t>
+              <a:t> (nmrML.xsd) and an accompanying </a:t>
             </a:r>
             <a:r>
               <a:rPr lang="en-US" sz="2800" b="1" dirty="0" smtClean="0">
@@ -5993,7 +5992,7 @@
                 <a:latin typeface="Verdana"/>
                 <a:cs typeface="Verdana"/>
               </a:rPr>
-              <a:t>schema definition</a:t>
+              <a:t>controlled vocabulary</a:t>
             </a:r>
             <a:r>
               <a:rPr lang="en-US" sz="2800" dirty="0" smtClean="0">
@@ -6003,117 +6002,47 @@
                 <a:latin typeface="Verdana"/>
                 <a:cs typeface="Verdana"/>
               </a:rPr>
-              <a:t> (nmrML.xsd</a:t>
-            </a:r>
-            <a:r>
-              <a:rPr lang="en-US" sz="2800" dirty="0" smtClean="0">
+              <a:t> (</a:t>
+            </a:r>
+            <a:r>
+              <a:rPr lang="en-US" sz="2800" dirty="0" err="1" smtClean="0">
                 <a:solidFill>
                   <a:srgbClr val="121421"/>
                 </a:solidFill>
                 <a:latin typeface="Verdana"/>
                 <a:cs typeface="Verdana"/>
               </a:rPr>
-              <a:t>) and an accompanying </a:t>
-            </a:r>
-            <a:r>
-              <a:rPr lang="en-US" sz="2800" b="1" dirty="0" smtClean="0">
-                <a:solidFill>
-                  <a:schemeClr val="accent1"/>
+              <a:t>nmrCV.owl</a:t>
+            </a:r>
+            <a:r>
+              <a:rPr lang="en-US" sz="2800" dirty="0" smtClean="0">
+                <a:solidFill>
+                  <a:srgbClr val="121421"/>
                 </a:solidFill>
                 <a:latin typeface="Verdana"/>
                 <a:cs typeface="Verdana"/>
               </a:rPr>
-              <a:t>controlled vocabulary</a:t>
-            </a:r>
-            <a:r>
-              <a:rPr lang="en-US" sz="2800" dirty="0" smtClean="0">
+              <a:t>), which ensures update flexibility and schema robustness by allowing to outsource more variant and dynamic descriptors into the vocabulary, which is referenced from within an </a:t>
+            </a:r>
+            <a:r>
+              <a:rPr lang="en-US" sz="2800" dirty="0" err="1" smtClean="0">
                 <a:solidFill>
                   <a:srgbClr val="121421"/>
                 </a:solidFill>
                 <a:latin typeface="Verdana"/>
                 <a:cs typeface="Verdana"/>
               </a:rPr>
-              <a:t> (</a:t>
-            </a:r>
-            <a:r>
-              <a:rPr lang="en-US" sz="2800" dirty="0" err="1" smtClean="0">
+              <a:t>nmrML</a:t>
+            </a:r>
+            <a:r>
+              <a:rPr lang="en-US" sz="2800" dirty="0" smtClean="0">
                 <a:solidFill>
                   <a:srgbClr val="121421"/>
                 </a:solidFill>
                 <a:latin typeface="Verdana"/>
                 <a:cs typeface="Verdana"/>
               </a:rPr>
-              <a:t>nmrCV.owl</a:t>
-            </a:r>
-            <a:r>
-              <a:rPr lang="en-US" sz="2800" dirty="0" smtClean="0">
-                <a:solidFill>
-                  <a:srgbClr val="121421"/>
-                </a:solidFill>
-                <a:latin typeface="Verdana"/>
-                <a:cs typeface="Verdana"/>
-              </a:rPr>
-              <a:t>), which ensures update flexibility and schema robustness by allowing to outsource more variant and dynamic descriptors into the </a:t>
-            </a:r>
-            <a:r>
-              <a:rPr lang="en-US" sz="2800" dirty="0" smtClean="0">
-                <a:solidFill>
-                  <a:srgbClr val="121421"/>
-                </a:solidFill>
-                <a:latin typeface="Verdana"/>
-                <a:cs typeface="Verdana"/>
-              </a:rPr>
-              <a:t>vocabulary, </a:t>
-            </a:r>
-            <a:r>
-              <a:rPr lang="en-US" sz="2800" dirty="0" smtClean="0">
-                <a:solidFill>
-                  <a:srgbClr val="121421"/>
-                </a:solidFill>
-                <a:latin typeface="Verdana"/>
-                <a:cs typeface="Verdana"/>
-              </a:rPr>
-              <a:t>which is referenced from within an </a:t>
-            </a:r>
-            <a:r>
-              <a:rPr lang="en-US" sz="2800" dirty="0" err="1" smtClean="0">
-                <a:solidFill>
-                  <a:srgbClr val="121421"/>
-                </a:solidFill>
-                <a:latin typeface="Verdana"/>
-                <a:cs typeface="Verdana"/>
-              </a:rPr>
-              <a:t>nmrML</a:t>
-            </a:r>
-            <a:r>
-              <a:rPr lang="en-US" sz="2800" dirty="0" smtClean="0">
-                <a:solidFill>
-                  <a:srgbClr val="121421"/>
-                </a:solidFill>
-                <a:latin typeface="Verdana"/>
-                <a:cs typeface="Verdana"/>
-              </a:rPr>
-              <a:t> </a:t>
-            </a:r>
-            <a:r>
-              <a:rPr lang="en-US" sz="2800" dirty="0" smtClean="0">
-                <a:solidFill>
-                  <a:srgbClr val="121421"/>
-                </a:solidFill>
-                <a:latin typeface="Verdana"/>
-                <a:cs typeface="Verdana"/>
-              </a:rPr>
-              <a:t>data file</a:t>
-            </a:r>
-            <a:r>
-              <a:rPr lang="en-US" sz="2800" dirty="0" smtClean="0">
-                <a:solidFill>
-                  <a:srgbClr val="121421"/>
-                </a:solidFill>
-                <a:latin typeface="Verdana"/>
-                <a:cs typeface="Verdana"/>
-              </a:rPr>
-              <a:t>.</a:t>
+              <a:t> data file.</a:t>
             </a:r>
             <a:endParaRPr lang="ro-RO" sz="2800" dirty="0">
               <a:solidFill>
@@ -6133,8 +6062,8 @@
         </p:nvSpPr>
         <p:spPr>
           <a:xfrm>
-            <a:off x="21054075" y="37011841"/>
-            <a:ext cx="8600124" cy="2169825"/>
+            <a:off x="21903134" y="37011841"/>
+            <a:ext cx="7613692" cy="2169825"/>
           </a:xfrm>
           <a:prstGeom prst="rect">
             <a:avLst/>
@@ -6536,11 +6465,7 @@
           <a:p>
             <a:r>
               <a:rPr lang="en-US" sz="1400" dirty="0" smtClean="0"/>
-              <a:t>Data excerpt  </a:t>
-            </a:r>
-            <a:r>
-              <a:rPr lang="en-US" sz="1400" dirty="0" smtClean="0"/>
-              <a:t>from a paper: </a:t>
+              <a:t>Data excerpt  from a paper: </a:t>
             </a:r>
             <a:r>
               <a:rPr lang="en-US" sz="1400" i="1" dirty="0" err="1" smtClean="0"/>
@@ -6723,20 +6648,20 @@
           <p:nvPr>
             <p:extLst>
               <p:ext uri="{D42A27DB-BD31-4B8C-83A1-F6EECF244321}">
-                <p14:modId xmlns:p14="http://schemas.microsoft.com/office/powerpoint/2010/main" val="4061155149"/>
+                <p14:modId xmlns:p14="http://schemas.microsoft.com/office/powerpoint/2010/main" val="226219351"/>
               </p:ext>
             </p:extLst>
           </p:nvPr>
         </p:nvGraphicFramePr>
         <p:xfrm>
-          <a:off x="26396039" y="40389399"/>
-          <a:ext cx="1609725" cy="781050"/>
+          <a:off x="26251292" y="41113183"/>
+          <a:ext cx="1390818" cy="674835"/>
         </p:xfrm>
         <a:graphic>
           <a:graphicData uri="http://schemas.openxmlformats.org/presentationml/2006/ole">
             <mc:AlternateContent xmlns:mc="http://schemas.openxmlformats.org/markup-compatibility/2006">
               <mc:Choice xmlns:v="urn:schemas-microsoft-com:vml" Requires="v">
-                <p:oleObj spid="_x0000_s3196" r:id="rId15" imgW="155999880" imgH="75692160" progId="">
+                <p:oleObj spid="_x0000_s3205" r:id="rId15" imgW="155999880" imgH="75692160" progId="">
                   <p:embed/>
                 </p:oleObj>
               </mc:Choice>
@@ -6757,8 +6682,8 @@
                     </p:blipFill>
                     <p:spPr>
                       <a:xfrm>
-                        <a:off x="26396039" y="40389399"/>
-                        <a:ext cx="1609725" cy="781050"/>
+                        <a:off x="26251292" y="41113183"/>
+                        <a:ext cx="1390818" cy="674835"/>
                       </a:xfrm>
                       <a:prstGeom prst="rect">
                         <a:avLst/>
@@ -6794,7 +6719,7 @@
         </p:blipFill>
         <p:spPr bwMode="auto">
           <a:xfrm>
-            <a:off x="24432274" y="40556274"/>
+            <a:off x="24017350" y="40473011"/>
             <a:ext cx="1461107" cy="857238"/>
           </a:xfrm>
           <a:prstGeom prst="rect">
@@ -6820,7 +6745,7 @@
         </p:nvSpPr>
         <p:spPr>
           <a:xfrm>
-            <a:off x="25039428" y="41266599"/>
+            <a:off x="24624504" y="41183336"/>
             <a:ext cx="1258134" cy="307777"/>
           </a:xfrm>
           <a:prstGeom prst="rect">
@@ -6864,7 +6789,7 @@
         </p:blipFill>
         <p:spPr bwMode="auto">
           <a:xfrm>
-            <a:off x="26396039" y="41472741"/>
+            <a:off x="25745870" y="40499067"/>
             <a:ext cx="2464302" cy="284561"/>
           </a:xfrm>
           <a:prstGeom prst="rect">
@@ -7014,17 +6939,17 @@
                 <a:latin typeface="Verdana"/>
                 <a:cs typeface="Verdana"/>
               </a:rPr>
-              <a:t> which checks the quality of NMR data files in a multilayered approach, i.e. ensuring the data is syntactically well formatted, adheres to the </a:t>
-            </a:r>
-            <a:r>
-              <a:rPr lang="en-US" sz="2800" dirty="0" smtClean="0">
+              <a:t> </a:t>
+            </a:r>
+            <a:r>
+              <a:rPr lang="en-US" sz="2800" dirty="0" err="1" smtClean="0">
                 <a:solidFill>
                   <a:srgbClr val="121421"/>
                 </a:solidFill>
                 <a:latin typeface="Verdana"/>
                 <a:cs typeface="Verdana"/>
               </a:rPr>
-              <a:t>nmrML.xsd, </a:t>
+              <a:t>webservice</a:t>
             </a:r>
             <a:r>
               <a:rPr lang="en-US" sz="2800" dirty="0" smtClean="0">
@@ -7034,17 +6959,17 @@
                 <a:latin typeface="Verdana"/>
                 <a:cs typeface="Verdana"/>
               </a:rPr>
-              <a:t>and is sufficiently detailed with respect to data content and CV annotations. Semantic validation exploits rules that set constraints </a:t>
-            </a:r>
-            <a:r>
-              <a:rPr lang="en-US" sz="2800" dirty="0">
+              <a:t>, which </a:t>
+            </a:r>
+            <a:r>
+              <a:rPr lang="en-US" sz="2800" dirty="0" smtClean="0">
                 <a:solidFill>
                   <a:srgbClr val="121421"/>
                 </a:solidFill>
                 <a:latin typeface="Verdana"/>
                 <a:cs typeface="Verdana"/>
               </a:rPr>
-              <a:t>on certain XML </a:t>
+              <a:t>checks the quality of </a:t>
             </a:r>
             <a:r>
               <a:rPr lang="en-US" sz="2800" dirty="0" smtClean="0">
@@ -7054,7 +6979,7 @@
                 <a:latin typeface="Verdana"/>
                 <a:cs typeface="Verdana"/>
               </a:rPr>
-              <a:t>positions, </a:t>
+              <a:t>your NMR </a:t>
             </a:r>
             <a:r>
               <a:rPr lang="en-US" sz="2800" dirty="0" smtClean="0">
@@ -7064,17 +6989,17 @@
                 <a:latin typeface="Verdana"/>
                 <a:cs typeface="Verdana"/>
               </a:rPr>
-              <a:t>i.e. which CV terms are allowed at a certain XML location. Such checks can enforce aspects of </a:t>
-            </a:r>
-            <a:r>
-              <a:rPr lang="en-US" sz="2800" b="1" dirty="0" smtClean="0">
-                <a:solidFill>
-                  <a:srgbClr val="0070C0"/>
+              <a:t>data files in a multilayered approach, i.e. ensuring the data is syntactically well formatted, adheres to the nmrML.xsd, and is sufficiently detailed with respect to data content and CV annotations. Semantic validation exploits rules that set constraints </a:t>
+            </a:r>
+            <a:r>
+              <a:rPr lang="en-US" sz="2800" dirty="0">
+                <a:solidFill>
+                  <a:srgbClr val="121421"/>
                 </a:solidFill>
                 <a:latin typeface="Verdana"/>
                 <a:cs typeface="Verdana"/>
               </a:rPr>
-              <a:t>minimal information requirements</a:t>
+              <a:t>on certain XML </a:t>
             </a:r>
             <a:r>
               <a:rPr lang="en-US" sz="2800" dirty="0" smtClean="0">
@@ -7084,17 +7009,27 @@
                 <a:latin typeface="Verdana"/>
                 <a:cs typeface="Verdana"/>
               </a:rPr>
-              <a:t>, e.g. from the Core Information for Metabolomics Reporting (CIMR</a:t>
-            </a:r>
-            <a:r>
-              <a:rPr lang="en-US" sz="2800" dirty="0" smtClean="0">
-                <a:solidFill>
-                  <a:srgbClr val="121421"/>
+              <a:t>positions, i.e. which CV terms are allowed at a certain XML location. Such checks can enforce aspects of </a:t>
+            </a:r>
+            <a:r>
+              <a:rPr lang="en-US" sz="2800" b="1" dirty="0" smtClean="0">
+                <a:solidFill>
+                  <a:srgbClr val="0070C0"/>
                 </a:solidFill>
                 <a:latin typeface="Verdana"/>
                 <a:cs typeface="Verdana"/>
               </a:rPr>
-              <a:t>) or given journal policies.</a:t>
+              <a:t>minimal information requirements</a:t>
+            </a:r>
+            <a:r>
+              <a:rPr lang="en-US" sz="2800" dirty="0" smtClean="0">
+                <a:solidFill>
+                  <a:srgbClr val="121421"/>
+                </a:solidFill>
+                <a:latin typeface="Verdana"/>
+                <a:cs typeface="Verdana"/>
+              </a:rPr>
+              <a:t>, e.g. from the Core Information for Metabolomics Reporting (CIMR) or given journal policies.</a:t>
             </a:r>
             <a:endParaRPr lang="ro-RO" sz="2800" dirty="0">
               <a:solidFill>
@@ -7246,7 +7181,7 @@
         </p:nvSpPr>
         <p:spPr>
           <a:xfrm>
-            <a:off x="20896402" y="36087530"/>
+            <a:off x="22357718" y="36087530"/>
             <a:ext cx="6283476" cy="646331"/>
           </a:xfrm>
           <a:prstGeom prst="rect">
@@ -7367,7 +7302,7 @@
         </p:nvSpPr>
         <p:spPr>
           <a:xfrm>
-            <a:off x="14931151" y="40512547"/>
+            <a:off x="14839634" y="40662325"/>
             <a:ext cx="6921036" cy="1061829"/>
           </a:xfrm>
           <a:prstGeom prst="rect">
@@ -7639,11 +7574,7 @@
           <a:p>
             <a:r>
               <a:rPr lang="de-DE" sz="2400" dirty="0" smtClean="0"/>
-              <a:t>The Validation </a:t>
-            </a:r>
-            <a:r>
-              <a:rPr lang="de-DE" sz="2400" dirty="0" smtClean="0"/>
-              <a:t>Layer </a:t>
+              <a:t>The Validation Layer </a:t>
             </a:r>
             <a:r>
               <a:rPr lang="de-DE" sz="2400" dirty="0" err="1" smtClean="0"/>
@@ -8970,7 +8901,7 @@
         </p:nvSpPr>
         <p:spPr>
           <a:xfrm>
-            <a:off x="26557425" y="16734192"/>
+            <a:off x="26498927" y="16734192"/>
             <a:ext cx="1774676" cy="276999"/>
           </a:xfrm>
           <a:prstGeom prst="rect">
@@ -9056,11 +8987,7 @@
           <a:p>
             <a:r>
               <a:rPr lang="en-US" sz="1050" dirty="0" smtClean="0"/>
-              <a:t>Decision </a:t>
-            </a:r>
-            <a:r>
-              <a:rPr lang="en-US" sz="1050" dirty="0" smtClean="0"/>
-              <a:t>support</a:t>
+              <a:t>Decision support</a:t>
             </a:r>
           </a:p>
           <a:p>
@@ -9079,9 +9006,9 @@
           <p:nvPr/>
         </p:nvSpPr>
         <p:spPr>
-          <a:xfrm rot="3273551">
-            <a:off x="23050620" y="15623338"/>
-            <a:ext cx="216640" cy="1241329"/>
+          <a:xfrm rot="3273551" flipV="1">
+            <a:off x="23018647" y="15388976"/>
+            <a:ext cx="241102" cy="1613668"/>
           </a:xfrm>
           <a:prstGeom prst="downArrow">
             <a:avLst/>
@@ -9340,7 +9267,7 @@
         </p:blipFill>
         <p:spPr>
           <a:xfrm>
-            <a:off x="27179878" y="17262854"/>
+            <a:off x="27439298" y="17262854"/>
             <a:ext cx="377783" cy="220652"/>
           </a:xfrm>
           <a:prstGeom prst="rect">
@@ -9777,7 +9704,7 @@
         <p:spPr>
           <a:xfrm>
             <a:off x="20595770" y="8877936"/>
-            <a:ext cx="8504597" cy="4125949"/>
+            <a:ext cx="8504597" cy="4314507"/>
           </a:xfrm>
           <a:prstGeom prst="roundRect">
             <a:avLst/>
@@ -9819,8 +9746,8 @@
         </p:nvSpPr>
         <p:spPr>
           <a:xfrm>
-            <a:off x="22956189" y="9834921"/>
-            <a:ext cx="1165170" cy="1522539"/>
+            <a:off x="22767320" y="9834921"/>
+            <a:ext cx="1354039" cy="1836765"/>
           </a:xfrm>
           <a:prstGeom prst="roundRect">
             <a:avLst/>
@@ -9945,7 +9872,7 @@
         <p:spPr>
           <a:xfrm>
             <a:off x="26034549" y="10821557"/>
-            <a:ext cx="1903034" cy="2084262"/>
+            <a:ext cx="2074052" cy="2271566"/>
           </a:xfrm>
           <a:prstGeom prst="rect">
             <a:avLst/>
@@ -9998,7 +9925,7 @@
         </p:nvSpPr>
         <p:spPr>
           <a:xfrm flipH="1">
-            <a:off x="24205652" y="10126702"/>
+            <a:off x="24191308" y="9981602"/>
             <a:ext cx="380303" cy="119609"/>
           </a:xfrm>
           <a:prstGeom prst="rightArrow">
@@ -10038,8 +9965,8 @@
         </p:nvSpPr>
         <p:spPr>
           <a:xfrm flipH="1">
-            <a:off x="24295473" y="10894690"/>
-            <a:ext cx="1124874" cy="136841"/>
+            <a:off x="24221439" y="11075160"/>
+            <a:ext cx="1198908" cy="131360"/>
           </a:xfrm>
           <a:prstGeom prst="rightArrow">
             <a:avLst/>
@@ -10141,8 +10068,8 @@
         </p:blipFill>
         <p:spPr>
           <a:xfrm>
-            <a:off x="23077517" y="9967448"/>
-            <a:ext cx="494797" cy="494797"/>
+            <a:off x="23158347" y="10215032"/>
+            <a:ext cx="414481" cy="414481"/>
           </a:xfrm>
           <a:prstGeom prst="rect">
             <a:avLst/>
@@ -10171,7 +10098,7 @@
         </p:blipFill>
         <p:spPr>
           <a:xfrm>
-            <a:off x="25519839" y="10873853"/>
+            <a:off x="25549403" y="10873853"/>
             <a:ext cx="507226" cy="337536"/>
           </a:xfrm>
           <a:prstGeom prst="rect">
@@ -10201,7 +10128,7 @@
         </p:blipFill>
         <p:spPr>
           <a:xfrm>
-            <a:off x="23615387" y="10000232"/>
+            <a:off x="23658512" y="10186506"/>
             <a:ext cx="467857" cy="429227"/>
           </a:xfrm>
           <a:prstGeom prst="rect">
@@ -10231,7 +10158,7 @@
         </p:blipFill>
         <p:spPr>
           <a:xfrm>
-            <a:off x="23664144" y="10712842"/>
+            <a:off x="23633140" y="11072356"/>
             <a:ext cx="419100" cy="457200"/>
           </a:xfrm>
           <a:prstGeom prst="rect">
@@ -10291,7 +10218,7 @@
         </p:blipFill>
         <p:spPr>
           <a:xfrm>
-            <a:off x="22693399" y="9517358"/>
+            <a:off x="22592399" y="9517358"/>
             <a:ext cx="900026" cy="346510"/>
           </a:xfrm>
           <a:prstGeom prst="rect">
@@ -10321,7 +10248,7 @@
         </p:blipFill>
         <p:spPr>
           <a:xfrm>
-            <a:off x="23004597" y="10822655"/>
+            <a:off x="22913521" y="11270793"/>
             <a:ext cx="599881" cy="234736"/>
           </a:xfrm>
           <a:prstGeom prst="rect">
@@ -10337,8 +10264,8 @@
         </p:nvSpPr>
         <p:spPr>
           <a:xfrm>
-            <a:off x="21832920" y="9969545"/>
-            <a:ext cx="1135092" cy="600164"/>
+            <a:off x="20992809" y="9952098"/>
+            <a:ext cx="1718335" cy="523220"/>
           </a:xfrm>
           <a:prstGeom prst="rect">
             <a:avLst/>
@@ -10352,26 +10279,26 @@
           <a:lstStyle/>
           <a:p>
             <a:r>
-              <a:rPr lang="de-DE" sz="1100" dirty="0" err="1" smtClean="0"/>
+              <a:rPr lang="de-DE" sz="1400" dirty="0" err="1" smtClean="0"/>
               <a:t>Stable</a:t>
             </a:r>
             <a:r>
-              <a:rPr lang="de-DE" sz="1100" dirty="0" smtClean="0"/>
+              <a:rPr lang="de-DE" sz="1400" dirty="0" smtClean="0"/>
               <a:t> experimental &amp; </a:t>
             </a:r>
             <a:r>
-              <a:rPr lang="de-DE" sz="1100" dirty="0" err="1" smtClean="0"/>
+              <a:rPr lang="de-DE" sz="1400" dirty="0" err="1" smtClean="0"/>
               <a:t>raw</a:t>
             </a:r>
             <a:r>
-              <a:rPr lang="de-DE" sz="1100" dirty="0" smtClean="0"/>
+              <a:rPr lang="de-DE" sz="1400" dirty="0" smtClean="0"/>
               <a:t> </a:t>
             </a:r>
             <a:r>
-              <a:rPr lang="de-DE" sz="1100" dirty="0" err="1" smtClean="0"/>
+              <a:rPr lang="de-DE" sz="1400" dirty="0" err="1" smtClean="0"/>
               <a:t>data</a:t>
             </a:r>
-            <a:endParaRPr lang="en-US" sz="1100" dirty="0"/>
+            <a:endParaRPr lang="en-US" sz="1400" dirty="0"/>
           </a:p>
         </p:txBody>
       </p:sp>
@@ -10383,8 +10310,8 @@
         </p:nvSpPr>
         <p:spPr>
           <a:xfrm>
-            <a:off x="21842227" y="10674065"/>
-            <a:ext cx="1211972" cy="600164"/>
+            <a:off x="20974558" y="10731769"/>
+            <a:ext cx="1857151" cy="523220"/>
           </a:xfrm>
           <a:prstGeom prst="rect">
             <a:avLst/>
@@ -10398,30 +10325,30 @@
           <a:lstStyle/>
           <a:p>
             <a:r>
-              <a:rPr lang="de-DE" sz="1100" dirty="0" smtClean="0"/>
+              <a:rPr lang="de-DE" sz="1400" dirty="0" smtClean="0"/>
               <a:t>Variant </a:t>
             </a:r>
             <a:r>
-              <a:rPr lang="de-DE" sz="1100" dirty="0" err="1" smtClean="0"/>
+              <a:rPr lang="de-DE" sz="1400" dirty="0" err="1" smtClean="0"/>
               <a:t>terminological</a:t>
             </a:r>
             <a:r>
-              <a:rPr lang="de-DE" sz="1100" dirty="0" smtClean="0"/>
+              <a:rPr lang="de-DE" sz="1400" dirty="0" smtClean="0"/>
               <a:t> &amp; </a:t>
             </a:r>
             <a:r>
-              <a:rPr lang="de-DE" sz="1100" dirty="0" err="1" smtClean="0"/>
+              <a:rPr lang="de-DE" sz="1400" dirty="0" err="1" smtClean="0"/>
               <a:t>contextual</a:t>
             </a:r>
             <a:r>
-              <a:rPr lang="de-DE" sz="1100" dirty="0" smtClean="0"/>
+              <a:rPr lang="de-DE" sz="1400" dirty="0" smtClean="0"/>
               <a:t>  </a:t>
             </a:r>
             <a:r>
-              <a:rPr lang="de-DE" sz="1100" dirty="0" err="1" smtClean="0"/>
+              <a:rPr lang="de-DE" sz="1400" dirty="0" err="1" smtClean="0"/>
               <a:t>data</a:t>
             </a:r>
-            <a:endParaRPr lang="en-US" sz="1100" dirty="0"/>
+            <a:endParaRPr lang="en-US" sz="1400" dirty="0"/>
           </a:p>
         </p:txBody>
       </p:sp>
@@ -10636,15 +10563,7 @@
           <a:p>
             <a:r>
               <a:rPr lang="en-US" sz="1600" dirty="0" smtClean="0"/>
-              <a:t>Enforces </a:t>
-            </a:r>
-            <a:r>
-              <a:rPr lang="en-US" sz="1600" dirty="0" smtClean="0"/>
-              <a:t>completeness  </a:t>
-            </a:r>
-            <a:r>
-              <a:rPr lang="en-US" sz="1600" dirty="0" smtClean="0"/>
-              <a:t>i.e. along Minimum </a:t>
+              <a:t>Enforces completeness  i.e. along Minimum </a:t>
             </a:r>
             <a:r>
               <a:rPr lang="en-US" sz="1600" dirty="0"/>
@@ -11471,7 +11390,7 @@
         <p:spPr>
           <a:xfrm>
             <a:off x="26839542" y="21766104"/>
-            <a:ext cx="2285787" cy="3533115"/>
+            <a:ext cx="2523966" cy="3533115"/>
           </a:xfrm>
           <a:prstGeom prst="rect">
             <a:avLst/>
@@ -11519,7 +11438,7 @@
         <p:spPr>
           <a:xfrm>
             <a:off x="20109313" y="25299219"/>
-            <a:ext cx="9035373" cy="841316"/>
+            <a:ext cx="9254195" cy="841316"/>
           </a:xfrm>
           <a:prstGeom prst="rect">
             <a:avLst/>
@@ -11567,8 +11486,8 @@
         </p:nvSpPr>
         <p:spPr>
           <a:xfrm>
-            <a:off x="20090070" y="21766105"/>
-            <a:ext cx="6740927" cy="3523564"/>
+            <a:off x="20109312" y="21766105"/>
+            <a:ext cx="6721685" cy="3523564"/>
           </a:xfrm>
           <a:prstGeom prst="rect">
             <a:avLst/>
@@ -12033,18 +11952,7 @@
                   </a:schemeClr>
                 </a:solidFill>
               </a:rPr>
-              <a:t> </a:t>
-            </a:r>
-            <a:r>
-              <a:rPr lang="de-DE" sz="1800" dirty="0" err="1" smtClean="0">
-                <a:solidFill>
-                  <a:schemeClr val="tx1">
-                    <a:lumMod val="75000"/>
-                    <a:lumOff val="25000"/>
-                  </a:schemeClr>
-                </a:solidFill>
-              </a:rPr>
-              <a:t>Varian</a:t>
+              <a:t> Agilent</a:t>
             </a:r>
             <a:endParaRPr lang="en-US" sz="1800" dirty="0"/>
           </a:p>
@@ -12060,7 +11968,7 @@
         </p:nvSpPr>
         <p:spPr>
           <a:xfrm>
-            <a:off x="25015721" y="24778898"/>
+            <a:off x="25015724" y="24781158"/>
             <a:ext cx="1832276" cy="533552"/>
           </a:xfrm>
           <a:prstGeom prst="rect">
@@ -12298,7 +12206,7 @@
         </p:nvSpPr>
         <p:spPr>
           <a:xfrm>
-            <a:off x="25146433" y="23039322"/>
+            <a:off x="25015724" y="22980859"/>
             <a:ext cx="1680840" cy="770256"/>
           </a:xfrm>
           <a:prstGeom prst="rect">
@@ -12772,7 +12680,7 @@
         </p:nvSpPr>
         <p:spPr>
           <a:xfrm>
-            <a:off x="23207235" y="23016309"/>
+            <a:off x="23221741" y="22971581"/>
             <a:ext cx="1597458" cy="632839"/>
           </a:xfrm>
           <a:prstGeom prst="rect">
@@ -13207,7 +13115,7 @@
               <a:t>. </a:t>
             </a:r>
             <a:r>
-              <a:rPr lang="fr-FR" sz="1350" dirty="0" err="1" smtClean="0">
+              <a:rPr lang="fr-FR" sz="1350" i="1" dirty="0" err="1" smtClean="0">
                 <a:solidFill>
                   <a:schemeClr val="dk1"/>
                 </a:solidFill>
@@ -13218,7 +13126,7 @@
               <a:t>nmr</a:t>
             </a:r>
             <a:r>
-              <a:rPr lang="fr-FR" sz="1350" dirty="0" smtClean="0">
+              <a:rPr lang="fr-FR" sz="1350" i="1" dirty="0" smtClean="0">
                 <a:solidFill>
                   <a:schemeClr val="dk1"/>
                 </a:solidFill>
@@ -13229,7 +13137,7 @@
               <a:t> </a:t>
             </a:r>
             <a:r>
-              <a:rPr lang="fr-FR" sz="1350" dirty="0" err="1">
+              <a:rPr lang="fr-FR" sz="1350" i="1" dirty="0" err="1">
                 <a:solidFill>
                   <a:schemeClr val="dk1"/>
                 </a:solidFill>
@@ -13240,7 +13148,7 @@
               <a:t>spectra</a:t>
             </a:r>
             <a:r>
-              <a:rPr lang="fr-FR" sz="1350" dirty="0">
+              <a:rPr lang="fr-FR" sz="1350" i="1" dirty="0">
                 <a:solidFill>
                   <a:schemeClr val="dk1"/>
                 </a:solidFill>
@@ -13251,7 +13159,7 @@
               <a:t> </a:t>
             </a:r>
             <a:r>
-              <a:rPr lang="fr-FR" sz="1350" dirty="0" err="1" smtClean="0">
+              <a:rPr lang="fr-FR" sz="1350" i="1" dirty="0" err="1" smtClean="0">
                 <a:solidFill>
                   <a:schemeClr val="dk1"/>
                 </a:solidFill>
@@ -13261,7 +13169,7 @@
               </a:rPr>
               <a:t>viewer</a:t>
             </a:r>
-            <a:endParaRPr lang="fr-FR" sz="1350" dirty="0">
+            <a:endParaRPr lang="fr-FR" sz="1350" i="1" dirty="0">
               <a:solidFill>
                 <a:schemeClr val="dk1"/>
               </a:solidFill>
@@ -13324,7 +13232,7 @@
         <p:spPr>
           <a:xfrm>
             <a:off x="26839542" y="25377596"/>
-            <a:ext cx="2266343" cy="650984"/>
+            <a:ext cx="2497863" cy="650984"/>
           </a:xfrm>
           <a:prstGeom prst="rect">
             <a:avLst/>
@@ -13371,8 +13279,8 @@
         </p:nvSpPr>
         <p:spPr>
           <a:xfrm>
-            <a:off x="26855869" y="25437796"/>
-            <a:ext cx="2193970" cy="600617"/>
+            <a:off x="26871484" y="25400518"/>
+            <a:ext cx="2465921" cy="651714"/>
           </a:xfrm>
           <a:prstGeom prst="rect">
             <a:avLst/>
@@ -13380,7 +13288,7 @@
         </p:spPr>
         <p:txBody>
           <a:bodyPr vert="horz" lIns="68580" tIns="34290" rIns="68580" bIns="34290" rtlCol="0">
-            <a:normAutofit fontScale="85000" lnSpcReduction="10000"/>
+            <a:normAutofit/>
           </a:bodyPr>
           <a:lstStyle>
             <a:lvl1pPr marL="228600" indent="-228600" algn="l" defTabSz="914400" rtl="0" eaLnBrk="1" latinLnBrk="0" hangingPunct="1">
@@ -13551,7 +13459,7 @@
               <a:buNone/>
             </a:pPr>
             <a:r>
-              <a:rPr lang="de-DE" sz="1800" b="1" i="1" dirty="0" err="1" smtClean="0">
+              <a:rPr lang="de-DE" sz="1500" b="1" i="1" dirty="0" err="1" smtClean="0">
                 <a:solidFill>
                   <a:schemeClr val="tx1">
                     <a:lumMod val="75000"/>
@@ -13562,7 +13470,7 @@
               <a:t>Metabolomics</a:t>
             </a:r>
             <a:r>
-              <a:rPr lang="de-DE" sz="1800" b="1" i="1" dirty="0" smtClean="0">
+              <a:rPr lang="de-DE" sz="1500" b="1" i="1" dirty="0" smtClean="0">
                 <a:solidFill>
                   <a:schemeClr val="tx1">
                     <a:lumMod val="75000"/>
@@ -13579,21 +13487,17 @@
             </a:pPr>
             <a:r>
               <a:rPr lang="de-DE" sz="1500" dirty="0" smtClean="0"/>
-              <a:t>  e.g</a:t>
-            </a:r>
-            <a:r>
-              <a:rPr lang="de-DE" sz="1500" dirty="0" smtClean="0"/>
-              <a:t>. </a:t>
-            </a:r>
-            <a:r>
-              <a:rPr lang="de-DE" sz="1500" dirty="0" err="1" smtClean="0"/>
+              <a:t>  e.g. </a:t>
+            </a:r>
+            <a:r>
+              <a:rPr lang="de-DE" sz="1500" i="1" dirty="0" err="1" smtClean="0"/>
               <a:t>Metabolights</a:t>
             </a:r>
             <a:r>
-              <a:rPr lang="de-DE" sz="1500" dirty="0" smtClean="0"/>
+              <a:rPr lang="de-DE" sz="1500" i="1" dirty="0" smtClean="0"/>
               <a:t>, HMDB,  …</a:t>
             </a:r>
-            <a:endParaRPr lang="en-US" sz="1500" dirty="0"/>
+            <a:endParaRPr lang="en-US" sz="1500" i="1" dirty="0"/>
           </a:p>
         </p:txBody>
       </p:sp>
@@ -14332,7 +14236,7 @@
         </p:nvSpPr>
         <p:spPr>
           <a:xfrm>
-            <a:off x="20141305" y="21799307"/>
+            <a:off x="20109312" y="21815648"/>
             <a:ext cx="898003" cy="307777"/>
           </a:xfrm>
           <a:prstGeom prst="rect">
@@ -14370,7 +14274,7 @@
         </p:nvSpPr>
         <p:spPr>
           <a:xfrm>
-            <a:off x="20122332" y="25303719"/>
+            <a:off x="20092310" y="25303719"/>
             <a:ext cx="1342034" cy="307777"/>
           </a:xfrm>
           <a:prstGeom prst="rect">
@@ -14502,6 +14406,96 @@
           <a:xfrm>
             <a:off x="24568288" y="24095284"/>
             <a:ext cx="762293" cy="293483"/>
+          </a:xfrm>
+          <a:prstGeom prst="rect">
+            <a:avLst/>
+          </a:prstGeom>
+        </p:spPr>
+      </p:pic>
+      <p:sp>
+        <p:nvSpPr>
+          <p:cNvPr id="193" name="Textfeld 192"/>
+          <p:cNvSpPr txBox="1"/>
+          <p:nvPr/>
+        </p:nvSpPr>
+        <p:spPr>
+          <a:xfrm>
+            <a:off x="22791753" y="9924578"/>
+            <a:ext cx="1260487" cy="300082"/>
+          </a:xfrm>
+          <a:prstGeom prst="rect">
+            <a:avLst/>
+          </a:prstGeom>
+          <a:noFill/>
+        </p:spPr>
+        <p:txBody>
+          <a:bodyPr wrap="square" rtlCol="0">
+            <a:spAutoFit/>
+          </a:bodyPr>
+          <a:lstStyle/>
+          <a:p>
+            <a:r>
+              <a:rPr lang="de-DE" sz="1350" b="1" dirty="0" smtClean="0"/>
+              <a:t>nmrML.xsd</a:t>
+            </a:r>
+            <a:endParaRPr lang="en-US" sz="1350" b="1" dirty="0"/>
+          </a:p>
+        </p:txBody>
+      </p:sp>
+      <p:sp>
+        <p:nvSpPr>
+          <p:cNvPr id="194" name="Textfeld 193"/>
+          <p:cNvSpPr txBox="1"/>
+          <p:nvPr/>
+        </p:nvSpPr>
+        <p:spPr>
+          <a:xfrm>
+            <a:off x="22778479" y="10759305"/>
+            <a:ext cx="1260487" cy="300082"/>
+          </a:xfrm>
+          <a:prstGeom prst="rect">
+            <a:avLst/>
+          </a:prstGeom>
+          <a:noFill/>
+        </p:spPr>
+        <p:txBody>
+          <a:bodyPr wrap="square" rtlCol="0">
+            <a:spAutoFit/>
+          </a:bodyPr>
+          <a:lstStyle/>
+          <a:p>
+            <a:r>
+              <a:rPr lang="de-DE" sz="1350" b="1" dirty="0" err="1" smtClean="0"/>
+              <a:t>nmrCV.owl</a:t>
+            </a:r>
+            <a:endParaRPr lang="en-US" sz="1350" b="1" dirty="0"/>
+          </a:p>
+        </p:txBody>
+      </p:sp>
+      <p:pic>
+        <p:nvPicPr>
+          <p:cNvPr id="10" name="Grafik 9"/>
+          <p:cNvPicPr>
+            <a:picLocks noChangeAspect="1"/>
+          </p:cNvPicPr>
+          <p:nvPr/>
+        </p:nvPicPr>
+        <p:blipFill>
+          <a:blip r:embed="rId64">
+            <a:extLst>
+              <a:ext uri="{28A0092B-C50C-407E-A947-70E740481C1C}">
+                <a14:useLocalDpi xmlns:a14="http://schemas.microsoft.com/office/drawing/2010/main" val="0"/>
+              </a:ext>
+            </a:extLst>
+          </a:blip>
+          <a:stretch>
+            <a:fillRect/>
+          </a:stretch>
+        </p:blipFill>
+        <p:spPr>
+          <a:xfrm>
+            <a:off x="28168312" y="41172984"/>
+            <a:ext cx="1301584" cy="615034"/>
           </a:xfrm>
           <a:prstGeom prst="rect">
             <a:avLst/>

--- a/docs/SchemaDocumentation/nmrML_Poster_124_Schober.pptx
+++ b/docs/SchemaDocumentation/nmrML_Poster_124_Schober.pptx
@@ -4127,27 +4127,7 @@
                 <a:latin typeface="Verdana"/>
                 <a:cs typeface="Verdana"/>
               </a:rPr>
-              <a:t> </a:t>
-            </a:r>
-            <a:r>
-              <a:rPr lang="en-US" sz="2800" dirty="0" smtClean="0">
-                <a:solidFill>
-                  <a:srgbClr val="121421"/>
-                </a:solidFill>
-                <a:latin typeface="Verdana"/>
-                <a:cs typeface="Verdana"/>
-              </a:rPr>
-              <a:t>&amp; </a:t>
-            </a:r>
-            <a:r>
-              <a:rPr lang="en-US" sz="2800" dirty="0" smtClean="0">
-                <a:solidFill>
-                  <a:srgbClr val="121421"/>
-                </a:solidFill>
-                <a:latin typeface="Verdana"/>
-                <a:cs typeface="Verdana"/>
-              </a:rPr>
-              <a:t>Agilent/Varian data </a:t>
+              <a:t> &amp; Agilent/Varian data </a:t>
             </a:r>
             <a:r>
               <a:rPr lang="en-US" sz="2800" dirty="0">
@@ -5703,7 +5683,7 @@
         </p:blipFill>
         <p:spPr>
           <a:xfrm>
-            <a:off x="21447899" y="40757192"/>
+            <a:off x="21269391" y="40397583"/>
             <a:ext cx="2379305" cy="852288"/>
           </a:xfrm>
           <a:prstGeom prst="rect">
@@ -6450,7 +6430,7 @@
         </p:nvSpPr>
         <p:spPr>
           <a:xfrm>
-            <a:off x="10936132" y="13988035"/>
+            <a:off x="10936132" y="14045409"/>
             <a:ext cx="8291457" cy="1046440"/>
           </a:xfrm>
           <a:prstGeom prst="rect">
@@ -6571,8 +6551,8 @@
         </p:blipFill>
         <p:spPr>
           <a:xfrm>
-            <a:off x="995785" y="13812244"/>
-            <a:ext cx="8650813" cy="11995625"/>
+            <a:off x="1069299" y="13682370"/>
+            <a:ext cx="8650813" cy="12279435"/>
           </a:xfrm>
           <a:prstGeom prst="rect">
             <a:avLst/>
@@ -6661,7 +6641,7 @@
           <a:graphicData uri="http://schemas.openxmlformats.org/presentationml/2006/ole">
             <mc:AlternateContent xmlns:mc="http://schemas.openxmlformats.org/markup-compatibility/2006">
               <mc:Choice xmlns:v="urn:schemas-microsoft-com:vml" Requires="v">
-                <p:oleObj spid="_x0000_s3205" r:id="rId15" imgW="155999880" imgH="75692160" progId="">
+                <p:oleObj spid="_x0000_s3213" r:id="rId15" imgW="155999880" imgH="75692160" progId="">
                   <p:embed/>
                 </p:oleObj>
               </mc:Choice>
@@ -6959,37 +6939,7 @@
                 <a:latin typeface="Verdana"/>
                 <a:cs typeface="Verdana"/>
               </a:rPr>
-              <a:t>, which </a:t>
-            </a:r>
-            <a:r>
-              <a:rPr lang="en-US" sz="2800" dirty="0" smtClean="0">
-                <a:solidFill>
-                  <a:srgbClr val="121421"/>
-                </a:solidFill>
-                <a:latin typeface="Verdana"/>
-                <a:cs typeface="Verdana"/>
-              </a:rPr>
-              <a:t>checks the quality of </a:t>
-            </a:r>
-            <a:r>
-              <a:rPr lang="en-US" sz="2800" dirty="0" smtClean="0">
-                <a:solidFill>
-                  <a:srgbClr val="121421"/>
-                </a:solidFill>
-                <a:latin typeface="Verdana"/>
-                <a:cs typeface="Verdana"/>
-              </a:rPr>
-              <a:t>your NMR </a:t>
-            </a:r>
-            <a:r>
-              <a:rPr lang="en-US" sz="2800" dirty="0" smtClean="0">
-                <a:solidFill>
-                  <a:srgbClr val="121421"/>
-                </a:solidFill>
-                <a:latin typeface="Verdana"/>
-                <a:cs typeface="Verdana"/>
-              </a:rPr>
-              <a:t>data files in a multilayered approach, i.e. ensuring the data is syntactically well formatted, adheres to the nmrML.xsd, and is sufficiently detailed with respect to data content and CV annotations. Semantic validation exploits rules that set constraints </a:t>
+              <a:t>, which checks the quality of your NMR data files in a multilayered approach, i.e. ensuring the data is syntactically well formatted, adheres to the nmrML.xsd, and is sufficiently detailed with respect to data content and CV annotations. Semantic validation exploits rules that set constraints </a:t>
             </a:r>
             <a:r>
               <a:rPr lang="en-US" sz="2800" dirty="0">
@@ -7938,8 +7888,8 @@
         </p:blipFill>
         <p:spPr>
           <a:xfrm>
-            <a:off x="10895175" y="14999230"/>
-            <a:ext cx="8590950" cy="10624963"/>
+            <a:off x="10952528" y="15125725"/>
+            <a:ext cx="8590950" cy="10804131"/>
           </a:xfrm>
           <a:prstGeom prst="rect">
             <a:avLst/>
@@ -7983,8 +7933,8 @@
           <p:nvPr/>
         </p:nvSpPr>
         <p:spPr>
-          <a:xfrm rot="1293694">
-            <a:off x="8037877" y="22411844"/>
+          <a:xfrm rot="1408090">
+            <a:off x="8127235" y="22598772"/>
             <a:ext cx="4011373" cy="287653"/>
           </a:xfrm>
           <a:prstGeom prst="rightArrow">
@@ -8042,8 +7992,8 @@
         </p:blipFill>
         <p:spPr>
           <a:xfrm>
-            <a:off x="23610776" y="16616370"/>
-            <a:ext cx="392106" cy="313997"/>
+            <a:off x="23687679" y="16701550"/>
+            <a:ext cx="300169" cy="240374"/>
           </a:xfrm>
           <a:prstGeom prst="rect">
             <a:avLst/>
@@ -8333,7 +8283,7 @@
         </p:nvSpPr>
         <p:spPr>
           <a:xfrm>
-            <a:off x="22272452" y="17563921"/>
+            <a:off x="22329876" y="17707027"/>
             <a:ext cx="481847" cy="161583"/>
           </a:xfrm>
           <a:prstGeom prst="rect">
@@ -8369,7 +8319,7 @@
         </p:nvSpPr>
         <p:spPr>
           <a:xfrm>
-            <a:off x="23866496" y="14284173"/>
+            <a:off x="23823319" y="14313766"/>
             <a:ext cx="1267614" cy="276999"/>
           </a:xfrm>
           <a:prstGeom prst="rect">
@@ -8403,7 +8353,7 @@
         </p:nvSpPr>
         <p:spPr>
           <a:xfrm>
-            <a:off x="26710416" y="14478136"/>
+            <a:off x="26744669" y="14468760"/>
             <a:ext cx="1389258" cy="276999"/>
           </a:xfrm>
           <a:prstGeom prst="rect">
@@ -9187,7 +9137,7 @@
       </p:sp>
       <p:pic>
         <p:nvPicPr>
-          <p:cNvPr id="89" name="Grafik 88"/>
+          <p:cNvPr id="90" name="Grafik 89"/>
           <p:cNvPicPr>
             <a:picLocks noChangeAspect="1"/>
           </p:cNvPicPr>
@@ -9207,8 +9157,8 @@
         </p:blipFill>
         <p:spPr>
           <a:xfrm>
-            <a:off x="24135040" y="18011307"/>
-            <a:ext cx="438991" cy="312406"/>
+            <a:off x="21156105" y="16629692"/>
+            <a:ext cx="381594" cy="381594"/>
           </a:xfrm>
           <a:prstGeom prst="rect">
             <a:avLst/>
@@ -9217,7 +9167,7 @@
       </p:pic>
       <p:pic>
         <p:nvPicPr>
-          <p:cNvPr id="90" name="Grafik 89"/>
+          <p:cNvPr id="97" name="Grafik 96"/>
           <p:cNvPicPr>
             <a:picLocks noChangeAspect="1"/>
           </p:cNvPicPr>
@@ -9237,8 +9187,8 @@
         </p:blipFill>
         <p:spPr>
           <a:xfrm>
-            <a:off x="21156105" y="16629692"/>
-            <a:ext cx="381594" cy="381594"/>
+            <a:off x="22406921" y="17845439"/>
+            <a:ext cx="288055" cy="253488"/>
           </a:xfrm>
           <a:prstGeom prst="rect">
             <a:avLst/>
@@ -9247,7 +9197,7 @@
       </p:pic>
       <p:pic>
         <p:nvPicPr>
-          <p:cNvPr id="91" name="Grafik 90"/>
+          <p:cNvPr id="98" name="Grafik 97"/>
           <p:cNvPicPr>
             <a:picLocks noChangeAspect="1"/>
           </p:cNvPicPr>
@@ -9267,17 +9217,77 @@
         </p:blipFill>
         <p:spPr>
           <a:xfrm>
-            <a:off x="27439298" y="17262854"/>
-            <a:ext cx="377783" cy="220652"/>
+            <a:off x="22442051" y="17446588"/>
+            <a:ext cx="472193" cy="213113"/>
           </a:xfrm>
           <a:prstGeom prst="rect">
             <a:avLst/>
           </a:prstGeom>
         </p:spPr>
       </p:pic>
+      <p:sp>
+        <p:nvSpPr>
+          <p:cNvPr id="103" name="Textfeld 102"/>
+          <p:cNvSpPr txBox="1"/>
+          <p:nvPr/>
+        </p:nvSpPr>
+        <p:spPr>
+          <a:xfrm>
+            <a:off x="27387409" y="15720566"/>
+            <a:ext cx="949299" cy="246221"/>
+          </a:xfrm>
+          <a:prstGeom prst="rect">
+            <a:avLst/>
+          </a:prstGeom>
+          <a:noFill/>
+        </p:spPr>
+        <p:txBody>
+          <a:bodyPr wrap="none" rtlCol="0">
+            <a:spAutoFit/>
+          </a:bodyPr>
+          <a:lstStyle/>
+          <a:p>
+            <a:r>
+              <a:rPr lang="de-DE" sz="1000" dirty="0" smtClean="0"/>
+              <a:t>[YOUR LOGO]</a:t>
+            </a:r>
+            <a:endParaRPr lang="en-US" sz="1000" dirty="0"/>
+          </a:p>
+        </p:txBody>
+      </p:sp>
+      <p:sp>
+        <p:nvSpPr>
+          <p:cNvPr id="104" name="TextBox 28"/>
+          <p:cNvSpPr txBox="1"/>
+          <p:nvPr/>
+        </p:nvSpPr>
+        <p:spPr>
+          <a:xfrm>
+            <a:off x="27704999" y="14894893"/>
+            <a:ext cx="516505" cy="230832"/>
+          </a:xfrm>
+          <a:prstGeom prst="rect">
+            <a:avLst/>
+          </a:prstGeom>
+          <a:noFill/>
+        </p:spPr>
+        <p:txBody>
+          <a:bodyPr wrap="square" rtlCol="0">
+            <a:spAutoFit/>
+          </a:bodyPr>
+          <a:lstStyle/>
+          <a:p>
+            <a:r>
+              <a:rPr lang="en-GB" sz="900" b="1" dirty="0" smtClean="0"/>
+              <a:t>HMDB</a:t>
+            </a:r>
+            <a:endParaRPr lang="en-GB" sz="900" b="1" dirty="0"/>
+          </a:p>
+        </p:txBody>
+      </p:sp>
       <p:pic>
         <p:nvPicPr>
-          <p:cNvPr id="92" name="Grafik 91"/>
+          <p:cNvPr id="105" name="Grafik 104"/>
           <p:cNvPicPr>
             <a:picLocks noChangeAspect="1"/>
           </p:cNvPicPr>
@@ -9297,264 +9307,24 @@
         </p:blipFill>
         <p:spPr>
           <a:xfrm>
-            <a:off x="22441267" y="17067442"/>
-            <a:ext cx="361478" cy="192475"/>
+            <a:off x="27047914" y="15346169"/>
+            <a:ext cx="1141778" cy="131607"/>
           </a:xfrm>
           <a:prstGeom prst="rect">
             <a:avLst/>
           </a:prstGeom>
         </p:spPr>
       </p:pic>
-      <p:pic>
-        <p:nvPicPr>
-          <p:cNvPr id="95" name="Grafik 94"/>
-          <p:cNvPicPr>
-            <a:picLocks noChangeAspect="1"/>
-          </p:cNvPicPr>
-          <p:nvPr/>
-        </p:nvPicPr>
-        <p:blipFill>
-          <a:blip r:embed="rId32" cstate="email">
-            <a:extLst>
-              <a:ext uri="{28A0092B-C50C-407E-A947-70E740481C1C}">
-                <a14:useLocalDpi xmlns:a14="http://schemas.microsoft.com/office/drawing/2010/main" val="0"/>
-              </a:ext>
-            </a:extLst>
-          </a:blip>
-          <a:stretch>
-            <a:fillRect/>
-          </a:stretch>
-        </p:blipFill>
-        <p:spPr>
-          <a:xfrm>
-            <a:off x="22715375" y="17703527"/>
-            <a:ext cx="228600" cy="228600"/>
-          </a:xfrm>
-          <a:prstGeom prst="rect">
-            <a:avLst/>
-          </a:prstGeom>
-        </p:spPr>
-      </p:pic>
-      <p:pic>
-        <p:nvPicPr>
-          <p:cNvPr id="96" name="Grafik 95"/>
-          <p:cNvPicPr>
-            <a:picLocks noChangeAspect="1"/>
-          </p:cNvPicPr>
-          <p:nvPr/>
-        </p:nvPicPr>
-        <p:blipFill>
-          <a:blip r:embed="rId33" cstate="email">
-            <a:extLst>
-              <a:ext uri="{28A0092B-C50C-407E-A947-70E740481C1C}">
-                <a14:useLocalDpi xmlns:a14="http://schemas.microsoft.com/office/drawing/2010/main" val="0"/>
-              </a:ext>
-            </a:extLst>
-          </a:blip>
-          <a:stretch>
-            <a:fillRect/>
-          </a:stretch>
-        </p:blipFill>
-        <p:spPr>
-          <a:xfrm>
-            <a:off x="26299448" y="14227159"/>
-            <a:ext cx="945247" cy="515589"/>
-          </a:xfrm>
-          <a:prstGeom prst="rect">
-            <a:avLst/>
-          </a:prstGeom>
-        </p:spPr>
-      </p:pic>
-      <p:pic>
-        <p:nvPicPr>
-          <p:cNvPr id="97" name="Grafik 96"/>
-          <p:cNvPicPr>
-            <a:picLocks noChangeAspect="1"/>
-          </p:cNvPicPr>
-          <p:nvPr/>
-        </p:nvPicPr>
-        <p:blipFill>
-          <a:blip r:embed="rId34" cstate="email">
-            <a:extLst>
-              <a:ext uri="{28A0092B-C50C-407E-A947-70E740481C1C}">
-                <a14:useLocalDpi xmlns:a14="http://schemas.microsoft.com/office/drawing/2010/main" val="0"/>
-              </a:ext>
-            </a:extLst>
-          </a:blip>
-          <a:stretch>
-            <a:fillRect/>
-          </a:stretch>
-        </p:blipFill>
-        <p:spPr>
-          <a:xfrm>
-            <a:off x="22349497" y="17702333"/>
-            <a:ext cx="288055" cy="253488"/>
-          </a:xfrm>
-          <a:prstGeom prst="rect">
-            <a:avLst/>
-          </a:prstGeom>
-        </p:spPr>
-      </p:pic>
-      <p:pic>
-        <p:nvPicPr>
-          <p:cNvPr id="98" name="Grafik 97"/>
-          <p:cNvPicPr>
-            <a:picLocks noChangeAspect="1"/>
-          </p:cNvPicPr>
-          <p:nvPr/>
-        </p:nvPicPr>
-        <p:blipFill>
-          <a:blip r:embed="rId35" cstate="email">
-            <a:extLst>
-              <a:ext uri="{28A0092B-C50C-407E-A947-70E740481C1C}">
-                <a14:useLocalDpi xmlns:a14="http://schemas.microsoft.com/office/drawing/2010/main" val="0"/>
-              </a:ext>
-            </a:extLst>
-          </a:blip>
-          <a:stretch>
-            <a:fillRect/>
-          </a:stretch>
-        </p:blipFill>
-        <p:spPr>
-          <a:xfrm>
-            <a:off x="22384627" y="17303482"/>
-            <a:ext cx="472193" cy="213113"/>
-          </a:xfrm>
-          <a:prstGeom prst="rect">
-            <a:avLst/>
-          </a:prstGeom>
-        </p:spPr>
-      </p:pic>
-      <p:pic>
-        <p:nvPicPr>
-          <p:cNvPr id="99" name="Grafik 98"/>
-          <p:cNvPicPr>
-            <a:picLocks noChangeAspect="1"/>
-          </p:cNvPicPr>
-          <p:nvPr/>
-        </p:nvPicPr>
-        <p:blipFill>
-          <a:blip r:embed="rId36" cstate="email">
-            <a:extLst>
-              <a:ext uri="{28A0092B-C50C-407E-A947-70E740481C1C}">
-                <a14:useLocalDpi xmlns:a14="http://schemas.microsoft.com/office/drawing/2010/main" val="0"/>
-              </a:ext>
-            </a:extLst>
-          </a:blip>
-          <a:stretch>
-            <a:fillRect/>
-          </a:stretch>
-        </p:blipFill>
-        <p:spPr>
-          <a:xfrm>
-            <a:off x="24135040" y="17023305"/>
-            <a:ext cx="420734" cy="290986"/>
-          </a:xfrm>
-          <a:prstGeom prst="rect">
-            <a:avLst/>
-          </a:prstGeom>
-        </p:spPr>
-      </p:pic>
-      <p:pic>
-        <p:nvPicPr>
-          <p:cNvPr id="100" name="Grafik 99"/>
-          <p:cNvPicPr>
-            <a:picLocks noChangeAspect="1"/>
-          </p:cNvPicPr>
-          <p:nvPr/>
-        </p:nvPicPr>
-        <p:blipFill>
-          <a:blip r:embed="rId37" cstate="email">
-            <a:extLst>
-              <a:ext uri="{28A0092B-C50C-407E-A947-70E740481C1C}">
-                <a14:useLocalDpi xmlns:a14="http://schemas.microsoft.com/office/drawing/2010/main" val="0"/>
-              </a:ext>
-            </a:extLst>
-          </a:blip>
-          <a:stretch>
-            <a:fillRect/>
-          </a:stretch>
-        </p:blipFill>
-        <p:spPr>
-          <a:xfrm>
-            <a:off x="24137046" y="17368995"/>
-            <a:ext cx="433048" cy="287130"/>
-          </a:xfrm>
-          <a:prstGeom prst="rect">
-            <a:avLst/>
-          </a:prstGeom>
-        </p:spPr>
-      </p:pic>
-      <p:pic>
-        <p:nvPicPr>
-          <p:cNvPr id="101" name="Grafik 100"/>
-          <p:cNvPicPr>
-            <a:picLocks noChangeAspect="1"/>
-          </p:cNvPicPr>
-          <p:nvPr/>
-        </p:nvPicPr>
-        <p:blipFill>
-          <a:blip r:embed="rId38" cstate="email">
-            <a:extLst>
-              <a:ext uri="{28A0092B-C50C-407E-A947-70E740481C1C}">
-                <a14:useLocalDpi xmlns:a14="http://schemas.microsoft.com/office/drawing/2010/main" val="0"/>
-              </a:ext>
-            </a:extLst>
-          </a:blip>
-          <a:stretch>
-            <a:fillRect/>
-          </a:stretch>
-        </p:blipFill>
-        <p:spPr>
-          <a:xfrm>
-            <a:off x="24015786" y="17735653"/>
-            <a:ext cx="616509" cy="176919"/>
-          </a:xfrm>
-          <a:prstGeom prst="rect">
-            <a:avLst/>
-          </a:prstGeom>
-        </p:spPr>
-      </p:pic>
-      <p:pic>
-        <p:nvPicPr>
-          <p:cNvPr id="102" name="Grafik 101"/>
-          <p:cNvPicPr>
-            <a:picLocks noChangeAspect="1"/>
-          </p:cNvPicPr>
-          <p:nvPr/>
-        </p:nvPicPr>
-        <p:blipFill>
-          <a:blip r:embed="rId39" cstate="email">
-            <a:extLst>
-              <a:ext uri="{28A0092B-C50C-407E-A947-70E740481C1C}">
-                <a14:useLocalDpi xmlns:a14="http://schemas.microsoft.com/office/drawing/2010/main" val="0"/>
-              </a:ext>
-            </a:extLst>
-          </a:blip>
-          <a:stretch>
-            <a:fillRect/>
-          </a:stretch>
-        </p:blipFill>
-        <p:spPr>
-          <a:xfrm>
-            <a:off x="26250881" y="16761423"/>
-            <a:ext cx="242431" cy="239213"/>
-          </a:xfrm>
-          <a:prstGeom prst="rect">
-            <a:avLst/>
-          </a:prstGeom>
-        </p:spPr>
-      </p:pic>
-      <p:sp>
-        <p:nvSpPr>
-          <p:cNvPr id="103" name="Textfeld 102"/>
+      <p:sp>
+        <p:nvSpPr>
+          <p:cNvPr id="107" name="Textfeld 106"/>
           <p:cNvSpPr txBox="1"/>
           <p:nvPr/>
         </p:nvSpPr>
         <p:spPr>
           <a:xfrm>
-            <a:off x="27358829" y="15720566"/>
-            <a:ext cx="949299" cy="246221"/>
+            <a:off x="22319985" y="18170957"/>
+            <a:ext cx="516488" cy="246221"/>
           </a:xfrm>
           <a:prstGeom prst="rect">
             <a:avLst/>
@@ -9568,128 +9338,8 @@
           <a:lstStyle/>
           <a:p>
             <a:r>
-              <a:rPr lang="de-DE" sz="1000" dirty="0" smtClean="0"/>
-              <a:t>[YOUR LOGO]</a:t>
-            </a:r>
-            <a:endParaRPr lang="en-US" sz="1000" dirty="0"/>
-          </a:p>
-        </p:txBody>
-      </p:sp>
-      <p:sp>
-        <p:nvSpPr>
-          <p:cNvPr id="104" name="TextBox 28"/>
-          <p:cNvSpPr txBox="1"/>
-          <p:nvPr/>
-        </p:nvSpPr>
-        <p:spPr>
-          <a:xfrm>
-            <a:off x="27704999" y="14894893"/>
-            <a:ext cx="516505" cy="230832"/>
-          </a:xfrm>
-          <a:prstGeom prst="rect">
-            <a:avLst/>
-          </a:prstGeom>
-          <a:noFill/>
-        </p:spPr>
-        <p:txBody>
-          <a:bodyPr wrap="square" rtlCol="0">
-            <a:spAutoFit/>
-          </a:bodyPr>
-          <a:lstStyle/>
-          <a:p>
-            <a:r>
-              <a:rPr lang="en-GB" sz="900" b="1" dirty="0" smtClean="0"/>
-              <a:t>HMDB</a:t>
-            </a:r>
-            <a:endParaRPr lang="en-GB" sz="900" b="1" dirty="0"/>
-          </a:p>
-        </p:txBody>
-      </p:sp>
-      <p:pic>
-        <p:nvPicPr>
-          <p:cNvPr id="105" name="Grafik 104"/>
-          <p:cNvPicPr>
-            <a:picLocks noChangeAspect="1"/>
-          </p:cNvPicPr>
-          <p:nvPr/>
-        </p:nvPicPr>
-        <p:blipFill>
-          <a:blip r:embed="rId40" cstate="email">
-            <a:extLst>
-              <a:ext uri="{28A0092B-C50C-407E-A947-70E740481C1C}">
-                <a14:useLocalDpi xmlns:a14="http://schemas.microsoft.com/office/drawing/2010/main" val="0"/>
-              </a:ext>
-            </a:extLst>
-          </a:blip>
-          <a:stretch>
-            <a:fillRect/>
-          </a:stretch>
-        </p:blipFill>
-        <p:spPr>
-          <a:xfrm>
-            <a:off x="27047914" y="15346169"/>
-            <a:ext cx="1141778" cy="131607"/>
-          </a:xfrm>
-          <a:prstGeom prst="rect">
-            <a:avLst/>
-          </a:prstGeom>
-        </p:spPr>
-      </p:pic>
-      <p:pic>
-        <p:nvPicPr>
-          <p:cNvPr id="106" name="Grafik 105"/>
-          <p:cNvPicPr>
-            <a:picLocks noChangeAspect="1"/>
-          </p:cNvPicPr>
-          <p:nvPr/>
-        </p:nvPicPr>
-        <p:blipFill>
-          <a:blip r:embed="rId41" cstate="email">
-            <a:extLst>
-              <a:ext uri="{28A0092B-C50C-407E-A947-70E740481C1C}">
-                <a14:useLocalDpi xmlns:a14="http://schemas.microsoft.com/office/drawing/2010/main" val="0"/>
-              </a:ext>
-            </a:extLst>
-          </a:blip>
-          <a:stretch>
-            <a:fillRect/>
-          </a:stretch>
-        </p:blipFill>
-        <p:spPr>
-          <a:xfrm>
-            <a:off x="26579338" y="17314443"/>
-            <a:ext cx="505024" cy="191465"/>
-          </a:xfrm>
-          <a:prstGeom prst="rect">
-            <a:avLst/>
-          </a:prstGeom>
-        </p:spPr>
-      </p:pic>
-      <p:sp>
-        <p:nvSpPr>
-          <p:cNvPr id="107" name="Textfeld 106"/>
-          <p:cNvSpPr txBox="1"/>
-          <p:nvPr/>
-        </p:nvSpPr>
-        <p:spPr>
-          <a:xfrm>
-            <a:off x="22371066" y="18037432"/>
-            <a:ext cx="354584" cy="246221"/>
-          </a:xfrm>
-          <a:prstGeom prst="rect">
-            <a:avLst/>
-          </a:prstGeom>
-          <a:noFill/>
-        </p:spPr>
-        <p:txBody>
-          <a:bodyPr wrap="none" rtlCol="0">
-            <a:spAutoFit/>
-          </a:bodyPr>
-          <a:lstStyle/>
-          <a:p>
-            <a:r>
               <a:rPr lang="de-DE" sz="1000" dirty="0" err="1" smtClean="0"/>
-              <a:t>rIO</a:t>
+              <a:t>nmrIO</a:t>
             </a:r>
             <a:endParaRPr lang="en-US" sz="1000" dirty="0"/>
           </a:p>
@@ -9790,7 +9440,7 @@
           <p:nvPr/>
         </p:nvPicPr>
         <p:blipFill>
-          <a:blip r:embed="rId42" cstate="email">
+          <a:blip r:embed="rId32" cstate="email">
             <a:extLst>
               <a:ext uri="{28A0092B-C50C-407E-A947-70E740481C1C}">
                 <a14:useLocalDpi xmlns:a14="http://schemas.microsoft.com/office/drawing/2010/main" val="0"/>
@@ -9819,7 +9469,7 @@
         </p:nvSpPr>
         <p:spPr>
           <a:xfrm>
-            <a:off x="26529191" y="9263129"/>
+            <a:off x="26709456" y="9214269"/>
             <a:ext cx="1260487" cy="300082"/>
           </a:xfrm>
           <a:prstGeom prst="rect">
@@ -9858,7 +9508,7 @@
           <p:nvPr/>
         </p:nvPicPr>
         <p:blipFill>
-          <a:blip r:embed="rId43" cstate="email">
+          <a:blip r:embed="rId33" cstate="email">
             <a:extLst>
               <a:ext uri="{28A0092B-C50C-407E-A947-70E740481C1C}">
                 <a14:useLocalDpi xmlns:a14="http://schemas.microsoft.com/office/drawing/2010/main" val="0"/>
@@ -10055,7 +9705,7 @@
           <p:nvPr/>
         </p:nvPicPr>
         <p:blipFill>
-          <a:blip r:embed="rId44" cstate="email">
+          <a:blip r:embed="rId34" cstate="email">
             <a:extLst>
               <a:ext uri="{28A0092B-C50C-407E-A947-70E740481C1C}">
                 <a14:useLocalDpi xmlns:a14="http://schemas.microsoft.com/office/drawing/2010/main" val="0"/>
@@ -10078,14 +9728,14 @@
       </p:pic>
       <p:pic>
         <p:nvPicPr>
-          <p:cNvPr id="118" name="Grafik 117"/>
+          <p:cNvPr id="119" name="Grafik 118"/>
           <p:cNvPicPr>
             <a:picLocks noChangeAspect="1"/>
           </p:cNvPicPr>
           <p:nvPr/>
         </p:nvPicPr>
         <p:blipFill>
-          <a:blip r:embed="rId45" cstate="email">
+          <a:blip r:embed="rId35" cstate="email">
             <a:extLst>
               <a:ext uri="{28A0092B-C50C-407E-A947-70E740481C1C}">
                 <a14:useLocalDpi xmlns:a14="http://schemas.microsoft.com/office/drawing/2010/main" val="0"/>
@@ -10098,8 +9748,8 @@
         </p:blipFill>
         <p:spPr>
           <a:xfrm>
-            <a:off x="25549403" y="10873853"/>
-            <a:ext cx="507226" cy="337536"/>
+            <a:off x="23658512" y="10186506"/>
+            <a:ext cx="467857" cy="429227"/>
           </a:xfrm>
           <a:prstGeom prst="rect">
             <a:avLst/>
@@ -10108,14 +9758,14 @@
       </p:pic>
       <p:pic>
         <p:nvPicPr>
-          <p:cNvPr id="119" name="Grafik 118"/>
+          <p:cNvPr id="120" name="Grafik 119"/>
           <p:cNvPicPr>
             <a:picLocks noChangeAspect="1"/>
           </p:cNvPicPr>
           <p:nvPr/>
         </p:nvPicPr>
         <p:blipFill>
-          <a:blip r:embed="rId46" cstate="email">
+          <a:blip r:embed="rId36">
             <a:extLst>
               <a:ext uri="{28A0092B-C50C-407E-A947-70E740481C1C}">
                 <a14:useLocalDpi xmlns:a14="http://schemas.microsoft.com/office/drawing/2010/main" val="0"/>
@@ -10128,8 +9778,8 @@
         </p:blipFill>
         <p:spPr>
           <a:xfrm>
-            <a:off x="23658512" y="10186506"/>
-            <a:ext cx="467857" cy="429227"/>
+            <a:off x="23633140" y="11072356"/>
+            <a:ext cx="419100" cy="457200"/>
           </a:xfrm>
           <a:prstGeom prst="rect">
             <a:avLst/>
@@ -10138,14 +9788,14 @@
       </p:pic>
       <p:pic>
         <p:nvPicPr>
-          <p:cNvPr id="120" name="Grafik 119"/>
+          <p:cNvPr id="122" name="Grafik 121"/>
           <p:cNvPicPr>
             <a:picLocks noChangeAspect="1"/>
           </p:cNvPicPr>
           <p:nvPr/>
         </p:nvPicPr>
         <p:blipFill>
-          <a:blip r:embed="rId47">
+          <a:blip r:embed="rId37">
             <a:extLst>
               <a:ext uri="{28A0092B-C50C-407E-A947-70E740481C1C}">
                 <a14:useLocalDpi xmlns:a14="http://schemas.microsoft.com/office/drawing/2010/main" val="0"/>
@@ -10158,66 +9808,6 @@
         </p:blipFill>
         <p:spPr>
           <a:xfrm>
-            <a:off x="23633140" y="11072356"/>
-            <a:ext cx="419100" cy="457200"/>
-          </a:xfrm>
-          <a:prstGeom prst="rect">
-            <a:avLst/>
-          </a:prstGeom>
-        </p:spPr>
-      </p:pic>
-      <p:pic>
-        <p:nvPicPr>
-          <p:cNvPr id="121" name="Grafik 120"/>
-          <p:cNvPicPr>
-            <a:picLocks noChangeAspect="1"/>
-          </p:cNvPicPr>
-          <p:nvPr/>
-        </p:nvPicPr>
-        <p:blipFill>
-          <a:blip r:embed="rId48" cstate="email">
-            <a:extLst>
-              <a:ext uri="{28A0092B-C50C-407E-A947-70E740481C1C}">
-                <a14:useLocalDpi xmlns:a14="http://schemas.microsoft.com/office/drawing/2010/main" val="0"/>
-              </a:ext>
-            </a:extLst>
-          </a:blip>
-          <a:stretch>
-            <a:fillRect/>
-          </a:stretch>
-        </p:blipFill>
-        <p:spPr>
-          <a:xfrm>
-            <a:off x="26611725" y="9547471"/>
-            <a:ext cx="1405551" cy="1012869"/>
-          </a:xfrm>
-          <a:prstGeom prst="rect">
-            <a:avLst/>
-          </a:prstGeom>
-        </p:spPr>
-      </p:pic>
-      <p:pic>
-        <p:nvPicPr>
-          <p:cNvPr id="122" name="Grafik 121"/>
-          <p:cNvPicPr>
-            <a:picLocks noChangeAspect="1"/>
-          </p:cNvPicPr>
-          <p:nvPr/>
-        </p:nvPicPr>
-        <p:blipFill>
-          <a:blip r:embed="rId49">
-            <a:extLst>
-              <a:ext uri="{28A0092B-C50C-407E-A947-70E740481C1C}">
-                <a14:useLocalDpi xmlns:a14="http://schemas.microsoft.com/office/drawing/2010/main" val="0"/>
-              </a:ext>
-            </a:extLst>
-          </a:blip>
-          <a:stretch>
-            <a:fillRect/>
-          </a:stretch>
-        </p:blipFill>
-        <p:spPr>
-          <a:xfrm>
             <a:off x="22592399" y="9517358"/>
             <a:ext cx="900026" cy="346510"/>
           </a:xfrm>
@@ -10235,7 +9825,7 @@
           <p:nvPr/>
         </p:nvPicPr>
         <p:blipFill>
-          <a:blip r:embed="rId50">
+          <a:blip r:embed="rId38">
             <a:extLst>
               <a:ext uri="{28A0092B-C50C-407E-A947-70E740481C1C}">
                 <a14:useLocalDpi xmlns:a14="http://schemas.microsoft.com/office/drawing/2010/main" val="0"/>
@@ -10854,7 +10444,7 @@
           <p:nvPr/>
         </p:nvPicPr>
         <p:blipFill>
-          <a:blip r:embed="rId51">
+          <a:blip r:embed="rId39">
             <a:extLst>
               <a:ext uri="{28A0092B-C50C-407E-A947-70E740481C1C}">
                 <a14:useLocalDpi xmlns:a14="http://schemas.microsoft.com/office/drawing/2010/main" val="0"/>
@@ -10884,7 +10474,7 @@
           <p:nvPr/>
         </p:nvPicPr>
         <p:blipFill>
-          <a:blip r:embed="rId52">
+          <a:blip r:embed="rId40">
             <a:extLst>
               <a:ext uri="{28A0092B-C50C-407E-A947-70E740481C1C}">
                 <a14:useLocalDpi xmlns:a14="http://schemas.microsoft.com/office/drawing/2010/main" val="0"/>
@@ -10914,7 +10504,7 @@
           <p:nvPr/>
         </p:nvPicPr>
         <p:blipFill>
-          <a:blip r:embed="rId53">
+          <a:blip r:embed="rId41">
             <a:extLst>
               <a:ext uri="{28A0092B-C50C-407E-A947-70E740481C1C}">
                 <a14:useLocalDpi xmlns:a14="http://schemas.microsoft.com/office/drawing/2010/main" val="0"/>
@@ -10944,7 +10534,7 @@
           <p:nvPr/>
         </p:nvPicPr>
         <p:blipFill>
-          <a:blip r:embed="rId54">
+          <a:blip r:embed="rId42">
             <a:extLst>
               <a:ext uri="{28A0092B-C50C-407E-A947-70E740481C1C}">
                 <a14:useLocalDpi xmlns:a14="http://schemas.microsoft.com/office/drawing/2010/main" val="0"/>
@@ -10974,7 +10564,7 @@
           <p:nvPr/>
         </p:nvPicPr>
         <p:blipFill>
-          <a:blip r:embed="rId55">
+          <a:blip r:embed="rId43">
             <a:extLst>
               <a:ext uri="{28A0092B-C50C-407E-A947-70E740481C1C}">
                 <a14:useLocalDpi xmlns:a14="http://schemas.microsoft.com/office/drawing/2010/main" val="0"/>
@@ -11004,7 +10594,7 @@
           <p:nvPr/>
         </p:nvPicPr>
         <p:blipFill>
-          <a:blip r:embed="rId56">
+          <a:blip r:embed="rId44">
             <a:extLst>
               <a:ext uri="{28A0092B-C50C-407E-A947-70E740481C1C}">
                 <a14:useLocalDpi xmlns:a14="http://schemas.microsoft.com/office/drawing/2010/main" val="0"/>
@@ -11034,7 +10624,7 @@
           <p:nvPr/>
         </p:nvPicPr>
         <p:blipFill>
-          <a:blip r:embed="rId57">
+          <a:blip r:embed="rId45">
             <a:extLst>
               <a:ext uri="{28A0092B-C50C-407E-A947-70E740481C1C}">
                 <a14:useLocalDpi xmlns:a14="http://schemas.microsoft.com/office/drawing/2010/main" val="0"/>
@@ -11064,7 +10654,7 @@
           <p:nvPr/>
         </p:nvPicPr>
         <p:blipFill>
-          <a:blip r:embed="rId58">
+          <a:blip r:embed="rId46">
             <a:extLst>
               <a:ext uri="{28A0092B-C50C-407E-A947-70E740481C1C}">
                 <a14:useLocalDpi xmlns:a14="http://schemas.microsoft.com/office/drawing/2010/main" val="0"/>
@@ -11094,7 +10684,7 @@
           <p:nvPr/>
         </p:nvPicPr>
         <p:blipFill>
-          <a:blip r:embed="rId59" cstate="print">
+          <a:blip r:embed="rId47" cstate="print">
             <a:extLst>
               <a:ext uri="{28A0092B-C50C-407E-A947-70E740481C1C}">
                 <a14:useLocalDpi xmlns:a14="http://schemas.microsoft.com/office/drawing/2010/main" val="0"/>
@@ -11124,7 +10714,7 @@
           <p:nvPr/>
         </p:nvPicPr>
         <p:blipFill>
-          <a:blip r:embed="rId60">
+          <a:blip r:embed="rId48">
             <a:extLst>
               <a:ext uri="{28A0092B-C50C-407E-A947-70E740481C1C}">
                 <a14:useLocalDpi xmlns:a14="http://schemas.microsoft.com/office/drawing/2010/main" val="0"/>
@@ -11154,7 +10744,7 @@
           <p:nvPr/>
         </p:nvPicPr>
         <p:blipFill>
-          <a:blip r:embed="rId61">
+          <a:blip r:embed="rId49">
             <a:extLst>
               <a:ext uri="{28A0092B-C50C-407E-A947-70E740481C1C}">
                 <a14:useLocalDpi xmlns:a14="http://schemas.microsoft.com/office/drawing/2010/main" val="0"/>
@@ -11184,7 +10774,7 @@
           <p:nvPr/>
         </p:nvPicPr>
         <p:blipFill>
-          <a:blip r:embed="rId62" cstate="print">
+          <a:blip r:embed="rId50" cstate="print">
             <a:extLst>
               <a:ext uri="{28A0092B-C50C-407E-A947-70E740481C1C}">
                 <a14:useLocalDpi xmlns:a14="http://schemas.microsoft.com/office/drawing/2010/main" val="0"/>
@@ -11304,7 +10894,7 @@
           <p:nvPr/>
         </p:nvPicPr>
         <p:blipFill>
-          <a:blip r:embed="rId63">
+          <a:blip r:embed="rId51">
             <a:extLst>
               <a:ext uri="{28A0092B-C50C-407E-A947-70E740481C1C}">
                 <a14:useLocalDpi xmlns:a14="http://schemas.microsoft.com/office/drawing/2010/main" val="0"/>
@@ -11318,7 +10908,7 @@
         </p:blipFill>
         <p:spPr bwMode="auto">
           <a:xfrm>
-            <a:off x="27470304" y="17948395"/>
+            <a:off x="27460194" y="17909727"/>
             <a:ext cx="363831" cy="276511"/>
           </a:xfrm>
           <a:prstGeom prst="rect">
@@ -14391,7 +13981,7 @@
           <p:nvPr/>
         </p:nvPicPr>
         <p:blipFill>
-          <a:blip r:embed="rId49" cstate="email">
+          <a:blip r:embed="rId37" cstate="email">
             <a:extLst>
               <a:ext uri="{28A0092B-C50C-407E-A947-70E740481C1C}">
                 <a14:useLocalDpi xmlns:a14="http://schemas.microsoft.com/office/drawing/2010/main" val="0"/>
@@ -14481,7 +14071,7 @@
           <p:nvPr/>
         </p:nvPicPr>
         <p:blipFill>
-          <a:blip r:embed="rId64">
+          <a:blip r:embed="rId52">
             <a:extLst>
               <a:ext uri="{28A0092B-C50C-407E-A947-70E740481C1C}">
                 <a14:useLocalDpi xmlns:a14="http://schemas.microsoft.com/office/drawing/2010/main" val="0"/>
@@ -14496,6 +14086,396 @@
           <a:xfrm>
             <a:off x="28168312" y="41172984"/>
             <a:ext cx="1301584" cy="615034"/>
+          </a:xfrm>
+          <a:prstGeom prst="rect">
+            <a:avLst/>
+          </a:prstGeom>
+        </p:spPr>
+      </p:pic>
+      <p:pic>
+        <p:nvPicPr>
+          <p:cNvPr id="24" name="Grafik 23"/>
+          <p:cNvPicPr>
+            <a:picLocks noChangeAspect="1"/>
+          </p:cNvPicPr>
+          <p:nvPr/>
+        </p:nvPicPr>
+        <p:blipFill>
+          <a:blip r:embed="rId53">
+            <a:extLst>
+              <a:ext uri="{28A0092B-C50C-407E-A947-70E740481C1C}">
+                <a14:useLocalDpi xmlns:a14="http://schemas.microsoft.com/office/drawing/2010/main" val="0"/>
+              </a:ext>
+            </a:extLst>
+          </a:blip>
+          <a:stretch>
+            <a:fillRect/>
+          </a:stretch>
+        </p:blipFill>
+        <p:spPr>
+          <a:xfrm>
+            <a:off x="26191810" y="16769408"/>
+            <a:ext cx="262091" cy="258612"/>
+          </a:xfrm>
+          <a:prstGeom prst="rect">
+            <a:avLst/>
+          </a:prstGeom>
+        </p:spPr>
+      </p:pic>
+      <p:pic>
+        <p:nvPicPr>
+          <p:cNvPr id="29" name="Grafik 28"/>
+          <p:cNvPicPr>
+            <a:picLocks noChangeAspect="1"/>
+          </p:cNvPicPr>
+          <p:nvPr/>
+        </p:nvPicPr>
+        <p:blipFill>
+          <a:blip r:embed="rId54">
+            <a:extLst>
+              <a:ext uri="{28A0092B-C50C-407E-A947-70E740481C1C}">
+                <a14:useLocalDpi xmlns:a14="http://schemas.microsoft.com/office/drawing/2010/main" val="0"/>
+              </a:ext>
+            </a:extLst>
+          </a:blip>
+          <a:stretch>
+            <a:fillRect/>
+          </a:stretch>
+        </p:blipFill>
+        <p:spPr>
+          <a:xfrm>
+            <a:off x="22583175" y="17172273"/>
+            <a:ext cx="324365" cy="172714"/>
+          </a:xfrm>
+          <a:prstGeom prst="rect">
+            <a:avLst/>
+          </a:prstGeom>
+        </p:spPr>
+      </p:pic>
+      <p:pic>
+        <p:nvPicPr>
+          <p:cNvPr id="34" name="Grafik 33"/>
+          <p:cNvPicPr>
+            <a:picLocks noChangeAspect="1"/>
+          </p:cNvPicPr>
+          <p:nvPr/>
+        </p:nvPicPr>
+        <p:blipFill>
+          <a:blip r:embed="rId55">
+            <a:extLst>
+              <a:ext uri="{28A0092B-C50C-407E-A947-70E740481C1C}">
+                <a14:useLocalDpi xmlns:a14="http://schemas.microsoft.com/office/drawing/2010/main" val="0"/>
+              </a:ext>
+            </a:extLst>
+          </a:blip>
+          <a:stretch>
+            <a:fillRect/>
+          </a:stretch>
+        </p:blipFill>
+        <p:spPr>
+          <a:xfrm>
+            <a:off x="24148907" y="16983677"/>
+            <a:ext cx="418041" cy="307334"/>
+          </a:xfrm>
+          <a:prstGeom prst="rect">
+            <a:avLst/>
+          </a:prstGeom>
+        </p:spPr>
+      </p:pic>
+      <p:pic>
+        <p:nvPicPr>
+          <p:cNvPr id="35" name="Grafik 34"/>
+          <p:cNvPicPr>
+            <a:picLocks noChangeAspect="1"/>
+          </p:cNvPicPr>
+          <p:nvPr/>
+        </p:nvPicPr>
+        <p:blipFill>
+          <a:blip r:embed="rId56">
+            <a:extLst>
+              <a:ext uri="{28A0092B-C50C-407E-A947-70E740481C1C}">
+                <a14:useLocalDpi xmlns:a14="http://schemas.microsoft.com/office/drawing/2010/main" val="0"/>
+              </a:ext>
+            </a:extLst>
+          </a:blip>
+          <a:stretch>
+            <a:fillRect/>
+          </a:stretch>
+        </p:blipFill>
+        <p:spPr>
+          <a:xfrm>
+            <a:off x="26214529" y="14473729"/>
+            <a:ext cx="597817" cy="326082"/>
+          </a:xfrm>
+          <a:prstGeom prst="rect">
+            <a:avLst/>
+          </a:prstGeom>
+        </p:spPr>
+      </p:pic>
+      <p:pic>
+        <p:nvPicPr>
+          <p:cNvPr id="36" name="Grafik 35"/>
+          <p:cNvPicPr>
+            <a:picLocks noChangeAspect="1"/>
+          </p:cNvPicPr>
+          <p:nvPr/>
+        </p:nvPicPr>
+        <p:blipFill>
+          <a:blip r:embed="rId47">
+            <a:extLst>
+              <a:ext uri="{28A0092B-C50C-407E-A947-70E740481C1C}">
+                <a14:useLocalDpi xmlns:a14="http://schemas.microsoft.com/office/drawing/2010/main" val="0"/>
+              </a:ext>
+            </a:extLst>
+          </a:blip>
+          <a:stretch>
+            <a:fillRect/>
+          </a:stretch>
+        </p:blipFill>
+        <p:spPr>
+          <a:xfrm>
+            <a:off x="23990533" y="17772326"/>
+            <a:ext cx="624085" cy="179093"/>
+          </a:xfrm>
+          <a:prstGeom prst="rect">
+            <a:avLst/>
+          </a:prstGeom>
+        </p:spPr>
+      </p:pic>
+      <p:pic>
+        <p:nvPicPr>
+          <p:cNvPr id="37" name="Grafik 36"/>
+          <p:cNvPicPr>
+            <a:picLocks noChangeAspect="1"/>
+          </p:cNvPicPr>
+          <p:nvPr/>
+        </p:nvPicPr>
+        <p:blipFill>
+          <a:blip r:embed="rId49">
+            <a:extLst>
+              <a:ext uri="{28A0092B-C50C-407E-A947-70E740481C1C}">
+                <a14:useLocalDpi xmlns:a14="http://schemas.microsoft.com/office/drawing/2010/main" val="0"/>
+              </a:ext>
+            </a:extLst>
+          </a:blip>
+          <a:stretch>
+            <a:fillRect/>
+          </a:stretch>
+        </p:blipFill>
+        <p:spPr>
+          <a:xfrm>
+            <a:off x="24132324" y="17393923"/>
+            <a:ext cx="464688" cy="308108"/>
+          </a:xfrm>
+          <a:prstGeom prst="rect">
+            <a:avLst/>
+          </a:prstGeom>
+        </p:spPr>
+      </p:pic>
+      <p:pic>
+        <p:nvPicPr>
+          <p:cNvPr id="38" name="Grafik 37"/>
+          <p:cNvPicPr>
+            <a:picLocks noChangeAspect="1"/>
+          </p:cNvPicPr>
+          <p:nvPr/>
+        </p:nvPicPr>
+        <p:blipFill>
+          <a:blip r:embed="rId57">
+            <a:extLst>
+              <a:ext uri="{28A0092B-C50C-407E-A947-70E740481C1C}">
+                <a14:useLocalDpi xmlns:a14="http://schemas.microsoft.com/office/drawing/2010/main" val="0"/>
+              </a:ext>
+            </a:extLst>
+          </a:blip>
+          <a:stretch>
+            <a:fillRect/>
+          </a:stretch>
+        </p:blipFill>
+        <p:spPr>
+          <a:xfrm>
+            <a:off x="24148907" y="18038257"/>
+            <a:ext cx="434066" cy="373297"/>
+          </a:xfrm>
+          <a:prstGeom prst="rect">
+            <a:avLst/>
+          </a:prstGeom>
+        </p:spPr>
+      </p:pic>
+      <p:pic>
+        <p:nvPicPr>
+          <p:cNvPr id="40" name="Grafik 39"/>
+          <p:cNvPicPr>
+            <a:picLocks noChangeAspect="1"/>
+          </p:cNvPicPr>
+          <p:nvPr/>
+        </p:nvPicPr>
+        <p:blipFill>
+          <a:blip r:embed="rId58">
+            <a:extLst>
+              <a:ext uri="{28A0092B-C50C-407E-A947-70E740481C1C}">
+                <a14:useLocalDpi xmlns:a14="http://schemas.microsoft.com/office/drawing/2010/main" val="0"/>
+              </a:ext>
+            </a:extLst>
+          </a:blip>
+          <a:stretch>
+            <a:fillRect/>
+          </a:stretch>
+        </p:blipFill>
+        <p:spPr>
+          <a:xfrm>
+            <a:off x="25555799" y="10844530"/>
+            <a:ext cx="487595" cy="324472"/>
+          </a:xfrm>
+          <a:prstGeom prst="rect">
+            <a:avLst/>
+          </a:prstGeom>
+        </p:spPr>
+      </p:pic>
+      <p:pic>
+        <p:nvPicPr>
+          <p:cNvPr id="41" name="Grafik 40"/>
+          <p:cNvPicPr>
+            <a:picLocks noChangeAspect="1"/>
+          </p:cNvPicPr>
+          <p:nvPr/>
+        </p:nvPicPr>
+        <p:blipFill>
+          <a:blip r:embed="rId59">
+            <a:extLst>
+              <a:ext uri="{28A0092B-C50C-407E-A947-70E740481C1C}">
+                <a14:useLocalDpi xmlns:a14="http://schemas.microsoft.com/office/drawing/2010/main" val="0"/>
+              </a:ext>
+            </a:extLst>
+          </a:blip>
+          <a:stretch>
+            <a:fillRect/>
+          </a:stretch>
+        </p:blipFill>
+        <p:spPr>
+          <a:xfrm>
+            <a:off x="21324442" y="41485458"/>
+            <a:ext cx="2269201" cy="605120"/>
+          </a:xfrm>
+          <a:prstGeom prst="rect">
+            <a:avLst/>
+          </a:prstGeom>
+        </p:spPr>
+      </p:pic>
+      <p:pic>
+        <p:nvPicPr>
+          <p:cNvPr id="42" name="Grafik 41"/>
+          <p:cNvPicPr>
+            <a:picLocks noChangeAspect="1"/>
+          </p:cNvPicPr>
+          <p:nvPr/>
+        </p:nvPicPr>
+        <p:blipFill>
+          <a:blip r:embed="rId60">
+            <a:extLst>
+              <a:ext uri="{28A0092B-C50C-407E-A947-70E740481C1C}">
+                <a14:useLocalDpi xmlns:a14="http://schemas.microsoft.com/office/drawing/2010/main" val="0"/>
+              </a:ext>
+            </a:extLst>
+          </a:blip>
+          <a:stretch>
+            <a:fillRect/>
+          </a:stretch>
+        </p:blipFill>
+        <p:spPr>
+          <a:xfrm>
+            <a:off x="27436072" y="17285211"/>
+            <a:ext cx="402839" cy="235287"/>
+          </a:xfrm>
+          <a:prstGeom prst="rect">
+            <a:avLst/>
+          </a:prstGeom>
+        </p:spPr>
+      </p:pic>
+      <p:pic>
+        <p:nvPicPr>
+          <p:cNvPr id="43" name="Grafik 42"/>
+          <p:cNvPicPr>
+            <a:picLocks noChangeAspect="1"/>
+          </p:cNvPicPr>
+          <p:nvPr/>
+        </p:nvPicPr>
+        <p:blipFill>
+          <a:blip r:embed="rId61">
+            <a:extLst>
+              <a:ext uri="{28A0092B-C50C-407E-A947-70E740481C1C}">
+                <a14:useLocalDpi xmlns:a14="http://schemas.microsoft.com/office/drawing/2010/main" val="0"/>
+              </a:ext>
+            </a:extLst>
+          </a:blip>
+          <a:stretch>
+            <a:fillRect/>
+          </a:stretch>
+        </p:blipFill>
+        <p:spPr>
+          <a:xfrm>
+            <a:off x="26542119" y="17262344"/>
+            <a:ext cx="742378" cy="281451"/>
+          </a:xfrm>
+          <a:prstGeom prst="rect">
+            <a:avLst/>
+          </a:prstGeom>
+        </p:spPr>
+      </p:pic>
+      <p:pic>
+        <p:nvPicPr>
+          <p:cNvPr id="44" name="Grafik 43"/>
+          <p:cNvPicPr>
+            <a:picLocks noChangeAspect="1"/>
+          </p:cNvPicPr>
+          <p:nvPr/>
+        </p:nvPicPr>
+        <p:blipFill>
+          <a:blip r:embed="rId62">
+            <a:extLst>
+              <a:ext uri="{28A0092B-C50C-407E-A947-70E740481C1C}">
+                <a14:useLocalDpi xmlns:a14="http://schemas.microsoft.com/office/drawing/2010/main" val="0"/>
+              </a:ext>
+            </a:extLst>
+          </a:blip>
+          <a:stretch>
+            <a:fillRect/>
+          </a:stretch>
+        </p:blipFill>
+        <p:spPr>
+          <a:xfrm>
+            <a:off x="22781217" y="17785936"/>
+            <a:ext cx="302414" cy="302414"/>
+          </a:xfrm>
+          <a:prstGeom prst="rect">
+            <a:avLst/>
+          </a:prstGeom>
+        </p:spPr>
+      </p:pic>
+      <p:pic>
+        <p:nvPicPr>
+          <p:cNvPr id="46" name="Grafik 45"/>
+          <p:cNvPicPr>
+            <a:picLocks noChangeAspect="1"/>
+          </p:cNvPicPr>
+          <p:nvPr/>
+        </p:nvPicPr>
+        <p:blipFill>
+          <a:blip r:embed="rId63">
+            <a:extLst>
+              <a:ext uri="{28A0092B-C50C-407E-A947-70E740481C1C}">
+                <a14:useLocalDpi xmlns:a14="http://schemas.microsoft.com/office/drawing/2010/main" val="0"/>
+              </a:ext>
+            </a:extLst>
+          </a:blip>
+          <a:stretch>
+            <a:fillRect/>
+          </a:stretch>
+        </p:blipFill>
+        <p:spPr>
+          <a:xfrm>
+            <a:off x="26403588" y="9524988"/>
+            <a:ext cx="2020255" cy="1032347"/>
           </a:xfrm>
           <a:prstGeom prst="rect">
             <a:avLst/>
